--- a/docs/diagrams/LogicComponentSequenceDiagram.pptx
+++ b/docs/diagrams/LogicComponentSequenceDiagram.pptx
@@ -208,7 +208,7 @@
           <a:p>
             <a:fld id="{F5CC4B3F-88C1-4FFA-B1B6-F41C21DC6924}" type="datetimeFigureOut">
               <a:rPr lang="en-US" smtClean="0"/>
-              <a:t>2/6/2017</a:t>
+              <a:t>3/3/17</a:t>
             </a:fld>
             <a:endParaRPr lang="en-US"/>
           </a:p>
@@ -657,7 +657,7 @@
           <a:p>
             <a:fld id="{78C97017-6FC3-485B-9764-EAC9E56C1D49}" type="datetimeFigureOut">
               <a:rPr lang="en-US" smtClean="0"/>
-              <a:t>2/6/2017</a:t>
+              <a:t>3/3/17</a:t>
             </a:fld>
             <a:endParaRPr lang="en-US"/>
           </a:p>
@@ -827,7 +827,7 @@
           <a:p>
             <a:fld id="{78C97017-6FC3-485B-9764-EAC9E56C1D49}" type="datetimeFigureOut">
               <a:rPr lang="en-US" smtClean="0"/>
-              <a:t>2/6/2017</a:t>
+              <a:t>3/3/17</a:t>
             </a:fld>
             <a:endParaRPr lang="en-US"/>
           </a:p>
@@ -1007,7 +1007,7 @@
           <a:p>
             <a:fld id="{78C97017-6FC3-485B-9764-EAC9E56C1D49}" type="datetimeFigureOut">
               <a:rPr lang="en-US" smtClean="0"/>
-              <a:t>2/6/2017</a:t>
+              <a:t>3/3/17</a:t>
             </a:fld>
             <a:endParaRPr lang="en-US"/>
           </a:p>
@@ -1177,7 +1177,7 @@
           <a:p>
             <a:fld id="{78C97017-6FC3-485B-9764-EAC9E56C1D49}" type="datetimeFigureOut">
               <a:rPr lang="en-US" smtClean="0"/>
-              <a:t>2/6/2017</a:t>
+              <a:t>3/3/17</a:t>
             </a:fld>
             <a:endParaRPr lang="en-US"/>
           </a:p>
@@ -1423,7 +1423,7 @@
           <a:p>
             <a:fld id="{78C97017-6FC3-485B-9764-EAC9E56C1D49}" type="datetimeFigureOut">
               <a:rPr lang="en-US" smtClean="0"/>
-              <a:t>2/6/2017</a:t>
+              <a:t>3/3/17</a:t>
             </a:fld>
             <a:endParaRPr lang="en-US"/>
           </a:p>
@@ -1711,7 +1711,7 @@
           <a:p>
             <a:fld id="{78C97017-6FC3-485B-9764-EAC9E56C1D49}" type="datetimeFigureOut">
               <a:rPr lang="en-US" smtClean="0"/>
-              <a:t>2/6/2017</a:t>
+              <a:t>3/3/17</a:t>
             </a:fld>
             <a:endParaRPr lang="en-US"/>
           </a:p>
@@ -2133,7 +2133,7 @@
           <a:p>
             <a:fld id="{78C97017-6FC3-485B-9764-EAC9E56C1D49}" type="datetimeFigureOut">
               <a:rPr lang="en-US" smtClean="0"/>
-              <a:t>2/6/2017</a:t>
+              <a:t>3/3/17</a:t>
             </a:fld>
             <a:endParaRPr lang="en-US"/>
           </a:p>
@@ -2251,7 +2251,7 @@
           <a:p>
             <a:fld id="{78C97017-6FC3-485B-9764-EAC9E56C1D49}" type="datetimeFigureOut">
               <a:rPr lang="en-US" smtClean="0"/>
-              <a:t>2/6/2017</a:t>
+              <a:t>3/3/17</a:t>
             </a:fld>
             <a:endParaRPr lang="en-US"/>
           </a:p>
@@ -2346,7 +2346,7 @@
           <a:p>
             <a:fld id="{78C97017-6FC3-485B-9764-EAC9E56C1D49}" type="datetimeFigureOut">
               <a:rPr lang="en-US" smtClean="0"/>
-              <a:t>2/6/2017</a:t>
+              <a:t>3/3/17</a:t>
             </a:fld>
             <a:endParaRPr lang="en-US"/>
           </a:p>
@@ -2623,7 +2623,7 @@
           <a:p>
             <a:fld id="{78C97017-6FC3-485B-9764-EAC9E56C1D49}" type="datetimeFigureOut">
               <a:rPr lang="en-US" smtClean="0"/>
-              <a:t>2/6/2017</a:t>
+              <a:t>3/3/17</a:t>
             </a:fld>
             <a:endParaRPr lang="en-US"/>
           </a:p>
@@ -2876,7 +2876,7 @@
           <a:p>
             <a:fld id="{78C97017-6FC3-485B-9764-EAC9E56C1D49}" type="datetimeFigureOut">
               <a:rPr lang="en-US" smtClean="0"/>
-              <a:t>2/6/2017</a:t>
+              <a:t>3/3/17</a:t>
             </a:fld>
             <a:endParaRPr lang="en-US"/>
           </a:p>
@@ -3089,7 +3089,7 @@
           <a:p>
             <a:fld id="{78C97017-6FC3-485B-9764-EAC9E56C1D49}" type="datetimeFigureOut">
               <a:rPr lang="en-US" smtClean="0"/>
-              <a:t>2/6/2017</a:t>
+              <a:t>3/3/17</a:t>
             </a:fld>
             <a:endParaRPr lang="en-US"/>
           </a:p>
@@ -4691,7 +4691,7 @@
                   <a:srgbClr val="7030A0"/>
                 </a:solidFill>
               </a:rPr>
-              <a:t>deletePerson</a:t>
+              <a:t>deleteTask</a:t>
             </a:r>
             <a:r>
               <a:rPr lang="en-US" dirty="0" smtClean="0">
@@ -4699,7 +4699,15 @@
                   <a:srgbClr val="7030A0"/>
                 </a:solidFill>
               </a:rPr>
-              <a:t>(p)</a:t>
+              <a:t>(p</a:t>
+            </a:r>
+            <a:r>
+              <a:rPr lang="en-US" dirty="0" smtClean="0">
+                <a:solidFill>
+                  <a:srgbClr val="7030A0"/>
+                </a:solidFill>
+              </a:rPr>
+              <a:t>)</a:t>
             </a:r>
             <a:endParaRPr lang="en-US" dirty="0">
               <a:solidFill>

--- a/docs/diagrams/LogicComponentSequenceDiagram.pptx
+++ b/docs/diagrams/LogicComponentSequenceDiagram.pptx
@@ -208,7 +208,7 @@
           <a:p>
             <a:fld id="{F5CC4B3F-88C1-4FFA-B1B6-F41C21DC6924}" type="datetimeFigureOut">
               <a:rPr lang="en-US" smtClean="0"/>
-              <a:t>2/6/2017</a:t>
+              <a:t>3/9/17</a:t>
             </a:fld>
             <a:endParaRPr lang="en-US"/>
           </a:p>
@@ -657,7 +657,7 @@
           <a:p>
             <a:fld id="{78C97017-6FC3-485B-9764-EAC9E56C1D49}" type="datetimeFigureOut">
               <a:rPr lang="en-US" smtClean="0"/>
-              <a:t>2/6/2017</a:t>
+              <a:t>3/9/17</a:t>
             </a:fld>
             <a:endParaRPr lang="en-US"/>
           </a:p>
@@ -827,7 +827,7 @@
           <a:p>
             <a:fld id="{78C97017-6FC3-485B-9764-EAC9E56C1D49}" type="datetimeFigureOut">
               <a:rPr lang="en-US" smtClean="0"/>
-              <a:t>2/6/2017</a:t>
+              <a:t>3/9/17</a:t>
             </a:fld>
             <a:endParaRPr lang="en-US"/>
           </a:p>
@@ -1007,7 +1007,7 @@
           <a:p>
             <a:fld id="{78C97017-6FC3-485B-9764-EAC9E56C1D49}" type="datetimeFigureOut">
               <a:rPr lang="en-US" smtClean="0"/>
-              <a:t>2/6/2017</a:t>
+              <a:t>3/9/17</a:t>
             </a:fld>
             <a:endParaRPr lang="en-US"/>
           </a:p>
@@ -1177,7 +1177,7 @@
           <a:p>
             <a:fld id="{78C97017-6FC3-485B-9764-EAC9E56C1D49}" type="datetimeFigureOut">
               <a:rPr lang="en-US" smtClean="0"/>
-              <a:t>2/6/2017</a:t>
+              <a:t>3/9/17</a:t>
             </a:fld>
             <a:endParaRPr lang="en-US"/>
           </a:p>
@@ -1423,7 +1423,7 @@
           <a:p>
             <a:fld id="{78C97017-6FC3-485B-9764-EAC9E56C1D49}" type="datetimeFigureOut">
               <a:rPr lang="en-US" smtClean="0"/>
-              <a:t>2/6/2017</a:t>
+              <a:t>3/9/17</a:t>
             </a:fld>
             <a:endParaRPr lang="en-US"/>
           </a:p>
@@ -1711,7 +1711,7 @@
           <a:p>
             <a:fld id="{78C97017-6FC3-485B-9764-EAC9E56C1D49}" type="datetimeFigureOut">
               <a:rPr lang="en-US" smtClean="0"/>
-              <a:t>2/6/2017</a:t>
+              <a:t>3/9/17</a:t>
             </a:fld>
             <a:endParaRPr lang="en-US"/>
           </a:p>
@@ -2133,7 +2133,7 @@
           <a:p>
             <a:fld id="{78C97017-6FC3-485B-9764-EAC9E56C1D49}" type="datetimeFigureOut">
               <a:rPr lang="en-US" smtClean="0"/>
-              <a:t>2/6/2017</a:t>
+              <a:t>3/9/17</a:t>
             </a:fld>
             <a:endParaRPr lang="en-US"/>
           </a:p>
@@ -2251,7 +2251,7 @@
           <a:p>
             <a:fld id="{78C97017-6FC3-485B-9764-EAC9E56C1D49}" type="datetimeFigureOut">
               <a:rPr lang="en-US" smtClean="0"/>
-              <a:t>2/6/2017</a:t>
+              <a:t>3/9/17</a:t>
             </a:fld>
             <a:endParaRPr lang="en-US"/>
           </a:p>
@@ -2346,7 +2346,7 @@
           <a:p>
             <a:fld id="{78C97017-6FC3-485B-9764-EAC9E56C1D49}" type="datetimeFigureOut">
               <a:rPr lang="en-US" smtClean="0"/>
-              <a:t>2/6/2017</a:t>
+              <a:t>3/9/17</a:t>
             </a:fld>
             <a:endParaRPr lang="en-US"/>
           </a:p>
@@ -2623,7 +2623,7 @@
           <a:p>
             <a:fld id="{78C97017-6FC3-485B-9764-EAC9E56C1D49}" type="datetimeFigureOut">
               <a:rPr lang="en-US" smtClean="0"/>
-              <a:t>2/6/2017</a:t>
+              <a:t>3/9/17</a:t>
             </a:fld>
             <a:endParaRPr lang="en-US"/>
           </a:p>
@@ -2876,7 +2876,7 @@
           <a:p>
             <a:fld id="{78C97017-6FC3-485B-9764-EAC9E56C1D49}" type="datetimeFigureOut">
               <a:rPr lang="en-US" smtClean="0"/>
-              <a:t>2/6/2017</a:t>
+              <a:t>3/9/17</a:t>
             </a:fld>
             <a:endParaRPr lang="en-US"/>
           </a:p>
@@ -3089,7 +3089,7 @@
           <a:p>
             <a:fld id="{78C97017-6FC3-485B-9764-EAC9E56C1D49}" type="datetimeFigureOut">
               <a:rPr lang="en-US" smtClean="0"/>
-              <a:t>2/6/2017</a:t>
+              <a:t>3/9/17</a:t>
             </a:fld>
             <a:endParaRPr lang="en-US"/>
           </a:p>
@@ -4691,15 +4691,39 @@
                   <a:srgbClr val="7030A0"/>
                 </a:solidFill>
               </a:rPr>
-              <a:t>deletePerson</a:t>
-            </a:r>
-            <a:r>
-              <a:rPr lang="en-US" dirty="0" smtClean="0">
+              <a:t>delete</a:t>
+            </a:r>
+            <a:r>
+              <a:rPr lang="en-US" altLang="zh-CN" dirty="0" err="1" smtClean="0">
                 <a:solidFill>
                   <a:srgbClr val="7030A0"/>
                 </a:solidFill>
               </a:rPr>
-              <a:t>(p)</a:t>
+              <a:t>Task</a:t>
+            </a:r>
+            <a:r>
+              <a:rPr lang="en-US" smtClean="0">
+                <a:solidFill>
+                  <a:srgbClr val="7030A0"/>
+                </a:solidFill>
+              </a:rPr>
+              <a:t>(</a:t>
+            </a:r>
+            <a:r>
+              <a:rPr lang="en-US" altLang="zh-CN" smtClean="0">
+                <a:solidFill>
+                  <a:srgbClr val="7030A0"/>
+                </a:solidFill>
+              </a:rPr>
+              <a:t>t</a:t>
+            </a:r>
+            <a:r>
+              <a:rPr lang="en-US" smtClean="0">
+                <a:solidFill>
+                  <a:srgbClr val="7030A0"/>
+                </a:solidFill>
+              </a:rPr>
+              <a:t>)</a:t>
             </a:r>
             <a:endParaRPr lang="en-US" dirty="0">
               <a:solidFill>

--- a/docs/diagrams/LogicComponentSequenceDiagram.pptx
+++ b/docs/diagrams/LogicComponentSequenceDiagram.pptx
@@ -208,7 +208,7 @@
           <a:p>
             <a:fld id="{F5CC4B3F-88C1-4FFA-B1B6-F41C21DC6924}" type="datetimeFigureOut">
               <a:rPr lang="en-US" smtClean="0"/>
-              <a:t>2/6/2017</a:t>
+              <a:t>3/10/2017</a:t>
             </a:fld>
             <a:endParaRPr lang="en-US"/>
           </a:p>
@@ -272,38 +272,37 @@
           <a:p>
             <a:pPr lvl="0"/>
             <a:r>
-              <a:rPr lang="en-US" smtClean="0"/>
+              <a:rPr lang="en-US"/>
               <a:t>Click to edit Master text styles</a:t>
             </a:r>
           </a:p>
           <a:p>
             <a:pPr lvl="1"/>
             <a:r>
-              <a:rPr lang="en-US" smtClean="0"/>
+              <a:rPr lang="en-US"/>
               <a:t>Second level</a:t>
             </a:r>
           </a:p>
           <a:p>
             <a:pPr lvl="2"/>
             <a:r>
-              <a:rPr lang="en-US" smtClean="0"/>
+              <a:rPr lang="en-US"/>
               <a:t>Third level</a:t>
             </a:r>
           </a:p>
           <a:p>
             <a:pPr lvl="3"/>
             <a:r>
-              <a:rPr lang="en-US" smtClean="0"/>
+              <a:rPr lang="en-US"/>
               <a:t>Fourth level</a:t>
             </a:r>
           </a:p>
           <a:p>
             <a:pPr lvl="4"/>
             <a:r>
-              <a:rPr lang="en-US" smtClean="0"/>
+              <a:rPr lang="en-US"/>
               <a:t>Fifth level</a:t>
             </a:r>
-            <a:endParaRPr lang="en-US"/>
           </a:p>
         </p:txBody>
       </p:sp>
@@ -514,10 +513,9 @@
           <a:lstStyle/>
           <a:p>
             <a:r>
-              <a:rPr lang="en-US" smtClean="0"/>
+              <a:rPr lang="en-US"/>
               <a:t>Click to edit Master title style</a:t>
             </a:r>
-            <a:endParaRPr lang="en-US"/>
           </a:p>
         </p:txBody>
       </p:sp>
@@ -633,10 +631,9 @@
           </a:lstStyle>
           <a:p>
             <a:r>
-              <a:rPr lang="en-US" smtClean="0"/>
+              <a:rPr lang="en-US"/>
               <a:t>Click to edit Master subtitle style</a:t>
             </a:r>
-            <a:endParaRPr lang="en-US"/>
           </a:p>
         </p:txBody>
       </p:sp>
@@ -657,7 +654,7 @@
           <a:p>
             <a:fld id="{78C97017-6FC3-485B-9764-EAC9E56C1D49}" type="datetimeFigureOut">
               <a:rPr lang="en-US" smtClean="0"/>
-              <a:t>2/6/2017</a:t>
+              <a:t>3/10/2017</a:t>
             </a:fld>
             <a:endParaRPr lang="en-US"/>
           </a:p>
@@ -751,10 +748,9 @@
           <a:lstStyle/>
           <a:p>
             <a:r>
-              <a:rPr lang="en-US" smtClean="0"/>
+              <a:rPr lang="en-US"/>
               <a:t>Click to edit Master title style</a:t>
             </a:r>
-            <a:endParaRPr lang="en-US"/>
           </a:p>
         </p:txBody>
       </p:sp>
@@ -775,38 +771,37 @@
           <a:p>
             <a:pPr lvl="0"/>
             <a:r>
-              <a:rPr lang="en-US" smtClean="0"/>
+              <a:rPr lang="en-US"/>
               <a:t>Click to edit Master text styles</a:t>
             </a:r>
           </a:p>
           <a:p>
             <a:pPr lvl="1"/>
             <a:r>
-              <a:rPr lang="en-US" smtClean="0"/>
+              <a:rPr lang="en-US"/>
               <a:t>Second level</a:t>
             </a:r>
           </a:p>
           <a:p>
             <a:pPr lvl="2"/>
             <a:r>
-              <a:rPr lang="en-US" smtClean="0"/>
+              <a:rPr lang="en-US"/>
               <a:t>Third level</a:t>
             </a:r>
           </a:p>
           <a:p>
             <a:pPr lvl="3"/>
             <a:r>
-              <a:rPr lang="en-US" smtClean="0"/>
+              <a:rPr lang="en-US"/>
               <a:t>Fourth level</a:t>
             </a:r>
           </a:p>
           <a:p>
             <a:pPr lvl="4"/>
             <a:r>
-              <a:rPr lang="en-US" smtClean="0"/>
+              <a:rPr lang="en-US"/>
               <a:t>Fifth level</a:t>
             </a:r>
-            <a:endParaRPr lang="en-US"/>
           </a:p>
         </p:txBody>
       </p:sp>
@@ -827,7 +822,7 @@
           <a:p>
             <a:fld id="{78C97017-6FC3-485B-9764-EAC9E56C1D49}" type="datetimeFigureOut">
               <a:rPr lang="en-US" smtClean="0"/>
-              <a:t>2/6/2017</a:t>
+              <a:t>3/10/2017</a:t>
             </a:fld>
             <a:endParaRPr lang="en-US"/>
           </a:p>
@@ -926,10 +921,9 @@
           <a:lstStyle/>
           <a:p>
             <a:r>
-              <a:rPr lang="en-US" smtClean="0"/>
+              <a:rPr lang="en-US"/>
               <a:t>Click to edit Master title style</a:t>
             </a:r>
-            <a:endParaRPr lang="en-US"/>
           </a:p>
         </p:txBody>
       </p:sp>
@@ -955,38 +949,37 @@
           <a:p>
             <a:pPr lvl="0"/>
             <a:r>
-              <a:rPr lang="en-US" smtClean="0"/>
+              <a:rPr lang="en-US"/>
               <a:t>Click to edit Master text styles</a:t>
             </a:r>
           </a:p>
           <a:p>
             <a:pPr lvl="1"/>
             <a:r>
-              <a:rPr lang="en-US" smtClean="0"/>
+              <a:rPr lang="en-US"/>
               <a:t>Second level</a:t>
             </a:r>
           </a:p>
           <a:p>
             <a:pPr lvl="2"/>
             <a:r>
-              <a:rPr lang="en-US" smtClean="0"/>
+              <a:rPr lang="en-US"/>
               <a:t>Third level</a:t>
             </a:r>
           </a:p>
           <a:p>
             <a:pPr lvl="3"/>
             <a:r>
-              <a:rPr lang="en-US" smtClean="0"/>
+              <a:rPr lang="en-US"/>
               <a:t>Fourth level</a:t>
             </a:r>
           </a:p>
           <a:p>
             <a:pPr lvl="4"/>
             <a:r>
-              <a:rPr lang="en-US" smtClean="0"/>
+              <a:rPr lang="en-US"/>
               <a:t>Fifth level</a:t>
             </a:r>
-            <a:endParaRPr lang="en-US"/>
           </a:p>
         </p:txBody>
       </p:sp>
@@ -1007,7 +1000,7 @@
           <a:p>
             <a:fld id="{78C97017-6FC3-485B-9764-EAC9E56C1D49}" type="datetimeFigureOut">
               <a:rPr lang="en-US" smtClean="0"/>
-              <a:t>2/6/2017</a:t>
+              <a:t>3/10/2017</a:t>
             </a:fld>
             <a:endParaRPr lang="en-US"/>
           </a:p>
@@ -1101,10 +1094,9 @@
           <a:lstStyle/>
           <a:p>
             <a:r>
-              <a:rPr lang="en-US" smtClean="0"/>
+              <a:rPr lang="en-US"/>
               <a:t>Click to edit Master title style</a:t>
             </a:r>
-            <a:endParaRPr lang="en-US"/>
           </a:p>
         </p:txBody>
       </p:sp>
@@ -1125,38 +1117,37 @@
           <a:p>
             <a:pPr lvl="0"/>
             <a:r>
-              <a:rPr lang="en-US" smtClean="0"/>
+              <a:rPr lang="en-US"/>
               <a:t>Click to edit Master text styles</a:t>
             </a:r>
           </a:p>
           <a:p>
             <a:pPr lvl="1"/>
             <a:r>
-              <a:rPr lang="en-US" smtClean="0"/>
+              <a:rPr lang="en-US"/>
               <a:t>Second level</a:t>
             </a:r>
           </a:p>
           <a:p>
             <a:pPr lvl="2"/>
             <a:r>
-              <a:rPr lang="en-US" smtClean="0"/>
+              <a:rPr lang="en-US"/>
               <a:t>Third level</a:t>
             </a:r>
           </a:p>
           <a:p>
             <a:pPr lvl="3"/>
             <a:r>
-              <a:rPr lang="en-US" smtClean="0"/>
+              <a:rPr lang="en-US"/>
               <a:t>Fourth level</a:t>
             </a:r>
           </a:p>
           <a:p>
             <a:pPr lvl="4"/>
             <a:r>
-              <a:rPr lang="en-US" smtClean="0"/>
+              <a:rPr lang="en-US"/>
               <a:t>Fifth level</a:t>
             </a:r>
-            <a:endParaRPr lang="en-US"/>
           </a:p>
         </p:txBody>
       </p:sp>
@@ -1177,7 +1168,7 @@
           <a:p>
             <a:fld id="{78C97017-6FC3-485B-9764-EAC9E56C1D49}" type="datetimeFigureOut">
               <a:rPr lang="en-US" smtClean="0"/>
-              <a:t>2/6/2017</a:t>
+              <a:t>3/10/2017</a:t>
             </a:fld>
             <a:endParaRPr lang="en-US"/>
           </a:p>
@@ -1280,10 +1271,9 @@
           </a:lstStyle>
           <a:p>
             <a:r>
-              <a:rPr lang="en-US" smtClean="0"/>
+              <a:rPr lang="en-US"/>
               <a:t>Click to edit Master title style</a:t>
             </a:r>
-            <a:endParaRPr lang="en-US"/>
           </a:p>
         </p:txBody>
       </p:sp>
@@ -1400,7 +1390,7 @@
           <a:p>
             <a:pPr lvl="0"/>
             <a:r>
-              <a:rPr lang="en-US" smtClean="0"/>
+              <a:rPr lang="en-US"/>
               <a:t>Click to edit Master text styles</a:t>
             </a:r>
           </a:p>
@@ -1423,7 +1413,7 @@
           <a:p>
             <a:fld id="{78C97017-6FC3-485B-9764-EAC9E56C1D49}" type="datetimeFigureOut">
               <a:rPr lang="en-US" smtClean="0"/>
-              <a:t>2/6/2017</a:t>
+              <a:t>3/10/2017</a:t>
             </a:fld>
             <a:endParaRPr lang="en-US"/>
           </a:p>
@@ -1517,10 +1507,9 @@
           <a:lstStyle/>
           <a:p>
             <a:r>
-              <a:rPr lang="en-US" smtClean="0"/>
+              <a:rPr lang="en-US"/>
               <a:t>Click to edit Master title style</a:t>
             </a:r>
-            <a:endParaRPr lang="en-US"/>
           </a:p>
         </p:txBody>
       </p:sp>
@@ -1574,38 +1563,37 @@
           <a:p>
             <a:pPr lvl="0"/>
             <a:r>
-              <a:rPr lang="en-US" smtClean="0"/>
+              <a:rPr lang="en-US"/>
               <a:t>Click to edit Master text styles</a:t>
             </a:r>
           </a:p>
           <a:p>
             <a:pPr lvl="1"/>
             <a:r>
-              <a:rPr lang="en-US" smtClean="0"/>
+              <a:rPr lang="en-US"/>
               <a:t>Second level</a:t>
             </a:r>
           </a:p>
           <a:p>
             <a:pPr lvl="2"/>
             <a:r>
-              <a:rPr lang="en-US" smtClean="0"/>
+              <a:rPr lang="en-US"/>
               <a:t>Third level</a:t>
             </a:r>
           </a:p>
           <a:p>
             <a:pPr lvl="3"/>
             <a:r>
-              <a:rPr lang="en-US" smtClean="0"/>
+              <a:rPr lang="en-US"/>
               <a:t>Fourth level</a:t>
             </a:r>
           </a:p>
           <a:p>
             <a:pPr lvl="4"/>
             <a:r>
-              <a:rPr lang="en-US" smtClean="0"/>
+              <a:rPr lang="en-US"/>
               <a:t>Fifth level</a:t>
             </a:r>
-            <a:endParaRPr lang="en-US"/>
           </a:p>
         </p:txBody>
       </p:sp>
@@ -1659,38 +1647,37 @@
           <a:p>
             <a:pPr lvl="0"/>
             <a:r>
-              <a:rPr lang="en-US" smtClean="0"/>
+              <a:rPr lang="en-US"/>
               <a:t>Click to edit Master text styles</a:t>
             </a:r>
           </a:p>
           <a:p>
             <a:pPr lvl="1"/>
             <a:r>
-              <a:rPr lang="en-US" smtClean="0"/>
+              <a:rPr lang="en-US"/>
               <a:t>Second level</a:t>
             </a:r>
           </a:p>
           <a:p>
             <a:pPr lvl="2"/>
             <a:r>
-              <a:rPr lang="en-US" smtClean="0"/>
+              <a:rPr lang="en-US"/>
               <a:t>Third level</a:t>
             </a:r>
           </a:p>
           <a:p>
             <a:pPr lvl="3"/>
             <a:r>
-              <a:rPr lang="en-US" smtClean="0"/>
+              <a:rPr lang="en-US"/>
               <a:t>Fourth level</a:t>
             </a:r>
           </a:p>
           <a:p>
             <a:pPr lvl="4"/>
             <a:r>
-              <a:rPr lang="en-US" smtClean="0"/>
+              <a:rPr lang="en-US"/>
               <a:t>Fifth level</a:t>
             </a:r>
-            <a:endParaRPr lang="en-US"/>
           </a:p>
         </p:txBody>
       </p:sp>
@@ -1711,7 +1698,7 @@
           <a:p>
             <a:fld id="{78C97017-6FC3-485B-9764-EAC9E56C1D49}" type="datetimeFigureOut">
               <a:rPr lang="en-US" smtClean="0"/>
-              <a:t>2/6/2017</a:t>
+              <a:t>3/10/2017</a:t>
             </a:fld>
             <a:endParaRPr lang="en-US"/>
           </a:p>
@@ -1809,10 +1796,9 @@
           </a:lstStyle>
           <a:p>
             <a:r>
-              <a:rPr lang="en-US" smtClean="0"/>
+              <a:rPr lang="en-US"/>
               <a:t>Click to edit Master title style</a:t>
             </a:r>
-            <a:endParaRPr lang="en-US"/>
           </a:p>
         </p:txBody>
       </p:sp>
@@ -1875,7 +1861,7 @@
           <a:p>
             <a:pPr lvl="0"/>
             <a:r>
-              <a:rPr lang="en-US" smtClean="0"/>
+              <a:rPr lang="en-US"/>
               <a:t>Click to edit Master text styles</a:t>
             </a:r>
           </a:p>
@@ -1931,38 +1917,37 @@
           <a:p>
             <a:pPr lvl="0"/>
             <a:r>
-              <a:rPr lang="en-US" smtClean="0"/>
+              <a:rPr lang="en-US"/>
               <a:t>Click to edit Master text styles</a:t>
             </a:r>
           </a:p>
           <a:p>
             <a:pPr lvl="1"/>
             <a:r>
-              <a:rPr lang="en-US" smtClean="0"/>
+              <a:rPr lang="en-US"/>
               <a:t>Second level</a:t>
             </a:r>
           </a:p>
           <a:p>
             <a:pPr lvl="2"/>
             <a:r>
-              <a:rPr lang="en-US" smtClean="0"/>
+              <a:rPr lang="en-US"/>
               <a:t>Third level</a:t>
             </a:r>
           </a:p>
           <a:p>
             <a:pPr lvl="3"/>
             <a:r>
-              <a:rPr lang="en-US" smtClean="0"/>
+              <a:rPr lang="en-US"/>
               <a:t>Fourth level</a:t>
             </a:r>
           </a:p>
           <a:p>
             <a:pPr lvl="4"/>
             <a:r>
-              <a:rPr lang="en-US" smtClean="0"/>
+              <a:rPr lang="en-US"/>
               <a:t>Fifth level</a:t>
             </a:r>
-            <a:endParaRPr lang="en-US"/>
           </a:p>
         </p:txBody>
       </p:sp>
@@ -2025,7 +2010,7 @@
           <a:p>
             <a:pPr lvl="0"/>
             <a:r>
-              <a:rPr lang="en-US" smtClean="0"/>
+              <a:rPr lang="en-US"/>
               <a:t>Click to edit Master text styles</a:t>
             </a:r>
           </a:p>
@@ -2081,38 +2066,37 @@
           <a:p>
             <a:pPr lvl="0"/>
             <a:r>
-              <a:rPr lang="en-US" smtClean="0"/>
+              <a:rPr lang="en-US"/>
               <a:t>Click to edit Master text styles</a:t>
             </a:r>
           </a:p>
           <a:p>
             <a:pPr lvl="1"/>
             <a:r>
-              <a:rPr lang="en-US" smtClean="0"/>
+              <a:rPr lang="en-US"/>
               <a:t>Second level</a:t>
             </a:r>
           </a:p>
           <a:p>
             <a:pPr lvl="2"/>
             <a:r>
-              <a:rPr lang="en-US" smtClean="0"/>
+              <a:rPr lang="en-US"/>
               <a:t>Third level</a:t>
             </a:r>
           </a:p>
           <a:p>
             <a:pPr lvl="3"/>
             <a:r>
-              <a:rPr lang="en-US" smtClean="0"/>
+              <a:rPr lang="en-US"/>
               <a:t>Fourth level</a:t>
             </a:r>
           </a:p>
           <a:p>
             <a:pPr lvl="4"/>
             <a:r>
-              <a:rPr lang="en-US" smtClean="0"/>
+              <a:rPr lang="en-US"/>
               <a:t>Fifth level</a:t>
             </a:r>
-            <a:endParaRPr lang="en-US"/>
           </a:p>
         </p:txBody>
       </p:sp>
@@ -2133,7 +2117,7 @@
           <a:p>
             <a:fld id="{78C97017-6FC3-485B-9764-EAC9E56C1D49}" type="datetimeFigureOut">
               <a:rPr lang="en-US" smtClean="0"/>
-              <a:t>2/6/2017</a:t>
+              <a:t>3/10/2017</a:t>
             </a:fld>
             <a:endParaRPr lang="en-US"/>
           </a:p>
@@ -2227,10 +2211,9 @@
           <a:lstStyle/>
           <a:p>
             <a:r>
-              <a:rPr lang="en-US" smtClean="0"/>
+              <a:rPr lang="en-US"/>
               <a:t>Click to edit Master title style</a:t>
             </a:r>
-            <a:endParaRPr lang="en-US"/>
           </a:p>
         </p:txBody>
       </p:sp>
@@ -2251,7 +2234,7 @@
           <a:p>
             <a:fld id="{78C97017-6FC3-485B-9764-EAC9E56C1D49}" type="datetimeFigureOut">
               <a:rPr lang="en-US" smtClean="0"/>
-              <a:t>2/6/2017</a:t>
+              <a:t>3/10/2017</a:t>
             </a:fld>
             <a:endParaRPr lang="en-US"/>
           </a:p>
@@ -2346,7 +2329,7 @@
           <a:p>
             <a:fld id="{78C97017-6FC3-485B-9764-EAC9E56C1D49}" type="datetimeFigureOut">
               <a:rPr lang="en-US" smtClean="0"/>
-              <a:t>2/6/2017</a:t>
+              <a:t>3/10/2017</a:t>
             </a:fld>
             <a:endParaRPr lang="en-US"/>
           </a:p>
@@ -2449,10 +2432,9 @@
           </a:lstStyle>
           <a:p>
             <a:r>
-              <a:rPr lang="en-US" smtClean="0"/>
+              <a:rPr lang="en-US"/>
               <a:t>Click to edit Master title style</a:t>
             </a:r>
-            <a:endParaRPr lang="en-US"/>
           </a:p>
         </p:txBody>
       </p:sp>
@@ -2506,38 +2488,37 @@
           <a:p>
             <a:pPr lvl="0"/>
             <a:r>
-              <a:rPr lang="en-US" smtClean="0"/>
+              <a:rPr lang="en-US"/>
               <a:t>Click to edit Master text styles</a:t>
             </a:r>
           </a:p>
           <a:p>
             <a:pPr lvl="1"/>
             <a:r>
-              <a:rPr lang="en-US" smtClean="0"/>
+              <a:rPr lang="en-US"/>
               <a:t>Second level</a:t>
             </a:r>
           </a:p>
           <a:p>
             <a:pPr lvl="2"/>
             <a:r>
-              <a:rPr lang="en-US" smtClean="0"/>
+              <a:rPr lang="en-US"/>
               <a:t>Third level</a:t>
             </a:r>
           </a:p>
           <a:p>
             <a:pPr lvl="3"/>
             <a:r>
-              <a:rPr lang="en-US" smtClean="0"/>
+              <a:rPr lang="en-US"/>
               <a:t>Fourth level</a:t>
             </a:r>
           </a:p>
           <a:p>
             <a:pPr lvl="4"/>
             <a:r>
-              <a:rPr lang="en-US" smtClean="0"/>
+              <a:rPr lang="en-US"/>
               <a:t>Fifth level</a:t>
             </a:r>
-            <a:endParaRPr lang="en-US"/>
           </a:p>
         </p:txBody>
       </p:sp>
@@ -2600,7 +2581,7 @@
           <a:p>
             <a:pPr lvl="0"/>
             <a:r>
-              <a:rPr lang="en-US" smtClean="0"/>
+              <a:rPr lang="en-US"/>
               <a:t>Click to edit Master text styles</a:t>
             </a:r>
           </a:p>
@@ -2623,7 +2604,7 @@
           <a:p>
             <a:fld id="{78C97017-6FC3-485B-9764-EAC9E56C1D49}" type="datetimeFigureOut">
               <a:rPr lang="en-US" smtClean="0"/>
-              <a:t>2/6/2017</a:t>
+              <a:t>3/10/2017</a:t>
             </a:fld>
             <a:endParaRPr lang="en-US"/>
           </a:p>
@@ -2726,10 +2707,9 @@
           </a:lstStyle>
           <a:p>
             <a:r>
-              <a:rPr lang="en-US" smtClean="0"/>
+              <a:rPr lang="en-US"/>
               <a:t>Click to edit Master title style</a:t>
             </a:r>
-            <a:endParaRPr lang="en-US"/>
           </a:p>
         </p:txBody>
       </p:sp>
@@ -2853,7 +2833,7 @@
           <a:p>
             <a:pPr lvl="0"/>
             <a:r>
-              <a:rPr lang="en-US" smtClean="0"/>
+              <a:rPr lang="en-US"/>
               <a:t>Click to edit Master text styles</a:t>
             </a:r>
           </a:p>
@@ -2876,7 +2856,7 @@
           <a:p>
             <a:fld id="{78C97017-6FC3-485B-9764-EAC9E56C1D49}" type="datetimeFigureOut">
               <a:rPr lang="en-US" smtClean="0"/>
-              <a:t>2/6/2017</a:t>
+              <a:t>3/10/2017</a:t>
             </a:fld>
             <a:endParaRPr lang="en-US"/>
           </a:p>
@@ -2985,10 +2965,9 @@
           <a:lstStyle/>
           <a:p>
             <a:r>
-              <a:rPr lang="en-US" smtClean="0"/>
+              <a:rPr lang="en-US"/>
               <a:t>Click to edit Master title style</a:t>
             </a:r>
-            <a:endParaRPr lang="en-US"/>
           </a:p>
         </p:txBody>
       </p:sp>
@@ -3019,38 +2998,37 @@
           <a:p>
             <a:pPr lvl="0"/>
             <a:r>
-              <a:rPr lang="en-US" smtClean="0"/>
+              <a:rPr lang="en-US"/>
               <a:t>Click to edit Master text styles</a:t>
             </a:r>
           </a:p>
           <a:p>
             <a:pPr lvl="1"/>
             <a:r>
-              <a:rPr lang="en-US" smtClean="0"/>
+              <a:rPr lang="en-US"/>
               <a:t>Second level</a:t>
             </a:r>
           </a:p>
           <a:p>
             <a:pPr lvl="2"/>
             <a:r>
-              <a:rPr lang="en-US" smtClean="0"/>
+              <a:rPr lang="en-US"/>
               <a:t>Third level</a:t>
             </a:r>
           </a:p>
           <a:p>
             <a:pPr lvl="3"/>
             <a:r>
-              <a:rPr lang="en-US" smtClean="0"/>
+              <a:rPr lang="en-US"/>
               <a:t>Fourth level</a:t>
             </a:r>
           </a:p>
           <a:p>
             <a:pPr lvl="4"/>
             <a:r>
-              <a:rPr lang="en-US" smtClean="0"/>
+              <a:rPr lang="en-US"/>
               <a:t>Fifth level</a:t>
             </a:r>
-            <a:endParaRPr lang="en-US"/>
           </a:p>
         </p:txBody>
       </p:sp>
@@ -3089,7 +3067,7 @@
           <a:p>
             <a:fld id="{78C97017-6FC3-485B-9764-EAC9E56C1D49}" type="datetimeFigureOut">
               <a:rPr lang="en-US" smtClean="0"/>
-              <a:t>2/6/2017</a:t>
+              <a:t>3/10/2017</a:t>
             </a:fld>
             <a:endParaRPr lang="en-US"/>
           </a:p>
@@ -3510,7 +3488,7 @@
           <a:lstStyle/>
           <a:p>
             <a:r>
-              <a:rPr lang="en-US" sz="1200" b="1" dirty="0" smtClean="0">
+              <a:rPr lang="en-US" sz="1200" b="1" dirty="0">
                 <a:solidFill>
                   <a:srgbClr val="0070C0"/>
                 </a:solidFill>
@@ -3720,7 +3698,7 @@
           <a:p>
             <a:pPr algn="ctr"/>
             <a:r>
-              <a:rPr lang="en-US" sz="1600" dirty="0" smtClean="0">
+              <a:rPr lang="en-US" sz="1600" dirty="0">
                 <a:solidFill>
                   <a:schemeClr val="bg1"/>
                 </a:solidFill>
@@ -3867,20 +3845,12 @@
           <a:p>
             <a:pPr algn="ctr"/>
             <a:r>
-              <a:rPr lang="en-US" sz="1600" dirty="0" smtClean="0">
+              <a:rPr lang="en-US" sz="1600" dirty="0">
                 <a:solidFill>
                   <a:schemeClr val="bg1"/>
                 </a:solidFill>
               </a:rPr>
               <a:t>d:Delete</a:t>
-            </a:r>
-            <a:r>
-              <a:rPr lang="en-US" sz="1600" dirty="0">
-                <a:solidFill>
-                  <a:schemeClr val="bg1"/>
-                </a:solidFill>
-              </a:rPr>
-              <a:t/>
             </a:r>
             <a:br>
               <a:rPr lang="en-US" sz="1600" dirty="0">
@@ -4087,18 +4057,13 @@
           <a:p>
             <a:pPr algn="r"/>
             <a:r>
-              <a:rPr lang="en-US" sz="1400" dirty="0" smtClean="0">
+              <a:rPr lang="en-US" sz="1400" dirty="0">
                 <a:solidFill>
                   <a:srgbClr val="0070C0"/>
                 </a:solidFill>
               </a:rPr>
               <a:t>execute(“delete 1”)</a:t>
             </a:r>
-            <a:endParaRPr lang="en-US" sz="1400" dirty="0">
-              <a:solidFill>
-                <a:srgbClr val="0070C0"/>
-              </a:solidFill>
-            </a:endParaRPr>
           </a:p>
         </p:txBody>
       </p:sp>
@@ -4686,20 +4651,36 @@
           </a:lstStyle>
           <a:p>
             <a:r>
-              <a:rPr lang="en-US" dirty="0" err="1" smtClean="0">
+              <a:rPr lang="en-US" dirty="0" err="1">
                 <a:solidFill>
                   <a:srgbClr val="7030A0"/>
                 </a:solidFill>
               </a:rPr>
-              <a:t>deletePerson</a:t>
-            </a:r>
-            <a:r>
-              <a:rPr lang="en-US" dirty="0" smtClean="0">
+              <a:t>deleteTask</a:t>
+            </a:r>
+            <a:r>
+              <a:rPr lang="en-US">
                 <a:solidFill>
                   <a:srgbClr val="7030A0"/>
                 </a:solidFill>
               </a:rPr>
-              <a:t>(p)</a:t>
+              <a:t>(</a:t>
+            </a:r>
+            <a:r>
+              <a:rPr lang="en-US" dirty="0">
+                <a:solidFill>
+                  <a:srgbClr val="7030A0"/>
+                </a:solidFill>
+              </a:rPr>
+              <a:t>t</a:t>
+            </a:r>
+            <a:r>
+              <a:rPr lang="en-US">
+                <a:solidFill>
+                  <a:srgbClr val="7030A0"/>
+                </a:solidFill>
+              </a:rPr>
+              <a:t>)</a:t>
             </a:r>
             <a:endParaRPr lang="en-US" dirty="0">
               <a:solidFill>
@@ -4744,13 +4725,8 @@
           <a:p>
             <a:r>
               <a:rPr lang="en-US" sz="1200" dirty="0"/>
-              <a:t>p</a:t>
-            </a:r>
-            <a:r>
-              <a:rPr lang="en-US" sz="1200" dirty="0" smtClean="0"/>
-              <a:t>arse(“1”)</a:t>
-            </a:r>
-            <a:endParaRPr lang="en-US" sz="1200" dirty="0"/>
+              <a:t>parse(“1”)</a:t>
+            </a:r>
           </a:p>
         </p:txBody>
       </p:sp>
@@ -4788,10 +4764,9 @@
           </a:lstStyle>
           <a:p>
             <a:r>
-              <a:rPr lang="en-US" dirty="0" smtClean="0"/>
+              <a:rPr lang="en-US" dirty="0"/>
               <a:t>parse(“delete 1”)</a:t>
             </a:r>
-            <a:endParaRPr lang="en-US" dirty="0"/>
           </a:p>
         </p:txBody>
       </p:sp>
@@ -4829,10 +4804,9 @@
           </a:lstStyle>
           <a:p>
             <a:r>
-              <a:rPr lang="en-US" dirty="0" smtClean="0"/>
+              <a:rPr lang="en-US" dirty="0"/>
               <a:t>result</a:t>
             </a:r>
-            <a:endParaRPr lang="en-US" dirty="0"/>
           </a:p>
         </p:txBody>
       </p:sp>
@@ -4870,10 +4844,9 @@
           </a:lstStyle>
           <a:p>
             <a:r>
-              <a:rPr lang="en-US" dirty="0" smtClean="0"/>
+              <a:rPr lang="en-US" dirty="0"/>
               <a:t>result</a:t>
             </a:r>
-            <a:endParaRPr lang="en-US" dirty="0"/>
           </a:p>
         </p:txBody>
       </p:sp>
@@ -4921,7 +4894,7 @@
           <a:p>
             <a:pPr algn="ctr"/>
             <a:r>
-              <a:rPr lang="en-US" sz="1600" dirty="0" err="1" smtClean="0">
+              <a:rPr lang="en-US" sz="1600" dirty="0" err="1">
                 <a:solidFill>
                   <a:schemeClr val="bg1"/>
                 </a:solidFill>
@@ -4929,7 +4902,7 @@
               <a:t>result:Command</a:t>
             </a:r>
             <a:r>
-              <a:rPr lang="en-US" sz="1600" dirty="0" smtClean="0">
+              <a:rPr lang="en-US" sz="1600" dirty="0">
                 <a:solidFill>
                   <a:schemeClr val="bg1"/>
                 </a:solidFill>
@@ -5063,10 +5036,9 @@
           </a:lstStyle>
           <a:p>
             <a:r>
-              <a:rPr lang="en-US" dirty="0" smtClean="0"/>
+              <a:rPr lang="en-US" dirty="0"/>
               <a:t>d</a:t>
             </a:r>
-            <a:endParaRPr lang="en-US" dirty="0"/>
           </a:p>
         </p:txBody>
       </p:sp>
@@ -5114,7 +5086,7 @@
           <a:p>
             <a:pPr algn="ctr"/>
             <a:r>
-              <a:rPr lang="en-US" sz="1600" dirty="0" smtClean="0">
+              <a:rPr lang="en-US" sz="1600" dirty="0">
                 <a:solidFill>
                   <a:schemeClr val="bg1"/>
                 </a:solidFill>
@@ -5122,14 +5094,14 @@
               <a:t>:</a:t>
             </a:r>
             <a:r>
-              <a:rPr lang="en-US" sz="1600" dirty="0" err="1" smtClean="0">
+              <a:rPr lang="en-US" sz="1600" dirty="0" err="1">
                 <a:solidFill>
                   <a:schemeClr val="bg1"/>
                 </a:solidFill>
               </a:rPr>
               <a:t>DeleteCommand</a:t>
             </a:r>
-            <a:endParaRPr lang="en-US" sz="1600" dirty="0" smtClean="0">
+            <a:endParaRPr lang="en-US" sz="1600" dirty="0">
               <a:solidFill>
                 <a:schemeClr val="bg1"/>
               </a:solidFill>
@@ -5138,7 +5110,7 @@
           <a:p>
             <a:pPr algn="ctr"/>
             <a:r>
-              <a:rPr lang="en-US" sz="1600" dirty="0" smtClean="0">
+              <a:rPr lang="en-US" sz="1600" dirty="0">
                 <a:solidFill>
                   <a:schemeClr val="bg1"/>
                 </a:solidFill>
@@ -5489,18 +5461,13 @@
           <a:lstStyle/>
           <a:p>
             <a:r>
-              <a:rPr lang="en-SG" sz="1100" dirty="0" smtClean="0">
+              <a:rPr lang="en-SG" sz="1100" dirty="0">
                 <a:solidFill>
                   <a:srgbClr val="002060"/>
                 </a:solidFill>
               </a:rPr>
               <a:t>X</a:t>
             </a:r>
-            <a:endParaRPr lang="en-SG" sz="1100" dirty="0">
-              <a:solidFill>
-                <a:srgbClr val="002060"/>
-              </a:solidFill>
-            </a:endParaRPr>
           </a:p>
         </p:txBody>
       </p:sp>

--- a/docs/diagrams/LogicComponentSequenceDiagram.pptx
+++ b/docs/diagrams/LogicComponentSequenceDiagram.pptx
@@ -208,7 +208,7 @@
           <a:p>
             <a:fld id="{F5CC4B3F-88C1-4FFA-B1B6-F41C21DC6924}" type="datetimeFigureOut">
               <a:rPr lang="en-US" smtClean="0"/>
-              <a:t>2/6/2017</a:t>
+              <a:t>3/14/2017</a:t>
             </a:fld>
             <a:endParaRPr lang="en-US"/>
           </a:p>
@@ -657,7 +657,7 @@
           <a:p>
             <a:fld id="{78C97017-6FC3-485B-9764-EAC9E56C1D49}" type="datetimeFigureOut">
               <a:rPr lang="en-US" smtClean="0"/>
-              <a:t>2/6/2017</a:t>
+              <a:t>3/14/2017</a:t>
             </a:fld>
             <a:endParaRPr lang="en-US"/>
           </a:p>
@@ -827,7 +827,7 @@
           <a:p>
             <a:fld id="{78C97017-6FC3-485B-9764-EAC9E56C1D49}" type="datetimeFigureOut">
               <a:rPr lang="en-US" smtClean="0"/>
-              <a:t>2/6/2017</a:t>
+              <a:t>3/14/2017</a:t>
             </a:fld>
             <a:endParaRPr lang="en-US"/>
           </a:p>
@@ -1007,7 +1007,7 @@
           <a:p>
             <a:fld id="{78C97017-6FC3-485B-9764-EAC9E56C1D49}" type="datetimeFigureOut">
               <a:rPr lang="en-US" smtClean="0"/>
-              <a:t>2/6/2017</a:t>
+              <a:t>3/14/2017</a:t>
             </a:fld>
             <a:endParaRPr lang="en-US"/>
           </a:p>
@@ -1177,7 +1177,7 @@
           <a:p>
             <a:fld id="{78C97017-6FC3-485B-9764-EAC9E56C1D49}" type="datetimeFigureOut">
               <a:rPr lang="en-US" smtClean="0"/>
-              <a:t>2/6/2017</a:t>
+              <a:t>3/14/2017</a:t>
             </a:fld>
             <a:endParaRPr lang="en-US"/>
           </a:p>
@@ -1423,7 +1423,7 @@
           <a:p>
             <a:fld id="{78C97017-6FC3-485B-9764-EAC9E56C1D49}" type="datetimeFigureOut">
               <a:rPr lang="en-US" smtClean="0"/>
-              <a:t>2/6/2017</a:t>
+              <a:t>3/14/2017</a:t>
             </a:fld>
             <a:endParaRPr lang="en-US"/>
           </a:p>
@@ -1711,7 +1711,7 @@
           <a:p>
             <a:fld id="{78C97017-6FC3-485B-9764-EAC9E56C1D49}" type="datetimeFigureOut">
               <a:rPr lang="en-US" smtClean="0"/>
-              <a:t>2/6/2017</a:t>
+              <a:t>3/14/2017</a:t>
             </a:fld>
             <a:endParaRPr lang="en-US"/>
           </a:p>
@@ -2133,7 +2133,7 @@
           <a:p>
             <a:fld id="{78C97017-6FC3-485B-9764-EAC9E56C1D49}" type="datetimeFigureOut">
               <a:rPr lang="en-US" smtClean="0"/>
-              <a:t>2/6/2017</a:t>
+              <a:t>3/14/2017</a:t>
             </a:fld>
             <a:endParaRPr lang="en-US"/>
           </a:p>
@@ -2251,7 +2251,7 @@
           <a:p>
             <a:fld id="{78C97017-6FC3-485B-9764-EAC9E56C1D49}" type="datetimeFigureOut">
               <a:rPr lang="en-US" smtClean="0"/>
-              <a:t>2/6/2017</a:t>
+              <a:t>3/14/2017</a:t>
             </a:fld>
             <a:endParaRPr lang="en-US"/>
           </a:p>
@@ -2346,7 +2346,7 @@
           <a:p>
             <a:fld id="{78C97017-6FC3-485B-9764-EAC9E56C1D49}" type="datetimeFigureOut">
               <a:rPr lang="en-US" smtClean="0"/>
-              <a:t>2/6/2017</a:t>
+              <a:t>3/14/2017</a:t>
             </a:fld>
             <a:endParaRPr lang="en-US"/>
           </a:p>
@@ -2623,7 +2623,7 @@
           <a:p>
             <a:fld id="{78C97017-6FC3-485B-9764-EAC9E56C1D49}" type="datetimeFigureOut">
               <a:rPr lang="en-US" smtClean="0"/>
-              <a:t>2/6/2017</a:t>
+              <a:t>3/14/2017</a:t>
             </a:fld>
             <a:endParaRPr lang="en-US"/>
           </a:p>
@@ -2876,7 +2876,7 @@
           <a:p>
             <a:fld id="{78C97017-6FC3-485B-9764-EAC9E56C1D49}" type="datetimeFigureOut">
               <a:rPr lang="en-US" smtClean="0"/>
-              <a:t>2/6/2017</a:t>
+              <a:t>3/14/2017</a:t>
             </a:fld>
             <a:endParaRPr lang="en-US"/>
           </a:p>
@@ -3089,7 +3089,7 @@
           <a:p>
             <a:fld id="{78C97017-6FC3-485B-9764-EAC9E56C1D49}" type="datetimeFigureOut">
               <a:rPr lang="en-US" smtClean="0"/>
-              <a:t>2/6/2017</a:t>
+              <a:t>3/14/2017</a:t>
             </a:fld>
             <a:endParaRPr lang="en-US"/>
           </a:p>
@@ -3472,7 +3472,7 @@
         </p:nvSpPr>
         <p:spPr>
           <a:xfrm>
-            <a:off x="685800" y="1981200"/>
+            <a:off x="689992" y="1958865"/>
             <a:ext cx="7252956" cy="4000286"/>
           </a:xfrm>
           <a:prstGeom prst="roundRect">
@@ -3574,15 +3574,7 @@
                   <a:schemeClr val="bg1"/>
                 </a:solidFill>
               </a:rPr>
-              <a:t>:</a:t>
-            </a:r>
-            <a:r>
-              <a:rPr lang="en-US" sz="1600" dirty="0" err="1">
-                <a:solidFill>
-                  <a:schemeClr val="bg1"/>
-                </a:solidFill>
-              </a:rPr>
-              <a:t>LogicManager</a:t>
+              <a:t>:LogicManager</a:t>
             </a:r>
             <a:endParaRPr lang="en-SG" sz="1600" dirty="0">
               <a:solidFill>
@@ -3684,7 +3676,7 @@
         </p:nvSpPr>
         <p:spPr>
           <a:xfrm>
-            <a:off x="2809782" y="2300233"/>
+            <a:off x="2650537" y="2300233"/>
             <a:ext cx="1093635" cy="346760"/>
           </a:xfrm>
           <a:prstGeom prst="rect">
@@ -3743,7 +3735,7 @@
         </p:nvCxnSpPr>
         <p:spPr>
           <a:xfrm>
-            <a:off x="3356599" y="2663904"/>
+            <a:off x="3197354" y="2663904"/>
             <a:ext cx="0" cy="1695374"/>
           </a:xfrm>
           <a:prstGeom prst="line">
@@ -3780,7 +3772,7 @@
         </p:nvSpPr>
         <p:spPr>
           <a:xfrm>
-            <a:off x="3284590" y="3122096"/>
+            <a:off x="3125345" y="3122096"/>
             <a:ext cx="174929" cy="1129459"/>
           </a:xfrm>
           <a:prstGeom prst="rect">
@@ -3831,7 +3823,7 @@
         </p:nvSpPr>
         <p:spPr>
           <a:xfrm>
-            <a:off x="6221565" y="3312740"/>
+            <a:off x="6062320" y="3312740"/>
             <a:ext cx="1093635" cy="461538"/>
           </a:xfrm>
           <a:prstGeom prst="rect">
@@ -3915,7 +3907,7 @@
         </p:nvCxnSpPr>
         <p:spPr>
           <a:xfrm>
-            <a:off x="6772574" y="3774278"/>
+            <a:off x="6613329" y="3774278"/>
             <a:ext cx="0" cy="1940722"/>
           </a:xfrm>
           <a:prstGeom prst="line">
@@ -3952,7 +3944,7 @@
         </p:nvSpPr>
         <p:spPr>
           <a:xfrm>
-            <a:off x="6696374" y="3774278"/>
+            <a:off x="6537129" y="3774278"/>
             <a:ext cx="152400" cy="276003"/>
           </a:xfrm>
           <a:prstGeom prst="rect">
@@ -4035,8 +4027,8 @@
         </p:nvCxnSpPr>
         <p:spPr>
           <a:xfrm flipV="1">
-            <a:off x="1653251" y="3122097"/>
-            <a:ext cx="1596514" cy="1"/>
+            <a:off x="1604995" y="3121485"/>
+            <a:ext cx="1519205" cy="11795"/>
           </a:xfrm>
           <a:prstGeom prst="straightConnector1">
             <a:avLst/>
@@ -4071,7 +4063,7 @@
         </p:nvSpPr>
         <p:spPr>
           <a:xfrm>
-            <a:off x="0" y="2743200"/>
+            <a:off x="0" y="2778250"/>
             <a:ext cx="1424846" cy="215444"/>
           </a:xfrm>
           <a:prstGeom prst="rect">
@@ -4110,7 +4102,7 @@
         </p:nvCxnSpPr>
         <p:spPr>
           <a:xfrm flipV="1">
-            <a:off x="5257218" y="3703214"/>
+            <a:off x="5097973" y="3703214"/>
             <a:ext cx="922392" cy="1"/>
           </a:xfrm>
           <a:prstGeom prst="straightConnector1">
@@ -4146,7 +4138,7 @@
         </p:nvSpPr>
         <p:spPr>
           <a:xfrm>
-            <a:off x="4257582" y="4251556"/>
+            <a:off x="3429000" y="4251555"/>
             <a:ext cx="855809" cy="215444"/>
           </a:xfrm>
           <a:prstGeom prst="rect">
@@ -4186,7 +4178,7 @@
         </p:nvCxnSpPr>
         <p:spPr>
           <a:xfrm>
-            <a:off x="5257800" y="4050281"/>
+            <a:off x="5098555" y="4050281"/>
             <a:ext cx="1492974" cy="0"/>
           </a:xfrm>
           <a:prstGeom prst="straightConnector1">
@@ -4300,7 +4292,7 @@
         </p:nvSpPr>
         <p:spPr>
           <a:xfrm>
-            <a:off x="8265896" y="2362200"/>
+            <a:off x="8077200" y="2362200"/>
             <a:ext cx="1030504" cy="346760"/>
           </a:xfrm>
           <a:prstGeom prst="rect">
@@ -4401,7 +4393,7 @@
         </p:nvSpPr>
         <p:spPr>
           <a:xfrm>
-            <a:off x="6687452" y="4467000"/>
+            <a:off x="6528207" y="4467000"/>
             <a:ext cx="161322" cy="1019400"/>
           </a:xfrm>
           <a:prstGeom prst="rect">
@@ -4448,7 +4440,7 @@
         </p:nvCxnSpPr>
         <p:spPr>
           <a:xfrm>
-            <a:off x="8781148" y="2700858"/>
+            <a:off x="8581415" y="2700858"/>
             <a:ext cx="0" cy="2830598"/>
           </a:xfrm>
           <a:prstGeom prst="line">
@@ -4488,7 +4480,7 @@
         </p:nvSpPr>
         <p:spPr>
           <a:xfrm>
-            <a:off x="8686800" y="4524597"/>
+            <a:off x="8523362" y="4524598"/>
             <a:ext cx="152400" cy="199803"/>
           </a:xfrm>
           <a:prstGeom prst="rect">
@@ -4545,8 +4537,8 @@
         </p:nvCxnSpPr>
         <p:spPr>
           <a:xfrm>
-            <a:off x="6850663" y="4524597"/>
-            <a:ext cx="1836137" cy="0"/>
+            <a:off x="6689529" y="4524597"/>
+            <a:ext cx="1833834" cy="0"/>
           </a:xfrm>
           <a:prstGeom prst="straightConnector1">
             <a:avLst/>
@@ -4581,8 +4573,8 @@
         </p:nvCxnSpPr>
         <p:spPr>
           <a:xfrm flipV="1">
-            <a:off x="6848774" y="4714650"/>
-            <a:ext cx="1838026" cy="9750"/>
+            <a:off x="6689529" y="4713615"/>
+            <a:ext cx="1833834" cy="10786"/>
           </a:xfrm>
           <a:prstGeom prst="straightConnector1">
             <a:avLst/>
@@ -4660,7 +4652,7 @@
         </p:nvSpPr>
         <p:spPr>
           <a:xfrm>
-            <a:off x="6984957" y="4267200"/>
+            <a:off x="6694706" y="4296189"/>
             <a:ext cx="1424846" cy="215444"/>
           </a:xfrm>
           <a:prstGeom prst="rect">
@@ -4686,20 +4678,20 @@
           </a:lstStyle>
           <a:p>
             <a:r>
-              <a:rPr lang="en-US" dirty="0" err="1" smtClean="0">
-                <a:solidFill>
-                  <a:srgbClr val="7030A0"/>
-                </a:solidFill>
-              </a:rPr>
-              <a:t>deletePerson</a:t>
-            </a:r>
-            <a:r>
               <a:rPr lang="en-US" dirty="0" smtClean="0">
                 <a:solidFill>
                   <a:srgbClr val="7030A0"/>
                 </a:solidFill>
               </a:rPr>
-              <a:t>(p)</a:t>
+              <a:t>deleteTask(p</a:t>
+            </a:r>
+            <a:r>
+              <a:rPr lang="en-US" dirty="0" smtClean="0">
+                <a:solidFill>
+                  <a:srgbClr val="7030A0"/>
+                </a:solidFill>
+              </a:rPr>
+              <a:t>)</a:t>
             </a:r>
             <a:endParaRPr lang="en-US" dirty="0">
               <a:solidFill>
@@ -4717,7 +4709,7 @@
         </p:nvSpPr>
         <p:spPr>
           <a:xfrm>
-            <a:off x="3847551" y="3657600"/>
+            <a:off x="3688306" y="3657600"/>
             <a:ext cx="767033" cy="184666"/>
           </a:xfrm>
           <a:prstGeom prst="rect">
@@ -4762,8 +4754,8 @@
         </p:nvSpPr>
         <p:spPr>
           <a:xfrm>
-            <a:off x="1742982" y="2850922"/>
-            <a:ext cx="1424846" cy="215444"/>
+            <a:off x="1762023" y="2908756"/>
+            <a:ext cx="1285977" cy="215444"/>
           </a:xfrm>
           <a:prstGeom prst="rect">
             <a:avLst/>
@@ -4803,7 +4795,7 @@
         </p:nvSpPr>
         <p:spPr>
           <a:xfrm>
-            <a:off x="4340137" y="5255323"/>
+            <a:off x="4180892" y="5255323"/>
             <a:ext cx="621216" cy="215444"/>
           </a:xfrm>
           <a:prstGeom prst="rect">
@@ -4885,8 +4877,8 @@
         </p:nvSpPr>
         <p:spPr>
           <a:xfrm>
-            <a:off x="7020246" y="4777286"/>
-            <a:ext cx="1590354" cy="461538"/>
+            <a:off x="6861001" y="4777286"/>
+            <a:ext cx="1586162" cy="461538"/>
           </a:xfrm>
           <a:prstGeom prst="rect">
             <a:avLst/>
@@ -4921,20 +4913,12 @@
           <a:p>
             <a:pPr algn="ctr"/>
             <a:r>
-              <a:rPr lang="en-US" sz="1600" dirty="0" err="1" smtClean="0">
-                <a:solidFill>
-                  <a:schemeClr val="bg1"/>
-                </a:solidFill>
-              </a:rPr>
-              <a:t>result:Command</a:t>
-            </a:r>
-            <a:r>
               <a:rPr lang="en-US" sz="1600" dirty="0" smtClean="0">
                 <a:solidFill>
                   <a:schemeClr val="bg1"/>
                 </a:solidFill>
               </a:rPr>
-              <a:t> Result</a:t>
+              <a:t>result:Command Result</a:t>
             </a:r>
             <a:endParaRPr lang="en-SG" sz="1600" dirty="0">
               <a:solidFill>
@@ -4952,7 +4936,7 @@
         </p:nvSpPr>
         <p:spPr>
           <a:xfrm>
-            <a:off x="7777323" y="5238824"/>
+            <a:off x="7618078" y="5238824"/>
             <a:ext cx="152400" cy="171376"/>
           </a:xfrm>
           <a:prstGeom prst="rect">
@@ -4999,7 +4983,7 @@
         </p:nvCxnSpPr>
         <p:spPr>
           <a:xfrm>
-            <a:off x="6858000" y="5410200"/>
+            <a:off x="6698755" y="5410200"/>
             <a:ext cx="966624" cy="0"/>
           </a:xfrm>
           <a:prstGeom prst="straightConnector1">
@@ -5037,7 +5021,7 @@
         </p:nvSpPr>
         <p:spPr>
           <a:xfrm>
-            <a:off x="2673845" y="4027787"/>
+            <a:off x="2514600" y="4027787"/>
             <a:ext cx="220343" cy="215444"/>
           </a:xfrm>
           <a:prstGeom prst="rect">
@@ -5078,7 +5062,7 @@
         </p:nvSpPr>
         <p:spPr>
           <a:xfrm>
-            <a:off x="4231981" y="2929839"/>
+            <a:off x="4072736" y="2929839"/>
             <a:ext cx="1778201" cy="432035"/>
           </a:xfrm>
           <a:prstGeom prst="rect">
@@ -5119,21 +5103,8 @@
                   <a:schemeClr val="bg1"/>
                 </a:solidFill>
               </a:rPr>
-              <a:t>:</a:t>
-            </a:r>
-            <a:r>
-              <a:rPr lang="en-US" sz="1600" dirty="0" err="1" smtClean="0">
-                <a:solidFill>
-                  <a:schemeClr val="bg1"/>
-                </a:solidFill>
-              </a:rPr>
-              <a:t>DeleteCommand</a:t>
-            </a:r>
-            <a:endParaRPr lang="en-US" sz="1600" dirty="0" smtClean="0">
-              <a:solidFill>
-                <a:schemeClr val="bg1"/>
-              </a:solidFill>
-            </a:endParaRPr>
+              <a:t>:DeleteCommand</a:t>
+            </a:r>
           </a:p>
           <a:p>
             <a:pPr algn="ctr"/>
@@ -5161,7 +5132,7 @@
         </p:nvCxnSpPr>
         <p:spPr>
           <a:xfrm>
-            <a:off x="3462591" y="3657600"/>
+            <a:off x="3303346" y="3657600"/>
             <a:ext cx="1597356" cy="1"/>
           </a:xfrm>
           <a:prstGeom prst="straightConnector1">
@@ -5195,7 +5166,7 @@
         </p:nvSpPr>
         <p:spPr>
           <a:xfrm>
-            <a:off x="5059947" y="3352800"/>
+            <a:off x="4900702" y="3352800"/>
             <a:ext cx="205843" cy="123165"/>
           </a:xfrm>
           <a:prstGeom prst="rect">
@@ -5244,7 +5215,7 @@
         </p:nvCxnSpPr>
         <p:spPr>
           <a:xfrm>
-            <a:off x="5162869" y="3352800"/>
+            <a:off x="5003624" y="3352800"/>
             <a:ext cx="0" cy="990600"/>
           </a:xfrm>
           <a:prstGeom prst="line">
@@ -5281,7 +5252,7 @@
         </p:nvSpPr>
         <p:spPr>
           <a:xfrm>
-            <a:off x="5059947" y="3657601"/>
+            <a:off x="4900702" y="3657601"/>
             <a:ext cx="205843" cy="533400"/>
           </a:xfrm>
           <a:prstGeom prst="rect">
@@ -5328,7 +5299,7 @@
         </p:nvCxnSpPr>
         <p:spPr>
           <a:xfrm>
-            <a:off x="3499382" y="4185073"/>
+            <a:off x="3340137" y="4185073"/>
             <a:ext cx="1667219" cy="0"/>
           </a:xfrm>
           <a:prstGeom prst="straightConnector1">
@@ -5366,7 +5337,7 @@
         </p:nvCxnSpPr>
         <p:spPr>
           <a:xfrm>
-            <a:off x="6858000" y="5029200"/>
+            <a:off x="6698755" y="5029200"/>
             <a:ext cx="162246" cy="0"/>
           </a:xfrm>
           <a:prstGeom prst="straightConnector1">
@@ -5400,7 +5371,7 @@
         </p:nvCxnSpPr>
         <p:spPr>
           <a:xfrm>
-            <a:off x="3412425" y="3173004"/>
+            <a:off x="3253180" y="3173004"/>
             <a:ext cx="819556" cy="1"/>
           </a:xfrm>
           <a:prstGeom prst="straightConnector1">
@@ -5436,7 +5407,7 @@
         </p:nvCxnSpPr>
         <p:spPr>
           <a:xfrm>
-            <a:off x="3459519" y="3475965"/>
+            <a:off x="3300274" y="3475965"/>
             <a:ext cx="1600428" cy="0"/>
           </a:xfrm>
           <a:prstGeom prst="straightConnector1">
@@ -5474,7 +5445,7 @@
         </p:nvSpPr>
         <p:spPr>
           <a:xfrm>
-            <a:off x="5033665" y="4199590"/>
+            <a:off x="4874420" y="4199590"/>
             <a:ext cx="258404" cy="261610"/>
           </a:xfrm>
           <a:prstGeom prst="rect">

--- a/docs/diagrams/LogicComponentSequenceDiagram.pptx
+++ b/docs/diagrams/LogicComponentSequenceDiagram.pptx
@@ -208,7 +208,7 @@
           <a:p>
             <a:fld id="{F5CC4B3F-88C1-4FFA-B1B6-F41C21DC6924}" type="datetimeFigureOut">
               <a:rPr lang="en-US" smtClean="0"/>
-              <a:t>2/6/2017</a:t>
+              <a:t>3/14/2017</a:t>
             </a:fld>
             <a:endParaRPr lang="en-US"/>
           </a:p>
@@ -657,7 +657,7 @@
           <a:p>
             <a:fld id="{78C97017-6FC3-485B-9764-EAC9E56C1D49}" type="datetimeFigureOut">
               <a:rPr lang="en-US" smtClean="0"/>
-              <a:t>2/6/2017</a:t>
+              <a:t>3/14/2017</a:t>
             </a:fld>
             <a:endParaRPr lang="en-US"/>
           </a:p>
@@ -827,7 +827,7 @@
           <a:p>
             <a:fld id="{78C97017-6FC3-485B-9764-EAC9E56C1D49}" type="datetimeFigureOut">
               <a:rPr lang="en-US" smtClean="0"/>
-              <a:t>2/6/2017</a:t>
+              <a:t>3/14/2017</a:t>
             </a:fld>
             <a:endParaRPr lang="en-US"/>
           </a:p>
@@ -1007,7 +1007,7 @@
           <a:p>
             <a:fld id="{78C97017-6FC3-485B-9764-EAC9E56C1D49}" type="datetimeFigureOut">
               <a:rPr lang="en-US" smtClean="0"/>
-              <a:t>2/6/2017</a:t>
+              <a:t>3/14/2017</a:t>
             </a:fld>
             <a:endParaRPr lang="en-US"/>
           </a:p>
@@ -1177,7 +1177,7 @@
           <a:p>
             <a:fld id="{78C97017-6FC3-485B-9764-EAC9E56C1D49}" type="datetimeFigureOut">
               <a:rPr lang="en-US" smtClean="0"/>
-              <a:t>2/6/2017</a:t>
+              <a:t>3/14/2017</a:t>
             </a:fld>
             <a:endParaRPr lang="en-US"/>
           </a:p>
@@ -1423,7 +1423,7 @@
           <a:p>
             <a:fld id="{78C97017-6FC3-485B-9764-EAC9E56C1D49}" type="datetimeFigureOut">
               <a:rPr lang="en-US" smtClean="0"/>
-              <a:t>2/6/2017</a:t>
+              <a:t>3/14/2017</a:t>
             </a:fld>
             <a:endParaRPr lang="en-US"/>
           </a:p>
@@ -1711,7 +1711,7 @@
           <a:p>
             <a:fld id="{78C97017-6FC3-485B-9764-EAC9E56C1D49}" type="datetimeFigureOut">
               <a:rPr lang="en-US" smtClean="0"/>
-              <a:t>2/6/2017</a:t>
+              <a:t>3/14/2017</a:t>
             </a:fld>
             <a:endParaRPr lang="en-US"/>
           </a:p>
@@ -2133,7 +2133,7 @@
           <a:p>
             <a:fld id="{78C97017-6FC3-485B-9764-EAC9E56C1D49}" type="datetimeFigureOut">
               <a:rPr lang="en-US" smtClean="0"/>
-              <a:t>2/6/2017</a:t>
+              <a:t>3/14/2017</a:t>
             </a:fld>
             <a:endParaRPr lang="en-US"/>
           </a:p>
@@ -2251,7 +2251,7 @@
           <a:p>
             <a:fld id="{78C97017-6FC3-485B-9764-EAC9E56C1D49}" type="datetimeFigureOut">
               <a:rPr lang="en-US" smtClean="0"/>
-              <a:t>2/6/2017</a:t>
+              <a:t>3/14/2017</a:t>
             </a:fld>
             <a:endParaRPr lang="en-US"/>
           </a:p>
@@ -2346,7 +2346,7 @@
           <a:p>
             <a:fld id="{78C97017-6FC3-485B-9764-EAC9E56C1D49}" type="datetimeFigureOut">
               <a:rPr lang="en-US" smtClean="0"/>
-              <a:t>2/6/2017</a:t>
+              <a:t>3/14/2017</a:t>
             </a:fld>
             <a:endParaRPr lang="en-US"/>
           </a:p>
@@ -2623,7 +2623,7 @@
           <a:p>
             <a:fld id="{78C97017-6FC3-485B-9764-EAC9E56C1D49}" type="datetimeFigureOut">
               <a:rPr lang="en-US" smtClean="0"/>
-              <a:t>2/6/2017</a:t>
+              <a:t>3/14/2017</a:t>
             </a:fld>
             <a:endParaRPr lang="en-US"/>
           </a:p>
@@ -2876,7 +2876,7 @@
           <a:p>
             <a:fld id="{78C97017-6FC3-485B-9764-EAC9E56C1D49}" type="datetimeFigureOut">
               <a:rPr lang="en-US" smtClean="0"/>
-              <a:t>2/6/2017</a:t>
+              <a:t>3/14/2017</a:t>
             </a:fld>
             <a:endParaRPr lang="en-US"/>
           </a:p>
@@ -3089,7 +3089,7 @@
           <a:p>
             <a:fld id="{78C97017-6FC3-485B-9764-EAC9E56C1D49}" type="datetimeFigureOut">
               <a:rPr lang="en-US" smtClean="0"/>
-              <a:t>2/6/2017</a:t>
+              <a:t>3/14/2017</a:t>
             </a:fld>
             <a:endParaRPr lang="en-US"/>
           </a:p>
@@ -3466,7 +3466,7 @@
       </p:grpSpPr>
       <p:sp>
         <p:nvSpPr>
-          <p:cNvPr id="81" name="Rectangle 65"/>
+          <p:cNvPr id="47" name="Rectangle 65"/>
           <p:cNvSpPr/>
           <p:nvPr/>
         </p:nvSpPr>
@@ -3527,7 +3527,7 @@
       </p:sp>
       <p:sp>
         <p:nvSpPr>
-          <p:cNvPr id="2" name="Rectangle 62"/>
+          <p:cNvPr id="48" name="Rectangle 62"/>
           <p:cNvSpPr/>
           <p:nvPr/>
         </p:nvSpPr>
@@ -3594,7 +3594,7 @@
       </p:sp>
       <p:cxnSp>
         <p:nvCxnSpPr>
-          <p:cNvPr id="5" name="Straight Connector 4"/>
+          <p:cNvPr id="53" name="Straight Connector 52"/>
           <p:cNvCxnSpPr/>
           <p:nvPr/>
         </p:nvCxnSpPr>
@@ -3631,7 +3631,7 @@
       </p:cxnSp>
       <p:sp>
         <p:nvSpPr>
-          <p:cNvPr id="6" name="Rectangle 5"/>
+          <p:cNvPr id="54" name="Rectangle 53"/>
           <p:cNvSpPr/>
           <p:nvPr/>
         </p:nvSpPr>
@@ -3678,7 +3678,7 @@
       </p:sp>
       <p:sp>
         <p:nvSpPr>
-          <p:cNvPr id="16" name="Rectangle 62"/>
+          <p:cNvPr id="55" name="Rectangle 62"/>
           <p:cNvSpPr/>
           <p:nvPr/>
         </p:nvSpPr>
@@ -3737,7 +3737,7 @@
       </p:sp>
       <p:cxnSp>
         <p:nvCxnSpPr>
-          <p:cNvPr id="17" name="Straight Connector 16"/>
+          <p:cNvPr id="56" name="Straight Connector 55"/>
           <p:cNvCxnSpPr/>
           <p:nvPr/>
         </p:nvCxnSpPr>
@@ -3774,7 +3774,7 @@
       </p:cxnSp>
       <p:sp>
         <p:nvSpPr>
-          <p:cNvPr id="18" name="Rectangle 17"/>
+          <p:cNvPr id="57" name="Rectangle 56"/>
           <p:cNvSpPr/>
           <p:nvPr/>
         </p:nvSpPr>
@@ -3825,7 +3825,7 @@
       </p:sp>
       <p:sp>
         <p:nvSpPr>
-          <p:cNvPr id="19" name="Rectangle 62"/>
+          <p:cNvPr id="58" name="Rectangle 62"/>
           <p:cNvSpPr/>
           <p:nvPr/>
         </p:nvSpPr>
@@ -3907,9 +3907,9 @@
       </p:sp>
       <p:cxnSp>
         <p:nvCxnSpPr>
-          <p:cNvPr id="20" name="Straight Connector 19"/>
+          <p:cNvPr id="59" name="Straight Connector 58"/>
           <p:cNvCxnSpPr>
-            <a:stCxn id="21" idx="0"/>
+            <a:stCxn id="60" idx="0"/>
           </p:cNvCxnSpPr>
           <p:nvPr/>
         </p:nvCxnSpPr>
@@ -3946,7 +3946,7 @@
       </p:cxnSp>
       <p:sp>
         <p:nvSpPr>
-          <p:cNvPr id="21" name="Rectangle 20"/>
+          <p:cNvPr id="60" name="Rectangle 59"/>
           <p:cNvSpPr/>
           <p:nvPr/>
         </p:nvSpPr>
@@ -3993,7 +3993,7 @@
       </p:sp>
       <p:cxnSp>
         <p:nvCxnSpPr>
-          <p:cNvPr id="23" name="Straight Arrow Connector 22"/>
+          <p:cNvPr id="61" name="Straight Arrow Connector 60"/>
           <p:cNvCxnSpPr/>
           <p:nvPr/>
         </p:nvCxnSpPr>
@@ -4029,7 +4029,7 @@
       </p:cxnSp>
       <p:cxnSp>
         <p:nvCxnSpPr>
-          <p:cNvPr id="25" name="Straight Arrow Connector 24"/>
+          <p:cNvPr id="62" name="Straight Arrow Connector 61"/>
           <p:cNvCxnSpPr/>
           <p:nvPr/>
         </p:nvCxnSpPr>
@@ -4065,7 +4065,7 @@
       </p:cxnSp>
       <p:sp>
         <p:nvSpPr>
-          <p:cNvPr id="26" name="TextBox 25"/>
+          <p:cNvPr id="63" name="TextBox 62"/>
           <p:cNvSpPr txBox="1"/>
           <p:nvPr/>
         </p:nvSpPr>
@@ -4104,7 +4104,7 @@
       </p:sp>
       <p:cxnSp>
         <p:nvCxnSpPr>
-          <p:cNvPr id="28" name="Straight Arrow Connector 27"/>
+          <p:cNvPr id="66" name="Straight Arrow Connector 65"/>
           <p:cNvCxnSpPr/>
           <p:nvPr/>
         </p:nvCxnSpPr>
@@ -4140,7 +4140,7 @@
       </p:cxnSp>
       <p:sp>
         <p:nvSpPr>
-          <p:cNvPr id="29" name="TextBox 28"/>
+          <p:cNvPr id="67" name="TextBox 66"/>
           <p:cNvSpPr txBox="1"/>
           <p:nvPr/>
         </p:nvSpPr>
@@ -4180,7 +4180,7 @@
       </p:sp>
       <p:cxnSp>
         <p:nvCxnSpPr>
-          <p:cNvPr id="34" name="Straight Arrow Connector 33"/>
+          <p:cNvPr id="68" name="Straight Arrow Connector 67"/>
           <p:cNvCxnSpPr/>
           <p:nvPr/>
         </p:nvCxnSpPr>
@@ -4218,7 +4218,7 @@
       </p:cxnSp>
       <p:cxnSp>
         <p:nvCxnSpPr>
-          <p:cNvPr id="35" name="Straight Arrow Connector 34"/>
+          <p:cNvPr id="69" name="Straight Arrow Connector 68"/>
           <p:cNvCxnSpPr/>
           <p:nvPr/>
         </p:nvCxnSpPr>
@@ -4256,7 +4256,7 @@
       </p:cxnSp>
       <p:cxnSp>
         <p:nvCxnSpPr>
-          <p:cNvPr id="37" name="Straight Arrow Connector 36"/>
+          <p:cNvPr id="70" name="Straight Arrow Connector 69"/>
           <p:cNvCxnSpPr/>
           <p:nvPr/>
         </p:nvCxnSpPr>
@@ -4294,7 +4294,7 @@
       </p:cxnSp>
       <p:sp>
         <p:nvSpPr>
-          <p:cNvPr id="39" name="Rectangle 62"/>
+          <p:cNvPr id="72" name="Rectangle 62"/>
           <p:cNvSpPr/>
           <p:nvPr/>
         </p:nvSpPr>
@@ -4359,7 +4359,7 @@
       </p:sp>
       <p:cxnSp>
         <p:nvCxnSpPr>
-          <p:cNvPr id="64" name="Straight Arrow Connector 63"/>
+          <p:cNvPr id="74" name="Straight Arrow Connector 73"/>
           <p:cNvCxnSpPr/>
           <p:nvPr/>
         </p:nvCxnSpPr>
@@ -4395,7 +4395,7 @@
       </p:cxnSp>
       <p:sp>
         <p:nvSpPr>
-          <p:cNvPr id="65" name="Rectangle 64"/>
+          <p:cNvPr id="85" name="Rectangle 84"/>
           <p:cNvSpPr/>
           <p:nvPr/>
         </p:nvSpPr>
@@ -4442,7 +4442,7 @@
       </p:sp>
       <p:cxnSp>
         <p:nvCxnSpPr>
-          <p:cNvPr id="71" name="Straight Connector 70"/>
+          <p:cNvPr id="87" name="Straight Connector 86"/>
           <p:cNvCxnSpPr/>
           <p:nvPr/>
         </p:nvCxnSpPr>
@@ -4482,7 +4482,7 @@
       </p:cxnSp>
       <p:sp>
         <p:nvSpPr>
-          <p:cNvPr id="73" name="Rectangle 72"/>
+          <p:cNvPr id="88" name="Rectangle 87"/>
           <p:cNvSpPr/>
           <p:nvPr/>
         </p:nvSpPr>
@@ -4539,7 +4539,7 @@
       </p:sp>
       <p:cxnSp>
         <p:nvCxnSpPr>
-          <p:cNvPr id="75" name="Straight Arrow Connector 74"/>
+          <p:cNvPr id="89" name="Straight Arrow Connector 88"/>
           <p:cNvCxnSpPr/>
           <p:nvPr/>
         </p:nvCxnSpPr>
@@ -4575,7 +4575,7 @@
       </p:cxnSp>
       <p:cxnSp>
         <p:nvCxnSpPr>
-          <p:cNvPr id="76" name="Straight Arrow Connector 75"/>
+          <p:cNvPr id="91" name="Straight Arrow Connector 90"/>
           <p:cNvCxnSpPr/>
           <p:nvPr/>
         </p:nvCxnSpPr>
@@ -4616,7 +4616,7 @@
       </p:cxnSp>
       <p:cxnSp>
         <p:nvCxnSpPr>
-          <p:cNvPr id="77" name="Straight Arrow Connector 76"/>
+          <p:cNvPr id="92" name="Straight Arrow Connector 91"/>
           <p:cNvCxnSpPr/>
           <p:nvPr/>
         </p:nvCxnSpPr>
@@ -4654,7 +4654,7 @@
       </p:cxnSp>
       <p:sp>
         <p:nvSpPr>
-          <p:cNvPr id="78" name="TextBox 77"/>
+          <p:cNvPr id="94" name="TextBox 93"/>
           <p:cNvSpPr txBox="1"/>
           <p:nvPr/>
         </p:nvSpPr>
@@ -4691,15 +4691,15 @@
                   <a:srgbClr val="7030A0"/>
                 </a:solidFill>
               </a:rPr>
-              <a:t>deletePerson</a:t>
-            </a:r>
-            <a:r>
-              <a:rPr lang="en-US" dirty="0" smtClean="0">
+              <a:t>deleteTask</a:t>
+            </a:r>
+            <a:r>
+              <a:rPr lang="en-US" smtClean="0">
                 <a:solidFill>
                   <a:srgbClr val="7030A0"/>
                 </a:solidFill>
               </a:rPr>
-              <a:t>(p)</a:t>
+              <a:t>(t)</a:t>
             </a:r>
             <a:endParaRPr lang="en-US" dirty="0">
               <a:solidFill>
@@ -4711,7 +4711,7 @@
       </p:sp>
       <p:sp>
         <p:nvSpPr>
-          <p:cNvPr id="79" name="TextBox 78"/>
+          <p:cNvPr id="95" name="TextBox 94"/>
           <p:cNvSpPr txBox="1"/>
           <p:nvPr/>
         </p:nvSpPr>
@@ -4756,7 +4756,7 @@
       </p:sp>
       <p:sp>
         <p:nvSpPr>
-          <p:cNvPr id="80" name="TextBox 79"/>
+          <p:cNvPr id="96" name="TextBox 95"/>
           <p:cNvSpPr txBox="1"/>
           <p:nvPr/>
         </p:nvSpPr>
@@ -4797,7 +4797,7 @@
       </p:sp>
       <p:sp>
         <p:nvSpPr>
-          <p:cNvPr id="82" name="TextBox 81"/>
+          <p:cNvPr id="97" name="TextBox 96"/>
           <p:cNvSpPr txBox="1"/>
           <p:nvPr/>
         </p:nvSpPr>
@@ -4838,7 +4838,7 @@
       </p:sp>
       <p:sp>
         <p:nvSpPr>
-          <p:cNvPr id="83" name="TextBox 82"/>
+          <p:cNvPr id="98" name="TextBox 97"/>
           <p:cNvSpPr txBox="1"/>
           <p:nvPr/>
         </p:nvSpPr>
@@ -4879,7 +4879,7 @@
       </p:sp>
       <p:sp>
         <p:nvSpPr>
-          <p:cNvPr id="84" name="Rectangle 62"/>
+          <p:cNvPr id="99" name="Rectangle 62"/>
           <p:cNvSpPr/>
           <p:nvPr/>
         </p:nvSpPr>
@@ -4946,7 +4946,7 @@
       </p:sp>
       <p:sp>
         <p:nvSpPr>
-          <p:cNvPr id="86" name="Rectangle 85"/>
+          <p:cNvPr id="100" name="Rectangle 99"/>
           <p:cNvSpPr/>
           <p:nvPr/>
         </p:nvSpPr>
@@ -4993,7 +4993,7 @@
       </p:sp>
       <p:cxnSp>
         <p:nvCxnSpPr>
-          <p:cNvPr id="90" name="Straight Arrow Connector 89"/>
+          <p:cNvPr id="101" name="Straight Arrow Connector 100"/>
           <p:cNvCxnSpPr/>
           <p:nvPr/>
         </p:nvCxnSpPr>
@@ -5031,7 +5031,7 @@
       </p:cxnSp>
       <p:sp>
         <p:nvSpPr>
-          <p:cNvPr id="93" name="TextBox 92"/>
+          <p:cNvPr id="102" name="TextBox 101"/>
           <p:cNvSpPr txBox="1"/>
           <p:nvPr/>
         </p:nvSpPr>
@@ -5072,7 +5072,7 @@
       </p:sp>
       <p:sp>
         <p:nvSpPr>
-          <p:cNvPr id="40" name="Rectangle 62"/>
+          <p:cNvPr id="103" name="Rectangle 62"/>
           <p:cNvSpPr/>
           <p:nvPr/>
         </p:nvSpPr>
@@ -5155,7 +5155,7 @@
       </p:sp>
       <p:cxnSp>
         <p:nvCxnSpPr>
-          <p:cNvPr id="8" name="Straight Arrow Connector 7"/>
+          <p:cNvPr id="104" name="Straight Arrow Connector 103"/>
           <p:cNvCxnSpPr/>
           <p:nvPr/>
         </p:nvCxnSpPr>
@@ -5189,7 +5189,7 @@
       </p:cxnSp>
       <p:sp>
         <p:nvSpPr>
-          <p:cNvPr id="45" name="Rectangle 44"/>
+          <p:cNvPr id="105" name="Rectangle 104"/>
           <p:cNvSpPr/>
           <p:nvPr/>
         </p:nvSpPr>
@@ -5236,9 +5236,9 @@
       </p:sp>
       <p:cxnSp>
         <p:nvCxnSpPr>
-          <p:cNvPr id="46" name="Straight Connector 45"/>
+          <p:cNvPr id="106" name="Straight Connector 105"/>
           <p:cNvCxnSpPr>
-            <a:stCxn id="45" idx="0"/>
+            <a:stCxn id="105" idx="0"/>
           </p:cNvCxnSpPr>
           <p:nvPr/>
         </p:nvCxnSpPr>
@@ -5275,7 +5275,7 @@
       </p:cxnSp>
       <p:sp>
         <p:nvSpPr>
-          <p:cNvPr id="49" name="Rectangle 48"/>
+          <p:cNvPr id="107" name="Rectangle 106"/>
           <p:cNvSpPr/>
           <p:nvPr/>
         </p:nvSpPr>
@@ -5322,7 +5322,7 @@
       </p:sp>
       <p:cxnSp>
         <p:nvCxnSpPr>
-          <p:cNvPr id="51" name="Straight Arrow Connector 50"/>
+          <p:cNvPr id="108" name="Straight Arrow Connector 107"/>
           <p:cNvCxnSpPr/>
           <p:nvPr/>
         </p:nvCxnSpPr>
@@ -5360,7 +5360,7 @@
       </p:cxnSp>
       <p:cxnSp>
         <p:nvCxnSpPr>
-          <p:cNvPr id="13" name="Straight Arrow Connector 12"/>
+          <p:cNvPr id="109" name="Straight Arrow Connector 108"/>
           <p:cNvCxnSpPr/>
           <p:nvPr/>
         </p:nvCxnSpPr>
@@ -5394,7 +5394,7 @@
       </p:cxnSp>
       <p:cxnSp>
         <p:nvCxnSpPr>
-          <p:cNvPr id="50" name="Straight Arrow Connector 49"/>
+          <p:cNvPr id="110" name="Straight Arrow Connector 109"/>
           <p:cNvCxnSpPr/>
           <p:nvPr/>
         </p:nvCxnSpPr>
@@ -5430,7 +5430,7 @@
       </p:cxnSp>
       <p:cxnSp>
         <p:nvCxnSpPr>
-          <p:cNvPr id="52" name="Straight Arrow Connector 51"/>
+          <p:cNvPr id="111" name="Straight Arrow Connector 110"/>
           <p:cNvCxnSpPr/>
           <p:nvPr/>
         </p:nvCxnSpPr>
@@ -5468,7 +5468,7 @@
       </p:cxnSp>
       <p:sp>
         <p:nvSpPr>
-          <p:cNvPr id="4" name="TextBox 3"/>
+          <p:cNvPr id="112" name="TextBox 111"/>
           <p:cNvSpPr txBox="1"/>
           <p:nvPr/>
         </p:nvSpPr>

--- a/docs/diagrams/LogicComponentSequenceDiagram.pptx
+++ b/docs/diagrams/LogicComponentSequenceDiagram.pptx
@@ -208,7 +208,7 @@
           <a:p>
             <a:fld id="{F5CC4B3F-88C1-4FFA-B1B6-F41C21DC6924}" type="datetimeFigureOut">
               <a:rPr lang="en-US" smtClean="0"/>
-              <a:t>2/6/2017</a:t>
+              <a:t>3/15/2017</a:t>
             </a:fld>
             <a:endParaRPr lang="en-US"/>
           </a:p>
@@ -272,38 +272,37 @@
           <a:p>
             <a:pPr lvl="0"/>
             <a:r>
-              <a:rPr lang="en-US" smtClean="0"/>
+              <a:rPr lang="en-US"/>
               <a:t>Click to edit Master text styles</a:t>
             </a:r>
           </a:p>
           <a:p>
             <a:pPr lvl="1"/>
             <a:r>
-              <a:rPr lang="en-US" smtClean="0"/>
+              <a:rPr lang="en-US"/>
               <a:t>Second level</a:t>
             </a:r>
           </a:p>
           <a:p>
             <a:pPr lvl="2"/>
             <a:r>
-              <a:rPr lang="en-US" smtClean="0"/>
+              <a:rPr lang="en-US"/>
               <a:t>Third level</a:t>
             </a:r>
           </a:p>
           <a:p>
             <a:pPr lvl="3"/>
             <a:r>
-              <a:rPr lang="en-US" smtClean="0"/>
+              <a:rPr lang="en-US"/>
               <a:t>Fourth level</a:t>
             </a:r>
           </a:p>
           <a:p>
             <a:pPr lvl="4"/>
             <a:r>
-              <a:rPr lang="en-US" smtClean="0"/>
+              <a:rPr lang="en-US"/>
               <a:t>Fifth level</a:t>
             </a:r>
-            <a:endParaRPr lang="en-US"/>
           </a:p>
         </p:txBody>
       </p:sp>
@@ -514,10 +513,9 @@
           <a:lstStyle/>
           <a:p>
             <a:r>
-              <a:rPr lang="en-US" smtClean="0"/>
+              <a:rPr lang="en-US"/>
               <a:t>Click to edit Master title style</a:t>
             </a:r>
-            <a:endParaRPr lang="en-US"/>
           </a:p>
         </p:txBody>
       </p:sp>
@@ -633,10 +631,9 @@
           </a:lstStyle>
           <a:p>
             <a:r>
-              <a:rPr lang="en-US" smtClean="0"/>
+              <a:rPr lang="en-US"/>
               <a:t>Click to edit Master subtitle style</a:t>
             </a:r>
-            <a:endParaRPr lang="en-US"/>
           </a:p>
         </p:txBody>
       </p:sp>
@@ -657,7 +654,7 @@
           <a:p>
             <a:fld id="{78C97017-6FC3-485B-9764-EAC9E56C1D49}" type="datetimeFigureOut">
               <a:rPr lang="en-US" smtClean="0"/>
-              <a:t>2/6/2017</a:t>
+              <a:t>3/15/2017</a:t>
             </a:fld>
             <a:endParaRPr lang="en-US"/>
           </a:p>
@@ -751,10 +748,9 @@
           <a:lstStyle/>
           <a:p>
             <a:r>
-              <a:rPr lang="en-US" smtClean="0"/>
+              <a:rPr lang="en-US"/>
               <a:t>Click to edit Master title style</a:t>
             </a:r>
-            <a:endParaRPr lang="en-US"/>
           </a:p>
         </p:txBody>
       </p:sp>
@@ -775,38 +771,37 @@
           <a:p>
             <a:pPr lvl="0"/>
             <a:r>
-              <a:rPr lang="en-US" smtClean="0"/>
+              <a:rPr lang="en-US"/>
               <a:t>Click to edit Master text styles</a:t>
             </a:r>
           </a:p>
           <a:p>
             <a:pPr lvl="1"/>
             <a:r>
-              <a:rPr lang="en-US" smtClean="0"/>
+              <a:rPr lang="en-US"/>
               <a:t>Second level</a:t>
             </a:r>
           </a:p>
           <a:p>
             <a:pPr lvl="2"/>
             <a:r>
-              <a:rPr lang="en-US" smtClean="0"/>
+              <a:rPr lang="en-US"/>
               <a:t>Third level</a:t>
             </a:r>
           </a:p>
           <a:p>
             <a:pPr lvl="3"/>
             <a:r>
-              <a:rPr lang="en-US" smtClean="0"/>
+              <a:rPr lang="en-US"/>
               <a:t>Fourth level</a:t>
             </a:r>
           </a:p>
           <a:p>
             <a:pPr lvl="4"/>
             <a:r>
-              <a:rPr lang="en-US" smtClean="0"/>
+              <a:rPr lang="en-US"/>
               <a:t>Fifth level</a:t>
             </a:r>
-            <a:endParaRPr lang="en-US"/>
           </a:p>
         </p:txBody>
       </p:sp>
@@ -827,7 +822,7 @@
           <a:p>
             <a:fld id="{78C97017-6FC3-485B-9764-EAC9E56C1D49}" type="datetimeFigureOut">
               <a:rPr lang="en-US" smtClean="0"/>
-              <a:t>2/6/2017</a:t>
+              <a:t>3/15/2017</a:t>
             </a:fld>
             <a:endParaRPr lang="en-US"/>
           </a:p>
@@ -926,10 +921,9 @@
           <a:lstStyle/>
           <a:p>
             <a:r>
-              <a:rPr lang="en-US" smtClean="0"/>
+              <a:rPr lang="en-US"/>
               <a:t>Click to edit Master title style</a:t>
             </a:r>
-            <a:endParaRPr lang="en-US"/>
           </a:p>
         </p:txBody>
       </p:sp>
@@ -955,38 +949,37 @@
           <a:p>
             <a:pPr lvl="0"/>
             <a:r>
-              <a:rPr lang="en-US" smtClean="0"/>
+              <a:rPr lang="en-US"/>
               <a:t>Click to edit Master text styles</a:t>
             </a:r>
           </a:p>
           <a:p>
             <a:pPr lvl="1"/>
             <a:r>
-              <a:rPr lang="en-US" smtClean="0"/>
+              <a:rPr lang="en-US"/>
               <a:t>Second level</a:t>
             </a:r>
           </a:p>
           <a:p>
             <a:pPr lvl="2"/>
             <a:r>
-              <a:rPr lang="en-US" smtClean="0"/>
+              <a:rPr lang="en-US"/>
               <a:t>Third level</a:t>
             </a:r>
           </a:p>
           <a:p>
             <a:pPr lvl="3"/>
             <a:r>
-              <a:rPr lang="en-US" smtClean="0"/>
+              <a:rPr lang="en-US"/>
               <a:t>Fourth level</a:t>
             </a:r>
           </a:p>
           <a:p>
             <a:pPr lvl="4"/>
             <a:r>
-              <a:rPr lang="en-US" smtClean="0"/>
+              <a:rPr lang="en-US"/>
               <a:t>Fifth level</a:t>
             </a:r>
-            <a:endParaRPr lang="en-US"/>
           </a:p>
         </p:txBody>
       </p:sp>
@@ -1007,7 +1000,7 @@
           <a:p>
             <a:fld id="{78C97017-6FC3-485B-9764-EAC9E56C1D49}" type="datetimeFigureOut">
               <a:rPr lang="en-US" smtClean="0"/>
-              <a:t>2/6/2017</a:t>
+              <a:t>3/15/2017</a:t>
             </a:fld>
             <a:endParaRPr lang="en-US"/>
           </a:p>
@@ -1101,10 +1094,9 @@
           <a:lstStyle/>
           <a:p>
             <a:r>
-              <a:rPr lang="en-US" smtClean="0"/>
+              <a:rPr lang="en-US"/>
               <a:t>Click to edit Master title style</a:t>
             </a:r>
-            <a:endParaRPr lang="en-US"/>
           </a:p>
         </p:txBody>
       </p:sp>
@@ -1125,38 +1117,37 @@
           <a:p>
             <a:pPr lvl="0"/>
             <a:r>
-              <a:rPr lang="en-US" smtClean="0"/>
+              <a:rPr lang="en-US"/>
               <a:t>Click to edit Master text styles</a:t>
             </a:r>
           </a:p>
           <a:p>
             <a:pPr lvl="1"/>
             <a:r>
-              <a:rPr lang="en-US" smtClean="0"/>
+              <a:rPr lang="en-US"/>
               <a:t>Second level</a:t>
             </a:r>
           </a:p>
           <a:p>
             <a:pPr lvl="2"/>
             <a:r>
-              <a:rPr lang="en-US" smtClean="0"/>
+              <a:rPr lang="en-US"/>
               <a:t>Third level</a:t>
             </a:r>
           </a:p>
           <a:p>
             <a:pPr lvl="3"/>
             <a:r>
-              <a:rPr lang="en-US" smtClean="0"/>
+              <a:rPr lang="en-US"/>
               <a:t>Fourth level</a:t>
             </a:r>
           </a:p>
           <a:p>
             <a:pPr lvl="4"/>
             <a:r>
-              <a:rPr lang="en-US" smtClean="0"/>
+              <a:rPr lang="en-US"/>
               <a:t>Fifth level</a:t>
             </a:r>
-            <a:endParaRPr lang="en-US"/>
           </a:p>
         </p:txBody>
       </p:sp>
@@ -1177,7 +1168,7 @@
           <a:p>
             <a:fld id="{78C97017-6FC3-485B-9764-EAC9E56C1D49}" type="datetimeFigureOut">
               <a:rPr lang="en-US" smtClean="0"/>
-              <a:t>2/6/2017</a:t>
+              <a:t>3/15/2017</a:t>
             </a:fld>
             <a:endParaRPr lang="en-US"/>
           </a:p>
@@ -1280,10 +1271,9 @@
           </a:lstStyle>
           <a:p>
             <a:r>
-              <a:rPr lang="en-US" smtClean="0"/>
+              <a:rPr lang="en-US"/>
               <a:t>Click to edit Master title style</a:t>
             </a:r>
-            <a:endParaRPr lang="en-US"/>
           </a:p>
         </p:txBody>
       </p:sp>
@@ -1400,7 +1390,7 @@
           <a:p>
             <a:pPr lvl="0"/>
             <a:r>
-              <a:rPr lang="en-US" smtClean="0"/>
+              <a:rPr lang="en-US"/>
               <a:t>Click to edit Master text styles</a:t>
             </a:r>
           </a:p>
@@ -1423,7 +1413,7 @@
           <a:p>
             <a:fld id="{78C97017-6FC3-485B-9764-EAC9E56C1D49}" type="datetimeFigureOut">
               <a:rPr lang="en-US" smtClean="0"/>
-              <a:t>2/6/2017</a:t>
+              <a:t>3/15/2017</a:t>
             </a:fld>
             <a:endParaRPr lang="en-US"/>
           </a:p>
@@ -1517,10 +1507,9 @@
           <a:lstStyle/>
           <a:p>
             <a:r>
-              <a:rPr lang="en-US" smtClean="0"/>
+              <a:rPr lang="en-US"/>
               <a:t>Click to edit Master title style</a:t>
             </a:r>
-            <a:endParaRPr lang="en-US"/>
           </a:p>
         </p:txBody>
       </p:sp>
@@ -1574,38 +1563,37 @@
           <a:p>
             <a:pPr lvl="0"/>
             <a:r>
-              <a:rPr lang="en-US" smtClean="0"/>
+              <a:rPr lang="en-US"/>
               <a:t>Click to edit Master text styles</a:t>
             </a:r>
           </a:p>
           <a:p>
             <a:pPr lvl="1"/>
             <a:r>
-              <a:rPr lang="en-US" smtClean="0"/>
+              <a:rPr lang="en-US"/>
               <a:t>Second level</a:t>
             </a:r>
           </a:p>
           <a:p>
             <a:pPr lvl="2"/>
             <a:r>
-              <a:rPr lang="en-US" smtClean="0"/>
+              <a:rPr lang="en-US"/>
               <a:t>Third level</a:t>
             </a:r>
           </a:p>
           <a:p>
             <a:pPr lvl="3"/>
             <a:r>
-              <a:rPr lang="en-US" smtClean="0"/>
+              <a:rPr lang="en-US"/>
               <a:t>Fourth level</a:t>
             </a:r>
           </a:p>
           <a:p>
             <a:pPr lvl="4"/>
             <a:r>
-              <a:rPr lang="en-US" smtClean="0"/>
+              <a:rPr lang="en-US"/>
               <a:t>Fifth level</a:t>
             </a:r>
-            <a:endParaRPr lang="en-US"/>
           </a:p>
         </p:txBody>
       </p:sp>
@@ -1659,38 +1647,37 @@
           <a:p>
             <a:pPr lvl="0"/>
             <a:r>
-              <a:rPr lang="en-US" smtClean="0"/>
+              <a:rPr lang="en-US"/>
               <a:t>Click to edit Master text styles</a:t>
             </a:r>
           </a:p>
           <a:p>
             <a:pPr lvl="1"/>
             <a:r>
-              <a:rPr lang="en-US" smtClean="0"/>
+              <a:rPr lang="en-US"/>
               <a:t>Second level</a:t>
             </a:r>
           </a:p>
           <a:p>
             <a:pPr lvl="2"/>
             <a:r>
-              <a:rPr lang="en-US" smtClean="0"/>
+              <a:rPr lang="en-US"/>
               <a:t>Third level</a:t>
             </a:r>
           </a:p>
           <a:p>
             <a:pPr lvl="3"/>
             <a:r>
-              <a:rPr lang="en-US" smtClean="0"/>
+              <a:rPr lang="en-US"/>
               <a:t>Fourth level</a:t>
             </a:r>
           </a:p>
           <a:p>
             <a:pPr lvl="4"/>
             <a:r>
-              <a:rPr lang="en-US" smtClean="0"/>
+              <a:rPr lang="en-US"/>
               <a:t>Fifth level</a:t>
             </a:r>
-            <a:endParaRPr lang="en-US"/>
           </a:p>
         </p:txBody>
       </p:sp>
@@ -1711,7 +1698,7 @@
           <a:p>
             <a:fld id="{78C97017-6FC3-485B-9764-EAC9E56C1D49}" type="datetimeFigureOut">
               <a:rPr lang="en-US" smtClean="0"/>
-              <a:t>2/6/2017</a:t>
+              <a:t>3/15/2017</a:t>
             </a:fld>
             <a:endParaRPr lang="en-US"/>
           </a:p>
@@ -1809,10 +1796,9 @@
           </a:lstStyle>
           <a:p>
             <a:r>
-              <a:rPr lang="en-US" smtClean="0"/>
+              <a:rPr lang="en-US"/>
               <a:t>Click to edit Master title style</a:t>
             </a:r>
-            <a:endParaRPr lang="en-US"/>
           </a:p>
         </p:txBody>
       </p:sp>
@@ -1875,7 +1861,7 @@
           <a:p>
             <a:pPr lvl="0"/>
             <a:r>
-              <a:rPr lang="en-US" smtClean="0"/>
+              <a:rPr lang="en-US"/>
               <a:t>Click to edit Master text styles</a:t>
             </a:r>
           </a:p>
@@ -1931,38 +1917,37 @@
           <a:p>
             <a:pPr lvl="0"/>
             <a:r>
-              <a:rPr lang="en-US" smtClean="0"/>
+              <a:rPr lang="en-US"/>
               <a:t>Click to edit Master text styles</a:t>
             </a:r>
           </a:p>
           <a:p>
             <a:pPr lvl="1"/>
             <a:r>
-              <a:rPr lang="en-US" smtClean="0"/>
+              <a:rPr lang="en-US"/>
               <a:t>Second level</a:t>
             </a:r>
           </a:p>
           <a:p>
             <a:pPr lvl="2"/>
             <a:r>
-              <a:rPr lang="en-US" smtClean="0"/>
+              <a:rPr lang="en-US"/>
               <a:t>Third level</a:t>
             </a:r>
           </a:p>
           <a:p>
             <a:pPr lvl="3"/>
             <a:r>
-              <a:rPr lang="en-US" smtClean="0"/>
+              <a:rPr lang="en-US"/>
               <a:t>Fourth level</a:t>
             </a:r>
           </a:p>
           <a:p>
             <a:pPr lvl="4"/>
             <a:r>
-              <a:rPr lang="en-US" smtClean="0"/>
+              <a:rPr lang="en-US"/>
               <a:t>Fifth level</a:t>
             </a:r>
-            <a:endParaRPr lang="en-US"/>
           </a:p>
         </p:txBody>
       </p:sp>
@@ -2025,7 +2010,7 @@
           <a:p>
             <a:pPr lvl="0"/>
             <a:r>
-              <a:rPr lang="en-US" smtClean="0"/>
+              <a:rPr lang="en-US"/>
               <a:t>Click to edit Master text styles</a:t>
             </a:r>
           </a:p>
@@ -2081,38 +2066,37 @@
           <a:p>
             <a:pPr lvl="0"/>
             <a:r>
-              <a:rPr lang="en-US" smtClean="0"/>
+              <a:rPr lang="en-US"/>
               <a:t>Click to edit Master text styles</a:t>
             </a:r>
           </a:p>
           <a:p>
             <a:pPr lvl="1"/>
             <a:r>
-              <a:rPr lang="en-US" smtClean="0"/>
+              <a:rPr lang="en-US"/>
               <a:t>Second level</a:t>
             </a:r>
           </a:p>
           <a:p>
             <a:pPr lvl="2"/>
             <a:r>
-              <a:rPr lang="en-US" smtClean="0"/>
+              <a:rPr lang="en-US"/>
               <a:t>Third level</a:t>
             </a:r>
           </a:p>
           <a:p>
             <a:pPr lvl="3"/>
             <a:r>
-              <a:rPr lang="en-US" smtClean="0"/>
+              <a:rPr lang="en-US"/>
               <a:t>Fourth level</a:t>
             </a:r>
           </a:p>
           <a:p>
             <a:pPr lvl="4"/>
             <a:r>
-              <a:rPr lang="en-US" smtClean="0"/>
+              <a:rPr lang="en-US"/>
               <a:t>Fifth level</a:t>
             </a:r>
-            <a:endParaRPr lang="en-US"/>
           </a:p>
         </p:txBody>
       </p:sp>
@@ -2133,7 +2117,7 @@
           <a:p>
             <a:fld id="{78C97017-6FC3-485B-9764-EAC9E56C1D49}" type="datetimeFigureOut">
               <a:rPr lang="en-US" smtClean="0"/>
-              <a:t>2/6/2017</a:t>
+              <a:t>3/15/2017</a:t>
             </a:fld>
             <a:endParaRPr lang="en-US"/>
           </a:p>
@@ -2227,10 +2211,9 @@
           <a:lstStyle/>
           <a:p>
             <a:r>
-              <a:rPr lang="en-US" smtClean="0"/>
+              <a:rPr lang="en-US"/>
               <a:t>Click to edit Master title style</a:t>
             </a:r>
-            <a:endParaRPr lang="en-US"/>
           </a:p>
         </p:txBody>
       </p:sp>
@@ -2251,7 +2234,7 @@
           <a:p>
             <a:fld id="{78C97017-6FC3-485B-9764-EAC9E56C1D49}" type="datetimeFigureOut">
               <a:rPr lang="en-US" smtClean="0"/>
-              <a:t>2/6/2017</a:t>
+              <a:t>3/15/2017</a:t>
             </a:fld>
             <a:endParaRPr lang="en-US"/>
           </a:p>
@@ -2346,7 +2329,7 @@
           <a:p>
             <a:fld id="{78C97017-6FC3-485B-9764-EAC9E56C1D49}" type="datetimeFigureOut">
               <a:rPr lang="en-US" smtClean="0"/>
-              <a:t>2/6/2017</a:t>
+              <a:t>3/15/2017</a:t>
             </a:fld>
             <a:endParaRPr lang="en-US"/>
           </a:p>
@@ -2449,10 +2432,9 @@
           </a:lstStyle>
           <a:p>
             <a:r>
-              <a:rPr lang="en-US" smtClean="0"/>
+              <a:rPr lang="en-US"/>
               <a:t>Click to edit Master title style</a:t>
             </a:r>
-            <a:endParaRPr lang="en-US"/>
           </a:p>
         </p:txBody>
       </p:sp>
@@ -2506,38 +2488,37 @@
           <a:p>
             <a:pPr lvl="0"/>
             <a:r>
-              <a:rPr lang="en-US" smtClean="0"/>
+              <a:rPr lang="en-US"/>
               <a:t>Click to edit Master text styles</a:t>
             </a:r>
           </a:p>
           <a:p>
             <a:pPr lvl="1"/>
             <a:r>
-              <a:rPr lang="en-US" smtClean="0"/>
+              <a:rPr lang="en-US"/>
               <a:t>Second level</a:t>
             </a:r>
           </a:p>
           <a:p>
             <a:pPr lvl="2"/>
             <a:r>
-              <a:rPr lang="en-US" smtClean="0"/>
+              <a:rPr lang="en-US"/>
               <a:t>Third level</a:t>
             </a:r>
           </a:p>
           <a:p>
             <a:pPr lvl="3"/>
             <a:r>
-              <a:rPr lang="en-US" smtClean="0"/>
+              <a:rPr lang="en-US"/>
               <a:t>Fourth level</a:t>
             </a:r>
           </a:p>
           <a:p>
             <a:pPr lvl="4"/>
             <a:r>
-              <a:rPr lang="en-US" smtClean="0"/>
+              <a:rPr lang="en-US"/>
               <a:t>Fifth level</a:t>
             </a:r>
-            <a:endParaRPr lang="en-US"/>
           </a:p>
         </p:txBody>
       </p:sp>
@@ -2600,7 +2581,7 @@
           <a:p>
             <a:pPr lvl="0"/>
             <a:r>
-              <a:rPr lang="en-US" smtClean="0"/>
+              <a:rPr lang="en-US"/>
               <a:t>Click to edit Master text styles</a:t>
             </a:r>
           </a:p>
@@ -2623,7 +2604,7 @@
           <a:p>
             <a:fld id="{78C97017-6FC3-485B-9764-EAC9E56C1D49}" type="datetimeFigureOut">
               <a:rPr lang="en-US" smtClean="0"/>
-              <a:t>2/6/2017</a:t>
+              <a:t>3/15/2017</a:t>
             </a:fld>
             <a:endParaRPr lang="en-US"/>
           </a:p>
@@ -2726,10 +2707,9 @@
           </a:lstStyle>
           <a:p>
             <a:r>
-              <a:rPr lang="en-US" smtClean="0"/>
+              <a:rPr lang="en-US"/>
               <a:t>Click to edit Master title style</a:t>
             </a:r>
-            <a:endParaRPr lang="en-US"/>
           </a:p>
         </p:txBody>
       </p:sp>
@@ -2853,7 +2833,7 @@
           <a:p>
             <a:pPr lvl="0"/>
             <a:r>
-              <a:rPr lang="en-US" smtClean="0"/>
+              <a:rPr lang="en-US"/>
               <a:t>Click to edit Master text styles</a:t>
             </a:r>
           </a:p>
@@ -2876,7 +2856,7 @@
           <a:p>
             <a:fld id="{78C97017-6FC3-485B-9764-EAC9E56C1D49}" type="datetimeFigureOut">
               <a:rPr lang="en-US" smtClean="0"/>
-              <a:t>2/6/2017</a:t>
+              <a:t>3/15/2017</a:t>
             </a:fld>
             <a:endParaRPr lang="en-US"/>
           </a:p>
@@ -2985,10 +2965,9 @@
           <a:lstStyle/>
           <a:p>
             <a:r>
-              <a:rPr lang="en-US" smtClean="0"/>
+              <a:rPr lang="en-US"/>
               <a:t>Click to edit Master title style</a:t>
             </a:r>
-            <a:endParaRPr lang="en-US"/>
           </a:p>
         </p:txBody>
       </p:sp>
@@ -3019,38 +2998,37 @@
           <a:p>
             <a:pPr lvl="0"/>
             <a:r>
-              <a:rPr lang="en-US" smtClean="0"/>
+              <a:rPr lang="en-US"/>
               <a:t>Click to edit Master text styles</a:t>
             </a:r>
           </a:p>
           <a:p>
             <a:pPr lvl="1"/>
             <a:r>
-              <a:rPr lang="en-US" smtClean="0"/>
+              <a:rPr lang="en-US"/>
               <a:t>Second level</a:t>
             </a:r>
           </a:p>
           <a:p>
             <a:pPr lvl="2"/>
             <a:r>
-              <a:rPr lang="en-US" smtClean="0"/>
+              <a:rPr lang="en-US"/>
               <a:t>Third level</a:t>
             </a:r>
           </a:p>
           <a:p>
             <a:pPr lvl="3"/>
             <a:r>
-              <a:rPr lang="en-US" smtClean="0"/>
+              <a:rPr lang="en-US"/>
               <a:t>Fourth level</a:t>
             </a:r>
           </a:p>
           <a:p>
             <a:pPr lvl="4"/>
             <a:r>
-              <a:rPr lang="en-US" smtClean="0"/>
+              <a:rPr lang="en-US"/>
               <a:t>Fifth level</a:t>
             </a:r>
-            <a:endParaRPr lang="en-US"/>
           </a:p>
         </p:txBody>
       </p:sp>
@@ -3089,7 +3067,7 @@
           <a:p>
             <a:fld id="{78C97017-6FC3-485B-9764-EAC9E56C1D49}" type="datetimeFigureOut">
               <a:rPr lang="en-US" smtClean="0"/>
-              <a:t>2/6/2017</a:t>
+              <a:t>3/15/2017</a:t>
             </a:fld>
             <a:endParaRPr lang="en-US"/>
           </a:p>
@@ -3510,7 +3488,7 @@
           <a:lstStyle/>
           <a:p>
             <a:r>
-              <a:rPr lang="en-US" sz="1200" b="1" dirty="0" smtClean="0">
+              <a:rPr lang="en-US" sz="1200" b="1" dirty="0">
                 <a:solidFill>
                   <a:srgbClr val="0070C0"/>
                 </a:solidFill>
@@ -3720,7 +3698,7 @@
           <a:p>
             <a:pPr algn="ctr"/>
             <a:r>
-              <a:rPr lang="en-US" sz="1600" dirty="0" smtClean="0">
+              <a:rPr lang="en-US" sz="1600" dirty="0">
                 <a:solidFill>
                   <a:schemeClr val="bg1"/>
                 </a:solidFill>
@@ -3867,20 +3845,12 @@
           <a:p>
             <a:pPr algn="ctr"/>
             <a:r>
-              <a:rPr lang="en-US" sz="1600" dirty="0" smtClean="0">
+              <a:rPr lang="en-US" sz="1600" dirty="0">
                 <a:solidFill>
                   <a:schemeClr val="bg1"/>
                 </a:solidFill>
               </a:rPr>
               <a:t>d:Delete</a:t>
-            </a:r>
-            <a:r>
-              <a:rPr lang="en-US" sz="1600" dirty="0">
-                <a:solidFill>
-                  <a:schemeClr val="bg1"/>
-                </a:solidFill>
-              </a:rPr>
-              <a:t/>
             </a:r>
             <a:br>
               <a:rPr lang="en-US" sz="1600" dirty="0">
@@ -4087,18 +4057,13 @@
           <a:p>
             <a:pPr algn="r"/>
             <a:r>
-              <a:rPr lang="en-US" sz="1400" dirty="0" smtClean="0">
+              <a:rPr lang="en-US" sz="1400" dirty="0">
                 <a:solidFill>
                   <a:srgbClr val="0070C0"/>
                 </a:solidFill>
               </a:rPr>
               <a:t>execute(“delete 1”)</a:t>
             </a:r>
-            <a:endParaRPr lang="en-US" sz="1400" dirty="0">
-              <a:solidFill>
-                <a:srgbClr val="0070C0"/>
-              </a:solidFill>
-            </a:endParaRPr>
           </a:p>
         </p:txBody>
       </p:sp>
@@ -4686,26 +4651,21 @@
           </a:lstStyle>
           <a:p>
             <a:r>
-              <a:rPr lang="en-US" dirty="0" err="1" smtClean="0">
+              <a:rPr lang="en-US" dirty="0" err="1">
                 <a:solidFill>
                   <a:srgbClr val="7030A0"/>
                 </a:solidFill>
               </a:rPr>
-              <a:t>deletePerson</a:t>
-            </a:r>
-            <a:r>
-              <a:rPr lang="en-US" dirty="0" smtClean="0">
+              <a:t>deleteTask</a:t>
+            </a:r>
+            <a:r>
+              <a:rPr lang="en-US" dirty="0">
                 <a:solidFill>
                   <a:srgbClr val="7030A0"/>
                 </a:solidFill>
               </a:rPr>
               <a:t>(p)</a:t>
             </a:r>
-            <a:endParaRPr lang="en-US" dirty="0">
-              <a:solidFill>
-                <a:srgbClr val="7030A0"/>
-              </a:solidFill>
-            </a:endParaRPr>
           </a:p>
         </p:txBody>
       </p:sp>
@@ -4744,13 +4704,8 @@
           <a:p>
             <a:r>
               <a:rPr lang="en-US" sz="1200" dirty="0"/>
-              <a:t>p</a:t>
-            </a:r>
-            <a:r>
-              <a:rPr lang="en-US" sz="1200" dirty="0" smtClean="0"/>
-              <a:t>arse(“1”)</a:t>
-            </a:r>
-            <a:endParaRPr lang="en-US" sz="1200" dirty="0"/>
+              <a:t>parse(“1”)</a:t>
+            </a:r>
           </a:p>
         </p:txBody>
       </p:sp>
@@ -4788,10 +4743,9 @@
           </a:lstStyle>
           <a:p>
             <a:r>
-              <a:rPr lang="en-US" dirty="0" smtClean="0"/>
+              <a:rPr lang="en-US" dirty="0"/>
               <a:t>parse(“delete 1”)</a:t>
             </a:r>
-            <a:endParaRPr lang="en-US" dirty="0"/>
           </a:p>
         </p:txBody>
       </p:sp>
@@ -4829,10 +4783,9 @@
           </a:lstStyle>
           <a:p>
             <a:r>
-              <a:rPr lang="en-US" dirty="0" smtClean="0"/>
+              <a:rPr lang="en-US" dirty="0"/>
               <a:t>result</a:t>
             </a:r>
-            <a:endParaRPr lang="en-US" dirty="0"/>
           </a:p>
         </p:txBody>
       </p:sp>
@@ -4870,10 +4823,9 @@
           </a:lstStyle>
           <a:p>
             <a:r>
-              <a:rPr lang="en-US" dirty="0" smtClean="0"/>
+              <a:rPr lang="en-US" dirty="0"/>
               <a:t>result</a:t>
             </a:r>
-            <a:endParaRPr lang="en-US" dirty="0"/>
           </a:p>
         </p:txBody>
       </p:sp>
@@ -4921,7 +4873,7 @@
           <a:p>
             <a:pPr algn="ctr"/>
             <a:r>
-              <a:rPr lang="en-US" sz="1600" dirty="0" err="1" smtClean="0">
+              <a:rPr lang="en-US" sz="1600" dirty="0" err="1">
                 <a:solidFill>
                   <a:schemeClr val="bg1"/>
                 </a:solidFill>
@@ -4929,7 +4881,7 @@
               <a:t>result:Command</a:t>
             </a:r>
             <a:r>
-              <a:rPr lang="en-US" sz="1600" dirty="0" smtClean="0">
+              <a:rPr lang="en-US" sz="1600" dirty="0">
                 <a:solidFill>
                   <a:schemeClr val="bg1"/>
                 </a:solidFill>
@@ -5063,10 +5015,9 @@
           </a:lstStyle>
           <a:p>
             <a:r>
-              <a:rPr lang="en-US" dirty="0" smtClean="0"/>
+              <a:rPr lang="en-US" dirty="0"/>
               <a:t>d</a:t>
             </a:r>
-            <a:endParaRPr lang="en-US" dirty="0"/>
           </a:p>
         </p:txBody>
       </p:sp>
@@ -5114,7 +5065,7 @@
           <a:p>
             <a:pPr algn="ctr"/>
             <a:r>
-              <a:rPr lang="en-US" sz="1600" dirty="0" smtClean="0">
+              <a:rPr lang="en-US" sz="1600" dirty="0">
                 <a:solidFill>
                   <a:schemeClr val="bg1"/>
                 </a:solidFill>
@@ -5122,14 +5073,14 @@
               <a:t>:</a:t>
             </a:r>
             <a:r>
-              <a:rPr lang="en-US" sz="1600" dirty="0" err="1" smtClean="0">
+              <a:rPr lang="en-US" sz="1600" dirty="0" err="1">
                 <a:solidFill>
                   <a:schemeClr val="bg1"/>
                 </a:solidFill>
               </a:rPr>
               <a:t>DeleteCommand</a:t>
             </a:r>
-            <a:endParaRPr lang="en-US" sz="1600" dirty="0" smtClean="0">
+            <a:endParaRPr lang="en-US" sz="1600" dirty="0">
               <a:solidFill>
                 <a:schemeClr val="bg1"/>
               </a:solidFill>
@@ -5138,7 +5089,7 @@
           <a:p>
             <a:pPr algn="ctr"/>
             <a:r>
-              <a:rPr lang="en-US" sz="1600" dirty="0" smtClean="0">
+              <a:rPr lang="en-US" sz="1600" dirty="0">
                 <a:solidFill>
                   <a:schemeClr val="bg1"/>
                 </a:solidFill>
@@ -5489,18 +5440,13 @@
           <a:lstStyle/>
           <a:p>
             <a:r>
-              <a:rPr lang="en-SG" sz="1100" dirty="0" smtClean="0">
+              <a:rPr lang="en-SG" sz="1100" dirty="0">
                 <a:solidFill>
                   <a:srgbClr val="002060"/>
                 </a:solidFill>
               </a:rPr>
               <a:t>X</a:t>
             </a:r>
-            <a:endParaRPr lang="en-SG" sz="1100" dirty="0">
-              <a:solidFill>
-                <a:srgbClr val="002060"/>
-              </a:solidFill>
-            </a:endParaRPr>
           </a:p>
         </p:txBody>
       </p:sp>

--- a/docs/diagrams/LogicComponentSequenceDiagram.pptx
+++ b/docs/diagrams/LogicComponentSequenceDiagram.pptx
@@ -208,7 +208,7 @@
           <a:p>
             <a:fld id="{F5CC4B3F-88C1-4FFA-B1B6-F41C21DC6924}" type="datetimeFigureOut">
               <a:rPr lang="en-US" smtClean="0"/>
-              <a:t>2/6/2017</a:t>
+              <a:t>3/16/17</a:t>
             </a:fld>
             <a:endParaRPr lang="en-US"/>
           </a:p>
@@ -657,7 +657,7 @@
           <a:p>
             <a:fld id="{78C97017-6FC3-485B-9764-EAC9E56C1D49}" type="datetimeFigureOut">
               <a:rPr lang="en-US" smtClean="0"/>
-              <a:t>2/6/2017</a:t>
+              <a:t>3/16/17</a:t>
             </a:fld>
             <a:endParaRPr lang="en-US"/>
           </a:p>
@@ -827,7 +827,7 @@
           <a:p>
             <a:fld id="{78C97017-6FC3-485B-9764-EAC9E56C1D49}" type="datetimeFigureOut">
               <a:rPr lang="en-US" smtClean="0"/>
-              <a:t>2/6/2017</a:t>
+              <a:t>3/16/17</a:t>
             </a:fld>
             <a:endParaRPr lang="en-US"/>
           </a:p>
@@ -1007,7 +1007,7 @@
           <a:p>
             <a:fld id="{78C97017-6FC3-485B-9764-EAC9E56C1D49}" type="datetimeFigureOut">
               <a:rPr lang="en-US" smtClean="0"/>
-              <a:t>2/6/2017</a:t>
+              <a:t>3/16/17</a:t>
             </a:fld>
             <a:endParaRPr lang="en-US"/>
           </a:p>
@@ -1177,7 +1177,7 @@
           <a:p>
             <a:fld id="{78C97017-6FC3-485B-9764-EAC9E56C1D49}" type="datetimeFigureOut">
               <a:rPr lang="en-US" smtClean="0"/>
-              <a:t>2/6/2017</a:t>
+              <a:t>3/16/17</a:t>
             </a:fld>
             <a:endParaRPr lang="en-US"/>
           </a:p>
@@ -1423,7 +1423,7 @@
           <a:p>
             <a:fld id="{78C97017-6FC3-485B-9764-EAC9E56C1D49}" type="datetimeFigureOut">
               <a:rPr lang="en-US" smtClean="0"/>
-              <a:t>2/6/2017</a:t>
+              <a:t>3/16/17</a:t>
             </a:fld>
             <a:endParaRPr lang="en-US"/>
           </a:p>
@@ -1711,7 +1711,7 @@
           <a:p>
             <a:fld id="{78C97017-6FC3-485B-9764-EAC9E56C1D49}" type="datetimeFigureOut">
               <a:rPr lang="en-US" smtClean="0"/>
-              <a:t>2/6/2017</a:t>
+              <a:t>3/16/17</a:t>
             </a:fld>
             <a:endParaRPr lang="en-US"/>
           </a:p>
@@ -2133,7 +2133,7 @@
           <a:p>
             <a:fld id="{78C97017-6FC3-485B-9764-EAC9E56C1D49}" type="datetimeFigureOut">
               <a:rPr lang="en-US" smtClean="0"/>
-              <a:t>2/6/2017</a:t>
+              <a:t>3/16/17</a:t>
             </a:fld>
             <a:endParaRPr lang="en-US"/>
           </a:p>
@@ -2251,7 +2251,7 @@
           <a:p>
             <a:fld id="{78C97017-6FC3-485B-9764-EAC9E56C1D49}" type="datetimeFigureOut">
               <a:rPr lang="en-US" smtClean="0"/>
-              <a:t>2/6/2017</a:t>
+              <a:t>3/16/17</a:t>
             </a:fld>
             <a:endParaRPr lang="en-US"/>
           </a:p>
@@ -2346,7 +2346,7 @@
           <a:p>
             <a:fld id="{78C97017-6FC3-485B-9764-EAC9E56C1D49}" type="datetimeFigureOut">
               <a:rPr lang="en-US" smtClean="0"/>
-              <a:t>2/6/2017</a:t>
+              <a:t>3/16/17</a:t>
             </a:fld>
             <a:endParaRPr lang="en-US"/>
           </a:p>
@@ -2623,7 +2623,7 @@
           <a:p>
             <a:fld id="{78C97017-6FC3-485B-9764-EAC9E56C1D49}" type="datetimeFigureOut">
               <a:rPr lang="en-US" smtClean="0"/>
-              <a:t>2/6/2017</a:t>
+              <a:t>3/16/17</a:t>
             </a:fld>
             <a:endParaRPr lang="en-US"/>
           </a:p>
@@ -2876,7 +2876,7 @@
           <a:p>
             <a:fld id="{78C97017-6FC3-485B-9764-EAC9E56C1D49}" type="datetimeFigureOut">
               <a:rPr lang="en-US" smtClean="0"/>
-              <a:t>2/6/2017</a:t>
+              <a:t>3/16/17</a:t>
             </a:fld>
             <a:endParaRPr lang="en-US"/>
           </a:p>
@@ -3089,7 +3089,7 @@
           <a:p>
             <a:fld id="{78C97017-6FC3-485B-9764-EAC9E56C1D49}" type="datetimeFigureOut">
               <a:rPr lang="en-US" smtClean="0"/>
-              <a:t>2/6/2017</a:t>
+              <a:t>3/16/17</a:t>
             </a:fld>
             <a:endParaRPr lang="en-US"/>
           </a:p>
@@ -4691,7 +4691,7 @@
                   <a:srgbClr val="7030A0"/>
                 </a:solidFill>
               </a:rPr>
-              <a:t>deletePerson</a:t>
+              <a:t>deleteTask</a:t>
             </a:r>
             <a:r>
               <a:rPr lang="en-US" dirty="0" smtClean="0">
@@ -4699,7 +4699,7 @@
                   <a:srgbClr val="7030A0"/>
                 </a:solidFill>
               </a:rPr>
-              <a:t>(p)</a:t>
+              <a:t>(t)</a:t>
             </a:r>
             <a:endParaRPr lang="en-US" dirty="0">
               <a:solidFill>

--- a/docs/diagrams/LogicComponentSequenceDiagram.pptx
+++ b/docs/diagrams/LogicComponentSequenceDiagram.pptx
@@ -208,7 +208,7 @@
           <a:p>
             <a:fld id="{F5CC4B3F-88C1-4FFA-B1B6-F41C21DC6924}" type="datetimeFigureOut">
               <a:rPr lang="en-US" smtClean="0"/>
-              <a:t>2/6/2017</a:t>
+              <a:t>3/16/17</a:t>
             </a:fld>
             <a:endParaRPr lang="en-US"/>
           </a:p>
@@ -657,7 +657,7 @@
           <a:p>
             <a:fld id="{78C97017-6FC3-485B-9764-EAC9E56C1D49}" type="datetimeFigureOut">
               <a:rPr lang="en-US" smtClean="0"/>
-              <a:t>2/6/2017</a:t>
+              <a:t>3/16/17</a:t>
             </a:fld>
             <a:endParaRPr lang="en-US"/>
           </a:p>
@@ -827,7 +827,7 @@
           <a:p>
             <a:fld id="{78C97017-6FC3-485B-9764-EAC9E56C1D49}" type="datetimeFigureOut">
               <a:rPr lang="en-US" smtClean="0"/>
-              <a:t>2/6/2017</a:t>
+              <a:t>3/16/17</a:t>
             </a:fld>
             <a:endParaRPr lang="en-US"/>
           </a:p>
@@ -1007,7 +1007,7 @@
           <a:p>
             <a:fld id="{78C97017-6FC3-485B-9764-EAC9E56C1D49}" type="datetimeFigureOut">
               <a:rPr lang="en-US" smtClean="0"/>
-              <a:t>2/6/2017</a:t>
+              <a:t>3/16/17</a:t>
             </a:fld>
             <a:endParaRPr lang="en-US"/>
           </a:p>
@@ -1177,7 +1177,7 @@
           <a:p>
             <a:fld id="{78C97017-6FC3-485B-9764-EAC9E56C1D49}" type="datetimeFigureOut">
               <a:rPr lang="en-US" smtClean="0"/>
-              <a:t>2/6/2017</a:t>
+              <a:t>3/16/17</a:t>
             </a:fld>
             <a:endParaRPr lang="en-US"/>
           </a:p>
@@ -1423,7 +1423,7 @@
           <a:p>
             <a:fld id="{78C97017-6FC3-485B-9764-EAC9E56C1D49}" type="datetimeFigureOut">
               <a:rPr lang="en-US" smtClean="0"/>
-              <a:t>2/6/2017</a:t>
+              <a:t>3/16/17</a:t>
             </a:fld>
             <a:endParaRPr lang="en-US"/>
           </a:p>
@@ -1711,7 +1711,7 @@
           <a:p>
             <a:fld id="{78C97017-6FC3-485B-9764-EAC9E56C1D49}" type="datetimeFigureOut">
               <a:rPr lang="en-US" smtClean="0"/>
-              <a:t>2/6/2017</a:t>
+              <a:t>3/16/17</a:t>
             </a:fld>
             <a:endParaRPr lang="en-US"/>
           </a:p>
@@ -2133,7 +2133,7 @@
           <a:p>
             <a:fld id="{78C97017-6FC3-485B-9764-EAC9E56C1D49}" type="datetimeFigureOut">
               <a:rPr lang="en-US" smtClean="0"/>
-              <a:t>2/6/2017</a:t>
+              <a:t>3/16/17</a:t>
             </a:fld>
             <a:endParaRPr lang="en-US"/>
           </a:p>
@@ -2251,7 +2251,7 @@
           <a:p>
             <a:fld id="{78C97017-6FC3-485B-9764-EAC9E56C1D49}" type="datetimeFigureOut">
               <a:rPr lang="en-US" smtClean="0"/>
-              <a:t>2/6/2017</a:t>
+              <a:t>3/16/17</a:t>
             </a:fld>
             <a:endParaRPr lang="en-US"/>
           </a:p>
@@ -2346,7 +2346,7 @@
           <a:p>
             <a:fld id="{78C97017-6FC3-485B-9764-EAC9E56C1D49}" type="datetimeFigureOut">
               <a:rPr lang="en-US" smtClean="0"/>
-              <a:t>2/6/2017</a:t>
+              <a:t>3/16/17</a:t>
             </a:fld>
             <a:endParaRPr lang="en-US"/>
           </a:p>
@@ -2623,7 +2623,7 @@
           <a:p>
             <a:fld id="{78C97017-6FC3-485B-9764-EAC9E56C1D49}" type="datetimeFigureOut">
               <a:rPr lang="en-US" smtClean="0"/>
-              <a:t>2/6/2017</a:t>
+              <a:t>3/16/17</a:t>
             </a:fld>
             <a:endParaRPr lang="en-US"/>
           </a:p>
@@ -2876,7 +2876,7 @@
           <a:p>
             <a:fld id="{78C97017-6FC3-485B-9764-EAC9E56C1D49}" type="datetimeFigureOut">
               <a:rPr lang="en-US" smtClean="0"/>
-              <a:t>2/6/2017</a:t>
+              <a:t>3/16/17</a:t>
             </a:fld>
             <a:endParaRPr lang="en-US"/>
           </a:p>
@@ -3089,7 +3089,7 @@
           <a:p>
             <a:fld id="{78C97017-6FC3-485B-9764-EAC9E56C1D49}" type="datetimeFigureOut">
               <a:rPr lang="en-US" smtClean="0"/>
-              <a:t>2/6/2017</a:t>
+              <a:t>3/16/17</a:t>
             </a:fld>
             <a:endParaRPr lang="en-US"/>
           </a:p>
@@ -3574,15 +3574,7 @@
                   <a:schemeClr val="bg1"/>
                 </a:solidFill>
               </a:rPr>
-              <a:t>:</a:t>
-            </a:r>
-            <a:r>
-              <a:rPr lang="en-US" sz="1600" dirty="0" err="1">
-                <a:solidFill>
-                  <a:schemeClr val="bg1"/>
-                </a:solidFill>
-              </a:rPr>
-              <a:t>LogicManager</a:t>
+              <a:t>:LogicManager</a:t>
             </a:r>
             <a:endParaRPr lang="en-SG" sz="1600" dirty="0">
               <a:solidFill>
@@ -4686,20 +4678,20 @@
           </a:lstStyle>
           <a:p>
             <a:r>
-              <a:rPr lang="en-US" dirty="0" err="1" smtClean="0">
-                <a:solidFill>
-                  <a:srgbClr val="7030A0"/>
-                </a:solidFill>
-              </a:rPr>
-              <a:t>deletePerson</a:t>
-            </a:r>
-            <a:r>
               <a:rPr lang="en-US" dirty="0" smtClean="0">
                 <a:solidFill>
                   <a:srgbClr val="7030A0"/>
                 </a:solidFill>
               </a:rPr>
-              <a:t>(p)</a:t>
+              <a:t>deleteTask(p</a:t>
+            </a:r>
+            <a:r>
+              <a:rPr lang="en-US" dirty="0" smtClean="0">
+                <a:solidFill>
+                  <a:srgbClr val="7030A0"/>
+                </a:solidFill>
+              </a:rPr>
+              <a:t>)</a:t>
             </a:r>
             <a:endParaRPr lang="en-US" dirty="0">
               <a:solidFill>
@@ -4921,20 +4913,12 @@
           <a:p>
             <a:pPr algn="ctr"/>
             <a:r>
-              <a:rPr lang="en-US" sz="1600" dirty="0" err="1" smtClean="0">
-                <a:solidFill>
-                  <a:schemeClr val="bg1"/>
-                </a:solidFill>
-              </a:rPr>
-              <a:t>result:Command</a:t>
-            </a:r>
-            <a:r>
               <a:rPr lang="en-US" sz="1600" dirty="0" smtClean="0">
                 <a:solidFill>
                   <a:schemeClr val="bg1"/>
                 </a:solidFill>
               </a:rPr>
-              <a:t> Result</a:t>
+              <a:t>result:Command Result</a:t>
             </a:r>
             <a:endParaRPr lang="en-SG" sz="1600" dirty="0">
               <a:solidFill>
@@ -5119,21 +5103,8 @@
                   <a:schemeClr val="bg1"/>
                 </a:solidFill>
               </a:rPr>
-              <a:t>:</a:t>
-            </a:r>
-            <a:r>
-              <a:rPr lang="en-US" sz="1600" dirty="0" err="1" smtClean="0">
-                <a:solidFill>
-                  <a:schemeClr val="bg1"/>
-                </a:solidFill>
-              </a:rPr>
-              <a:t>DeleteCommand</a:t>
-            </a:r>
-            <a:endParaRPr lang="en-US" sz="1600" dirty="0" smtClean="0">
-              <a:solidFill>
-                <a:schemeClr val="bg1"/>
-              </a:solidFill>
-            </a:endParaRPr>
+              <a:t>:DeleteCommand</a:t>
+            </a:r>
           </a:p>
           <a:p>
             <a:pPr algn="ctr"/>

--- a/docs/diagrams/LogicComponentSequenceDiagram.pptx
+++ b/docs/diagrams/LogicComponentSequenceDiagram.pptx
@@ -208,7 +208,7 @@
           <a:p>
             <a:fld id="{F5CC4B3F-88C1-4FFA-B1B6-F41C21DC6924}" type="datetimeFigureOut">
               <a:rPr lang="en-US" smtClean="0"/>
-              <a:t>2/6/2017</a:t>
+              <a:t>17-Mar-17</a:t>
             </a:fld>
             <a:endParaRPr lang="en-US"/>
           </a:p>
@@ -657,7 +657,7 @@
           <a:p>
             <a:fld id="{78C97017-6FC3-485B-9764-EAC9E56C1D49}" type="datetimeFigureOut">
               <a:rPr lang="en-US" smtClean="0"/>
-              <a:t>2/6/2017</a:t>
+              <a:t>17-Mar-17</a:t>
             </a:fld>
             <a:endParaRPr lang="en-US"/>
           </a:p>
@@ -827,7 +827,7 @@
           <a:p>
             <a:fld id="{78C97017-6FC3-485B-9764-EAC9E56C1D49}" type="datetimeFigureOut">
               <a:rPr lang="en-US" smtClean="0"/>
-              <a:t>2/6/2017</a:t>
+              <a:t>17-Mar-17</a:t>
             </a:fld>
             <a:endParaRPr lang="en-US"/>
           </a:p>
@@ -1007,7 +1007,7 @@
           <a:p>
             <a:fld id="{78C97017-6FC3-485B-9764-EAC9E56C1D49}" type="datetimeFigureOut">
               <a:rPr lang="en-US" smtClean="0"/>
-              <a:t>2/6/2017</a:t>
+              <a:t>17-Mar-17</a:t>
             </a:fld>
             <a:endParaRPr lang="en-US"/>
           </a:p>
@@ -1177,7 +1177,7 @@
           <a:p>
             <a:fld id="{78C97017-6FC3-485B-9764-EAC9E56C1D49}" type="datetimeFigureOut">
               <a:rPr lang="en-US" smtClean="0"/>
-              <a:t>2/6/2017</a:t>
+              <a:t>17-Mar-17</a:t>
             </a:fld>
             <a:endParaRPr lang="en-US"/>
           </a:p>
@@ -1423,7 +1423,7 @@
           <a:p>
             <a:fld id="{78C97017-6FC3-485B-9764-EAC9E56C1D49}" type="datetimeFigureOut">
               <a:rPr lang="en-US" smtClean="0"/>
-              <a:t>2/6/2017</a:t>
+              <a:t>17-Mar-17</a:t>
             </a:fld>
             <a:endParaRPr lang="en-US"/>
           </a:p>
@@ -1711,7 +1711,7 @@
           <a:p>
             <a:fld id="{78C97017-6FC3-485B-9764-EAC9E56C1D49}" type="datetimeFigureOut">
               <a:rPr lang="en-US" smtClean="0"/>
-              <a:t>2/6/2017</a:t>
+              <a:t>17-Mar-17</a:t>
             </a:fld>
             <a:endParaRPr lang="en-US"/>
           </a:p>
@@ -2133,7 +2133,7 @@
           <a:p>
             <a:fld id="{78C97017-6FC3-485B-9764-EAC9E56C1D49}" type="datetimeFigureOut">
               <a:rPr lang="en-US" smtClean="0"/>
-              <a:t>2/6/2017</a:t>
+              <a:t>17-Mar-17</a:t>
             </a:fld>
             <a:endParaRPr lang="en-US"/>
           </a:p>
@@ -2251,7 +2251,7 @@
           <a:p>
             <a:fld id="{78C97017-6FC3-485B-9764-EAC9E56C1D49}" type="datetimeFigureOut">
               <a:rPr lang="en-US" smtClean="0"/>
-              <a:t>2/6/2017</a:t>
+              <a:t>17-Mar-17</a:t>
             </a:fld>
             <a:endParaRPr lang="en-US"/>
           </a:p>
@@ -2346,7 +2346,7 @@
           <a:p>
             <a:fld id="{78C97017-6FC3-485B-9764-EAC9E56C1D49}" type="datetimeFigureOut">
               <a:rPr lang="en-US" smtClean="0"/>
-              <a:t>2/6/2017</a:t>
+              <a:t>17-Mar-17</a:t>
             </a:fld>
             <a:endParaRPr lang="en-US"/>
           </a:p>
@@ -2623,7 +2623,7 @@
           <a:p>
             <a:fld id="{78C97017-6FC3-485B-9764-EAC9E56C1D49}" type="datetimeFigureOut">
               <a:rPr lang="en-US" smtClean="0"/>
-              <a:t>2/6/2017</a:t>
+              <a:t>17-Mar-17</a:t>
             </a:fld>
             <a:endParaRPr lang="en-US"/>
           </a:p>
@@ -2876,7 +2876,7 @@
           <a:p>
             <a:fld id="{78C97017-6FC3-485B-9764-EAC9E56C1D49}" type="datetimeFigureOut">
               <a:rPr lang="en-US" smtClean="0"/>
-              <a:t>2/6/2017</a:t>
+              <a:t>17-Mar-17</a:t>
             </a:fld>
             <a:endParaRPr lang="en-US"/>
           </a:p>
@@ -3089,7 +3089,7 @@
           <a:p>
             <a:fld id="{78C97017-6FC3-485B-9764-EAC9E56C1D49}" type="datetimeFigureOut">
               <a:rPr lang="en-US" smtClean="0"/>
-              <a:t>2/6/2017</a:t>
+              <a:t>17-Mar-17</a:t>
             </a:fld>
             <a:endParaRPr lang="en-US"/>
           </a:p>
@@ -4691,7 +4691,7 @@
                   <a:srgbClr val="7030A0"/>
                 </a:solidFill>
               </a:rPr>
-              <a:t>deletePerson</a:t>
+              <a:t>deleteTask</a:t>
             </a:r>
             <a:r>
               <a:rPr lang="en-US" dirty="0" smtClean="0">
@@ -4699,7 +4699,15 @@
                   <a:srgbClr val="7030A0"/>
                 </a:solidFill>
               </a:rPr>
-              <a:t>(p)</a:t>
+              <a:t>(p</a:t>
+            </a:r>
+            <a:r>
+              <a:rPr lang="en-US" dirty="0" smtClean="0">
+                <a:solidFill>
+                  <a:srgbClr val="7030A0"/>
+                </a:solidFill>
+              </a:rPr>
+              <a:t>)</a:t>
             </a:r>
             <a:endParaRPr lang="en-US" dirty="0">
               <a:solidFill>

--- a/docs/diagrams/LogicComponentSequenceDiagram.pptx
+++ b/docs/diagrams/LogicComponentSequenceDiagram.pptx
@@ -208,7 +208,7 @@
           <a:p>
             <a:fld id="{F5CC4B3F-88C1-4FFA-B1B6-F41C21DC6924}" type="datetimeFigureOut">
               <a:rPr lang="en-US" smtClean="0"/>
-              <a:t>2/6/2017</a:t>
+              <a:t>3/22/17</a:t>
             </a:fld>
             <a:endParaRPr lang="en-US"/>
           </a:p>
@@ -657,7 +657,7 @@
           <a:p>
             <a:fld id="{78C97017-6FC3-485B-9764-EAC9E56C1D49}" type="datetimeFigureOut">
               <a:rPr lang="en-US" smtClean="0"/>
-              <a:t>2/6/2017</a:t>
+              <a:t>3/22/17</a:t>
             </a:fld>
             <a:endParaRPr lang="en-US"/>
           </a:p>
@@ -827,7 +827,7 @@
           <a:p>
             <a:fld id="{78C97017-6FC3-485B-9764-EAC9E56C1D49}" type="datetimeFigureOut">
               <a:rPr lang="en-US" smtClean="0"/>
-              <a:t>2/6/2017</a:t>
+              <a:t>3/22/17</a:t>
             </a:fld>
             <a:endParaRPr lang="en-US"/>
           </a:p>
@@ -1007,7 +1007,7 @@
           <a:p>
             <a:fld id="{78C97017-6FC3-485B-9764-EAC9E56C1D49}" type="datetimeFigureOut">
               <a:rPr lang="en-US" smtClean="0"/>
-              <a:t>2/6/2017</a:t>
+              <a:t>3/22/17</a:t>
             </a:fld>
             <a:endParaRPr lang="en-US"/>
           </a:p>
@@ -1177,7 +1177,7 @@
           <a:p>
             <a:fld id="{78C97017-6FC3-485B-9764-EAC9E56C1D49}" type="datetimeFigureOut">
               <a:rPr lang="en-US" smtClean="0"/>
-              <a:t>2/6/2017</a:t>
+              <a:t>3/22/17</a:t>
             </a:fld>
             <a:endParaRPr lang="en-US"/>
           </a:p>
@@ -1423,7 +1423,7 @@
           <a:p>
             <a:fld id="{78C97017-6FC3-485B-9764-EAC9E56C1D49}" type="datetimeFigureOut">
               <a:rPr lang="en-US" smtClean="0"/>
-              <a:t>2/6/2017</a:t>
+              <a:t>3/22/17</a:t>
             </a:fld>
             <a:endParaRPr lang="en-US"/>
           </a:p>
@@ -1711,7 +1711,7 @@
           <a:p>
             <a:fld id="{78C97017-6FC3-485B-9764-EAC9E56C1D49}" type="datetimeFigureOut">
               <a:rPr lang="en-US" smtClean="0"/>
-              <a:t>2/6/2017</a:t>
+              <a:t>3/22/17</a:t>
             </a:fld>
             <a:endParaRPr lang="en-US"/>
           </a:p>
@@ -2133,7 +2133,7 @@
           <a:p>
             <a:fld id="{78C97017-6FC3-485B-9764-EAC9E56C1D49}" type="datetimeFigureOut">
               <a:rPr lang="en-US" smtClean="0"/>
-              <a:t>2/6/2017</a:t>
+              <a:t>3/22/17</a:t>
             </a:fld>
             <a:endParaRPr lang="en-US"/>
           </a:p>
@@ -2251,7 +2251,7 @@
           <a:p>
             <a:fld id="{78C97017-6FC3-485B-9764-EAC9E56C1D49}" type="datetimeFigureOut">
               <a:rPr lang="en-US" smtClean="0"/>
-              <a:t>2/6/2017</a:t>
+              <a:t>3/22/17</a:t>
             </a:fld>
             <a:endParaRPr lang="en-US"/>
           </a:p>
@@ -2346,7 +2346,7 @@
           <a:p>
             <a:fld id="{78C97017-6FC3-485B-9764-EAC9E56C1D49}" type="datetimeFigureOut">
               <a:rPr lang="en-US" smtClean="0"/>
-              <a:t>2/6/2017</a:t>
+              <a:t>3/22/17</a:t>
             </a:fld>
             <a:endParaRPr lang="en-US"/>
           </a:p>
@@ -2623,7 +2623,7 @@
           <a:p>
             <a:fld id="{78C97017-6FC3-485B-9764-EAC9E56C1D49}" type="datetimeFigureOut">
               <a:rPr lang="en-US" smtClean="0"/>
-              <a:t>2/6/2017</a:t>
+              <a:t>3/22/17</a:t>
             </a:fld>
             <a:endParaRPr lang="en-US"/>
           </a:p>
@@ -2876,7 +2876,7 @@
           <a:p>
             <a:fld id="{78C97017-6FC3-485B-9764-EAC9E56C1D49}" type="datetimeFigureOut">
               <a:rPr lang="en-US" smtClean="0"/>
-              <a:t>2/6/2017</a:t>
+              <a:t>3/22/17</a:t>
             </a:fld>
             <a:endParaRPr lang="en-US"/>
           </a:p>
@@ -3089,7 +3089,7 @@
           <a:p>
             <a:fld id="{78C97017-6FC3-485B-9764-EAC9E56C1D49}" type="datetimeFigureOut">
               <a:rPr lang="en-US" smtClean="0"/>
-              <a:t>2/6/2017</a:t>
+              <a:t>3/22/17</a:t>
             </a:fld>
             <a:endParaRPr lang="en-US"/>
           </a:p>
@@ -3872,7 +3872,7 @@
                   <a:schemeClr val="bg1"/>
                 </a:solidFill>
               </a:rPr>
-              <a:t>d:Delete</a:t>
+              <a:t>Edit</a:t>
             </a:r>
             <a:r>
               <a:rPr lang="en-US" sz="1600" dirty="0">
@@ -4072,7 +4072,7 @@
         <p:spPr>
           <a:xfrm>
             <a:off x="0" y="2743200"/>
-            <a:ext cx="1424846" cy="215444"/>
+            <a:ext cx="1424846" cy="430887"/>
           </a:xfrm>
           <a:prstGeom prst="rect">
             <a:avLst/>
@@ -4092,7 +4092,31 @@
                   <a:srgbClr val="0070C0"/>
                 </a:solidFill>
               </a:rPr>
-              <a:t>execute(“delete 1”)</a:t>
+              <a:t>execute</a:t>
+            </a:r>
+            <a:r>
+              <a:rPr lang="en-US" sz="1400" dirty="0" smtClean="0">
+                <a:solidFill>
+                  <a:srgbClr val="0070C0"/>
+                </a:solidFill>
+              </a:rPr>
+              <a:t>(“</a:t>
+            </a:r>
+            <a:r>
+              <a:rPr lang="en-US" sz="1400" dirty="0" smtClean="0">
+                <a:solidFill>
+                  <a:srgbClr val="0070C0"/>
+                </a:solidFill>
+              </a:rPr>
+              <a:t>edit</a:t>
+            </a:r>
+            <a:r>
+              <a:rPr lang="en-US" sz="1400" dirty="0" smtClean="0">
+                <a:solidFill>
+                  <a:srgbClr val="0070C0"/>
+                </a:solidFill>
+              </a:rPr>
+              <a:t> 1 [KEYWORDS]”)</a:t>
             </a:r>
             <a:endParaRPr lang="en-US" sz="1400" dirty="0">
               <a:solidFill>
@@ -4691,7 +4715,7 @@
                   <a:srgbClr val="7030A0"/>
                 </a:solidFill>
               </a:rPr>
-              <a:t>deletePerson</a:t>
+              <a:t>editTask</a:t>
             </a:r>
             <a:r>
               <a:rPr lang="en-US" dirty="0" smtClean="0">
@@ -4699,7 +4723,15 @@
                   <a:srgbClr val="7030A0"/>
                 </a:solidFill>
               </a:rPr>
-              <a:t>(p)</a:t>
+              <a:t>(p</a:t>
+            </a:r>
+            <a:r>
+              <a:rPr lang="en-US" dirty="0" smtClean="0">
+                <a:solidFill>
+                  <a:srgbClr val="7030A0"/>
+                </a:solidFill>
+              </a:rPr>
+              <a:t>)</a:t>
             </a:r>
             <a:endParaRPr lang="en-US" dirty="0">
               <a:solidFill>
@@ -4718,7 +4750,7 @@
         <p:spPr>
           <a:xfrm>
             <a:off x="3847551" y="3657600"/>
-            <a:ext cx="767033" cy="184666"/>
+            <a:ext cx="767033" cy="369332"/>
           </a:xfrm>
           <a:prstGeom prst="rect">
             <a:avLst/>
@@ -4748,7 +4780,15 @@
             </a:r>
             <a:r>
               <a:rPr lang="en-US" sz="1200" dirty="0" smtClean="0"/>
-              <a:t>arse(“1”)</a:t>
+              <a:t>arse(“</a:t>
+            </a:r>
+            <a:r>
+              <a:rPr lang="en-US" sz="1200" dirty="0" smtClean="0"/>
+              <a:t>1 </a:t>
+            </a:r>
+            <a:r>
+              <a:rPr lang="en-US" sz="1200" smtClean="0"/>
+              <a:t>[KEYWORD]</a:t>
             </a:r>
             <a:endParaRPr lang="en-US" sz="1200" dirty="0"/>
           </a:p>
@@ -4763,7 +4803,7 @@
         <p:spPr>
           <a:xfrm>
             <a:off x="1742982" y="2850922"/>
-            <a:ext cx="1424846" cy="215444"/>
+            <a:ext cx="1424846" cy="430887"/>
           </a:xfrm>
           <a:prstGeom prst="rect">
             <a:avLst/>
@@ -4789,7 +4829,11 @@
           <a:p>
             <a:r>
               <a:rPr lang="en-US" dirty="0" smtClean="0"/>
-              <a:t>parse(“delete 1”)</a:t>
+              <a:t>parse(“</a:t>
+            </a:r>
+            <a:r>
+              <a:rPr lang="en-US" dirty="0"/>
+              <a:t>edit 1 [KEYWORDS]”)</a:t>
             </a:r>
             <a:endParaRPr lang="en-US" dirty="0"/>
           </a:p>
@@ -5127,7 +5171,15 @@
                   <a:schemeClr val="bg1"/>
                 </a:solidFill>
               </a:rPr>
-              <a:t>DeleteCommand</a:t>
+              <a:t>Edit</a:t>
+            </a:r>
+            <a:r>
+              <a:rPr lang="en-US" sz="1600" dirty="0" err="1" smtClean="0">
+                <a:solidFill>
+                  <a:schemeClr val="bg1"/>
+                </a:solidFill>
+              </a:rPr>
+              <a:t>Command</a:t>
             </a:r>
             <a:endParaRPr lang="en-US" sz="1600" dirty="0" smtClean="0">
               <a:solidFill>

--- a/docs/diagrams/LogicComponentSequenceDiagram.pptx
+++ b/docs/diagrams/LogicComponentSequenceDiagram.pptx
@@ -208,7 +208,7 @@
           <a:p>
             <a:fld id="{F5CC4B3F-88C1-4FFA-B1B6-F41C21DC6924}" type="datetimeFigureOut">
               <a:rPr lang="en-US" smtClean="0"/>
-              <a:t>2/6/2017</a:t>
+              <a:t>23-Mar-17</a:t>
             </a:fld>
             <a:endParaRPr lang="en-US"/>
           </a:p>
@@ -272,38 +272,37 @@
           <a:p>
             <a:pPr lvl="0"/>
             <a:r>
-              <a:rPr lang="en-US" smtClean="0"/>
+              <a:rPr lang="en-US"/>
               <a:t>Click to edit Master text styles</a:t>
             </a:r>
           </a:p>
           <a:p>
             <a:pPr lvl="1"/>
             <a:r>
-              <a:rPr lang="en-US" smtClean="0"/>
+              <a:rPr lang="en-US"/>
               <a:t>Second level</a:t>
             </a:r>
           </a:p>
           <a:p>
             <a:pPr lvl="2"/>
             <a:r>
-              <a:rPr lang="en-US" smtClean="0"/>
+              <a:rPr lang="en-US"/>
               <a:t>Third level</a:t>
             </a:r>
           </a:p>
           <a:p>
             <a:pPr lvl="3"/>
             <a:r>
-              <a:rPr lang="en-US" smtClean="0"/>
+              <a:rPr lang="en-US"/>
               <a:t>Fourth level</a:t>
             </a:r>
           </a:p>
           <a:p>
             <a:pPr lvl="4"/>
             <a:r>
-              <a:rPr lang="en-US" smtClean="0"/>
+              <a:rPr lang="en-US"/>
               <a:t>Fifth level</a:t>
             </a:r>
-            <a:endParaRPr lang="en-US"/>
           </a:p>
         </p:txBody>
       </p:sp>
@@ -514,10 +513,9 @@
           <a:lstStyle/>
           <a:p>
             <a:r>
-              <a:rPr lang="en-US" smtClean="0"/>
+              <a:rPr lang="en-US"/>
               <a:t>Click to edit Master title style</a:t>
             </a:r>
-            <a:endParaRPr lang="en-US"/>
           </a:p>
         </p:txBody>
       </p:sp>
@@ -633,10 +631,9 @@
           </a:lstStyle>
           <a:p>
             <a:r>
-              <a:rPr lang="en-US" smtClean="0"/>
+              <a:rPr lang="en-US"/>
               <a:t>Click to edit Master subtitle style</a:t>
             </a:r>
-            <a:endParaRPr lang="en-US"/>
           </a:p>
         </p:txBody>
       </p:sp>
@@ -657,7 +654,7 @@
           <a:p>
             <a:fld id="{78C97017-6FC3-485B-9764-EAC9E56C1D49}" type="datetimeFigureOut">
               <a:rPr lang="en-US" smtClean="0"/>
-              <a:t>2/6/2017</a:t>
+              <a:t>23-Mar-17</a:t>
             </a:fld>
             <a:endParaRPr lang="en-US"/>
           </a:p>
@@ -751,10 +748,9 @@
           <a:lstStyle/>
           <a:p>
             <a:r>
-              <a:rPr lang="en-US" smtClean="0"/>
+              <a:rPr lang="en-US"/>
               <a:t>Click to edit Master title style</a:t>
             </a:r>
-            <a:endParaRPr lang="en-US"/>
           </a:p>
         </p:txBody>
       </p:sp>
@@ -775,38 +771,37 @@
           <a:p>
             <a:pPr lvl="0"/>
             <a:r>
-              <a:rPr lang="en-US" smtClean="0"/>
+              <a:rPr lang="en-US"/>
               <a:t>Click to edit Master text styles</a:t>
             </a:r>
           </a:p>
           <a:p>
             <a:pPr lvl="1"/>
             <a:r>
-              <a:rPr lang="en-US" smtClean="0"/>
+              <a:rPr lang="en-US"/>
               <a:t>Second level</a:t>
             </a:r>
           </a:p>
           <a:p>
             <a:pPr lvl="2"/>
             <a:r>
-              <a:rPr lang="en-US" smtClean="0"/>
+              <a:rPr lang="en-US"/>
               <a:t>Third level</a:t>
             </a:r>
           </a:p>
           <a:p>
             <a:pPr lvl="3"/>
             <a:r>
-              <a:rPr lang="en-US" smtClean="0"/>
+              <a:rPr lang="en-US"/>
               <a:t>Fourth level</a:t>
             </a:r>
           </a:p>
           <a:p>
             <a:pPr lvl="4"/>
             <a:r>
-              <a:rPr lang="en-US" smtClean="0"/>
+              <a:rPr lang="en-US"/>
               <a:t>Fifth level</a:t>
             </a:r>
-            <a:endParaRPr lang="en-US"/>
           </a:p>
         </p:txBody>
       </p:sp>
@@ -827,7 +822,7 @@
           <a:p>
             <a:fld id="{78C97017-6FC3-485B-9764-EAC9E56C1D49}" type="datetimeFigureOut">
               <a:rPr lang="en-US" smtClean="0"/>
-              <a:t>2/6/2017</a:t>
+              <a:t>23-Mar-17</a:t>
             </a:fld>
             <a:endParaRPr lang="en-US"/>
           </a:p>
@@ -926,10 +921,9 @@
           <a:lstStyle/>
           <a:p>
             <a:r>
-              <a:rPr lang="en-US" smtClean="0"/>
+              <a:rPr lang="en-US"/>
               <a:t>Click to edit Master title style</a:t>
             </a:r>
-            <a:endParaRPr lang="en-US"/>
           </a:p>
         </p:txBody>
       </p:sp>
@@ -955,38 +949,37 @@
           <a:p>
             <a:pPr lvl="0"/>
             <a:r>
-              <a:rPr lang="en-US" smtClean="0"/>
+              <a:rPr lang="en-US"/>
               <a:t>Click to edit Master text styles</a:t>
             </a:r>
           </a:p>
           <a:p>
             <a:pPr lvl="1"/>
             <a:r>
-              <a:rPr lang="en-US" smtClean="0"/>
+              <a:rPr lang="en-US"/>
               <a:t>Second level</a:t>
             </a:r>
           </a:p>
           <a:p>
             <a:pPr lvl="2"/>
             <a:r>
-              <a:rPr lang="en-US" smtClean="0"/>
+              <a:rPr lang="en-US"/>
               <a:t>Third level</a:t>
             </a:r>
           </a:p>
           <a:p>
             <a:pPr lvl="3"/>
             <a:r>
-              <a:rPr lang="en-US" smtClean="0"/>
+              <a:rPr lang="en-US"/>
               <a:t>Fourth level</a:t>
             </a:r>
           </a:p>
           <a:p>
             <a:pPr lvl="4"/>
             <a:r>
-              <a:rPr lang="en-US" smtClean="0"/>
+              <a:rPr lang="en-US"/>
               <a:t>Fifth level</a:t>
             </a:r>
-            <a:endParaRPr lang="en-US"/>
           </a:p>
         </p:txBody>
       </p:sp>
@@ -1007,7 +1000,7 @@
           <a:p>
             <a:fld id="{78C97017-6FC3-485B-9764-EAC9E56C1D49}" type="datetimeFigureOut">
               <a:rPr lang="en-US" smtClean="0"/>
-              <a:t>2/6/2017</a:t>
+              <a:t>23-Mar-17</a:t>
             </a:fld>
             <a:endParaRPr lang="en-US"/>
           </a:p>
@@ -1101,10 +1094,9 @@
           <a:lstStyle/>
           <a:p>
             <a:r>
-              <a:rPr lang="en-US" smtClean="0"/>
+              <a:rPr lang="en-US"/>
               <a:t>Click to edit Master title style</a:t>
             </a:r>
-            <a:endParaRPr lang="en-US"/>
           </a:p>
         </p:txBody>
       </p:sp>
@@ -1125,38 +1117,37 @@
           <a:p>
             <a:pPr lvl="0"/>
             <a:r>
-              <a:rPr lang="en-US" smtClean="0"/>
+              <a:rPr lang="en-US"/>
               <a:t>Click to edit Master text styles</a:t>
             </a:r>
           </a:p>
           <a:p>
             <a:pPr lvl="1"/>
             <a:r>
-              <a:rPr lang="en-US" smtClean="0"/>
+              <a:rPr lang="en-US"/>
               <a:t>Second level</a:t>
             </a:r>
           </a:p>
           <a:p>
             <a:pPr lvl="2"/>
             <a:r>
-              <a:rPr lang="en-US" smtClean="0"/>
+              <a:rPr lang="en-US"/>
               <a:t>Third level</a:t>
             </a:r>
           </a:p>
           <a:p>
             <a:pPr lvl="3"/>
             <a:r>
-              <a:rPr lang="en-US" smtClean="0"/>
+              <a:rPr lang="en-US"/>
               <a:t>Fourth level</a:t>
             </a:r>
           </a:p>
           <a:p>
             <a:pPr lvl="4"/>
             <a:r>
-              <a:rPr lang="en-US" smtClean="0"/>
+              <a:rPr lang="en-US"/>
               <a:t>Fifth level</a:t>
             </a:r>
-            <a:endParaRPr lang="en-US"/>
           </a:p>
         </p:txBody>
       </p:sp>
@@ -1177,7 +1168,7 @@
           <a:p>
             <a:fld id="{78C97017-6FC3-485B-9764-EAC9E56C1D49}" type="datetimeFigureOut">
               <a:rPr lang="en-US" smtClean="0"/>
-              <a:t>2/6/2017</a:t>
+              <a:t>23-Mar-17</a:t>
             </a:fld>
             <a:endParaRPr lang="en-US"/>
           </a:p>
@@ -1280,10 +1271,9 @@
           </a:lstStyle>
           <a:p>
             <a:r>
-              <a:rPr lang="en-US" smtClean="0"/>
+              <a:rPr lang="en-US"/>
               <a:t>Click to edit Master title style</a:t>
             </a:r>
-            <a:endParaRPr lang="en-US"/>
           </a:p>
         </p:txBody>
       </p:sp>
@@ -1400,7 +1390,7 @@
           <a:p>
             <a:pPr lvl="0"/>
             <a:r>
-              <a:rPr lang="en-US" smtClean="0"/>
+              <a:rPr lang="en-US"/>
               <a:t>Click to edit Master text styles</a:t>
             </a:r>
           </a:p>
@@ -1423,7 +1413,7 @@
           <a:p>
             <a:fld id="{78C97017-6FC3-485B-9764-EAC9E56C1D49}" type="datetimeFigureOut">
               <a:rPr lang="en-US" smtClean="0"/>
-              <a:t>2/6/2017</a:t>
+              <a:t>23-Mar-17</a:t>
             </a:fld>
             <a:endParaRPr lang="en-US"/>
           </a:p>
@@ -1517,10 +1507,9 @@
           <a:lstStyle/>
           <a:p>
             <a:r>
-              <a:rPr lang="en-US" smtClean="0"/>
+              <a:rPr lang="en-US"/>
               <a:t>Click to edit Master title style</a:t>
             </a:r>
-            <a:endParaRPr lang="en-US"/>
           </a:p>
         </p:txBody>
       </p:sp>
@@ -1574,38 +1563,37 @@
           <a:p>
             <a:pPr lvl="0"/>
             <a:r>
-              <a:rPr lang="en-US" smtClean="0"/>
+              <a:rPr lang="en-US"/>
               <a:t>Click to edit Master text styles</a:t>
             </a:r>
           </a:p>
           <a:p>
             <a:pPr lvl="1"/>
             <a:r>
-              <a:rPr lang="en-US" smtClean="0"/>
+              <a:rPr lang="en-US"/>
               <a:t>Second level</a:t>
             </a:r>
           </a:p>
           <a:p>
             <a:pPr lvl="2"/>
             <a:r>
-              <a:rPr lang="en-US" smtClean="0"/>
+              <a:rPr lang="en-US"/>
               <a:t>Third level</a:t>
             </a:r>
           </a:p>
           <a:p>
             <a:pPr lvl="3"/>
             <a:r>
-              <a:rPr lang="en-US" smtClean="0"/>
+              <a:rPr lang="en-US"/>
               <a:t>Fourth level</a:t>
             </a:r>
           </a:p>
           <a:p>
             <a:pPr lvl="4"/>
             <a:r>
-              <a:rPr lang="en-US" smtClean="0"/>
+              <a:rPr lang="en-US"/>
               <a:t>Fifth level</a:t>
             </a:r>
-            <a:endParaRPr lang="en-US"/>
           </a:p>
         </p:txBody>
       </p:sp>
@@ -1659,38 +1647,37 @@
           <a:p>
             <a:pPr lvl="0"/>
             <a:r>
-              <a:rPr lang="en-US" smtClean="0"/>
+              <a:rPr lang="en-US"/>
               <a:t>Click to edit Master text styles</a:t>
             </a:r>
           </a:p>
           <a:p>
             <a:pPr lvl="1"/>
             <a:r>
-              <a:rPr lang="en-US" smtClean="0"/>
+              <a:rPr lang="en-US"/>
               <a:t>Second level</a:t>
             </a:r>
           </a:p>
           <a:p>
             <a:pPr lvl="2"/>
             <a:r>
-              <a:rPr lang="en-US" smtClean="0"/>
+              <a:rPr lang="en-US"/>
               <a:t>Third level</a:t>
             </a:r>
           </a:p>
           <a:p>
             <a:pPr lvl="3"/>
             <a:r>
-              <a:rPr lang="en-US" smtClean="0"/>
+              <a:rPr lang="en-US"/>
               <a:t>Fourth level</a:t>
             </a:r>
           </a:p>
           <a:p>
             <a:pPr lvl="4"/>
             <a:r>
-              <a:rPr lang="en-US" smtClean="0"/>
+              <a:rPr lang="en-US"/>
               <a:t>Fifth level</a:t>
             </a:r>
-            <a:endParaRPr lang="en-US"/>
           </a:p>
         </p:txBody>
       </p:sp>
@@ -1711,7 +1698,7 @@
           <a:p>
             <a:fld id="{78C97017-6FC3-485B-9764-EAC9E56C1D49}" type="datetimeFigureOut">
               <a:rPr lang="en-US" smtClean="0"/>
-              <a:t>2/6/2017</a:t>
+              <a:t>23-Mar-17</a:t>
             </a:fld>
             <a:endParaRPr lang="en-US"/>
           </a:p>
@@ -1809,10 +1796,9 @@
           </a:lstStyle>
           <a:p>
             <a:r>
-              <a:rPr lang="en-US" smtClean="0"/>
+              <a:rPr lang="en-US"/>
               <a:t>Click to edit Master title style</a:t>
             </a:r>
-            <a:endParaRPr lang="en-US"/>
           </a:p>
         </p:txBody>
       </p:sp>
@@ -1875,7 +1861,7 @@
           <a:p>
             <a:pPr lvl="0"/>
             <a:r>
-              <a:rPr lang="en-US" smtClean="0"/>
+              <a:rPr lang="en-US"/>
               <a:t>Click to edit Master text styles</a:t>
             </a:r>
           </a:p>
@@ -1931,38 +1917,37 @@
           <a:p>
             <a:pPr lvl="0"/>
             <a:r>
-              <a:rPr lang="en-US" smtClean="0"/>
+              <a:rPr lang="en-US"/>
               <a:t>Click to edit Master text styles</a:t>
             </a:r>
           </a:p>
           <a:p>
             <a:pPr lvl="1"/>
             <a:r>
-              <a:rPr lang="en-US" smtClean="0"/>
+              <a:rPr lang="en-US"/>
               <a:t>Second level</a:t>
             </a:r>
           </a:p>
           <a:p>
             <a:pPr lvl="2"/>
             <a:r>
-              <a:rPr lang="en-US" smtClean="0"/>
+              <a:rPr lang="en-US"/>
               <a:t>Third level</a:t>
             </a:r>
           </a:p>
           <a:p>
             <a:pPr lvl="3"/>
             <a:r>
-              <a:rPr lang="en-US" smtClean="0"/>
+              <a:rPr lang="en-US"/>
               <a:t>Fourth level</a:t>
             </a:r>
           </a:p>
           <a:p>
             <a:pPr lvl="4"/>
             <a:r>
-              <a:rPr lang="en-US" smtClean="0"/>
+              <a:rPr lang="en-US"/>
               <a:t>Fifth level</a:t>
             </a:r>
-            <a:endParaRPr lang="en-US"/>
           </a:p>
         </p:txBody>
       </p:sp>
@@ -2025,7 +2010,7 @@
           <a:p>
             <a:pPr lvl="0"/>
             <a:r>
-              <a:rPr lang="en-US" smtClean="0"/>
+              <a:rPr lang="en-US"/>
               <a:t>Click to edit Master text styles</a:t>
             </a:r>
           </a:p>
@@ -2081,38 +2066,37 @@
           <a:p>
             <a:pPr lvl="0"/>
             <a:r>
-              <a:rPr lang="en-US" smtClean="0"/>
+              <a:rPr lang="en-US"/>
               <a:t>Click to edit Master text styles</a:t>
             </a:r>
           </a:p>
           <a:p>
             <a:pPr lvl="1"/>
             <a:r>
-              <a:rPr lang="en-US" smtClean="0"/>
+              <a:rPr lang="en-US"/>
               <a:t>Second level</a:t>
             </a:r>
           </a:p>
           <a:p>
             <a:pPr lvl="2"/>
             <a:r>
-              <a:rPr lang="en-US" smtClean="0"/>
+              <a:rPr lang="en-US"/>
               <a:t>Third level</a:t>
             </a:r>
           </a:p>
           <a:p>
             <a:pPr lvl="3"/>
             <a:r>
-              <a:rPr lang="en-US" smtClean="0"/>
+              <a:rPr lang="en-US"/>
               <a:t>Fourth level</a:t>
             </a:r>
           </a:p>
           <a:p>
             <a:pPr lvl="4"/>
             <a:r>
-              <a:rPr lang="en-US" smtClean="0"/>
+              <a:rPr lang="en-US"/>
               <a:t>Fifth level</a:t>
             </a:r>
-            <a:endParaRPr lang="en-US"/>
           </a:p>
         </p:txBody>
       </p:sp>
@@ -2133,7 +2117,7 @@
           <a:p>
             <a:fld id="{78C97017-6FC3-485B-9764-EAC9E56C1D49}" type="datetimeFigureOut">
               <a:rPr lang="en-US" smtClean="0"/>
-              <a:t>2/6/2017</a:t>
+              <a:t>23-Mar-17</a:t>
             </a:fld>
             <a:endParaRPr lang="en-US"/>
           </a:p>
@@ -2227,10 +2211,9 @@
           <a:lstStyle/>
           <a:p>
             <a:r>
-              <a:rPr lang="en-US" smtClean="0"/>
+              <a:rPr lang="en-US"/>
               <a:t>Click to edit Master title style</a:t>
             </a:r>
-            <a:endParaRPr lang="en-US"/>
           </a:p>
         </p:txBody>
       </p:sp>
@@ -2251,7 +2234,7 @@
           <a:p>
             <a:fld id="{78C97017-6FC3-485B-9764-EAC9E56C1D49}" type="datetimeFigureOut">
               <a:rPr lang="en-US" smtClean="0"/>
-              <a:t>2/6/2017</a:t>
+              <a:t>23-Mar-17</a:t>
             </a:fld>
             <a:endParaRPr lang="en-US"/>
           </a:p>
@@ -2346,7 +2329,7 @@
           <a:p>
             <a:fld id="{78C97017-6FC3-485B-9764-EAC9E56C1D49}" type="datetimeFigureOut">
               <a:rPr lang="en-US" smtClean="0"/>
-              <a:t>2/6/2017</a:t>
+              <a:t>23-Mar-17</a:t>
             </a:fld>
             <a:endParaRPr lang="en-US"/>
           </a:p>
@@ -2449,10 +2432,9 @@
           </a:lstStyle>
           <a:p>
             <a:r>
-              <a:rPr lang="en-US" smtClean="0"/>
+              <a:rPr lang="en-US"/>
               <a:t>Click to edit Master title style</a:t>
             </a:r>
-            <a:endParaRPr lang="en-US"/>
           </a:p>
         </p:txBody>
       </p:sp>
@@ -2506,38 +2488,37 @@
           <a:p>
             <a:pPr lvl="0"/>
             <a:r>
-              <a:rPr lang="en-US" smtClean="0"/>
+              <a:rPr lang="en-US"/>
               <a:t>Click to edit Master text styles</a:t>
             </a:r>
           </a:p>
           <a:p>
             <a:pPr lvl="1"/>
             <a:r>
-              <a:rPr lang="en-US" smtClean="0"/>
+              <a:rPr lang="en-US"/>
               <a:t>Second level</a:t>
             </a:r>
           </a:p>
           <a:p>
             <a:pPr lvl="2"/>
             <a:r>
-              <a:rPr lang="en-US" smtClean="0"/>
+              <a:rPr lang="en-US"/>
               <a:t>Third level</a:t>
             </a:r>
           </a:p>
           <a:p>
             <a:pPr lvl="3"/>
             <a:r>
-              <a:rPr lang="en-US" smtClean="0"/>
+              <a:rPr lang="en-US"/>
               <a:t>Fourth level</a:t>
             </a:r>
           </a:p>
           <a:p>
             <a:pPr lvl="4"/>
             <a:r>
-              <a:rPr lang="en-US" smtClean="0"/>
+              <a:rPr lang="en-US"/>
               <a:t>Fifth level</a:t>
             </a:r>
-            <a:endParaRPr lang="en-US"/>
           </a:p>
         </p:txBody>
       </p:sp>
@@ -2600,7 +2581,7 @@
           <a:p>
             <a:pPr lvl="0"/>
             <a:r>
-              <a:rPr lang="en-US" smtClean="0"/>
+              <a:rPr lang="en-US"/>
               <a:t>Click to edit Master text styles</a:t>
             </a:r>
           </a:p>
@@ -2623,7 +2604,7 @@
           <a:p>
             <a:fld id="{78C97017-6FC3-485B-9764-EAC9E56C1D49}" type="datetimeFigureOut">
               <a:rPr lang="en-US" smtClean="0"/>
-              <a:t>2/6/2017</a:t>
+              <a:t>23-Mar-17</a:t>
             </a:fld>
             <a:endParaRPr lang="en-US"/>
           </a:p>
@@ -2726,10 +2707,9 @@
           </a:lstStyle>
           <a:p>
             <a:r>
-              <a:rPr lang="en-US" smtClean="0"/>
+              <a:rPr lang="en-US"/>
               <a:t>Click to edit Master title style</a:t>
             </a:r>
-            <a:endParaRPr lang="en-US"/>
           </a:p>
         </p:txBody>
       </p:sp>
@@ -2853,7 +2833,7 @@
           <a:p>
             <a:pPr lvl="0"/>
             <a:r>
-              <a:rPr lang="en-US" smtClean="0"/>
+              <a:rPr lang="en-US"/>
               <a:t>Click to edit Master text styles</a:t>
             </a:r>
           </a:p>
@@ -2876,7 +2856,7 @@
           <a:p>
             <a:fld id="{78C97017-6FC3-485B-9764-EAC9E56C1D49}" type="datetimeFigureOut">
               <a:rPr lang="en-US" smtClean="0"/>
-              <a:t>2/6/2017</a:t>
+              <a:t>23-Mar-17</a:t>
             </a:fld>
             <a:endParaRPr lang="en-US"/>
           </a:p>
@@ -2985,10 +2965,9 @@
           <a:lstStyle/>
           <a:p>
             <a:r>
-              <a:rPr lang="en-US" smtClean="0"/>
+              <a:rPr lang="en-US"/>
               <a:t>Click to edit Master title style</a:t>
             </a:r>
-            <a:endParaRPr lang="en-US"/>
           </a:p>
         </p:txBody>
       </p:sp>
@@ -3019,38 +2998,37 @@
           <a:p>
             <a:pPr lvl="0"/>
             <a:r>
-              <a:rPr lang="en-US" smtClean="0"/>
+              <a:rPr lang="en-US"/>
               <a:t>Click to edit Master text styles</a:t>
             </a:r>
           </a:p>
           <a:p>
             <a:pPr lvl="1"/>
             <a:r>
-              <a:rPr lang="en-US" smtClean="0"/>
+              <a:rPr lang="en-US"/>
               <a:t>Second level</a:t>
             </a:r>
           </a:p>
           <a:p>
             <a:pPr lvl="2"/>
             <a:r>
-              <a:rPr lang="en-US" smtClean="0"/>
+              <a:rPr lang="en-US"/>
               <a:t>Third level</a:t>
             </a:r>
           </a:p>
           <a:p>
             <a:pPr lvl="3"/>
             <a:r>
-              <a:rPr lang="en-US" smtClean="0"/>
+              <a:rPr lang="en-US"/>
               <a:t>Fourth level</a:t>
             </a:r>
           </a:p>
           <a:p>
             <a:pPr lvl="4"/>
             <a:r>
-              <a:rPr lang="en-US" smtClean="0"/>
+              <a:rPr lang="en-US"/>
               <a:t>Fifth level</a:t>
             </a:r>
-            <a:endParaRPr lang="en-US"/>
           </a:p>
         </p:txBody>
       </p:sp>
@@ -3089,7 +3067,7 @@
           <a:p>
             <a:fld id="{78C97017-6FC3-485B-9764-EAC9E56C1D49}" type="datetimeFigureOut">
               <a:rPr lang="en-US" smtClean="0"/>
-              <a:t>2/6/2017</a:t>
+              <a:t>23-Mar-17</a:t>
             </a:fld>
             <a:endParaRPr lang="en-US"/>
           </a:p>
@@ -3510,7 +3488,7 @@
           <a:lstStyle/>
           <a:p>
             <a:r>
-              <a:rPr lang="en-US" sz="1200" b="1" dirty="0" smtClean="0">
+              <a:rPr lang="en-US" sz="1200" b="1" dirty="0">
                 <a:solidFill>
                   <a:srgbClr val="0070C0"/>
                 </a:solidFill>
@@ -3720,7 +3698,7 @@
           <a:p>
             <a:pPr algn="ctr"/>
             <a:r>
-              <a:rPr lang="en-US" sz="1600" dirty="0" smtClean="0">
+              <a:rPr lang="en-US" sz="1600" dirty="0">
                 <a:solidFill>
                   <a:schemeClr val="bg1"/>
                 </a:solidFill>
@@ -3867,20 +3845,12 @@
           <a:p>
             <a:pPr algn="ctr"/>
             <a:r>
-              <a:rPr lang="en-US" sz="1600" dirty="0" smtClean="0">
+              <a:rPr lang="en-US" sz="1600" dirty="0">
                 <a:solidFill>
                   <a:schemeClr val="bg1"/>
                 </a:solidFill>
               </a:rPr>
               <a:t>d:Delete</a:t>
-            </a:r>
-            <a:r>
-              <a:rPr lang="en-US" sz="1600" dirty="0">
-                <a:solidFill>
-                  <a:schemeClr val="bg1"/>
-                </a:solidFill>
-              </a:rPr>
-              <a:t/>
             </a:r>
             <a:br>
               <a:rPr lang="en-US" sz="1600" dirty="0">
@@ -4087,18 +4057,13 @@
           <a:p>
             <a:pPr algn="r"/>
             <a:r>
-              <a:rPr lang="en-US" sz="1400" dirty="0" smtClean="0">
+              <a:rPr lang="en-US" sz="1400" dirty="0">
                 <a:solidFill>
                   <a:srgbClr val="0070C0"/>
                 </a:solidFill>
               </a:rPr>
               <a:t>execute(“delete 1”)</a:t>
             </a:r>
-            <a:endParaRPr lang="en-US" sz="1400" dirty="0">
-              <a:solidFill>
-                <a:srgbClr val="0070C0"/>
-              </a:solidFill>
-            </a:endParaRPr>
           </a:p>
         </p:txBody>
       </p:sp>
@@ -4686,26 +4651,21 @@
           </a:lstStyle>
           <a:p>
             <a:r>
-              <a:rPr lang="en-US" dirty="0" err="1" smtClean="0">
+              <a:rPr lang="en-US" dirty="0" err="1">
                 <a:solidFill>
                   <a:srgbClr val="7030A0"/>
                 </a:solidFill>
               </a:rPr>
-              <a:t>deletePerson</a:t>
-            </a:r>
-            <a:r>
-              <a:rPr lang="en-US" dirty="0" smtClean="0">
+              <a:t>deleteTask</a:t>
+            </a:r>
+            <a:r>
+              <a:rPr lang="en-US" dirty="0">
                 <a:solidFill>
                   <a:srgbClr val="7030A0"/>
                 </a:solidFill>
               </a:rPr>
               <a:t>(p)</a:t>
             </a:r>
-            <a:endParaRPr lang="en-US" dirty="0">
-              <a:solidFill>
-                <a:srgbClr val="7030A0"/>
-              </a:solidFill>
-            </a:endParaRPr>
           </a:p>
         </p:txBody>
       </p:sp>
@@ -4744,13 +4704,8 @@
           <a:p>
             <a:r>
               <a:rPr lang="en-US" sz="1200" dirty="0"/>
-              <a:t>p</a:t>
-            </a:r>
-            <a:r>
-              <a:rPr lang="en-US" sz="1200" dirty="0" smtClean="0"/>
-              <a:t>arse(“1”)</a:t>
-            </a:r>
-            <a:endParaRPr lang="en-US" sz="1200" dirty="0"/>
+              <a:t>parse(“1”)</a:t>
+            </a:r>
           </a:p>
         </p:txBody>
       </p:sp>
@@ -4788,10 +4743,9 @@
           </a:lstStyle>
           <a:p>
             <a:r>
-              <a:rPr lang="en-US" dirty="0" smtClean="0"/>
+              <a:rPr lang="en-US" dirty="0"/>
               <a:t>parse(“delete 1”)</a:t>
             </a:r>
-            <a:endParaRPr lang="en-US" dirty="0"/>
           </a:p>
         </p:txBody>
       </p:sp>
@@ -4829,10 +4783,9 @@
           </a:lstStyle>
           <a:p>
             <a:r>
-              <a:rPr lang="en-US" dirty="0" smtClean="0"/>
+              <a:rPr lang="en-US" dirty="0"/>
               <a:t>result</a:t>
             </a:r>
-            <a:endParaRPr lang="en-US" dirty="0"/>
           </a:p>
         </p:txBody>
       </p:sp>
@@ -4870,10 +4823,9 @@
           </a:lstStyle>
           <a:p>
             <a:r>
-              <a:rPr lang="en-US" dirty="0" smtClean="0"/>
+              <a:rPr lang="en-US" dirty="0"/>
               <a:t>result</a:t>
             </a:r>
-            <a:endParaRPr lang="en-US" dirty="0"/>
           </a:p>
         </p:txBody>
       </p:sp>
@@ -4921,7 +4873,7 @@
           <a:p>
             <a:pPr algn="ctr"/>
             <a:r>
-              <a:rPr lang="en-US" sz="1600" dirty="0" err="1" smtClean="0">
+              <a:rPr lang="en-US" sz="1600" dirty="0" err="1">
                 <a:solidFill>
                   <a:schemeClr val="bg1"/>
                 </a:solidFill>
@@ -4929,7 +4881,7 @@
               <a:t>result:Command</a:t>
             </a:r>
             <a:r>
-              <a:rPr lang="en-US" sz="1600" dirty="0" smtClean="0">
+              <a:rPr lang="en-US" sz="1600" dirty="0">
                 <a:solidFill>
                   <a:schemeClr val="bg1"/>
                 </a:solidFill>
@@ -5063,10 +5015,9 @@
           </a:lstStyle>
           <a:p>
             <a:r>
-              <a:rPr lang="en-US" dirty="0" smtClean="0"/>
+              <a:rPr lang="en-US" dirty="0"/>
               <a:t>d</a:t>
             </a:r>
-            <a:endParaRPr lang="en-US" dirty="0"/>
           </a:p>
         </p:txBody>
       </p:sp>
@@ -5114,7 +5065,7 @@
           <a:p>
             <a:pPr algn="ctr"/>
             <a:r>
-              <a:rPr lang="en-US" sz="1600" dirty="0" smtClean="0">
+              <a:rPr lang="en-US" sz="1600" dirty="0">
                 <a:solidFill>
                   <a:schemeClr val="bg1"/>
                 </a:solidFill>
@@ -5122,14 +5073,14 @@
               <a:t>:</a:t>
             </a:r>
             <a:r>
-              <a:rPr lang="en-US" sz="1600" dirty="0" err="1" smtClean="0">
+              <a:rPr lang="en-US" sz="1600" dirty="0" err="1">
                 <a:solidFill>
                   <a:schemeClr val="bg1"/>
                 </a:solidFill>
               </a:rPr>
               <a:t>DeleteCommand</a:t>
             </a:r>
-            <a:endParaRPr lang="en-US" sz="1600" dirty="0" smtClean="0">
+            <a:endParaRPr lang="en-US" sz="1600" dirty="0">
               <a:solidFill>
                 <a:schemeClr val="bg1"/>
               </a:solidFill>
@@ -5138,7 +5089,7 @@
           <a:p>
             <a:pPr algn="ctr"/>
             <a:r>
-              <a:rPr lang="en-US" sz="1600" dirty="0" smtClean="0">
+              <a:rPr lang="en-US" sz="1600" dirty="0">
                 <a:solidFill>
                   <a:schemeClr val="bg1"/>
                 </a:solidFill>
@@ -5489,18 +5440,13 @@
           <a:lstStyle/>
           <a:p>
             <a:r>
-              <a:rPr lang="en-SG" sz="1100" dirty="0" smtClean="0">
+              <a:rPr lang="en-SG" sz="1100" dirty="0">
                 <a:solidFill>
                   <a:srgbClr val="002060"/>
                 </a:solidFill>
               </a:rPr>
               <a:t>X</a:t>
             </a:r>
-            <a:endParaRPr lang="en-SG" sz="1100" dirty="0">
-              <a:solidFill>
-                <a:srgbClr val="002060"/>
-              </a:solidFill>
-            </a:endParaRPr>
           </a:p>
         </p:txBody>
       </p:sp>

--- a/docs/diagrams/LogicComponentSequenceDiagram.pptx
+++ b/docs/diagrams/LogicComponentSequenceDiagram.pptx
@@ -208,7 +208,7 @@
           <a:p>
             <a:fld id="{F5CC4B3F-88C1-4FFA-B1B6-F41C21DC6924}" type="datetimeFigureOut">
               <a:rPr lang="en-US" smtClean="0"/>
-              <a:t>2/6/2017</a:t>
+              <a:t>3/23/2017</a:t>
             </a:fld>
             <a:endParaRPr lang="en-US"/>
           </a:p>
@@ -657,7 +657,7 @@
           <a:p>
             <a:fld id="{78C97017-6FC3-485B-9764-EAC9E56C1D49}" type="datetimeFigureOut">
               <a:rPr lang="en-US" smtClean="0"/>
-              <a:t>2/6/2017</a:t>
+              <a:t>3/23/2017</a:t>
             </a:fld>
             <a:endParaRPr lang="en-US"/>
           </a:p>
@@ -827,7 +827,7 @@
           <a:p>
             <a:fld id="{78C97017-6FC3-485B-9764-EAC9E56C1D49}" type="datetimeFigureOut">
               <a:rPr lang="en-US" smtClean="0"/>
-              <a:t>2/6/2017</a:t>
+              <a:t>3/23/2017</a:t>
             </a:fld>
             <a:endParaRPr lang="en-US"/>
           </a:p>
@@ -1007,7 +1007,7 @@
           <a:p>
             <a:fld id="{78C97017-6FC3-485B-9764-EAC9E56C1D49}" type="datetimeFigureOut">
               <a:rPr lang="en-US" smtClean="0"/>
-              <a:t>2/6/2017</a:t>
+              <a:t>3/23/2017</a:t>
             </a:fld>
             <a:endParaRPr lang="en-US"/>
           </a:p>
@@ -1177,7 +1177,7 @@
           <a:p>
             <a:fld id="{78C97017-6FC3-485B-9764-EAC9E56C1D49}" type="datetimeFigureOut">
               <a:rPr lang="en-US" smtClean="0"/>
-              <a:t>2/6/2017</a:t>
+              <a:t>3/23/2017</a:t>
             </a:fld>
             <a:endParaRPr lang="en-US"/>
           </a:p>
@@ -1423,7 +1423,7 @@
           <a:p>
             <a:fld id="{78C97017-6FC3-485B-9764-EAC9E56C1D49}" type="datetimeFigureOut">
               <a:rPr lang="en-US" smtClean="0"/>
-              <a:t>2/6/2017</a:t>
+              <a:t>3/23/2017</a:t>
             </a:fld>
             <a:endParaRPr lang="en-US"/>
           </a:p>
@@ -1711,7 +1711,7 @@
           <a:p>
             <a:fld id="{78C97017-6FC3-485B-9764-EAC9E56C1D49}" type="datetimeFigureOut">
               <a:rPr lang="en-US" smtClean="0"/>
-              <a:t>2/6/2017</a:t>
+              <a:t>3/23/2017</a:t>
             </a:fld>
             <a:endParaRPr lang="en-US"/>
           </a:p>
@@ -2133,7 +2133,7 @@
           <a:p>
             <a:fld id="{78C97017-6FC3-485B-9764-EAC9E56C1D49}" type="datetimeFigureOut">
               <a:rPr lang="en-US" smtClean="0"/>
-              <a:t>2/6/2017</a:t>
+              <a:t>3/23/2017</a:t>
             </a:fld>
             <a:endParaRPr lang="en-US"/>
           </a:p>
@@ -2251,7 +2251,7 @@
           <a:p>
             <a:fld id="{78C97017-6FC3-485B-9764-EAC9E56C1D49}" type="datetimeFigureOut">
               <a:rPr lang="en-US" smtClean="0"/>
-              <a:t>2/6/2017</a:t>
+              <a:t>3/23/2017</a:t>
             </a:fld>
             <a:endParaRPr lang="en-US"/>
           </a:p>
@@ -2346,7 +2346,7 @@
           <a:p>
             <a:fld id="{78C97017-6FC3-485B-9764-EAC9E56C1D49}" type="datetimeFigureOut">
               <a:rPr lang="en-US" smtClean="0"/>
-              <a:t>2/6/2017</a:t>
+              <a:t>3/23/2017</a:t>
             </a:fld>
             <a:endParaRPr lang="en-US"/>
           </a:p>
@@ -2623,7 +2623,7 @@
           <a:p>
             <a:fld id="{78C97017-6FC3-485B-9764-EAC9E56C1D49}" type="datetimeFigureOut">
               <a:rPr lang="en-US" smtClean="0"/>
-              <a:t>2/6/2017</a:t>
+              <a:t>3/23/2017</a:t>
             </a:fld>
             <a:endParaRPr lang="en-US"/>
           </a:p>
@@ -2876,7 +2876,7 @@
           <a:p>
             <a:fld id="{78C97017-6FC3-485B-9764-EAC9E56C1D49}" type="datetimeFigureOut">
               <a:rPr lang="en-US" smtClean="0"/>
-              <a:t>2/6/2017</a:t>
+              <a:t>3/23/2017</a:t>
             </a:fld>
             <a:endParaRPr lang="en-US"/>
           </a:p>
@@ -3089,7 +3089,7 @@
           <a:p>
             <a:fld id="{78C97017-6FC3-485B-9764-EAC9E56C1D49}" type="datetimeFigureOut">
               <a:rPr lang="en-US" smtClean="0"/>
-              <a:t>2/6/2017</a:t>
+              <a:t>3/23/2017</a:t>
             </a:fld>
             <a:endParaRPr lang="en-US"/>
           </a:p>
@@ -3472,8 +3472,8 @@
         </p:nvSpPr>
         <p:spPr>
           <a:xfrm>
-            <a:off x="685800" y="1981200"/>
-            <a:ext cx="7252956" cy="4000286"/>
+            <a:off x="0" y="1981200"/>
+            <a:ext cx="8723097" cy="4191000"/>
           </a:xfrm>
           <a:prstGeom prst="roundRect">
             <a:avLst>
@@ -4300,7 +4300,7 @@
         </p:nvSpPr>
         <p:spPr>
           <a:xfrm>
-            <a:off x="8265896" y="2362200"/>
+            <a:off x="8127527" y="2354098"/>
             <a:ext cx="1030504" cy="346760"/>
           </a:xfrm>
           <a:prstGeom prst="rect">
@@ -4691,7 +4691,7 @@
                   <a:srgbClr val="7030A0"/>
                 </a:solidFill>
               </a:rPr>
-              <a:t>deletePerson</a:t>
+              <a:t>deleteTask</a:t>
             </a:r>
             <a:r>
               <a:rPr lang="en-US" dirty="0" smtClean="0">
@@ -4699,7 +4699,15 @@
                   <a:srgbClr val="7030A0"/>
                 </a:solidFill>
               </a:rPr>
-              <a:t>(p)</a:t>
+              <a:t>(p</a:t>
+            </a:r>
+            <a:r>
+              <a:rPr lang="en-US" dirty="0" smtClean="0">
+                <a:solidFill>
+                  <a:srgbClr val="7030A0"/>
+                </a:solidFill>
+              </a:rPr>
+              <a:t>)</a:t>
             </a:r>
             <a:endParaRPr lang="en-US" dirty="0">
               <a:solidFill>
@@ -5514,6 +5522,13 @@
   <p:clrMapOvr>
     <a:masterClrMapping/>
   </p:clrMapOvr>
+  <p:timing>
+    <p:tnLst>
+      <p:par>
+        <p:cTn id="1" dur="indefinite" restart="never" nodeType="tmRoot"/>
+      </p:par>
+    </p:tnLst>
+  </p:timing>
 </p:sld>
 </file>
 

--- a/docs/diagrams/LogicComponentSequenceDiagram.pptx
+++ b/docs/diagrams/LogicComponentSequenceDiagram.pptx
@@ -3472,8 +3472,8 @@
         </p:nvSpPr>
         <p:spPr>
           <a:xfrm>
-            <a:off x="0" y="1981200"/>
-            <a:ext cx="8723097" cy="4191000"/>
+            <a:off x="-14031" y="2020657"/>
+            <a:ext cx="9158031" cy="4191000"/>
           </a:xfrm>
           <a:prstGeom prst="roundRect">
             <a:avLst>
@@ -4699,15 +4699,7 @@
                   <a:srgbClr val="7030A0"/>
                 </a:solidFill>
               </a:rPr>
-              <a:t>(p</a:t>
-            </a:r>
-            <a:r>
-              <a:rPr lang="en-US" dirty="0" smtClean="0">
-                <a:solidFill>
-                  <a:srgbClr val="7030A0"/>
-                </a:solidFill>
-              </a:rPr>
-              <a:t>)</a:t>
+              <a:t>(p)</a:t>
             </a:r>
             <a:endParaRPr lang="en-US" dirty="0">
               <a:solidFill>

--- a/docs/diagrams/LogicComponentSequenceDiagram.pptx
+++ b/docs/diagrams/LogicComponentSequenceDiagram.pptx
@@ -208,7 +208,7 @@
           <a:p>
             <a:fld id="{F5CC4B3F-88C1-4FFA-B1B6-F41C21DC6924}" type="datetimeFigureOut">
               <a:rPr lang="en-US" smtClean="0"/>
-              <a:t>3/22/17</a:t>
+              <a:t>3/23/17</a:t>
             </a:fld>
             <a:endParaRPr lang="en-US"/>
           </a:p>
@@ -657,7 +657,7 @@
           <a:p>
             <a:fld id="{78C97017-6FC3-485B-9764-EAC9E56C1D49}" type="datetimeFigureOut">
               <a:rPr lang="en-US" smtClean="0"/>
-              <a:t>3/22/17</a:t>
+              <a:t>3/23/17</a:t>
             </a:fld>
             <a:endParaRPr lang="en-US"/>
           </a:p>
@@ -827,7 +827,7 @@
           <a:p>
             <a:fld id="{78C97017-6FC3-485B-9764-EAC9E56C1D49}" type="datetimeFigureOut">
               <a:rPr lang="en-US" smtClean="0"/>
-              <a:t>3/22/17</a:t>
+              <a:t>3/23/17</a:t>
             </a:fld>
             <a:endParaRPr lang="en-US"/>
           </a:p>
@@ -1007,7 +1007,7 @@
           <a:p>
             <a:fld id="{78C97017-6FC3-485B-9764-EAC9E56C1D49}" type="datetimeFigureOut">
               <a:rPr lang="en-US" smtClean="0"/>
-              <a:t>3/22/17</a:t>
+              <a:t>3/23/17</a:t>
             </a:fld>
             <a:endParaRPr lang="en-US"/>
           </a:p>
@@ -1177,7 +1177,7 @@
           <a:p>
             <a:fld id="{78C97017-6FC3-485B-9764-EAC9E56C1D49}" type="datetimeFigureOut">
               <a:rPr lang="en-US" smtClean="0"/>
-              <a:t>3/22/17</a:t>
+              <a:t>3/23/17</a:t>
             </a:fld>
             <a:endParaRPr lang="en-US"/>
           </a:p>
@@ -1423,7 +1423,7 @@
           <a:p>
             <a:fld id="{78C97017-6FC3-485B-9764-EAC9E56C1D49}" type="datetimeFigureOut">
               <a:rPr lang="en-US" smtClean="0"/>
-              <a:t>3/22/17</a:t>
+              <a:t>3/23/17</a:t>
             </a:fld>
             <a:endParaRPr lang="en-US"/>
           </a:p>
@@ -1711,7 +1711,7 @@
           <a:p>
             <a:fld id="{78C97017-6FC3-485B-9764-EAC9E56C1D49}" type="datetimeFigureOut">
               <a:rPr lang="en-US" smtClean="0"/>
-              <a:t>3/22/17</a:t>
+              <a:t>3/23/17</a:t>
             </a:fld>
             <a:endParaRPr lang="en-US"/>
           </a:p>
@@ -2133,7 +2133,7 @@
           <a:p>
             <a:fld id="{78C97017-6FC3-485B-9764-EAC9E56C1D49}" type="datetimeFigureOut">
               <a:rPr lang="en-US" smtClean="0"/>
-              <a:t>3/22/17</a:t>
+              <a:t>3/23/17</a:t>
             </a:fld>
             <a:endParaRPr lang="en-US"/>
           </a:p>
@@ -2251,7 +2251,7 @@
           <a:p>
             <a:fld id="{78C97017-6FC3-485B-9764-EAC9E56C1D49}" type="datetimeFigureOut">
               <a:rPr lang="en-US" smtClean="0"/>
-              <a:t>3/22/17</a:t>
+              <a:t>3/23/17</a:t>
             </a:fld>
             <a:endParaRPr lang="en-US"/>
           </a:p>
@@ -2346,7 +2346,7 @@
           <a:p>
             <a:fld id="{78C97017-6FC3-485B-9764-EAC9E56C1D49}" type="datetimeFigureOut">
               <a:rPr lang="en-US" smtClean="0"/>
-              <a:t>3/22/17</a:t>
+              <a:t>3/23/17</a:t>
             </a:fld>
             <a:endParaRPr lang="en-US"/>
           </a:p>
@@ -2623,7 +2623,7 @@
           <a:p>
             <a:fld id="{78C97017-6FC3-485B-9764-EAC9E56C1D49}" type="datetimeFigureOut">
               <a:rPr lang="en-US" smtClean="0"/>
-              <a:t>3/22/17</a:t>
+              <a:t>3/23/17</a:t>
             </a:fld>
             <a:endParaRPr lang="en-US"/>
           </a:p>
@@ -2876,7 +2876,7 @@
           <a:p>
             <a:fld id="{78C97017-6FC3-485B-9764-EAC9E56C1D49}" type="datetimeFigureOut">
               <a:rPr lang="en-US" smtClean="0"/>
-              <a:t>3/22/17</a:t>
+              <a:t>3/23/17</a:t>
             </a:fld>
             <a:endParaRPr lang="en-US"/>
           </a:p>
@@ -3089,7 +3089,7 @@
           <a:p>
             <a:fld id="{78C97017-6FC3-485B-9764-EAC9E56C1D49}" type="datetimeFigureOut">
               <a:rPr lang="en-US" smtClean="0"/>
-              <a:t>3/22/17</a:t>
+              <a:t>3/23/17</a:t>
             </a:fld>
             <a:endParaRPr lang="en-US"/>
           </a:p>
@@ -4071,7 +4071,7 @@
         </p:nvSpPr>
         <p:spPr>
           <a:xfrm>
-            <a:off x="0" y="2743200"/>
+            <a:off x="0" y="2795467"/>
             <a:ext cx="1424846" cy="430887"/>
           </a:xfrm>
           <a:prstGeom prst="rect">
@@ -4092,31 +4092,7 @@
                   <a:srgbClr val="0070C0"/>
                 </a:solidFill>
               </a:rPr>
-              <a:t>execute</a:t>
-            </a:r>
-            <a:r>
-              <a:rPr lang="en-US" sz="1400" dirty="0" smtClean="0">
-                <a:solidFill>
-                  <a:srgbClr val="0070C0"/>
-                </a:solidFill>
-              </a:rPr>
-              <a:t>(“</a:t>
-            </a:r>
-            <a:r>
-              <a:rPr lang="en-US" sz="1400" dirty="0" smtClean="0">
-                <a:solidFill>
-                  <a:srgbClr val="0070C0"/>
-                </a:solidFill>
-              </a:rPr>
-              <a:t>edit</a:t>
-            </a:r>
-            <a:r>
-              <a:rPr lang="en-US" sz="1400" dirty="0" smtClean="0">
-                <a:solidFill>
-                  <a:srgbClr val="0070C0"/>
-                </a:solidFill>
-              </a:rPr>
-              <a:t> 1 [KEYWORDS]”)</a:t>
+              <a:t>execute(“edit 1 [KEYWORDS]”)</a:t>
             </a:r>
             <a:endParaRPr lang="en-US" sz="1400" dirty="0">
               <a:solidFill>
@@ -4684,7 +4660,7 @@
         </p:nvSpPr>
         <p:spPr>
           <a:xfrm>
-            <a:off x="6984957" y="4267200"/>
+            <a:off x="6446362" y="4268213"/>
             <a:ext cx="1424846" cy="215444"/>
           </a:xfrm>
           <a:prstGeom prst="rect">
@@ -4723,15 +4699,7 @@
                   <a:srgbClr val="7030A0"/>
                 </a:solidFill>
               </a:rPr>
-              <a:t>(p</a:t>
-            </a:r>
-            <a:r>
-              <a:rPr lang="en-US" dirty="0" smtClean="0">
-                <a:solidFill>
-                  <a:srgbClr val="7030A0"/>
-                </a:solidFill>
-              </a:rPr>
-              <a:t>)</a:t>
+              <a:t>(p)</a:t>
             </a:r>
             <a:endParaRPr lang="en-US" dirty="0">
               <a:solidFill>
@@ -4750,7 +4718,7 @@
         <p:spPr>
           <a:xfrm>
             <a:off x="3847551" y="3657600"/>
-            <a:ext cx="767033" cy="369332"/>
+            <a:ext cx="767033" cy="307777"/>
           </a:xfrm>
           <a:prstGeom prst="rect">
             <a:avLst/>
@@ -4775,22 +4743,14 @@
           </a:lstStyle>
           <a:p>
             <a:r>
-              <a:rPr lang="en-US" sz="1200" dirty="0"/>
+              <a:rPr lang="en-US" sz="1000" dirty="0"/>
               <a:t>p</a:t>
             </a:r>
             <a:r>
-              <a:rPr lang="en-US" sz="1200" dirty="0" smtClean="0"/>
-              <a:t>arse(“</a:t>
-            </a:r>
-            <a:r>
-              <a:rPr lang="en-US" sz="1200" dirty="0" smtClean="0"/>
-              <a:t>1 </a:t>
-            </a:r>
-            <a:r>
-              <a:rPr lang="en-US" sz="1200" smtClean="0"/>
-              <a:t>[KEYWORD]</a:t>
-            </a:r>
-            <a:endParaRPr lang="en-US" sz="1200" dirty="0"/>
+              <a:rPr lang="en-US" sz="1000" dirty="0" smtClean="0"/>
+              <a:t>arse(“1 [KEYWORD]</a:t>
+            </a:r>
+            <a:endParaRPr lang="en-US" sz="1000" dirty="0"/>
           </a:p>
         </p:txBody>
       </p:sp>
@@ -4802,7 +4762,7 @@
         </p:nvSpPr>
         <p:spPr>
           <a:xfrm>
-            <a:off x="1742982" y="2850922"/>
+            <a:off x="1743446" y="2916486"/>
             <a:ext cx="1424846" cy="430887"/>
           </a:xfrm>
           <a:prstGeom prst="rect">
@@ -4835,7 +4795,6 @@
               <a:rPr lang="en-US" dirty="0"/>
               <a:t>edit 1 [KEYWORDS]”)</a:t>
             </a:r>
-            <a:endParaRPr lang="en-US" dirty="0"/>
           </a:p>
         </p:txBody>
       </p:sp>
@@ -5171,15 +5130,7 @@
                   <a:schemeClr val="bg1"/>
                 </a:solidFill>
               </a:rPr>
-              <a:t>Edit</a:t>
-            </a:r>
-            <a:r>
-              <a:rPr lang="en-US" sz="1600" dirty="0" err="1" smtClean="0">
-                <a:solidFill>
-                  <a:schemeClr val="bg1"/>
-                </a:solidFill>
-              </a:rPr>
-              <a:t>Command</a:t>
+              <a:t>EditCommand</a:t>
             </a:r>
             <a:endParaRPr lang="en-US" sz="1600" dirty="0" smtClean="0">
               <a:solidFill>
@@ -5213,7 +5164,7 @@
         </p:nvCxnSpPr>
         <p:spPr>
           <a:xfrm>
-            <a:off x="3462591" y="3657600"/>
+            <a:off x="3501474" y="3672116"/>
             <a:ext cx="1597356" cy="1"/>
           </a:xfrm>
           <a:prstGeom prst="straightConnector1">

--- a/docs/diagrams/LogicComponentSequenceDiagram.pptx
+++ b/docs/diagrams/LogicComponentSequenceDiagram.pptx
@@ -208,7 +208,7 @@
           <a:p>
             <a:fld id="{F5CC4B3F-88C1-4FFA-B1B6-F41C21DC6924}" type="datetimeFigureOut">
               <a:rPr lang="en-US" smtClean="0"/>
-              <a:t>2/6/2017</a:t>
+              <a:t>3/23/2017</a:t>
             </a:fld>
             <a:endParaRPr lang="en-US"/>
           </a:p>
@@ -657,7 +657,7 @@
           <a:p>
             <a:fld id="{78C97017-6FC3-485B-9764-EAC9E56C1D49}" type="datetimeFigureOut">
               <a:rPr lang="en-US" smtClean="0"/>
-              <a:t>2/6/2017</a:t>
+              <a:t>3/23/2017</a:t>
             </a:fld>
             <a:endParaRPr lang="en-US"/>
           </a:p>
@@ -827,7 +827,7 @@
           <a:p>
             <a:fld id="{78C97017-6FC3-485B-9764-EAC9E56C1D49}" type="datetimeFigureOut">
               <a:rPr lang="en-US" smtClean="0"/>
-              <a:t>2/6/2017</a:t>
+              <a:t>3/23/2017</a:t>
             </a:fld>
             <a:endParaRPr lang="en-US"/>
           </a:p>
@@ -1007,7 +1007,7 @@
           <a:p>
             <a:fld id="{78C97017-6FC3-485B-9764-EAC9E56C1D49}" type="datetimeFigureOut">
               <a:rPr lang="en-US" smtClean="0"/>
-              <a:t>2/6/2017</a:t>
+              <a:t>3/23/2017</a:t>
             </a:fld>
             <a:endParaRPr lang="en-US"/>
           </a:p>
@@ -1177,7 +1177,7 @@
           <a:p>
             <a:fld id="{78C97017-6FC3-485B-9764-EAC9E56C1D49}" type="datetimeFigureOut">
               <a:rPr lang="en-US" smtClean="0"/>
-              <a:t>2/6/2017</a:t>
+              <a:t>3/23/2017</a:t>
             </a:fld>
             <a:endParaRPr lang="en-US"/>
           </a:p>
@@ -1423,7 +1423,7 @@
           <a:p>
             <a:fld id="{78C97017-6FC3-485B-9764-EAC9E56C1D49}" type="datetimeFigureOut">
               <a:rPr lang="en-US" smtClean="0"/>
-              <a:t>2/6/2017</a:t>
+              <a:t>3/23/2017</a:t>
             </a:fld>
             <a:endParaRPr lang="en-US"/>
           </a:p>
@@ -1711,7 +1711,7 @@
           <a:p>
             <a:fld id="{78C97017-6FC3-485B-9764-EAC9E56C1D49}" type="datetimeFigureOut">
               <a:rPr lang="en-US" smtClean="0"/>
-              <a:t>2/6/2017</a:t>
+              <a:t>3/23/2017</a:t>
             </a:fld>
             <a:endParaRPr lang="en-US"/>
           </a:p>
@@ -2133,7 +2133,7 @@
           <a:p>
             <a:fld id="{78C97017-6FC3-485B-9764-EAC9E56C1D49}" type="datetimeFigureOut">
               <a:rPr lang="en-US" smtClean="0"/>
-              <a:t>2/6/2017</a:t>
+              <a:t>3/23/2017</a:t>
             </a:fld>
             <a:endParaRPr lang="en-US"/>
           </a:p>
@@ -2251,7 +2251,7 @@
           <a:p>
             <a:fld id="{78C97017-6FC3-485B-9764-EAC9E56C1D49}" type="datetimeFigureOut">
               <a:rPr lang="en-US" smtClean="0"/>
-              <a:t>2/6/2017</a:t>
+              <a:t>3/23/2017</a:t>
             </a:fld>
             <a:endParaRPr lang="en-US"/>
           </a:p>
@@ -2346,7 +2346,7 @@
           <a:p>
             <a:fld id="{78C97017-6FC3-485B-9764-EAC9E56C1D49}" type="datetimeFigureOut">
               <a:rPr lang="en-US" smtClean="0"/>
-              <a:t>2/6/2017</a:t>
+              <a:t>3/23/2017</a:t>
             </a:fld>
             <a:endParaRPr lang="en-US"/>
           </a:p>
@@ -2623,7 +2623,7 @@
           <a:p>
             <a:fld id="{78C97017-6FC3-485B-9764-EAC9E56C1D49}" type="datetimeFigureOut">
               <a:rPr lang="en-US" smtClean="0"/>
-              <a:t>2/6/2017</a:t>
+              <a:t>3/23/2017</a:t>
             </a:fld>
             <a:endParaRPr lang="en-US"/>
           </a:p>
@@ -2876,7 +2876,7 @@
           <a:p>
             <a:fld id="{78C97017-6FC3-485B-9764-EAC9E56C1D49}" type="datetimeFigureOut">
               <a:rPr lang="en-US" smtClean="0"/>
-              <a:t>2/6/2017</a:t>
+              <a:t>3/23/2017</a:t>
             </a:fld>
             <a:endParaRPr lang="en-US"/>
           </a:p>
@@ -3089,7 +3089,7 @@
           <a:p>
             <a:fld id="{78C97017-6FC3-485B-9764-EAC9E56C1D49}" type="datetimeFigureOut">
               <a:rPr lang="en-US" smtClean="0"/>
-              <a:t>2/6/2017</a:t>
+              <a:t>3/23/2017</a:t>
             </a:fld>
             <a:endParaRPr lang="en-US"/>
           </a:p>
@@ -4691,15 +4691,15 @@
                   <a:srgbClr val="7030A0"/>
                 </a:solidFill>
               </a:rPr>
-              <a:t>deletePerson</a:t>
-            </a:r>
-            <a:r>
-              <a:rPr lang="en-US" dirty="0" smtClean="0">
+              <a:t>deleteTask</a:t>
+            </a:r>
+            <a:r>
+              <a:rPr lang="en-US" smtClean="0">
                 <a:solidFill>
                   <a:srgbClr val="7030A0"/>
                 </a:solidFill>
               </a:rPr>
-              <a:t>(p)</a:t>
+              <a:t>(t)</a:t>
             </a:r>
             <a:endParaRPr lang="en-US" dirty="0">
               <a:solidFill>

--- a/docs/diagrams/LogicComponentSequenceDiagram.pptx
+++ b/docs/diagrams/LogicComponentSequenceDiagram.pptx
@@ -208,7 +208,7 @@
           <a:p>
             <a:fld id="{F5CC4B3F-88C1-4FFA-B1B6-F41C21DC6924}" type="datetimeFigureOut">
               <a:rPr lang="en-US" smtClean="0"/>
-              <a:t>2/6/2017</a:t>
+              <a:t>3/22/2017</a:t>
             </a:fld>
             <a:endParaRPr lang="en-US"/>
           </a:p>
@@ -657,7 +657,7 @@
           <a:p>
             <a:fld id="{78C97017-6FC3-485B-9764-EAC9E56C1D49}" type="datetimeFigureOut">
               <a:rPr lang="en-US" smtClean="0"/>
-              <a:t>2/6/2017</a:t>
+              <a:t>3/22/2017</a:t>
             </a:fld>
             <a:endParaRPr lang="en-US"/>
           </a:p>
@@ -827,7 +827,7 @@
           <a:p>
             <a:fld id="{78C97017-6FC3-485B-9764-EAC9E56C1D49}" type="datetimeFigureOut">
               <a:rPr lang="en-US" smtClean="0"/>
-              <a:t>2/6/2017</a:t>
+              <a:t>3/22/2017</a:t>
             </a:fld>
             <a:endParaRPr lang="en-US"/>
           </a:p>
@@ -1007,7 +1007,7 @@
           <a:p>
             <a:fld id="{78C97017-6FC3-485B-9764-EAC9E56C1D49}" type="datetimeFigureOut">
               <a:rPr lang="en-US" smtClean="0"/>
-              <a:t>2/6/2017</a:t>
+              <a:t>3/22/2017</a:t>
             </a:fld>
             <a:endParaRPr lang="en-US"/>
           </a:p>
@@ -1177,7 +1177,7 @@
           <a:p>
             <a:fld id="{78C97017-6FC3-485B-9764-EAC9E56C1D49}" type="datetimeFigureOut">
               <a:rPr lang="en-US" smtClean="0"/>
-              <a:t>2/6/2017</a:t>
+              <a:t>3/22/2017</a:t>
             </a:fld>
             <a:endParaRPr lang="en-US"/>
           </a:p>
@@ -1423,7 +1423,7 @@
           <a:p>
             <a:fld id="{78C97017-6FC3-485B-9764-EAC9E56C1D49}" type="datetimeFigureOut">
               <a:rPr lang="en-US" smtClean="0"/>
-              <a:t>2/6/2017</a:t>
+              <a:t>3/22/2017</a:t>
             </a:fld>
             <a:endParaRPr lang="en-US"/>
           </a:p>
@@ -1711,7 +1711,7 @@
           <a:p>
             <a:fld id="{78C97017-6FC3-485B-9764-EAC9E56C1D49}" type="datetimeFigureOut">
               <a:rPr lang="en-US" smtClean="0"/>
-              <a:t>2/6/2017</a:t>
+              <a:t>3/22/2017</a:t>
             </a:fld>
             <a:endParaRPr lang="en-US"/>
           </a:p>
@@ -2133,7 +2133,7 @@
           <a:p>
             <a:fld id="{78C97017-6FC3-485B-9764-EAC9E56C1D49}" type="datetimeFigureOut">
               <a:rPr lang="en-US" smtClean="0"/>
-              <a:t>2/6/2017</a:t>
+              <a:t>3/22/2017</a:t>
             </a:fld>
             <a:endParaRPr lang="en-US"/>
           </a:p>
@@ -2251,7 +2251,7 @@
           <a:p>
             <a:fld id="{78C97017-6FC3-485B-9764-EAC9E56C1D49}" type="datetimeFigureOut">
               <a:rPr lang="en-US" smtClean="0"/>
-              <a:t>2/6/2017</a:t>
+              <a:t>3/22/2017</a:t>
             </a:fld>
             <a:endParaRPr lang="en-US"/>
           </a:p>
@@ -2346,7 +2346,7 @@
           <a:p>
             <a:fld id="{78C97017-6FC3-485B-9764-EAC9E56C1D49}" type="datetimeFigureOut">
               <a:rPr lang="en-US" smtClean="0"/>
-              <a:t>2/6/2017</a:t>
+              <a:t>3/22/2017</a:t>
             </a:fld>
             <a:endParaRPr lang="en-US"/>
           </a:p>
@@ -2623,7 +2623,7 @@
           <a:p>
             <a:fld id="{78C97017-6FC3-485B-9764-EAC9E56C1D49}" type="datetimeFigureOut">
               <a:rPr lang="en-US" smtClean="0"/>
-              <a:t>2/6/2017</a:t>
+              <a:t>3/22/2017</a:t>
             </a:fld>
             <a:endParaRPr lang="en-US"/>
           </a:p>
@@ -2876,7 +2876,7 @@
           <a:p>
             <a:fld id="{78C97017-6FC3-485B-9764-EAC9E56C1D49}" type="datetimeFigureOut">
               <a:rPr lang="en-US" smtClean="0"/>
-              <a:t>2/6/2017</a:t>
+              <a:t>3/22/2017</a:t>
             </a:fld>
             <a:endParaRPr lang="en-US"/>
           </a:p>
@@ -3089,7 +3089,7 @@
           <a:p>
             <a:fld id="{78C97017-6FC3-485B-9764-EAC9E56C1D49}" type="datetimeFigureOut">
               <a:rPr lang="en-US" smtClean="0"/>
-              <a:t>2/6/2017</a:t>
+              <a:t>3/22/2017</a:t>
             </a:fld>
             <a:endParaRPr lang="en-US"/>
           </a:p>
@@ -4071,8 +4071,8 @@
         </p:nvSpPr>
         <p:spPr>
           <a:xfrm>
-            <a:off x="0" y="2743200"/>
-            <a:ext cx="1424846" cy="215444"/>
+            <a:off x="3491" y="2743200"/>
+            <a:ext cx="1520509" cy="215444"/>
           </a:xfrm>
           <a:prstGeom prst="rect">
             <a:avLst/>
@@ -4092,7 +4092,7 @@
                   <a:srgbClr val="0070C0"/>
                 </a:solidFill>
               </a:rPr>
-              <a:t>execute(“delete 1”)</a:t>
+              <a:t>execute(“delete f1”)</a:t>
             </a:r>
             <a:endParaRPr lang="en-US" sz="1400" dirty="0">
               <a:solidFill>
@@ -4300,7 +4300,7 @@
         </p:nvSpPr>
         <p:spPr>
           <a:xfrm>
-            <a:off x="8265896" y="2362200"/>
+            <a:off x="8077200" y="2362200"/>
             <a:ext cx="1030504" cy="346760"/>
           </a:xfrm>
           <a:prstGeom prst="rect">
@@ -4691,7 +4691,7 @@
                   <a:srgbClr val="7030A0"/>
                 </a:solidFill>
               </a:rPr>
-              <a:t>deletePerson</a:t>
+              <a:t>deleteFloat</a:t>
             </a:r>
             <a:r>
               <a:rPr lang="en-US" dirty="0" smtClean="0">
@@ -4748,7 +4748,7 @@
             </a:r>
             <a:r>
               <a:rPr lang="en-US" sz="1200" dirty="0" smtClean="0"/>
-              <a:t>arse(“1”)</a:t>
+              <a:t>arse(“f”, 1)</a:t>
             </a:r>
             <a:endParaRPr lang="en-US" sz="1200" dirty="0"/>
           </a:p>
@@ -4789,7 +4789,7 @@
           <a:p>
             <a:r>
               <a:rPr lang="en-US" dirty="0" smtClean="0"/>
-              <a:t>parse(“delete 1”)</a:t>
+              <a:t>parse(“delete f1”)</a:t>
             </a:r>
             <a:endParaRPr lang="en-US" dirty="0"/>
           </a:p>

--- a/docs/diagrams/LogicComponentSequenceDiagram.pptx
+++ b/docs/diagrams/LogicComponentSequenceDiagram.pptx
@@ -10,7 +10,7 @@
   <p:sldIdLst>
     <p:sldId id="267" r:id="rId2"/>
   </p:sldIdLst>
-  <p:sldSz cx="9144000" cy="6858000" type="screen4x3"/>
+  <p:sldSz cx="12192000" cy="6858000"/>
   <p:notesSz cx="6858000" cy="9144000"/>
   <p:defaultTextStyle>
     <a:defPPr>
@@ -110,12 +110,12 @@
   <p:extLst>
     <p:ext uri="{EFAFB233-063F-42B5-8137-9DF3F51BA10A}">
       <p15:sldGuideLst xmlns:p15="http://schemas.microsoft.com/office/powerpoint/2012/main">
-        <p15:guide id="1" orient="horz" pos="1488">
+        <p15:guide id="1" orient="horz" pos="1488" userDrawn="1">
           <p15:clr>
             <a:srgbClr val="A4A3A4"/>
           </p15:clr>
         </p15:guide>
-        <p15:guide id="2" pos="2880">
+        <p15:guide id="2" pos="3840" userDrawn="1">
           <p15:clr>
             <a:srgbClr val="A4A3A4"/>
           </p15:clr>
@@ -208,7 +208,7 @@
           <a:p>
             <a:fld id="{F5CC4B3F-88C1-4FFA-B1B6-F41C21DC6924}" type="datetimeFigureOut">
               <a:rPr lang="en-US" smtClean="0"/>
-              <a:t>2/6/2017</a:t>
+              <a:t>3/23/2017</a:t>
             </a:fld>
             <a:endParaRPr lang="en-US"/>
           </a:p>
@@ -226,8 +226,8 @@
         </p:nvSpPr>
         <p:spPr>
           <a:xfrm>
-            <a:off x="1143000" y="685800"/>
-            <a:ext cx="4572000" cy="3429000"/>
+            <a:off x="381000" y="685800"/>
+            <a:ext cx="6096000" cy="3429000"/>
           </a:xfrm>
           <a:prstGeom prst="rect">
             <a:avLst/>
@@ -505,8 +505,8 @@
         </p:nvSpPr>
         <p:spPr>
           <a:xfrm>
-            <a:off x="685800" y="2130425"/>
-            <a:ext cx="7772400" cy="1470025"/>
+            <a:off x="914400" y="2130426"/>
+            <a:ext cx="10363200" cy="1470025"/>
           </a:xfrm>
         </p:spPr>
         <p:txBody>
@@ -533,8 +533,8 @@
         </p:nvSpPr>
         <p:spPr>
           <a:xfrm>
-            <a:off x="1371600" y="3886200"/>
-            <a:ext cx="6400800" cy="1752600"/>
+            <a:off x="1828800" y="3886200"/>
+            <a:ext cx="8534400" cy="1752600"/>
           </a:xfrm>
         </p:spPr>
         <p:txBody>
@@ -657,7 +657,7 @@
           <a:p>
             <a:fld id="{78C97017-6FC3-485B-9764-EAC9E56C1D49}" type="datetimeFigureOut">
               <a:rPr lang="en-US" smtClean="0"/>
-              <a:t>2/6/2017</a:t>
+              <a:t>3/23/2017</a:t>
             </a:fld>
             <a:endParaRPr lang="en-US"/>
           </a:p>
@@ -827,7 +827,7 @@
           <a:p>
             <a:fld id="{78C97017-6FC3-485B-9764-EAC9E56C1D49}" type="datetimeFigureOut">
               <a:rPr lang="en-US" smtClean="0"/>
-              <a:t>2/6/2017</a:t>
+              <a:t>3/23/2017</a:t>
             </a:fld>
             <a:endParaRPr lang="en-US"/>
           </a:p>
@@ -917,8 +917,8 @@
         </p:nvSpPr>
         <p:spPr>
           <a:xfrm>
-            <a:off x="6629400" y="274638"/>
-            <a:ext cx="2057400" cy="5851525"/>
+            <a:off x="8839200" y="274639"/>
+            <a:ext cx="2743200" cy="5851525"/>
           </a:xfrm>
         </p:spPr>
         <p:txBody>
@@ -945,8 +945,8 @@
         </p:nvSpPr>
         <p:spPr>
           <a:xfrm>
-            <a:off x="457200" y="274638"/>
-            <a:ext cx="6019800" cy="5851525"/>
+            <a:off x="609600" y="274639"/>
+            <a:ext cx="8026400" cy="5851525"/>
           </a:xfrm>
         </p:spPr>
         <p:txBody>
@@ -1007,7 +1007,7 @@
           <a:p>
             <a:fld id="{78C97017-6FC3-485B-9764-EAC9E56C1D49}" type="datetimeFigureOut">
               <a:rPr lang="en-US" smtClean="0"/>
-              <a:t>2/6/2017</a:t>
+              <a:t>3/23/2017</a:t>
             </a:fld>
             <a:endParaRPr lang="en-US"/>
           </a:p>
@@ -1177,7 +1177,7 @@
           <a:p>
             <a:fld id="{78C97017-6FC3-485B-9764-EAC9E56C1D49}" type="datetimeFigureOut">
               <a:rPr lang="en-US" smtClean="0"/>
-              <a:t>2/6/2017</a:t>
+              <a:t>3/23/2017</a:t>
             </a:fld>
             <a:endParaRPr lang="en-US"/>
           </a:p>
@@ -1267,8 +1267,8 @@
         </p:nvSpPr>
         <p:spPr>
           <a:xfrm>
-            <a:off x="722313" y="4406900"/>
-            <a:ext cx="7772400" cy="1362075"/>
+            <a:off x="963084" y="4406901"/>
+            <a:ext cx="10363200" cy="1362075"/>
           </a:xfrm>
         </p:spPr>
         <p:txBody>
@@ -1299,8 +1299,8 @@
         </p:nvSpPr>
         <p:spPr>
           <a:xfrm>
-            <a:off x="722313" y="2906713"/>
-            <a:ext cx="7772400" cy="1500187"/>
+            <a:off x="963084" y="2906713"/>
+            <a:ext cx="10363200" cy="1500187"/>
           </a:xfrm>
         </p:spPr>
         <p:txBody>
@@ -1423,7 +1423,7 @@
           <a:p>
             <a:fld id="{78C97017-6FC3-485B-9764-EAC9E56C1D49}" type="datetimeFigureOut">
               <a:rPr lang="en-US" smtClean="0"/>
-              <a:t>2/6/2017</a:t>
+              <a:t>3/23/2017</a:t>
             </a:fld>
             <a:endParaRPr lang="en-US"/>
           </a:p>
@@ -1536,8 +1536,8 @@
         </p:nvSpPr>
         <p:spPr>
           <a:xfrm>
-            <a:off x="457200" y="1600200"/>
-            <a:ext cx="4038600" cy="4525963"/>
+            <a:off x="609600" y="1600201"/>
+            <a:ext cx="5384800" cy="4525963"/>
           </a:xfrm>
         </p:spPr>
         <p:txBody>
@@ -1621,8 +1621,8 @@
         </p:nvSpPr>
         <p:spPr>
           <a:xfrm>
-            <a:off x="4648200" y="1600200"/>
-            <a:ext cx="4038600" cy="4525963"/>
+            <a:off x="6197600" y="1600201"/>
+            <a:ext cx="5384800" cy="4525963"/>
           </a:xfrm>
         </p:spPr>
         <p:txBody>
@@ -1711,7 +1711,7 @@
           <a:p>
             <a:fld id="{78C97017-6FC3-485B-9764-EAC9E56C1D49}" type="datetimeFigureOut">
               <a:rPr lang="en-US" smtClean="0"/>
-              <a:t>2/6/2017</a:t>
+              <a:t>3/23/2017</a:t>
             </a:fld>
             <a:endParaRPr lang="en-US"/>
           </a:p>
@@ -1828,8 +1828,8 @@
         </p:nvSpPr>
         <p:spPr>
           <a:xfrm>
-            <a:off x="457200" y="1535113"/>
-            <a:ext cx="4040188" cy="639762"/>
+            <a:off x="609600" y="1535113"/>
+            <a:ext cx="5386917" cy="639762"/>
           </a:xfrm>
         </p:spPr>
         <p:txBody>
@@ -1893,8 +1893,8 @@
         </p:nvSpPr>
         <p:spPr>
           <a:xfrm>
-            <a:off x="457200" y="2174875"/>
-            <a:ext cx="4040188" cy="3951288"/>
+            <a:off x="609600" y="2174875"/>
+            <a:ext cx="5386917" cy="3951288"/>
           </a:xfrm>
         </p:spPr>
         <p:txBody>
@@ -1978,8 +1978,8 @@
         </p:nvSpPr>
         <p:spPr>
           <a:xfrm>
-            <a:off x="4645025" y="1535113"/>
-            <a:ext cx="4041775" cy="639762"/>
+            <a:off x="6193368" y="1535113"/>
+            <a:ext cx="5389033" cy="639762"/>
           </a:xfrm>
         </p:spPr>
         <p:txBody>
@@ -2043,8 +2043,8 @@
         </p:nvSpPr>
         <p:spPr>
           <a:xfrm>
-            <a:off x="4645025" y="2174875"/>
-            <a:ext cx="4041775" cy="3951288"/>
+            <a:off x="6193368" y="2174875"/>
+            <a:ext cx="5389033" cy="3951288"/>
           </a:xfrm>
         </p:spPr>
         <p:txBody>
@@ -2133,7 +2133,7 @@
           <a:p>
             <a:fld id="{78C97017-6FC3-485B-9764-EAC9E56C1D49}" type="datetimeFigureOut">
               <a:rPr lang="en-US" smtClean="0"/>
-              <a:t>2/6/2017</a:t>
+              <a:t>3/23/2017</a:t>
             </a:fld>
             <a:endParaRPr lang="en-US"/>
           </a:p>
@@ -2251,7 +2251,7 @@
           <a:p>
             <a:fld id="{78C97017-6FC3-485B-9764-EAC9E56C1D49}" type="datetimeFigureOut">
               <a:rPr lang="en-US" smtClean="0"/>
-              <a:t>2/6/2017</a:t>
+              <a:t>3/23/2017</a:t>
             </a:fld>
             <a:endParaRPr lang="en-US"/>
           </a:p>
@@ -2346,7 +2346,7 @@
           <a:p>
             <a:fld id="{78C97017-6FC3-485B-9764-EAC9E56C1D49}" type="datetimeFigureOut">
               <a:rPr lang="en-US" smtClean="0"/>
-              <a:t>2/6/2017</a:t>
+              <a:t>3/23/2017</a:t>
             </a:fld>
             <a:endParaRPr lang="en-US"/>
           </a:p>
@@ -2436,8 +2436,8 @@
         </p:nvSpPr>
         <p:spPr>
           <a:xfrm>
-            <a:off x="457200" y="273050"/>
-            <a:ext cx="3008313" cy="1162050"/>
+            <a:off x="609601" y="273050"/>
+            <a:ext cx="4011084" cy="1162050"/>
           </a:xfrm>
         </p:spPr>
         <p:txBody>
@@ -2468,8 +2468,8 @@
         </p:nvSpPr>
         <p:spPr>
           <a:xfrm>
-            <a:off x="3575050" y="273050"/>
-            <a:ext cx="5111750" cy="5853113"/>
+            <a:off x="4766733" y="273051"/>
+            <a:ext cx="6815667" cy="5853113"/>
           </a:xfrm>
         </p:spPr>
         <p:txBody>
@@ -2553,8 +2553,8 @@
         </p:nvSpPr>
         <p:spPr>
           <a:xfrm>
-            <a:off x="457200" y="1435100"/>
-            <a:ext cx="3008313" cy="4691063"/>
+            <a:off x="609601" y="1435101"/>
+            <a:ext cx="4011084" cy="4691063"/>
           </a:xfrm>
         </p:spPr>
         <p:txBody>
@@ -2623,7 +2623,7 @@
           <a:p>
             <a:fld id="{78C97017-6FC3-485B-9764-EAC9E56C1D49}" type="datetimeFigureOut">
               <a:rPr lang="en-US" smtClean="0"/>
-              <a:t>2/6/2017</a:t>
+              <a:t>3/23/2017</a:t>
             </a:fld>
             <a:endParaRPr lang="en-US"/>
           </a:p>
@@ -2713,8 +2713,8 @@
         </p:nvSpPr>
         <p:spPr>
           <a:xfrm>
-            <a:off x="1792288" y="4800600"/>
-            <a:ext cx="5486400" cy="566738"/>
+            <a:off x="2389717" y="4800600"/>
+            <a:ext cx="7315200" cy="566738"/>
           </a:xfrm>
         </p:spPr>
         <p:txBody>
@@ -2745,8 +2745,8 @@
         </p:nvSpPr>
         <p:spPr>
           <a:xfrm>
-            <a:off x="1792288" y="612775"/>
-            <a:ext cx="5486400" cy="4114800"/>
+            <a:off x="2389717" y="612775"/>
+            <a:ext cx="7315200" cy="4114800"/>
           </a:xfrm>
         </p:spPr>
         <p:txBody>
@@ -2806,8 +2806,8 @@
         </p:nvSpPr>
         <p:spPr>
           <a:xfrm>
-            <a:off x="1792288" y="5367338"/>
-            <a:ext cx="5486400" cy="804862"/>
+            <a:off x="2389717" y="5367338"/>
+            <a:ext cx="7315200" cy="804862"/>
           </a:xfrm>
         </p:spPr>
         <p:txBody>
@@ -2876,7 +2876,7 @@
           <a:p>
             <a:fld id="{78C97017-6FC3-485B-9764-EAC9E56C1D49}" type="datetimeFigureOut">
               <a:rPr lang="en-US" smtClean="0"/>
-              <a:t>2/6/2017</a:t>
+              <a:t>3/23/2017</a:t>
             </a:fld>
             <a:endParaRPr lang="en-US"/>
           </a:p>
@@ -2971,8 +2971,8 @@
         </p:nvSpPr>
         <p:spPr>
           <a:xfrm>
-            <a:off x="457200" y="274638"/>
-            <a:ext cx="8229600" cy="1143000"/>
+            <a:off x="609600" y="274638"/>
+            <a:ext cx="10972800" cy="1143000"/>
           </a:xfrm>
           <a:prstGeom prst="rect">
             <a:avLst/>
@@ -3004,8 +3004,8 @@
         </p:nvSpPr>
         <p:spPr>
           <a:xfrm>
-            <a:off x="457200" y="1600200"/>
-            <a:ext cx="8229600" cy="4525963"/>
+            <a:off x="609600" y="1600201"/>
+            <a:ext cx="10972800" cy="4525963"/>
           </a:xfrm>
           <a:prstGeom prst="rect">
             <a:avLst/>
@@ -3066,8 +3066,8 @@
         </p:nvSpPr>
         <p:spPr>
           <a:xfrm>
-            <a:off x="457200" y="6356350"/>
-            <a:ext cx="2133600" cy="365125"/>
+            <a:off x="609600" y="6356351"/>
+            <a:ext cx="2844800" cy="365125"/>
           </a:xfrm>
           <a:prstGeom prst="rect">
             <a:avLst/>
@@ -3089,7 +3089,7 @@
           <a:p>
             <a:fld id="{78C97017-6FC3-485B-9764-EAC9E56C1D49}" type="datetimeFigureOut">
               <a:rPr lang="en-US" smtClean="0"/>
-              <a:t>2/6/2017</a:t>
+              <a:t>3/23/2017</a:t>
             </a:fld>
             <a:endParaRPr lang="en-US"/>
           </a:p>
@@ -3107,8 +3107,8 @@
         </p:nvSpPr>
         <p:spPr>
           <a:xfrm>
-            <a:off x="3124200" y="6356350"/>
-            <a:ext cx="2895600" cy="365125"/>
+            <a:off x="4165600" y="6356351"/>
+            <a:ext cx="3860800" cy="365125"/>
           </a:xfrm>
           <a:prstGeom prst="rect">
             <a:avLst/>
@@ -3144,8 +3144,8 @@
         </p:nvSpPr>
         <p:spPr>
           <a:xfrm>
-            <a:off x="6553200" y="6356350"/>
-            <a:ext cx="2133600" cy="365125"/>
+            <a:off x="8737600" y="6356351"/>
+            <a:ext cx="2844800" cy="365125"/>
           </a:xfrm>
           <a:prstGeom prst="rect">
             <a:avLst/>
@@ -3472,7 +3472,7 @@
         </p:nvSpPr>
         <p:spPr>
           <a:xfrm>
-            <a:off x="685800" y="1981200"/>
+            <a:off x="2209800" y="1981200"/>
             <a:ext cx="7252956" cy="4000286"/>
           </a:xfrm>
           <a:prstGeom prst="roundRect">
@@ -3510,7 +3510,7 @@
           <a:lstStyle/>
           <a:p>
             <a:r>
-              <a:rPr lang="en-US" sz="1200" b="1" dirty="0" smtClean="0">
+              <a:rPr lang="en-US" sz="1200" b="1" dirty="0">
                 <a:solidFill>
                   <a:srgbClr val="0070C0"/>
                 </a:solidFill>
@@ -3533,7 +3533,7 @@
         </p:nvSpPr>
         <p:spPr>
           <a:xfrm>
-            <a:off x="845045" y="2296546"/>
+            <a:off x="2369046" y="2296546"/>
             <a:ext cx="1455629" cy="346760"/>
           </a:xfrm>
           <a:prstGeom prst="rect">
@@ -3600,7 +3600,7 @@
         </p:nvCxnSpPr>
         <p:spPr>
           <a:xfrm>
-            <a:off x="1572859" y="2660217"/>
+            <a:off x="3096859" y="2660218"/>
             <a:ext cx="0" cy="2597583"/>
           </a:xfrm>
           <a:prstGeom prst="line">
@@ -3637,7 +3637,7 @@
         </p:nvSpPr>
         <p:spPr>
           <a:xfrm>
-            <a:off x="1500851" y="3010911"/>
+            <a:off x="3024851" y="3010912"/>
             <a:ext cx="152400" cy="2780287"/>
           </a:xfrm>
           <a:prstGeom prst="rect">
@@ -3684,7 +3684,7 @@
         </p:nvSpPr>
         <p:spPr>
           <a:xfrm>
-            <a:off x="2809782" y="2300233"/>
+            <a:off x="4333783" y="2300233"/>
             <a:ext cx="1093635" cy="346760"/>
           </a:xfrm>
           <a:prstGeom prst="rect">
@@ -3720,7 +3720,7 @@
           <a:p>
             <a:pPr algn="ctr"/>
             <a:r>
-              <a:rPr lang="en-US" sz="1600" dirty="0" smtClean="0">
+              <a:rPr lang="en-US" sz="1600" dirty="0">
                 <a:solidFill>
                   <a:schemeClr val="bg1"/>
                 </a:solidFill>
@@ -3743,7 +3743,7 @@
         </p:nvCxnSpPr>
         <p:spPr>
           <a:xfrm>
-            <a:off x="3356599" y="2663904"/>
+            <a:off x="4880599" y="2663904"/>
             <a:ext cx="0" cy="1695374"/>
           </a:xfrm>
           <a:prstGeom prst="line">
@@ -3780,7 +3780,7 @@
         </p:nvSpPr>
         <p:spPr>
           <a:xfrm>
-            <a:off x="3284590" y="3122096"/>
+            <a:off x="4808591" y="3122097"/>
             <a:ext cx="174929" cy="1129459"/>
           </a:xfrm>
           <a:prstGeom prst="rect">
@@ -3815,11 +3815,7 @@
           <a:lstStyle/>
           <a:p>
             <a:pPr algn="ctr"/>
-            <a:endParaRPr lang="en-SG" sz="1400">
-              <a:solidFill>
-                <a:schemeClr val="dk1"/>
-              </a:solidFill>
-            </a:endParaRPr>
+            <a:endParaRPr lang="en-SG" sz="1400"/>
           </a:p>
         </p:txBody>
       </p:sp>
@@ -3831,7 +3827,7 @@
         </p:nvSpPr>
         <p:spPr>
           <a:xfrm>
-            <a:off x="6221565" y="3312740"/>
+            <a:off x="7745566" y="3312740"/>
             <a:ext cx="1093635" cy="461538"/>
           </a:xfrm>
           <a:prstGeom prst="rect">
@@ -3867,7 +3863,7 @@
           <a:p>
             <a:pPr algn="ctr"/>
             <a:r>
-              <a:rPr lang="en-US" sz="1600" dirty="0" smtClean="0">
+              <a:rPr lang="en-US" sz="1600" dirty="0">
                 <a:solidFill>
                   <a:schemeClr val="bg1"/>
                 </a:solidFill>
@@ -3915,7 +3911,7 @@
         </p:nvCxnSpPr>
         <p:spPr>
           <a:xfrm>
-            <a:off x="6772574" y="3774278"/>
+            <a:off x="8296574" y="3774278"/>
             <a:ext cx="0" cy="1940722"/>
           </a:xfrm>
           <a:prstGeom prst="line">
@@ -3952,7 +3948,7 @@
         </p:nvSpPr>
         <p:spPr>
           <a:xfrm>
-            <a:off x="6696374" y="3774278"/>
+            <a:off x="8220374" y="3774279"/>
             <a:ext cx="152400" cy="276003"/>
           </a:xfrm>
           <a:prstGeom prst="rect">
@@ -3999,7 +3995,7 @@
         </p:nvCxnSpPr>
         <p:spPr>
           <a:xfrm>
-            <a:off x="381000" y="3014599"/>
+            <a:off x="1905001" y="3014599"/>
             <a:ext cx="1119851" cy="0"/>
           </a:xfrm>
           <a:prstGeom prst="straightConnector1">
@@ -4035,7 +4031,7 @@
         </p:nvCxnSpPr>
         <p:spPr>
           <a:xfrm flipV="1">
-            <a:off x="1653251" y="3122097"/>
+            <a:off x="3177251" y="3122098"/>
             <a:ext cx="1596514" cy="1"/>
           </a:xfrm>
           <a:prstGeom prst="straightConnector1">
@@ -4071,7 +4067,7 @@
         </p:nvSpPr>
         <p:spPr>
           <a:xfrm>
-            <a:off x="0" y="2743200"/>
+            <a:off x="1524000" y="2743200"/>
             <a:ext cx="1424846" cy="215444"/>
           </a:xfrm>
           <a:prstGeom prst="rect">
@@ -4087,7 +4083,7 @@
           <a:p>
             <a:pPr algn="r"/>
             <a:r>
-              <a:rPr lang="en-US" sz="1400" dirty="0" smtClean="0">
+              <a:rPr lang="en-US" sz="1400" dirty="0">
                 <a:solidFill>
                   <a:srgbClr val="0070C0"/>
                 </a:solidFill>
@@ -4110,7 +4106,7 @@
         </p:nvCxnSpPr>
         <p:spPr>
           <a:xfrm flipV="1">
-            <a:off x="5257218" y="3703214"/>
+            <a:off x="6781218" y="3703215"/>
             <a:ext cx="922392" cy="1"/>
           </a:xfrm>
           <a:prstGeom prst="straightConnector1">
@@ -4146,7 +4142,7 @@
         </p:nvSpPr>
         <p:spPr>
           <a:xfrm>
-            <a:off x="4257582" y="4251556"/>
+            <a:off x="5781583" y="4251556"/>
             <a:ext cx="855809" cy="215444"/>
           </a:xfrm>
           <a:prstGeom prst="rect">
@@ -4186,7 +4182,7 @@
         </p:nvCxnSpPr>
         <p:spPr>
           <a:xfrm>
-            <a:off x="5257800" y="4050281"/>
+            <a:off x="6781800" y="4050281"/>
             <a:ext cx="1492974" cy="0"/>
           </a:xfrm>
           <a:prstGeom prst="straightConnector1">
@@ -4224,7 +4220,7 @@
         </p:nvCxnSpPr>
         <p:spPr>
           <a:xfrm flipV="1">
-            <a:off x="1670186" y="4243231"/>
+            <a:off x="3194186" y="4243231"/>
             <a:ext cx="1596514" cy="5378"/>
           </a:xfrm>
           <a:prstGeom prst="straightConnector1">
@@ -4262,7 +4258,7 @@
         </p:nvCxnSpPr>
         <p:spPr>
           <a:xfrm>
-            <a:off x="304800" y="5791200"/>
+            <a:off x="1828801" y="5791200"/>
             <a:ext cx="1196051" cy="0"/>
           </a:xfrm>
           <a:prstGeom prst="straightConnector1">
@@ -4300,7 +4296,7 @@
         </p:nvSpPr>
         <p:spPr>
           <a:xfrm>
-            <a:off x="8265896" y="2362200"/>
+            <a:off x="9789896" y="2362200"/>
             <a:ext cx="1030504" cy="346760"/>
           </a:xfrm>
           <a:prstGeom prst="rect">
@@ -4365,7 +4361,7 @@
         </p:nvCxnSpPr>
         <p:spPr>
           <a:xfrm>
-            <a:off x="1653251" y="4495317"/>
+            <a:off x="3177252" y="4495317"/>
             <a:ext cx="5043123" cy="0"/>
           </a:xfrm>
           <a:prstGeom prst="straightConnector1">
@@ -4401,7 +4397,7 @@
         </p:nvSpPr>
         <p:spPr>
           <a:xfrm>
-            <a:off x="6687452" y="4467000"/>
+            <a:off x="8211452" y="4467000"/>
             <a:ext cx="161322" cy="1019400"/>
           </a:xfrm>
           <a:prstGeom prst="rect">
@@ -4448,7 +4444,7 @@
         </p:nvCxnSpPr>
         <p:spPr>
           <a:xfrm>
-            <a:off x="8781148" y="2700858"/>
+            <a:off x="10305148" y="2700858"/>
             <a:ext cx="0" cy="2830598"/>
           </a:xfrm>
           <a:prstGeom prst="line">
@@ -4488,7 +4484,7 @@
         </p:nvSpPr>
         <p:spPr>
           <a:xfrm>
-            <a:off x="8686800" y="4524597"/>
+            <a:off x="10210800" y="4524598"/>
             <a:ext cx="152400" cy="199803"/>
           </a:xfrm>
           <a:prstGeom prst="rect">
@@ -4529,11 +4525,7 @@
           <a:lstStyle/>
           <a:p>
             <a:pPr algn="ctr"/>
-            <a:endParaRPr lang="en-SG" sz="1400">
-              <a:solidFill>
-                <a:schemeClr val="dk1"/>
-              </a:solidFill>
-            </a:endParaRPr>
+            <a:endParaRPr lang="en-SG" sz="1400"/>
           </a:p>
         </p:txBody>
       </p:sp>
@@ -4545,7 +4537,7 @@
         </p:nvCxnSpPr>
         <p:spPr>
           <a:xfrm>
-            <a:off x="6850663" y="4524597"/>
+            <a:off x="8374664" y="4524597"/>
             <a:ext cx="1836137" cy="0"/>
           </a:xfrm>
           <a:prstGeom prst="straightConnector1">
@@ -4581,7 +4573,7 @@
         </p:nvCxnSpPr>
         <p:spPr>
           <a:xfrm flipV="1">
-            <a:off x="6848774" y="4714650"/>
+            <a:off x="8372774" y="4714650"/>
             <a:ext cx="1838026" cy="9750"/>
           </a:xfrm>
           <a:prstGeom prst="straightConnector1">
@@ -4622,7 +4614,7 @@
         </p:nvCxnSpPr>
         <p:spPr>
           <a:xfrm>
-            <a:off x="1653251" y="5486400"/>
+            <a:off x="3177252" y="5486400"/>
             <a:ext cx="5052349" cy="0"/>
           </a:xfrm>
           <a:prstGeom prst="straightConnector1">
@@ -4660,7 +4652,7 @@
         </p:nvSpPr>
         <p:spPr>
           <a:xfrm>
-            <a:off x="6984957" y="4267200"/>
+            <a:off x="8508957" y="4267200"/>
             <a:ext cx="1424846" cy="215444"/>
           </a:xfrm>
           <a:prstGeom prst="rect">
@@ -4686,20 +4678,20 @@
           </a:lstStyle>
           <a:p>
             <a:r>
-              <a:rPr lang="en-US" dirty="0" err="1" smtClean="0">
+              <a:rPr lang="en-US">
                 <a:solidFill>
                   <a:srgbClr val="7030A0"/>
                 </a:solidFill>
               </a:rPr>
-              <a:t>deletePerson</a:t>
-            </a:r>
-            <a:r>
-              <a:rPr lang="en-US" dirty="0" smtClean="0">
+              <a:t>deleteTask(p</a:t>
+            </a:r>
+            <a:r>
+              <a:rPr lang="en-US" dirty="0">
                 <a:solidFill>
                   <a:srgbClr val="7030A0"/>
                 </a:solidFill>
               </a:rPr>
-              <a:t>(p)</a:t>
+              <a:t>)</a:t>
             </a:r>
             <a:endParaRPr lang="en-US" dirty="0">
               <a:solidFill>
@@ -4717,7 +4709,7 @@
         </p:nvSpPr>
         <p:spPr>
           <a:xfrm>
-            <a:off x="3847551" y="3657600"/>
+            <a:off x="5371552" y="3657600"/>
             <a:ext cx="767033" cy="184666"/>
           </a:xfrm>
           <a:prstGeom prst="rect">
@@ -4747,7 +4739,7 @@
               <a:t>p</a:t>
             </a:r>
             <a:r>
-              <a:rPr lang="en-US" sz="1200" dirty="0" smtClean="0"/>
+              <a:rPr lang="en-US" sz="1200" dirty="0"/>
               <a:t>arse(“1”)</a:t>
             </a:r>
             <a:endParaRPr lang="en-US" sz="1200" dirty="0"/>
@@ -4762,7 +4754,7 @@
         </p:nvSpPr>
         <p:spPr>
           <a:xfrm>
-            <a:off x="1742982" y="2850922"/>
+            <a:off x="3266982" y="2850922"/>
             <a:ext cx="1424846" cy="215444"/>
           </a:xfrm>
           <a:prstGeom prst="rect">
@@ -4788,7 +4780,7 @@
           </a:lstStyle>
           <a:p>
             <a:r>
-              <a:rPr lang="en-US" dirty="0" smtClean="0"/>
+              <a:rPr lang="en-US" dirty="0"/>
               <a:t>parse(“delete 1”)</a:t>
             </a:r>
             <a:endParaRPr lang="en-US" dirty="0"/>
@@ -4803,7 +4795,7 @@
         </p:nvSpPr>
         <p:spPr>
           <a:xfrm>
-            <a:off x="4340137" y="5255323"/>
+            <a:off x="5864137" y="5255323"/>
             <a:ext cx="621216" cy="215444"/>
           </a:xfrm>
           <a:prstGeom prst="rect">
@@ -4829,7 +4821,7 @@
           </a:lstStyle>
           <a:p>
             <a:r>
-              <a:rPr lang="en-US" dirty="0" smtClean="0"/>
+              <a:rPr lang="en-US" dirty="0"/>
               <a:t>result</a:t>
             </a:r>
             <a:endParaRPr lang="en-US" dirty="0"/>
@@ -4844,7 +4836,7 @@
         </p:nvSpPr>
         <p:spPr>
           <a:xfrm>
-            <a:off x="599983" y="5538488"/>
+            <a:off x="2123983" y="5538488"/>
             <a:ext cx="762000" cy="215444"/>
           </a:xfrm>
           <a:prstGeom prst="rect">
@@ -4870,7 +4862,7 @@
           </a:lstStyle>
           <a:p>
             <a:r>
-              <a:rPr lang="en-US" dirty="0" smtClean="0"/>
+              <a:rPr lang="en-US" dirty="0"/>
               <a:t>result</a:t>
             </a:r>
             <a:endParaRPr lang="en-US" dirty="0"/>
@@ -4885,7 +4877,7 @@
         </p:nvSpPr>
         <p:spPr>
           <a:xfrm>
-            <a:off x="7020246" y="4777286"/>
+            <a:off x="8544246" y="4777286"/>
             <a:ext cx="1590354" cy="461538"/>
           </a:xfrm>
           <a:prstGeom prst="rect">
@@ -4921,7 +4913,7 @@
           <a:p>
             <a:pPr algn="ctr"/>
             <a:r>
-              <a:rPr lang="en-US" sz="1600" dirty="0" err="1" smtClean="0">
+              <a:rPr lang="en-US" sz="1600" dirty="0" err="1">
                 <a:solidFill>
                   <a:schemeClr val="bg1"/>
                 </a:solidFill>
@@ -4929,7 +4921,7 @@
               <a:t>result:Command</a:t>
             </a:r>
             <a:r>
-              <a:rPr lang="en-US" sz="1600" dirty="0" smtClean="0">
+              <a:rPr lang="en-US" sz="1600" dirty="0">
                 <a:solidFill>
                   <a:schemeClr val="bg1"/>
                 </a:solidFill>
@@ -4952,7 +4944,7 @@
         </p:nvSpPr>
         <p:spPr>
           <a:xfrm>
-            <a:off x="7777323" y="5238824"/>
+            <a:off x="9301323" y="5238824"/>
             <a:ext cx="152400" cy="171376"/>
           </a:xfrm>
           <a:prstGeom prst="rect">
@@ -4999,7 +4991,7 @@
         </p:nvCxnSpPr>
         <p:spPr>
           <a:xfrm>
-            <a:off x="6858000" y="5410200"/>
+            <a:off x="8382000" y="5410200"/>
             <a:ext cx="966624" cy="0"/>
           </a:xfrm>
           <a:prstGeom prst="straightConnector1">
@@ -5037,7 +5029,7 @@
         </p:nvSpPr>
         <p:spPr>
           <a:xfrm>
-            <a:off x="2673845" y="4027787"/>
+            <a:off x="4197846" y="4027787"/>
             <a:ext cx="220343" cy="215444"/>
           </a:xfrm>
           <a:prstGeom prst="rect">
@@ -5063,7 +5055,7 @@
           </a:lstStyle>
           <a:p>
             <a:r>
-              <a:rPr lang="en-US" dirty="0" smtClean="0"/>
+              <a:rPr lang="en-US" dirty="0"/>
               <a:t>d</a:t>
             </a:r>
             <a:endParaRPr lang="en-US" dirty="0"/>
@@ -5078,7 +5070,7 @@
         </p:nvSpPr>
         <p:spPr>
           <a:xfrm>
-            <a:off x="4231981" y="2929839"/>
+            <a:off x="5755982" y="2929840"/>
             <a:ext cx="1778201" cy="432035"/>
           </a:xfrm>
           <a:prstGeom prst="rect">
@@ -5114,7 +5106,7 @@
           <a:p>
             <a:pPr algn="ctr"/>
             <a:r>
-              <a:rPr lang="en-US" sz="1600" dirty="0" smtClean="0">
+              <a:rPr lang="en-US" sz="1600" dirty="0">
                 <a:solidFill>
                   <a:schemeClr val="bg1"/>
                 </a:solidFill>
@@ -5122,14 +5114,14 @@
               <a:t>:</a:t>
             </a:r>
             <a:r>
-              <a:rPr lang="en-US" sz="1600" dirty="0" err="1" smtClean="0">
+              <a:rPr lang="en-US" sz="1600" dirty="0" err="1">
                 <a:solidFill>
                   <a:schemeClr val="bg1"/>
                 </a:solidFill>
               </a:rPr>
               <a:t>DeleteCommand</a:t>
             </a:r>
-            <a:endParaRPr lang="en-US" sz="1600" dirty="0" smtClean="0">
+            <a:endParaRPr lang="en-US" sz="1600" dirty="0">
               <a:solidFill>
                 <a:schemeClr val="bg1"/>
               </a:solidFill>
@@ -5138,7 +5130,7 @@
           <a:p>
             <a:pPr algn="ctr"/>
             <a:r>
-              <a:rPr lang="en-US" sz="1600" dirty="0" smtClean="0">
+              <a:rPr lang="en-US" sz="1600" dirty="0">
                 <a:solidFill>
                   <a:schemeClr val="bg1"/>
                 </a:solidFill>
@@ -5161,7 +5153,7 @@
         </p:nvCxnSpPr>
         <p:spPr>
           <a:xfrm>
-            <a:off x="3462591" y="3657600"/>
+            <a:off x="4986591" y="3657601"/>
             <a:ext cx="1597356" cy="1"/>
           </a:xfrm>
           <a:prstGeom prst="straightConnector1">
@@ -5195,7 +5187,7 @@
         </p:nvSpPr>
         <p:spPr>
           <a:xfrm>
-            <a:off x="5059947" y="3352800"/>
+            <a:off x="6583948" y="3352801"/>
             <a:ext cx="205843" cy="123165"/>
           </a:xfrm>
           <a:prstGeom prst="rect">
@@ -5244,7 +5236,7 @@
         </p:nvCxnSpPr>
         <p:spPr>
           <a:xfrm>
-            <a:off x="5162869" y="3352800"/>
+            <a:off x="6686869" y="3352800"/>
             <a:ext cx="0" cy="990600"/>
           </a:xfrm>
           <a:prstGeom prst="line">
@@ -5281,7 +5273,7 @@
         </p:nvSpPr>
         <p:spPr>
           <a:xfrm>
-            <a:off x="5059947" y="3657601"/>
+            <a:off x="6583948" y="3657601"/>
             <a:ext cx="205843" cy="533400"/>
           </a:xfrm>
           <a:prstGeom prst="rect">
@@ -5328,7 +5320,7 @@
         </p:nvCxnSpPr>
         <p:spPr>
           <a:xfrm>
-            <a:off x="3499382" y="4185073"/>
+            <a:off x="5023383" y="4185073"/>
             <a:ext cx="1667219" cy="0"/>
           </a:xfrm>
           <a:prstGeom prst="straightConnector1">
@@ -5366,7 +5358,7 @@
         </p:nvCxnSpPr>
         <p:spPr>
           <a:xfrm>
-            <a:off x="6858000" y="5029200"/>
+            <a:off x="8382000" y="5029200"/>
             <a:ext cx="162246" cy="0"/>
           </a:xfrm>
           <a:prstGeom prst="straightConnector1">
@@ -5400,7 +5392,7 @@
         </p:nvCxnSpPr>
         <p:spPr>
           <a:xfrm>
-            <a:off x="3412425" y="3173004"/>
+            <a:off x="4936425" y="3173005"/>
             <a:ext cx="819556" cy="1"/>
           </a:xfrm>
           <a:prstGeom prst="straightConnector1">
@@ -5436,7 +5428,7 @@
         </p:nvCxnSpPr>
         <p:spPr>
           <a:xfrm>
-            <a:off x="3459519" y="3475965"/>
+            <a:off x="4983519" y="3475965"/>
             <a:ext cx="1600428" cy="0"/>
           </a:xfrm>
           <a:prstGeom prst="straightConnector1">
@@ -5474,7 +5466,7 @@
         </p:nvSpPr>
         <p:spPr>
           <a:xfrm>
-            <a:off x="5033665" y="4199590"/>
+            <a:off x="6557665" y="4199590"/>
             <a:ext cx="258404" cy="261610"/>
           </a:xfrm>
           <a:prstGeom prst="rect">
@@ -5489,7 +5481,7 @@
           <a:lstStyle/>
           <a:p>
             <a:r>
-              <a:rPr lang="en-SG" sz="1100" dirty="0" smtClean="0">
+              <a:rPr lang="en-SG" sz="1100" dirty="0">
                 <a:solidFill>
                   <a:srgbClr val="002060"/>
                 </a:solidFill>

--- a/docs/diagrams/LogicComponentSequenceDiagram.pptx
+++ b/docs/diagrams/LogicComponentSequenceDiagram.pptx
@@ -3870,14 +3870,6 @@
               </a:rPr>
               <a:t>d:Delete</a:t>
             </a:r>
-            <a:r>
-              <a:rPr lang="en-US" sz="1600" dirty="0">
-                <a:solidFill>
-                  <a:schemeClr val="bg1"/>
-                </a:solidFill>
-              </a:rPr>
-              <a:t/>
-            </a:r>
             <a:br>
               <a:rPr lang="en-US" sz="1600" dirty="0">
                 <a:solidFill>
@@ -4090,11 +4082,6 @@
               </a:rPr>
               <a:t>execute(“delete 1”)</a:t>
             </a:r>
-            <a:endParaRPr lang="en-US" sz="1400" dirty="0">
-              <a:solidFill>
-                <a:srgbClr val="0070C0"/>
-              </a:solidFill>
-            </a:endParaRPr>
           </a:p>
         </p:txBody>
       </p:sp>
@@ -4693,11 +4680,6 @@
               </a:rPr>
               <a:t>)</a:t>
             </a:r>
-            <a:endParaRPr lang="en-US" dirty="0">
-              <a:solidFill>
-                <a:srgbClr val="7030A0"/>
-              </a:solidFill>
-            </a:endParaRPr>
           </a:p>
         </p:txBody>
       </p:sp>
@@ -4736,13 +4718,8 @@
           <a:p>
             <a:r>
               <a:rPr lang="en-US" sz="1200" dirty="0"/>
-              <a:t>p</a:t>
-            </a:r>
-            <a:r>
-              <a:rPr lang="en-US" sz="1200" dirty="0"/>
-              <a:t>arse(“1”)</a:t>
-            </a:r>
-            <a:endParaRPr lang="en-US" sz="1200" dirty="0"/>
+              <a:t>parse(“1”)</a:t>
+            </a:r>
           </a:p>
         </p:txBody>
       </p:sp>
@@ -4783,7 +4760,6 @@
               <a:rPr lang="en-US" dirty="0"/>
               <a:t>parse(“delete 1”)</a:t>
             </a:r>
-            <a:endParaRPr lang="en-US" dirty="0"/>
           </a:p>
         </p:txBody>
       </p:sp>
@@ -4824,7 +4800,6 @@
               <a:rPr lang="en-US" dirty="0"/>
               <a:t>result</a:t>
             </a:r>
-            <a:endParaRPr lang="en-US" dirty="0"/>
           </a:p>
         </p:txBody>
       </p:sp>
@@ -4865,7 +4840,6 @@
               <a:rPr lang="en-US" dirty="0"/>
               <a:t>result</a:t>
             </a:r>
-            <a:endParaRPr lang="en-US" dirty="0"/>
           </a:p>
         </p:txBody>
       </p:sp>
@@ -5058,7 +5032,6 @@
               <a:rPr lang="en-US" dirty="0"/>
               <a:t>d</a:t>
             </a:r>
-            <a:endParaRPr lang="en-US" dirty="0"/>
           </a:p>
         </p:txBody>
       </p:sp>
@@ -5458,44 +5431,6 @@
           </a:fontRef>
         </p:style>
       </p:cxnSp>
-      <p:sp>
-        <p:nvSpPr>
-          <p:cNvPr id="4" name="TextBox 3"/>
-          <p:cNvSpPr txBox="1"/>
-          <p:nvPr/>
-        </p:nvSpPr>
-        <p:spPr>
-          <a:xfrm>
-            <a:off x="6557665" y="4199590"/>
-            <a:ext cx="258404" cy="261610"/>
-          </a:xfrm>
-          <a:prstGeom prst="rect">
-            <a:avLst/>
-          </a:prstGeom>
-          <a:noFill/>
-        </p:spPr>
-        <p:txBody>
-          <a:bodyPr wrap="none" rtlCol="0">
-            <a:spAutoFit/>
-          </a:bodyPr>
-          <a:lstStyle/>
-          <a:p>
-            <a:r>
-              <a:rPr lang="en-SG" sz="1100" dirty="0">
-                <a:solidFill>
-                  <a:srgbClr val="002060"/>
-                </a:solidFill>
-              </a:rPr>
-              <a:t>X</a:t>
-            </a:r>
-            <a:endParaRPr lang="en-SG" sz="1100" dirty="0">
-              <a:solidFill>
-                <a:srgbClr val="002060"/>
-              </a:solidFill>
-            </a:endParaRPr>
-          </a:p>
-        </p:txBody>
-      </p:sp>
     </p:spTree>
     <p:extLst>
       <p:ext uri="{BB962C8B-B14F-4D97-AF65-F5344CB8AC3E}">

--- a/docs/diagrams/LogicComponentSequenceDiagram.pptx
+++ b/docs/diagrams/LogicComponentSequenceDiagram.pptx
@@ -208,7 +208,7 @@
           <a:p>
             <a:fld id="{F5CC4B3F-88C1-4FFA-B1B6-F41C21DC6924}" type="datetimeFigureOut">
               <a:rPr lang="en-US" smtClean="0"/>
-              <a:t>2/6/2017</a:t>
+              <a:t>3/24/17</a:t>
             </a:fld>
             <a:endParaRPr lang="en-US"/>
           </a:p>
@@ -657,7 +657,7 @@
           <a:p>
             <a:fld id="{78C97017-6FC3-485B-9764-EAC9E56C1D49}" type="datetimeFigureOut">
               <a:rPr lang="en-US" smtClean="0"/>
-              <a:t>2/6/2017</a:t>
+              <a:t>3/24/17</a:t>
             </a:fld>
             <a:endParaRPr lang="en-US"/>
           </a:p>
@@ -827,7 +827,7 @@
           <a:p>
             <a:fld id="{78C97017-6FC3-485B-9764-EAC9E56C1D49}" type="datetimeFigureOut">
               <a:rPr lang="en-US" smtClean="0"/>
-              <a:t>2/6/2017</a:t>
+              <a:t>3/24/17</a:t>
             </a:fld>
             <a:endParaRPr lang="en-US"/>
           </a:p>
@@ -1007,7 +1007,7 @@
           <a:p>
             <a:fld id="{78C97017-6FC3-485B-9764-EAC9E56C1D49}" type="datetimeFigureOut">
               <a:rPr lang="en-US" smtClean="0"/>
-              <a:t>2/6/2017</a:t>
+              <a:t>3/24/17</a:t>
             </a:fld>
             <a:endParaRPr lang="en-US"/>
           </a:p>
@@ -1177,7 +1177,7 @@
           <a:p>
             <a:fld id="{78C97017-6FC3-485B-9764-EAC9E56C1D49}" type="datetimeFigureOut">
               <a:rPr lang="en-US" smtClean="0"/>
-              <a:t>2/6/2017</a:t>
+              <a:t>3/24/17</a:t>
             </a:fld>
             <a:endParaRPr lang="en-US"/>
           </a:p>
@@ -1423,7 +1423,7 @@
           <a:p>
             <a:fld id="{78C97017-6FC3-485B-9764-EAC9E56C1D49}" type="datetimeFigureOut">
               <a:rPr lang="en-US" smtClean="0"/>
-              <a:t>2/6/2017</a:t>
+              <a:t>3/24/17</a:t>
             </a:fld>
             <a:endParaRPr lang="en-US"/>
           </a:p>
@@ -1711,7 +1711,7 @@
           <a:p>
             <a:fld id="{78C97017-6FC3-485B-9764-EAC9E56C1D49}" type="datetimeFigureOut">
               <a:rPr lang="en-US" smtClean="0"/>
-              <a:t>2/6/2017</a:t>
+              <a:t>3/24/17</a:t>
             </a:fld>
             <a:endParaRPr lang="en-US"/>
           </a:p>
@@ -2133,7 +2133,7 @@
           <a:p>
             <a:fld id="{78C97017-6FC3-485B-9764-EAC9E56C1D49}" type="datetimeFigureOut">
               <a:rPr lang="en-US" smtClean="0"/>
-              <a:t>2/6/2017</a:t>
+              <a:t>3/24/17</a:t>
             </a:fld>
             <a:endParaRPr lang="en-US"/>
           </a:p>
@@ -2251,7 +2251,7 @@
           <a:p>
             <a:fld id="{78C97017-6FC3-485B-9764-EAC9E56C1D49}" type="datetimeFigureOut">
               <a:rPr lang="en-US" smtClean="0"/>
-              <a:t>2/6/2017</a:t>
+              <a:t>3/24/17</a:t>
             </a:fld>
             <a:endParaRPr lang="en-US"/>
           </a:p>
@@ -2346,7 +2346,7 @@
           <a:p>
             <a:fld id="{78C97017-6FC3-485B-9764-EAC9E56C1D49}" type="datetimeFigureOut">
               <a:rPr lang="en-US" smtClean="0"/>
-              <a:t>2/6/2017</a:t>
+              <a:t>3/24/17</a:t>
             </a:fld>
             <a:endParaRPr lang="en-US"/>
           </a:p>
@@ -2623,7 +2623,7 @@
           <a:p>
             <a:fld id="{78C97017-6FC3-485B-9764-EAC9E56C1D49}" type="datetimeFigureOut">
               <a:rPr lang="en-US" smtClean="0"/>
-              <a:t>2/6/2017</a:t>
+              <a:t>3/24/17</a:t>
             </a:fld>
             <a:endParaRPr lang="en-US"/>
           </a:p>
@@ -2876,7 +2876,7 @@
           <a:p>
             <a:fld id="{78C97017-6FC3-485B-9764-EAC9E56C1D49}" type="datetimeFigureOut">
               <a:rPr lang="en-US" smtClean="0"/>
-              <a:t>2/6/2017</a:t>
+              <a:t>3/24/17</a:t>
             </a:fld>
             <a:endParaRPr lang="en-US"/>
           </a:p>
@@ -3089,7 +3089,7 @@
           <a:p>
             <a:fld id="{78C97017-6FC3-485B-9764-EAC9E56C1D49}" type="datetimeFigureOut">
               <a:rPr lang="en-US" smtClean="0"/>
-              <a:t>2/6/2017</a:t>
+              <a:t>3/24/17</a:t>
             </a:fld>
             <a:endParaRPr lang="en-US"/>
           </a:p>
@@ -4072,7 +4072,7 @@
         <p:spPr>
           <a:xfrm>
             <a:off x="0" y="2743200"/>
-            <a:ext cx="1424846" cy="215444"/>
+            <a:ext cx="1424846" cy="184666"/>
           </a:xfrm>
           <a:prstGeom prst="rect">
             <a:avLst/>
@@ -4087,14 +4087,14 @@
           <a:p>
             <a:pPr algn="r"/>
             <a:r>
-              <a:rPr lang="en-US" sz="1400" dirty="0" smtClean="0">
+              <a:rPr lang="en-US" sz="1200" dirty="0" smtClean="0">
                 <a:solidFill>
                   <a:srgbClr val="0070C0"/>
                 </a:solidFill>
               </a:rPr>
               <a:t>execute(“delete 1”)</a:t>
             </a:r>
-            <a:endParaRPr lang="en-US" sz="1400" dirty="0">
+            <a:endParaRPr lang="en-US" sz="1200" dirty="0">
               <a:solidFill>
                 <a:srgbClr val="0070C0"/>
               </a:solidFill>
@@ -4147,7 +4147,7 @@
         <p:spPr>
           <a:xfrm>
             <a:off x="4257582" y="4251556"/>
-            <a:ext cx="855809" cy="215444"/>
+            <a:ext cx="855809" cy="184666"/>
           </a:xfrm>
           <a:prstGeom prst="rect">
             <a:avLst/>
@@ -4172,7 +4172,7 @@
           </a:lstStyle>
           <a:p>
             <a:r>
-              <a:rPr lang="en-US" dirty="0"/>
+              <a:rPr lang="en-US" sz="1200" dirty="0"/>
               <a:t>execute()</a:t>
             </a:r>
           </a:p>
@@ -4661,7 +4661,7 @@
         <p:spPr>
           <a:xfrm>
             <a:off x="6984957" y="4267200"/>
-            <a:ext cx="1424846" cy="215444"/>
+            <a:ext cx="1424846" cy="184666"/>
           </a:xfrm>
           <a:prstGeom prst="rect">
             <a:avLst/>
@@ -4686,22 +4686,30 @@
           </a:lstStyle>
           <a:p>
             <a:r>
-              <a:rPr lang="en-US" dirty="0" err="1" smtClean="0">
+              <a:rPr lang="en-US" sz="1200" dirty="0" err="1" smtClean="0">
                 <a:solidFill>
                   <a:srgbClr val="7030A0"/>
                 </a:solidFill>
               </a:rPr>
-              <a:t>deletePerson</a:t>
-            </a:r>
-            <a:r>
-              <a:rPr lang="en-US" dirty="0" smtClean="0">
+              <a:t>deleteTask</a:t>
+            </a:r>
+            <a:r>
+              <a:rPr lang="en-US" sz="1200" dirty="0" smtClean="0">
                 <a:solidFill>
                   <a:srgbClr val="7030A0"/>
                 </a:solidFill>
               </a:rPr>
-              <a:t>(p)</a:t>
-            </a:r>
-            <a:endParaRPr lang="en-US" dirty="0">
+              <a:t>(p</a:t>
+            </a:r>
+            <a:r>
+              <a:rPr lang="en-US" sz="1200" dirty="0" smtClean="0">
+                <a:solidFill>
+                  <a:srgbClr val="7030A0"/>
+                </a:solidFill>
+              </a:rPr>
+              <a:t>)</a:t>
+            </a:r>
+            <a:endParaRPr lang="en-US" sz="1200" dirty="0">
               <a:solidFill>
                 <a:srgbClr val="7030A0"/>
               </a:solidFill>
@@ -4763,7 +4771,7 @@
         <p:spPr>
           <a:xfrm>
             <a:off x="1742982" y="2850922"/>
-            <a:ext cx="1424846" cy="215444"/>
+            <a:ext cx="1424846" cy="184666"/>
           </a:xfrm>
           <a:prstGeom prst="rect">
             <a:avLst/>
@@ -4788,10 +4796,10 @@
           </a:lstStyle>
           <a:p>
             <a:r>
-              <a:rPr lang="en-US" dirty="0" smtClean="0"/>
+              <a:rPr lang="en-US" sz="1200" dirty="0" smtClean="0"/>
               <a:t>parse(“delete 1”)</a:t>
             </a:r>
-            <a:endParaRPr lang="en-US" dirty="0"/>
+            <a:endParaRPr lang="en-US" sz="1200" dirty="0"/>
           </a:p>
         </p:txBody>
       </p:sp>
@@ -4804,7 +4812,7 @@
         <p:spPr>
           <a:xfrm>
             <a:off x="4340137" y="5255323"/>
-            <a:ext cx="621216" cy="215444"/>
+            <a:ext cx="621216" cy="184666"/>
           </a:xfrm>
           <a:prstGeom prst="rect">
             <a:avLst/>
@@ -4829,10 +4837,10 @@
           </a:lstStyle>
           <a:p>
             <a:r>
-              <a:rPr lang="en-US" dirty="0" smtClean="0"/>
+              <a:rPr lang="en-US" sz="1200" dirty="0" smtClean="0"/>
               <a:t>result</a:t>
             </a:r>
-            <a:endParaRPr lang="en-US" dirty="0"/>
+            <a:endParaRPr lang="en-US" sz="1200" dirty="0"/>
           </a:p>
         </p:txBody>
       </p:sp>
@@ -4845,7 +4853,7 @@
         <p:spPr>
           <a:xfrm>
             <a:off x="599983" y="5538488"/>
-            <a:ext cx="762000" cy="215444"/>
+            <a:ext cx="762000" cy="184666"/>
           </a:xfrm>
           <a:prstGeom prst="rect">
             <a:avLst/>
@@ -4870,10 +4878,10 @@
           </a:lstStyle>
           <a:p>
             <a:r>
-              <a:rPr lang="en-US" dirty="0" smtClean="0"/>
+              <a:rPr lang="en-US" sz="1200" dirty="0" smtClean="0"/>
               <a:t>result</a:t>
             </a:r>
-            <a:endParaRPr lang="en-US" dirty="0"/>
+            <a:endParaRPr lang="en-US" sz="1200" dirty="0"/>
           </a:p>
         </p:txBody>
       </p:sp>

--- a/docs/diagrams/LogicComponentSequenceDiagram.pptx
+++ b/docs/diagrams/LogicComponentSequenceDiagram.pptx
@@ -208,7 +208,7 @@
           <a:p>
             <a:fld id="{F5CC4B3F-88C1-4FFA-B1B6-F41C21DC6924}" type="datetimeFigureOut">
               <a:rPr lang="en-US" smtClean="0"/>
-              <a:t>2/6/2017</a:t>
+              <a:t>3/24/17</a:t>
             </a:fld>
             <a:endParaRPr lang="en-US"/>
           </a:p>
@@ -657,7 +657,7 @@
           <a:p>
             <a:fld id="{78C97017-6FC3-485B-9764-EAC9E56C1D49}" type="datetimeFigureOut">
               <a:rPr lang="en-US" smtClean="0"/>
-              <a:t>2/6/2017</a:t>
+              <a:t>3/24/17</a:t>
             </a:fld>
             <a:endParaRPr lang="en-US"/>
           </a:p>
@@ -827,7 +827,7 @@
           <a:p>
             <a:fld id="{78C97017-6FC3-485B-9764-EAC9E56C1D49}" type="datetimeFigureOut">
               <a:rPr lang="en-US" smtClean="0"/>
-              <a:t>2/6/2017</a:t>
+              <a:t>3/24/17</a:t>
             </a:fld>
             <a:endParaRPr lang="en-US"/>
           </a:p>
@@ -1007,7 +1007,7 @@
           <a:p>
             <a:fld id="{78C97017-6FC3-485B-9764-EAC9E56C1D49}" type="datetimeFigureOut">
               <a:rPr lang="en-US" smtClean="0"/>
-              <a:t>2/6/2017</a:t>
+              <a:t>3/24/17</a:t>
             </a:fld>
             <a:endParaRPr lang="en-US"/>
           </a:p>
@@ -1177,7 +1177,7 @@
           <a:p>
             <a:fld id="{78C97017-6FC3-485B-9764-EAC9E56C1D49}" type="datetimeFigureOut">
               <a:rPr lang="en-US" smtClean="0"/>
-              <a:t>2/6/2017</a:t>
+              <a:t>3/24/17</a:t>
             </a:fld>
             <a:endParaRPr lang="en-US"/>
           </a:p>
@@ -1423,7 +1423,7 @@
           <a:p>
             <a:fld id="{78C97017-6FC3-485B-9764-EAC9E56C1D49}" type="datetimeFigureOut">
               <a:rPr lang="en-US" smtClean="0"/>
-              <a:t>2/6/2017</a:t>
+              <a:t>3/24/17</a:t>
             </a:fld>
             <a:endParaRPr lang="en-US"/>
           </a:p>
@@ -1711,7 +1711,7 @@
           <a:p>
             <a:fld id="{78C97017-6FC3-485B-9764-EAC9E56C1D49}" type="datetimeFigureOut">
               <a:rPr lang="en-US" smtClean="0"/>
-              <a:t>2/6/2017</a:t>
+              <a:t>3/24/17</a:t>
             </a:fld>
             <a:endParaRPr lang="en-US"/>
           </a:p>
@@ -2133,7 +2133,7 @@
           <a:p>
             <a:fld id="{78C97017-6FC3-485B-9764-EAC9E56C1D49}" type="datetimeFigureOut">
               <a:rPr lang="en-US" smtClean="0"/>
-              <a:t>2/6/2017</a:t>
+              <a:t>3/24/17</a:t>
             </a:fld>
             <a:endParaRPr lang="en-US"/>
           </a:p>
@@ -2251,7 +2251,7 @@
           <a:p>
             <a:fld id="{78C97017-6FC3-485B-9764-EAC9E56C1D49}" type="datetimeFigureOut">
               <a:rPr lang="en-US" smtClean="0"/>
-              <a:t>2/6/2017</a:t>
+              <a:t>3/24/17</a:t>
             </a:fld>
             <a:endParaRPr lang="en-US"/>
           </a:p>
@@ -2346,7 +2346,7 @@
           <a:p>
             <a:fld id="{78C97017-6FC3-485B-9764-EAC9E56C1D49}" type="datetimeFigureOut">
               <a:rPr lang="en-US" smtClean="0"/>
-              <a:t>2/6/2017</a:t>
+              <a:t>3/24/17</a:t>
             </a:fld>
             <a:endParaRPr lang="en-US"/>
           </a:p>
@@ -2623,7 +2623,7 @@
           <a:p>
             <a:fld id="{78C97017-6FC3-485B-9764-EAC9E56C1D49}" type="datetimeFigureOut">
               <a:rPr lang="en-US" smtClean="0"/>
-              <a:t>2/6/2017</a:t>
+              <a:t>3/24/17</a:t>
             </a:fld>
             <a:endParaRPr lang="en-US"/>
           </a:p>
@@ -2876,7 +2876,7 @@
           <a:p>
             <a:fld id="{78C97017-6FC3-485B-9764-EAC9E56C1D49}" type="datetimeFigureOut">
               <a:rPr lang="en-US" smtClean="0"/>
-              <a:t>2/6/2017</a:t>
+              <a:t>3/24/17</a:t>
             </a:fld>
             <a:endParaRPr lang="en-US"/>
           </a:p>
@@ -3089,7 +3089,7 @@
           <a:p>
             <a:fld id="{78C97017-6FC3-485B-9764-EAC9E56C1D49}" type="datetimeFigureOut">
               <a:rPr lang="en-US" smtClean="0"/>
-              <a:t>2/6/2017</a:t>
+              <a:t>3/24/17</a:t>
             </a:fld>
             <a:endParaRPr lang="en-US"/>
           </a:p>
@@ -4686,12 +4686,12 @@
           </a:lstStyle>
           <a:p>
             <a:r>
-              <a:rPr lang="en-US" dirty="0" err="1" smtClean="0">
+              <a:rPr lang="en-US" err="1" smtClean="0">
                 <a:solidFill>
                   <a:srgbClr val="7030A0"/>
                 </a:solidFill>
               </a:rPr>
-              <a:t>deletePerson</a:t>
+              <a:t>deleteTask</a:t>
             </a:r>
             <a:r>
               <a:rPr lang="en-US" dirty="0" smtClean="0">
@@ -4699,7 +4699,7 @@
                   <a:srgbClr val="7030A0"/>
                 </a:solidFill>
               </a:rPr>
-              <a:t>(p)</a:t>
+              <a:t>(t)</a:t>
             </a:r>
             <a:endParaRPr lang="en-US" dirty="0">
               <a:solidFill>

--- a/docs/diagrams/LogicComponentSequenceDiagram.pptx
+++ b/docs/diagrams/LogicComponentSequenceDiagram.pptx
@@ -208,7 +208,7 @@
           <a:p>
             <a:fld id="{F5CC4B3F-88C1-4FFA-B1B6-F41C21DC6924}" type="datetimeFigureOut">
               <a:rPr lang="en-US" smtClean="0"/>
-              <a:t>2/6/2017</a:t>
+              <a:t>3/24/17</a:t>
             </a:fld>
             <a:endParaRPr lang="en-US"/>
           </a:p>
@@ -657,7 +657,7 @@
           <a:p>
             <a:fld id="{78C97017-6FC3-485B-9764-EAC9E56C1D49}" type="datetimeFigureOut">
               <a:rPr lang="en-US" smtClean="0"/>
-              <a:t>2/6/2017</a:t>
+              <a:t>3/24/17</a:t>
             </a:fld>
             <a:endParaRPr lang="en-US"/>
           </a:p>
@@ -827,7 +827,7 @@
           <a:p>
             <a:fld id="{78C97017-6FC3-485B-9764-EAC9E56C1D49}" type="datetimeFigureOut">
               <a:rPr lang="en-US" smtClean="0"/>
-              <a:t>2/6/2017</a:t>
+              <a:t>3/24/17</a:t>
             </a:fld>
             <a:endParaRPr lang="en-US"/>
           </a:p>
@@ -1007,7 +1007,7 @@
           <a:p>
             <a:fld id="{78C97017-6FC3-485B-9764-EAC9E56C1D49}" type="datetimeFigureOut">
               <a:rPr lang="en-US" smtClean="0"/>
-              <a:t>2/6/2017</a:t>
+              <a:t>3/24/17</a:t>
             </a:fld>
             <a:endParaRPr lang="en-US"/>
           </a:p>
@@ -1177,7 +1177,7 @@
           <a:p>
             <a:fld id="{78C97017-6FC3-485B-9764-EAC9E56C1D49}" type="datetimeFigureOut">
               <a:rPr lang="en-US" smtClean="0"/>
-              <a:t>2/6/2017</a:t>
+              <a:t>3/24/17</a:t>
             </a:fld>
             <a:endParaRPr lang="en-US"/>
           </a:p>
@@ -1423,7 +1423,7 @@
           <a:p>
             <a:fld id="{78C97017-6FC3-485B-9764-EAC9E56C1D49}" type="datetimeFigureOut">
               <a:rPr lang="en-US" smtClean="0"/>
-              <a:t>2/6/2017</a:t>
+              <a:t>3/24/17</a:t>
             </a:fld>
             <a:endParaRPr lang="en-US"/>
           </a:p>
@@ -1711,7 +1711,7 @@
           <a:p>
             <a:fld id="{78C97017-6FC3-485B-9764-EAC9E56C1D49}" type="datetimeFigureOut">
               <a:rPr lang="en-US" smtClean="0"/>
-              <a:t>2/6/2017</a:t>
+              <a:t>3/24/17</a:t>
             </a:fld>
             <a:endParaRPr lang="en-US"/>
           </a:p>
@@ -2133,7 +2133,7 @@
           <a:p>
             <a:fld id="{78C97017-6FC3-485B-9764-EAC9E56C1D49}" type="datetimeFigureOut">
               <a:rPr lang="en-US" smtClean="0"/>
-              <a:t>2/6/2017</a:t>
+              <a:t>3/24/17</a:t>
             </a:fld>
             <a:endParaRPr lang="en-US"/>
           </a:p>
@@ -2251,7 +2251,7 @@
           <a:p>
             <a:fld id="{78C97017-6FC3-485B-9764-EAC9E56C1D49}" type="datetimeFigureOut">
               <a:rPr lang="en-US" smtClean="0"/>
-              <a:t>2/6/2017</a:t>
+              <a:t>3/24/17</a:t>
             </a:fld>
             <a:endParaRPr lang="en-US"/>
           </a:p>
@@ -2346,7 +2346,7 @@
           <a:p>
             <a:fld id="{78C97017-6FC3-485B-9764-EAC9E56C1D49}" type="datetimeFigureOut">
               <a:rPr lang="en-US" smtClean="0"/>
-              <a:t>2/6/2017</a:t>
+              <a:t>3/24/17</a:t>
             </a:fld>
             <a:endParaRPr lang="en-US"/>
           </a:p>
@@ -2623,7 +2623,7 @@
           <a:p>
             <a:fld id="{78C97017-6FC3-485B-9764-EAC9E56C1D49}" type="datetimeFigureOut">
               <a:rPr lang="en-US" smtClean="0"/>
-              <a:t>2/6/2017</a:t>
+              <a:t>3/24/17</a:t>
             </a:fld>
             <a:endParaRPr lang="en-US"/>
           </a:p>
@@ -2876,7 +2876,7 @@
           <a:p>
             <a:fld id="{78C97017-6FC3-485B-9764-EAC9E56C1D49}" type="datetimeFigureOut">
               <a:rPr lang="en-US" smtClean="0"/>
-              <a:t>2/6/2017</a:t>
+              <a:t>3/24/17</a:t>
             </a:fld>
             <a:endParaRPr lang="en-US"/>
           </a:p>
@@ -3089,7 +3089,7 @@
           <a:p>
             <a:fld id="{78C97017-6FC3-485B-9764-EAC9E56C1D49}" type="datetimeFigureOut">
               <a:rPr lang="en-US" smtClean="0"/>
-              <a:t>2/6/2017</a:t>
+              <a:t>3/24/17</a:t>
             </a:fld>
             <a:endParaRPr lang="en-US"/>
           </a:p>
@@ -3867,12 +3867,12 @@
           <a:p>
             <a:pPr algn="ctr"/>
             <a:r>
-              <a:rPr lang="en-US" sz="1600" dirty="0" smtClean="0">
+              <a:rPr lang="en-US" sz="1600" dirty="0" err="1" smtClean="0">
                 <a:solidFill>
                   <a:schemeClr val="bg1"/>
                 </a:solidFill>
               </a:rPr>
-              <a:t>d:Delete</a:t>
+              <a:t>k:Kill</a:t>
             </a:r>
             <a:r>
               <a:rPr lang="en-US" sz="1600" dirty="0">
@@ -4092,7 +4092,23 @@
                   <a:srgbClr val="0070C0"/>
                 </a:solidFill>
               </a:rPr>
-              <a:t>execute(“delete 1”)</a:t>
+              <a:t>execute</a:t>
+            </a:r>
+            <a:r>
+              <a:rPr lang="en-US" sz="1400" dirty="0" smtClean="0">
+                <a:solidFill>
+                  <a:srgbClr val="0070C0"/>
+                </a:solidFill>
+              </a:rPr>
+              <a:t>(“kill 1</a:t>
+            </a:r>
+            <a:r>
+              <a:rPr lang="en-US" sz="1400" dirty="0" smtClean="0">
+                <a:solidFill>
+                  <a:srgbClr val="0070C0"/>
+                </a:solidFill>
+              </a:rPr>
+              <a:t>”)</a:t>
             </a:r>
             <a:endParaRPr lang="en-US" sz="1400" dirty="0">
               <a:solidFill>
@@ -4691,7 +4707,7 @@
                   <a:srgbClr val="7030A0"/>
                 </a:solidFill>
               </a:rPr>
-              <a:t>deletePerson</a:t>
+              <a:t>killTasks</a:t>
             </a:r>
             <a:r>
               <a:rPr lang="en-US" dirty="0" smtClean="0">
@@ -4699,7 +4715,15 @@
                   <a:srgbClr val="7030A0"/>
                 </a:solidFill>
               </a:rPr>
-              <a:t>(p)</a:t>
+              <a:t>(p</a:t>
+            </a:r>
+            <a:r>
+              <a:rPr lang="en-US" dirty="0" smtClean="0">
+                <a:solidFill>
+                  <a:srgbClr val="7030A0"/>
+                </a:solidFill>
+              </a:rPr>
+              <a:t>)</a:t>
             </a:r>
             <a:endParaRPr lang="en-US" dirty="0">
               <a:solidFill>
@@ -4789,7 +4813,15 @@
           <a:p>
             <a:r>
               <a:rPr lang="en-US" dirty="0" smtClean="0"/>
-              <a:t>parse(“delete 1”)</a:t>
+              <a:t>parse</a:t>
+            </a:r>
+            <a:r>
+              <a:rPr lang="en-US" dirty="0" smtClean="0"/>
+              <a:t>(“kill 1</a:t>
+            </a:r>
+            <a:r>
+              <a:rPr lang="en-US" dirty="0" smtClean="0"/>
+              <a:t>”)</a:t>
             </a:r>
             <a:endParaRPr lang="en-US" dirty="0"/>
           </a:p>
@@ -5127,7 +5159,7 @@
                   <a:schemeClr val="bg1"/>
                 </a:solidFill>
               </a:rPr>
-              <a:t>DeleteCommand</a:t>
+              <a:t>KillCommand</a:t>
             </a:r>
             <a:endParaRPr lang="en-US" sz="1600" dirty="0" smtClean="0">
               <a:solidFill>

--- a/docs/diagrams/LogicComponentSequenceDiagram.pptx
+++ b/docs/diagrams/LogicComponentSequenceDiagram.pptx
@@ -175,7 +175,7 @@
             </a:lvl1pPr>
           </a:lstStyle>
           <a:p>
-            <a:endParaRPr lang="en-US"/>
+            <a:endParaRPr lang="en-US" dirty="0"/>
           </a:p>
         </p:txBody>
       </p:sp>
@@ -208,9 +208,9 @@
           <a:p>
             <a:fld id="{F5CC4B3F-88C1-4FFA-B1B6-F41C21DC6924}" type="datetimeFigureOut">
               <a:rPr lang="en-US" smtClean="0"/>
-              <a:t>2/6/2017</a:t>
+              <a:t>03/26/17</a:t>
             </a:fld>
-            <a:endParaRPr lang="en-US"/>
+            <a:endParaRPr lang="en-US" dirty="0"/>
           </a:p>
         </p:txBody>
       </p:sp>
@@ -243,7 +243,7 @@
           <a:bodyPr vert="horz" lIns="91440" tIns="45720" rIns="91440" bIns="45720" rtlCol="0" anchor="ctr"/>
           <a:lstStyle/>
           <a:p>
-            <a:endParaRPr lang="en-US"/>
+            <a:endParaRPr lang="en-US" dirty="0"/>
           </a:p>
         </p:txBody>
       </p:sp>
@@ -272,38 +272,37 @@
           <a:p>
             <a:pPr lvl="0"/>
             <a:r>
-              <a:rPr lang="en-US" smtClean="0"/>
+              <a:rPr lang="en-US"/>
               <a:t>Click to edit Master text styles</a:t>
             </a:r>
           </a:p>
           <a:p>
             <a:pPr lvl="1"/>
             <a:r>
-              <a:rPr lang="en-US" smtClean="0"/>
+              <a:rPr lang="en-US"/>
               <a:t>Second level</a:t>
             </a:r>
           </a:p>
           <a:p>
             <a:pPr lvl="2"/>
             <a:r>
-              <a:rPr lang="en-US" smtClean="0"/>
+              <a:rPr lang="en-US"/>
               <a:t>Third level</a:t>
             </a:r>
           </a:p>
           <a:p>
             <a:pPr lvl="3"/>
             <a:r>
-              <a:rPr lang="en-US" smtClean="0"/>
+              <a:rPr lang="en-US"/>
               <a:t>Fourth level</a:t>
             </a:r>
           </a:p>
           <a:p>
             <a:pPr lvl="4"/>
             <a:r>
-              <a:rPr lang="en-US" smtClean="0"/>
+              <a:rPr lang="en-US"/>
               <a:t>Fifth level</a:t>
             </a:r>
-            <a:endParaRPr lang="en-US"/>
           </a:p>
         </p:txBody>
       </p:sp>
@@ -334,7 +333,7 @@
             </a:lvl1pPr>
           </a:lstStyle>
           <a:p>
-            <a:endParaRPr lang="en-US"/>
+            <a:endParaRPr lang="en-US" dirty="0"/>
           </a:p>
         </p:txBody>
       </p:sp>
@@ -369,7 +368,7 @@
               <a:rPr lang="en-US" smtClean="0"/>
               <a:t>‹#›</a:t>
             </a:fld>
-            <a:endParaRPr lang="en-US"/>
+            <a:endParaRPr lang="en-US" dirty="0"/>
           </a:p>
         </p:txBody>
       </p:sp>
@@ -514,10 +513,9 @@
           <a:lstStyle/>
           <a:p>
             <a:r>
-              <a:rPr lang="en-US" smtClean="0"/>
+              <a:rPr lang="en-US"/>
               <a:t>Click to edit Master title style</a:t>
             </a:r>
-            <a:endParaRPr lang="en-US"/>
           </a:p>
         </p:txBody>
       </p:sp>
@@ -633,10 +631,9 @@
           </a:lstStyle>
           <a:p>
             <a:r>
-              <a:rPr lang="en-US" smtClean="0"/>
+              <a:rPr lang="en-US"/>
               <a:t>Click to edit Master subtitle style</a:t>
             </a:r>
-            <a:endParaRPr lang="en-US"/>
           </a:p>
         </p:txBody>
       </p:sp>
@@ -657,9 +654,9 @@
           <a:p>
             <a:fld id="{78C97017-6FC3-485B-9764-EAC9E56C1D49}" type="datetimeFigureOut">
               <a:rPr lang="en-US" smtClean="0"/>
-              <a:t>2/6/2017</a:t>
+              <a:t>03/26/17</a:t>
             </a:fld>
-            <a:endParaRPr lang="en-US"/>
+            <a:endParaRPr lang="en-US" dirty="0"/>
           </a:p>
         </p:txBody>
       </p:sp>
@@ -678,7 +675,7 @@
           <a:bodyPr/>
           <a:lstStyle/>
           <a:p>
-            <a:endParaRPr lang="en-US"/>
+            <a:endParaRPr lang="en-US" dirty="0"/>
           </a:p>
         </p:txBody>
       </p:sp>
@@ -701,7 +698,7 @@
               <a:rPr lang="en-US" smtClean="0"/>
               <a:t>‹#›</a:t>
             </a:fld>
-            <a:endParaRPr lang="en-US"/>
+            <a:endParaRPr lang="en-US" dirty="0"/>
           </a:p>
         </p:txBody>
       </p:sp>
@@ -751,10 +748,9 @@
           <a:lstStyle/>
           <a:p>
             <a:r>
-              <a:rPr lang="en-US" smtClean="0"/>
+              <a:rPr lang="en-US"/>
               <a:t>Click to edit Master title style</a:t>
             </a:r>
-            <a:endParaRPr lang="en-US"/>
           </a:p>
         </p:txBody>
       </p:sp>
@@ -775,38 +771,37 @@
           <a:p>
             <a:pPr lvl="0"/>
             <a:r>
-              <a:rPr lang="en-US" smtClean="0"/>
+              <a:rPr lang="en-US"/>
               <a:t>Click to edit Master text styles</a:t>
             </a:r>
           </a:p>
           <a:p>
             <a:pPr lvl="1"/>
             <a:r>
-              <a:rPr lang="en-US" smtClean="0"/>
+              <a:rPr lang="en-US"/>
               <a:t>Second level</a:t>
             </a:r>
           </a:p>
           <a:p>
             <a:pPr lvl="2"/>
             <a:r>
-              <a:rPr lang="en-US" smtClean="0"/>
+              <a:rPr lang="en-US"/>
               <a:t>Third level</a:t>
             </a:r>
           </a:p>
           <a:p>
             <a:pPr lvl="3"/>
             <a:r>
-              <a:rPr lang="en-US" smtClean="0"/>
+              <a:rPr lang="en-US"/>
               <a:t>Fourth level</a:t>
             </a:r>
           </a:p>
           <a:p>
             <a:pPr lvl="4"/>
             <a:r>
-              <a:rPr lang="en-US" smtClean="0"/>
+              <a:rPr lang="en-US"/>
               <a:t>Fifth level</a:t>
             </a:r>
-            <a:endParaRPr lang="en-US"/>
           </a:p>
         </p:txBody>
       </p:sp>
@@ -827,9 +822,9 @@
           <a:p>
             <a:fld id="{78C97017-6FC3-485B-9764-EAC9E56C1D49}" type="datetimeFigureOut">
               <a:rPr lang="en-US" smtClean="0"/>
-              <a:t>2/6/2017</a:t>
+              <a:t>03/26/17</a:t>
             </a:fld>
-            <a:endParaRPr lang="en-US"/>
+            <a:endParaRPr lang="en-US" dirty="0"/>
           </a:p>
         </p:txBody>
       </p:sp>
@@ -848,7 +843,7 @@
           <a:bodyPr/>
           <a:lstStyle/>
           <a:p>
-            <a:endParaRPr lang="en-US"/>
+            <a:endParaRPr lang="en-US" dirty="0"/>
           </a:p>
         </p:txBody>
       </p:sp>
@@ -871,7 +866,7 @@
               <a:rPr lang="en-US" smtClean="0"/>
               <a:t>‹#›</a:t>
             </a:fld>
-            <a:endParaRPr lang="en-US"/>
+            <a:endParaRPr lang="en-US" dirty="0"/>
           </a:p>
         </p:txBody>
       </p:sp>
@@ -926,10 +921,9 @@
           <a:lstStyle/>
           <a:p>
             <a:r>
-              <a:rPr lang="en-US" smtClean="0"/>
+              <a:rPr lang="en-US"/>
               <a:t>Click to edit Master title style</a:t>
             </a:r>
-            <a:endParaRPr lang="en-US"/>
           </a:p>
         </p:txBody>
       </p:sp>
@@ -955,38 +949,37 @@
           <a:p>
             <a:pPr lvl="0"/>
             <a:r>
-              <a:rPr lang="en-US" smtClean="0"/>
+              <a:rPr lang="en-US"/>
               <a:t>Click to edit Master text styles</a:t>
             </a:r>
           </a:p>
           <a:p>
             <a:pPr lvl="1"/>
             <a:r>
-              <a:rPr lang="en-US" smtClean="0"/>
+              <a:rPr lang="en-US"/>
               <a:t>Second level</a:t>
             </a:r>
           </a:p>
           <a:p>
             <a:pPr lvl="2"/>
             <a:r>
-              <a:rPr lang="en-US" smtClean="0"/>
+              <a:rPr lang="en-US"/>
               <a:t>Third level</a:t>
             </a:r>
           </a:p>
           <a:p>
             <a:pPr lvl="3"/>
             <a:r>
-              <a:rPr lang="en-US" smtClean="0"/>
+              <a:rPr lang="en-US"/>
               <a:t>Fourth level</a:t>
             </a:r>
           </a:p>
           <a:p>
             <a:pPr lvl="4"/>
             <a:r>
-              <a:rPr lang="en-US" smtClean="0"/>
+              <a:rPr lang="en-US"/>
               <a:t>Fifth level</a:t>
             </a:r>
-            <a:endParaRPr lang="en-US"/>
           </a:p>
         </p:txBody>
       </p:sp>
@@ -1007,9 +1000,9 @@
           <a:p>
             <a:fld id="{78C97017-6FC3-485B-9764-EAC9E56C1D49}" type="datetimeFigureOut">
               <a:rPr lang="en-US" smtClean="0"/>
-              <a:t>2/6/2017</a:t>
+              <a:t>03/26/17</a:t>
             </a:fld>
-            <a:endParaRPr lang="en-US"/>
+            <a:endParaRPr lang="en-US" dirty="0"/>
           </a:p>
         </p:txBody>
       </p:sp>
@@ -1028,7 +1021,7 @@
           <a:bodyPr/>
           <a:lstStyle/>
           <a:p>
-            <a:endParaRPr lang="en-US"/>
+            <a:endParaRPr lang="en-US" dirty="0"/>
           </a:p>
         </p:txBody>
       </p:sp>
@@ -1051,7 +1044,7 @@
               <a:rPr lang="en-US" smtClean="0"/>
               <a:t>‹#›</a:t>
             </a:fld>
-            <a:endParaRPr lang="en-US"/>
+            <a:endParaRPr lang="en-US" dirty="0"/>
           </a:p>
         </p:txBody>
       </p:sp>
@@ -1101,10 +1094,9 @@
           <a:lstStyle/>
           <a:p>
             <a:r>
-              <a:rPr lang="en-US" smtClean="0"/>
+              <a:rPr lang="en-US"/>
               <a:t>Click to edit Master title style</a:t>
             </a:r>
-            <a:endParaRPr lang="en-US"/>
           </a:p>
         </p:txBody>
       </p:sp>
@@ -1125,38 +1117,37 @@
           <a:p>
             <a:pPr lvl="0"/>
             <a:r>
-              <a:rPr lang="en-US" smtClean="0"/>
+              <a:rPr lang="en-US"/>
               <a:t>Click to edit Master text styles</a:t>
             </a:r>
           </a:p>
           <a:p>
             <a:pPr lvl="1"/>
             <a:r>
-              <a:rPr lang="en-US" smtClean="0"/>
+              <a:rPr lang="en-US"/>
               <a:t>Second level</a:t>
             </a:r>
           </a:p>
           <a:p>
             <a:pPr lvl="2"/>
             <a:r>
-              <a:rPr lang="en-US" smtClean="0"/>
+              <a:rPr lang="en-US"/>
               <a:t>Third level</a:t>
             </a:r>
           </a:p>
           <a:p>
             <a:pPr lvl="3"/>
             <a:r>
-              <a:rPr lang="en-US" smtClean="0"/>
+              <a:rPr lang="en-US"/>
               <a:t>Fourth level</a:t>
             </a:r>
           </a:p>
           <a:p>
             <a:pPr lvl="4"/>
             <a:r>
-              <a:rPr lang="en-US" smtClean="0"/>
+              <a:rPr lang="en-US"/>
               <a:t>Fifth level</a:t>
             </a:r>
-            <a:endParaRPr lang="en-US"/>
           </a:p>
         </p:txBody>
       </p:sp>
@@ -1177,9 +1168,9 @@
           <a:p>
             <a:fld id="{78C97017-6FC3-485B-9764-EAC9E56C1D49}" type="datetimeFigureOut">
               <a:rPr lang="en-US" smtClean="0"/>
-              <a:t>2/6/2017</a:t>
+              <a:t>03/26/17</a:t>
             </a:fld>
-            <a:endParaRPr lang="en-US"/>
+            <a:endParaRPr lang="en-US" dirty="0"/>
           </a:p>
         </p:txBody>
       </p:sp>
@@ -1198,7 +1189,7 @@
           <a:bodyPr/>
           <a:lstStyle/>
           <a:p>
-            <a:endParaRPr lang="en-US"/>
+            <a:endParaRPr lang="en-US" dirty="0"/>
           </a:p>
         </p:txBody>
       </p:sp>
@@ -1221,7 +1212,7 @@
               <a:rPr lang="en-US" smtClean="0"/>
               <a:t>‹#›</a:t>
             </a:fld>
-            <a:endParaRPr lang="en-US"/>
+            <a:endParaRPr lang="en-US" dirty="0"/>
           </a:p>
         </p:txBody>
       </p:sp>
@@ -1280,10 +1271,9 @@
           </a:lstStyle>
           <a:p>
             <a:r>
-              <a:rPr lang="en-US" smtClean="0"/>
+              <a:rPr lang="en-US"/>
               <a:t>Click to edit Master title style</a:t>
             </a:r>
-            <a:endParaRPr lang="en-US"/>
           </a:p>
         </p:txBody>
       </p:sp>
@@ -1400,7 +1390,7 @@
           <a:p>
             <a:pPr lvl="0"/>
             <a:r>
-              <a:rPr lang="en-US" smtClean="0"/>
+              <a:rPr lang="en-US"/>
               <a:t>Click to edit Master text styles</a:t>
             </a:r>
           </a:p>
@@ -1423,9 +1413,9 @@
           <a:p>
             <a:fld id="{78C97017-6FC3-485B-9764-EAC9E56C1D49}" type="datetimeFigureOut">
               <a:rPr lang="en-US" smtClean="0"/>
-              <a:t>2/6/2017</a:t>
+              <a:t>03/26/17</a:t>
             </a:fld>
-            <a:endParaRPr lang="en-US"/>
+            <a:endParaRPr lang="en-US" dirty="0"/>
           </a:p>
         </p:txBody>
       </p:sp>
@@ -1444,7 +1434,7 @@
           <a:bodyPr/>
           <a:lstStyle/>
           <a:p>
-            <a:endParaRPr lang="en-US"/>
+            <a:endParaRPr lang="en-US" dirty="0"/>
           </a:p>
         </p:txBody>
       </p:sp>
@@ -1467,7 +1457,7 @@
               <a:rPr lang="en-US" smtClean="0"/>
               <a:t>‹#›</a:t>
             </a:fld>
-            <a:endParaRPr lang="en-US"/>
+            <a:endParaRPr lang="en-US" dirty="0"/>
           </a:p>
         </p:txBody>
       </p:sp>
@@ -1517,10 +1507,9 @@
           <a:lstStyle/>
           <a:p>
             <a:r>
-              <a:rPr lang="en-US" smtClean="0"/>
+              <a:rPr lang="en-US"/>
               <a:t>Click to edit Master title style</a:t>
             </a:r>
-            <a:endParaRPr lang="en-US"/>
           </a:p>
         </p:txBody>
       </p:sp>
@@ -1574,38 +1563,37 @@
           <a:p>
             <a:pPr lvl="0"/>
             <a:r>
-              <a:rPr lang="en-US" smtClean="0"/>
+              <a:rPr lang="en-US"/>
               <a:t>Click to edit Master text styles</a:t>
             </a:r>
           </a:p>
           <a:p>
             <a:pPr lvl="1"/>
             <a:r>
-              <a:rPr lang="en-US" smtClean="0"/>
+              <a:rPr lang="en-US"/>
               <a:t>Second level</a:t>
             </a:r>
           </a:p>
           <a:p>
             <a:pPr lvl="2"/>
             <a:r>
-              <a:rPr lang="en-US" smtClean="0"/>
+              <a:rPr lang="en-US"/>
               <a:t>Third level</a:t>
             </a:r>
           </a:p>
           <a:p>
             <a:pPr lvl="3"/>
             <a:r>
-              <a:rPr lang="en-US" smtClean="0"/>
+              <a:rPr lang="en-US"/>
               <a:t>Fourth level</a:t>
             </a:r>
           </a:p>
           <a:p>
             <a:pPr lvl="4"/>
             <a:r>
-              <a:rPr lang="en-US" smtClean="0"/>
+              <a:rPr lang="en-US"/>
               <a:t>Fifth level</a:t>
             </a:r>
-            <a:endParaRPr lang="en-US"/>
           </a:p>
         </p:txBody>
       </p:sp>
@@ -1659,38 +1647,37 @@
           <a:p>
             <a:pPr lvl="0"/>
             <a:r>
-              <a:rPr lang="en-US" smtClean="0"/>
+              <a:rPr lang="en-US"/>
               <a:t>Click to edit Master text styles</a:t>
             </a:r>
           </a:p>
           <a:p>
             <a:pPr lvl="1"/>
             <a:r>
-              <a:rPr lang="en-US" smtClean="0"/>
+              <a:rPr lang="en-US"/>
               <a:t>Second level</a:t>
             </a:r>
           </a:p>
           <a:p>
             <a:pPr lvl="2"/>
             <a:r>
-              <a:rPr lang="en-US" smtClean="0"/>
+              <a:rPr lang="en-US"/>
               <a:t>Third level</a:t>
             </a:r>
           </a:p>
           <a:p>
             <a:pPr lvl="3"/>
             <a:r>
-              <a:rPr lang="en-US" smtClean="0"/>
+              <a:rPr lang="en-US"/>
               <a:t>Fourth level</a:t>
             </a:r>
           </a:p>
           <a:p>
             <a:pPr lvl="4"/>
             <a:r>
-              <a:rPr lang="en-US" smtClean="0"/>
+              <a:rPr lang="en-US"/>
               <a:t>Fifth level</a:t>
             </a:r>
-            <a:endParaRPr lang="en-US"/>
           </a:p>
         </p:txBody>
       </p:sp>
@@ -1711,9 +1698,9 @@
           <a:p>
             <a:fld id="{78C97017-6FC3-485B-9764-EAC9E56C1D49}" type="datetimeFigureOut">
               <a:rPr lang="en-US" smtClean="0"/>
-              <a:t>2/6/2017</a:t>
+              <a:t>03/26/17</a:t>
             </a:fld>
-            <a:endParaRPr lang="en-US"/>
+            <a:endParaRPr lang="en-US" dirty="0"/>
           </a:p>
         </p:txBody>
       </p:sp>
@@ -1732,7 +1719,7 @@
           <a:bodyPr/>
           <a:lstStyle/>
           <a:p>
-            <a:endParaRPr lang="en-US"/>
+            <a:endParaRPr lang="en-US" dirty="0"/>
           </a:p>
         </p:txBody>
       </p:sp>
@@ -1755,7 +1742,7 @@
               <a:rPr lang="en-US" smtClean="0"/>
               <a:t>‹#›</a:t>
             </a:fld>
-            <a:endParaRPr lang="en-US"/>
+            <a:endParaRPr lang="en-US" dirty="0"/>
           </a:p>
         </p:txBody>
       </p:sp>
@@ -1809,10 +1796,9 @@
           </a:lstStyle>
           <a:p>
             <a:r>
-              <a:rPr lang="en-US" smtClean="0"/>
+              <a:rPr lang="en-US"/>
               <a:t>Click to edit Master title style</a:t>
             </a:r>
-            <a:endParaRPr lang="en-US"/>
           </a:p>
         </p:txBody>
       </p:sp>
@@ -1875,7 +1861,7 @@
           <a:p>
             <a:pPr lvl="0"/>
             <a:r>
-              <a:rPr lang="en-US" smtClean="0"/>
+              <a:rPr lang="en-US"/>
               <a:t>Click to edit Master text styles</a:t>
             </a:r>
           </a:p>
@@ -1931,38 +1917,37 @@
           <a:p>
             <a:pPr lvl="0"/>
             <a:r>
-              <a:rPr lang="en-US" smtClean="0"/>
+              <a:rPr lang="en-US"/>
               <a:t>Click to edit Master text styles</a:t>
             </a:r>
           </a:p>
           <a:p>
             <a:pPr lvl="1"/>
             <a:r>
-              <a:rPr lang="en-US" smtClean="0"/>
+              <a:rPr lang="en-US"/>
               <a:t>Second level</a:t>
             </a:r>
           </a:p>
           <a:p>
             <a:pPr lvl="2"/>
             <a:r>
-              <a:rPr lang="en-US" smtClean="0"/>
+              <a:rPr lang="en-US"/>
               <a:t>Third level</a:t>
             </a:r>
           </a:p>
           <a:p>
             <a:pPr lvl="3"/>
             <a:r>
-              <a:rPr lang="en-US" smtClean="0"/>
+              <a:rPr lang="en-US"/>
               <a:t>Fourth level</a:t>
             </a:r>
           </a:p>
           <a:p>
             <a:pPr lvl="4"/>
             <a:r>
-              <a:rPr lang="en-US" smtClean="0"/>
+              <a:rPr lang="en-US"/>
               <a:t>Fifth level</a:t>
             </a:r>
-            <a:endParaRPr lang="en-US"/>
           </a:p>
         </p:txBody>
       </p:sp>
@@ -2025,7 +2010,7 @@
           <a:p>
             <a:pPr lvl="0"/>
             <a:r>
-              <a:rPr lang="en-US" smtClean="0"/>
+              <a:rPr lang="en-US"/>
               <a:t>Click to edit Master text styles</a:t>
             </a:r>
           </a:p>
@@ -2081,38 +2066,37 @@
           <a:p>
             <a:pPr lvl="0"/>
             <a:r>
-              <a:rPr lang="en-US" smtClean="0"/>
+              <a:rPr lang="en-US"/>
               <a:t>Click to edit Master text styles</a:t>
             </a:r>
           </a:p>
           <a:p>
             <a:pPr lvl="1"/>
             <a:r>
-              <a:rPr lang="en-US" smtClean="0"/>
+              <a:rPr lang="en-US"/>
               <a:t>Second level</a:t>
             </a:r>
           </a:p>
           <a:p>
             <a:pPr lvl="2"/>
             <a:r>
-              <a:rPr lang="en-US" smtClean="0"/>
+              <a:rPr lang="en-US"/>
               <a:t>Third level</a:t>
             </a:r>
           </a:p>
           <a:p>
             <a:pPr lvl="3"/>
             <a:r>
-              <a:rPr lang="en-US" smtClean="0"/>
+              <a:rPr lang="en-US"/>
               <a:t>Fourth level</a:t>
             </a:r>
           </a:p>
           <a:p>
             <a:pPr lvl="4"/>
             <a:r>
-              <a:rPr lang="en-US" smtClean="0"/>
+              <a:rPr lang="en-US"/>
               <a:t>Fifth level</a:t>
             </a:r>
-            <a:endParaRPr lang="en-US"/>
           </a:p>
         </p:txBody>
       </p:sp>
@@ -2133,9 +2117,9 @@
           <a:p>
             <a:fld id="{78C97017-6FC3-485B-9764-EAC9E56C1D49}" type="datetimeFigureOut">
               <a:rPr lang="en-US" smtClean="0"/>
-              <a:t>2/6/2017</a:t>
+              <a:t>03/26/17</a:t>
             </a:fld>
-            <a:endParaRPr lang="en-US"/>
+            <a:endParaRPr lang="en-US" dirty="0"/>
           </a:p>
         </p:txBody>
       </p:sp>
@@ -2154,7 +2138,7 @@
           <a:bodyPr/>
           <a:lstStyle/>
           <a:p>
-            <a:endParaRPr lang="en-US"/>
+            <a:endParaRPr lang="en-US" dirty="0"/>
           </a:p>
         </p:txBody>
       </p:sp>
@@ -2177,7 +2161,7 @@
               <a:rPr lang="en-US" smtClean="0"/>
               <a:t>‹#›</a:t>
             </a:fld>
-            <a:endParaRPr lang="en-US"/>
+            <a:endParaRPr lang="en-US" dirty="0"/>
           </a:p>
         </p:txBody>
       </p:sp>
@@ -2227,10 +2211,9 @@
           <a:lstStyle/>
           <a:p>
             <a:r>
-              <a:rPr lang="en-US" smtClean="0"/>
+              <a:rPr lang="en-US"/>
               <a:t>Click to edit Master title style</a:t>
             </a:r>
-            <a:endParaRPr lang="en-US"/>
           </a:p>
         </p:txBody>
       </p:sp>
@@ -2251,9 +2234,9 @@
           <a:p>
             <a:fld id="{78C97017-6FC3-485B-9764-EAC9E56C1D49}" type="datetimeFigureOut">
               <a:rPr lang="en-US" smtClean="0"/>
-              <a:t>2/6/2017</a:t>
+              <a:t>03/26/17</a:t>
             </a:fld>
-            <a:endParaRPr lang="en-US"/>
+            <a:endParaRPr lang="en-US" dirty="0"/>
           </a:p>
         </p:txBody>
       </p:sp>
@@ -2272,7 +2255,7 @@
           <a:bodyPr/>
           <a:lstStyle/>
           <a:p>
-            <a:endParaRPr lang="en-US"/>
+            <a:endParaRPr lang="en-US" dirty="0"/>
           </a:p>
         </p:txBody>
       </p:sp>
@@ -2295,7 +2278,7 @@
               <a:rPr lang="en-US" smtClean="0"/>
               <a:t>‹#›</a:t>
             </a:fld>
-            <a:endParaRPr lang="en-US"/>
+            <a:endParaRPr lang="en-US" dirty="0"/>
           </a:p>
         </p:txBody>
       </p:sp>
@@ -2346,9 +2329,9 @@
           <a:p>
             <a:fld id="{78C97017-6FC3-485B-9764-EAC9E56C1D49}" type="datetimeFigureOut">
               <a:rPr lang="en-US" smtClean="0"/>
-              <a:t>2/6/2017</a:t>
+              <a:t>03/26/17</a:t>
             </a:fld>
-            <a:endParaRPr lang="en-US"/>
+            <a:endParaRPr lang="en-US" dirty="0"/>
           </a:p>
         </p:txBody>
       </p:sp>
@@ -2367,7 +2350,7 @@
           <a:bodyPr/>
           <a:lstStyle/>
           <a:p>
-            <a:endParaRPr lang="en-US"/>
+            <a:endParaRPr lang="en-US" dirty="0"/>
           </a:p>
         </p:txBody>
       </p:sp>
@@ -2390,7 +2373,7 @@
               <a:rPr lang="en-US" smtClean="0"/>
               <a:t>‹#›</a:t>
             </a:fld>
-            <a:endParaRPr lang="en-US"/>
+            <a:endParaRPr lang="en-US" dirty="0"/>
           </a:p>
         </p:txBody>
       </p:sp>
@@ -2449,10 +2432,9 @@
           </a:lstStyle>
           <a:p>
             <a:r>
-              <a:rPr lang="en-US" smtClean="0"/>
+              <a:rPr lang="en-US"/>
               <a:t>Click to edit Master title style</a:t>
             </a:r>
-            <a:endParaRPr lang="en-US"/>
           </a:p>
         </p:txBody>
       </p:sp>
@@ -2506,38 +2488,37 @@
           <a:p>
             <a:pPr lvl="0"/>
             <a:r>
-              <a:rPr lang="en-US" smtClean="0"/>
+              <a:rPr lang="en-US"/>
               <a:t>Click to edit Master text styles</a:t>
             </a:r>
           </a:p>
           <a:p>
             <a:pPr lvl="1"/>
             <a:r>
-              <a:rPr lang="en-US" smtClean="0"/>
+              <a:rPr lang="en-US"/>
               <a:t>Second level</a:t>
             </a:r>
           </a:p>
           <a:p>
             <a:pPr lvl="2"/>
             <a:r>
-              <a:rPr lang="en-US" smtClean="0"/>
+              <a:rPr lang="en-US"/>
               <a:t>Third level</a:t>
             </a:r>
           </a:p>
           <a:p>
             <a:pPr lvl="3"/>
             <a:r>
-              <a:rPr lang="en-US" smtClean="0"/>
+              <a:rPr lang="en-US"/>
               <a:t>Fourth level</a:t>
             </a:r>
           </a:p>
           <a:p>
             <a:pPr lvl="4"/>
             <a:r>
-              <a:rPr lang="en-US" smtClean="0"/>
+              <a:rPr lang="en-US"/>
               <a:t>Fifth level</a:t>
             </a:r>
-            <a:endParaRPr lang="en-US"/>
           </a:p>
         </p:txBody>
       </p:sp>
@@ -2600,7 +2581,7 @@
           <a:p>
             <a:pPr lvl="0"/>
             <a:r>
-              <a:rPr lang="en-US" smtClean="0"/>
+              <a:rPr lang="en-US"/>
               <a:t>Click to edit Master text styles</a:t>
             </a:r>
           </a:p>
@@ -2623,9 +2604,9 @@
           <a:p>
             <a:fld id="{78C97017-6FC3-485B-9764-EAC9E56C1D49}" type="datetimeFigureOut">
               <a:rPr lang="en-US" smtClean="0"/>
-              <a:t>2/6/2017</a:t>
+              <a:t>03/26/17</a:t>
             </a:fld>
-            <a:endParaRPr lang="en-US"/>
+            <a:endParaRPr lang="en-US" dirty="0"/>
           </a:p>
         </p:txBody>
       </p:sp>
@@ -2644,7 +2625,7 @@
           <a:bodyPr/>
           <a:lstStyle/>
           <a:p>
-            <a:endParaRPr lang="en-US"/>
+            <a:endParaRPr lang="en-US" dirty="0"/>
           </a:p>
         </p:txBody>
       </p:sp>
@@ -2667,7 +2648,7 @@
               <a:rPr lang="en-US" smtClean="0"/>
               <a:t>‹#›</a:t>
             </a:fld>
-            <a:endParaRPr lang="en-US"/>
+            <a:endParaRPr lang="en-US" dirty="0"/>
           </a:p>
         </p:txBody>
       </p:sp>
@@ -2726,10 +2707,9 @@
           </a:lstStyle>
           <a:p>
             <a:r>
-              <a:rPr lang="en-US" smtClean="0"/>
+              <a:rPr lang="en-US"/>
               <a:t>Click to edit Master title style</a:t>
             </a:r>
-            <a:endParaRPr lang="en-US"/>
           </a:p>
         </p:txBody>
       </p:sp>
@@ -2790,7 +2770,7 @@
             </a:lvl9pPr>
           </a:lstStyle>
           <a:p>
-            <a:endParaRPr lang="en-US"/>
+            <a:endParaRPr lang="en-US" dirty="0"/>
           </a:p>
         </p:txBody>
       </p:sp>
@@ -2853,7 +2833,7 @@
           <a:p>
             <a:pPr lvl="0"/>
             <a:r>
-              <a:rPr lang="en-US" smtClean="0"/>
+              <a:rPr lang="en-US"/>
               <a:t>Click to edit Master text styles</a:t>
             </a:r>
           </a:p>
@@ -2876,9 +2856,9 @@
           <a:p>
             <a:fld id="{78C97017-6FC3-485B-9764-EAC9E56C1D49}" type="datetimeFigureOut">
               <a:rPr lang="en-US" smtClean="0"/>
-              <a:t>2/6/2017</a:t>
+              <a:t>03/26/17</a:t>
             </a:fld>
-            <a:endParaRPr lang="en-US"/>
+            <a:endParaRPr lang="en-US" dirty="0"/>
           </a:p>
         </p:txBody>
       </p:sp>
@@ -2897,7 +2877,7 @@
           <a:bodyPr/>
           <a:lstStyle/>
           <a:p>
-            <a:endParaRPr lang="en-US"/>
+            <a:endParaRPr lang="en-US" dirty="0"/>
           </a:p>
         </p:txBody>
       </p:sp>
@@ -2920,7 +2900,7 @@
               <a:rPr lang="en-US" smtClean="0"/>
               <a:t>‹#›</a:t>
             </a:fld>
-            <a:endParaRPr lang="en-US"/>
+            <a:endParaRPr lang="en-US" dirty="0"/>
           </a:p>
         </p:txBody>
       </p:sp>
@@ -2985,10 +2965,9 @@
           <a:lstStyle/>
           <a:p>
             <a:r>
-              <a:rPr lang="en-US" smtClean="0"/>
+              <a:rPr lang="en-US"/>
               <a:t>Click to edit Master title style</a:t>
             </a:r>
-            <a:endParaRPr lang="en-US"/>
           </a:p>
         </p:txBody>
       </p:sp>
@@ -3019,38 +2998,37 @@
           <a:p>
             <a:pPr lvl="0"/>
             <a:r>
-              <a:rPr lang="en-US" smtClean="0"/>
+              <a:rPr lang="en-US"/>
               <a:t>Click to edit Master text styles</a:t>
             </a:r>
           </a:p>
           <a:p>
             <a:pPr lvl="1"/>
             <a:r>
-              <a:rPr lang="en-US" smtClean="0"/>
+              <a:rPr lang="en-US"/>
               <a:t>Second level</a:t>
             </a:r>
           </a:p>
           <a:p>
             <a:pPr lvl="2"/>
             <a:r>
-              <a:rPr lang="en-US" smtClean="0"/>
+              <a:rPr lang="en-US"/>
               <a:t>Third level</a:t>
             </a:r>
           </a:p>
           <a:p>
             <a:pPr lvl="3"/>
             <a:r>
-              <a:rPr lang="en-US" smtClean="0"/>
+              <a:rPr lang="en-US"/>
               <a:t>Fourth level</a:t>
             </a:r>
           </a:p>
           <a:p>
             <a:pPr lvl="4"/>
             <a:r>
-              <a:rPr lang="en-US" smtClean="0"/>
+              <a:rPr lang="en-US"/>
               <a:t>Fifth level</a:t>
             </a:r>
-            <a:endParaRPr lang="en-US"/>
           </a:p>
         </p:txBody>
       </p:sp>
@@ -3089,9 +3067,9 @@
           <a:p>
             <a:fld id="{78C97017-6FC3-485B-9764-EAC9E56C1D49}" type="datetimeFigureOut">
               <a:rPr lang="en-US" smtClean="0"/>
-              <a:t>2/6/2017</a:t>
+              <a:t>03/26/17</a:t>
             </a:fld>
-            <a:endParaRPr lang="en-US"/>
+            <a:endParaRPr lang="en-US" dirty="0"/>
           </a:p>
         </p:txBody>
       </p:sp>
@@ -3128,7 +3106,7 @@
             </a:lvl1pPr>
           </a:lstStyle>
           <a:p>
-            <a:endParaRPr lang="en-US"/>
+            <a:endParaRPr lang="en-US" dirty="0"/>
           </a:p>
         </p:txBody>
       </p:sp>
@@ -3169,7 +3147,7 @@
               <a:rPr lang="en-US" smtClean="0"/>
               <a:t>‹#›</a:t>
             </a:fld>
-            <a:endParaRPr lang="en-US"/>
+            <a:endParaRPr lang="en-US" dirty="0"/>
           </a:p>
         </p:txBody>
       </p:sp>
@@ -3510,7 +3488,7 @@
           <a:lstStyle/>
           <a:p>
             <a:r>
-              <a:rPr lang="en-US" sz="1200" b="1" dirty="0" smtClean="0">
+              <a:rPr lang="en-US" sz="1200" b="1" dirty="0">
                 <a:solidFill>
                   <a:srgbClr val="0070C0"/>
                 </a:solidFill>
@@ -3574,15 +3552,7 @@
                   <a:schemeClr val="bg1"/>
                 </a:solidFill>
               </a:rPr>
-              <a:t>:</a:t>
-            </a:r>
-            <a:r>
-              <a:rPr lang="en-US" sz="1600" dirty="0" err="1">
-                <a:solidFill>
-                  <a:schemeClr val="bg1"/>
-                </a:solidFill>
-              </a:rPr>
-              <a:t>LogicManager</a:t>
+              <a:t>:LogicManager</a:t>
             </a:r>
             <a:endParaRPr lang="en-SG" sz="1600" dirty="0">
               <a:solidFill>
@@ -3672,7 +3642,7 @@
           <a:lstStyle/>
           <a:p>
             <a:pPr algn="ctr"/>
-            <a:endParaRPr lang="en-SG" sz="1400"/>
+            <a:endParaRPr lang="en-SG" sz="1400" dirty="0"/>
           </a:p>
         </p:txBody>
       </p:sp>
@@ -3720,7 +3690,7 @@
           <a:p>
             <a:pPr algn="ctr"/>
             <a:r>
-              <a:rPr lang="en-US" sz="1600" dirty="0" smtClean="0">
+              <a:rPr lang="en-US" sz="1600" dirty="0">
                 <a:solidFill>
                   <a:schemeClr val="bg1"/>
                 </a:solidFill>
@@ -3815,7 +3785,7 @@
           <a:lstStyle/>
           <a:p>
             <a:pPr algn="ctr"/>
-            <a:endParaRPr lang="en-SG" sz="1400">
+            <a:endParaRPr lang="en-SG" sz="1400" dirty="0">
               <a:solidFill>
                 <a:schemeClr val="dk1"/>
               </a:solidFill>
@@ -3867,20 +3837,12 @@
           <a:p>
             <a:pPr algn="ctr"/>
             <a:r>
-              <a:rPr lang="en-US" sz="1600" dirty="0" smtClean="0">
+              <a:rPr lang="en-US" sz="1600" dirty="0">
                 <a:solidFill>
                   <a:schemeClr val="bg1"/>
                 </a:solidFill>
               </a:rPr>
               <a:t>d:Delete</a:t>
-            </a:r>
-            <a:r>
-              <a:rPr lang="en-US" sz="1600" dirty="0">
-                <a:solidFill>
-                  <a:schemeClr val="bg1"/>
-                </a:solidFill>
-              </a:rPr>
-              <a:t/>
             </a:r>
             <a:br>
               <a:rPr lang="en-US" sz="1600" dirty="0">
@@ -3987,7 +3949,7 @@
           <a:lstStyle/>
           <a:p>
             <a:pPr algn="ctr"/>
-            <a:endParaRPr lang="en-SG" sz="1400"/>
+            <a:endParaRPr lang="en-SG" sz="1400" dirty="0"/>
           </a:p>
         </p:txBody>
       </p:sp>
@@ -4087,18 +4049,13 @@
           <a:p>
             <a:pPr algn="r"/>
             <a:r>
-              <a:rPr lang="en-US" sz="1400" dirty="0" smtClean="0">
+              <a:rPr lang="en-US" sz="1400" dirty="0">
                 <a:solidFill>
                   <a:srgbClr val="0070C0"/>
                 </a:solidFill>
               </a:rPr>
               <a:t>execute(“delete 1”)</a:t>
             </a:r>
-            <a:endParaRPr lang="en-US" sz="1400" dirty="0">
-              <a:solidFill>
-                <a:srgbClr val="0070C0"/>
-              </a:solidFill>
-            </a:endParaRPr>
           </a:p>
         </p:txBody>
       </p:sp>
@@ -4436,7 +4393,7 @@
           <a:lstStyle/>
           <a:p>
             <a:pPr algn="ctr"/>
-            <a:endParaRPr lang="en-SG" sz="1400"/>
+            <a:endParaRPr lang="en-SG" sz="1400" dirty="0"/>
           </a:p>
         </p:txBody>
       </p:sp>
@@ -4529,7 +4486,7 @@
           <a:lstStyle/>
           <a:p>
             <a:pPr algn="ctr"/>
-            <a:endParaRPr lang="en-SG" sz="1400">
+            <a:endParaRPr lang="en-SG" sz="1400" dirty="0">
               <a:solidFill>
                 <a:schemeClr val="dk1"/>
               </a:solidFill>
@@ -4686,26 +4643,13 @@
           </a:lstStyle>
           <a:p>
             <a:r>
-              <a:rPr lang="en-US" dirty="0" err="1" smtClean="0">
+              <a:rPr lang="en-US" dirty="0">
                 <a:solidFill>
                   <a:srgbClr val="7030A0"/>
                 </a:solidFill>
               </a:rPr>
-              <a:t>deletePerson</a:t>
-            </a:r>
-            <a:r>
-              <a:rPr lang="en-US" dirty="0" smtClean="0">
-                <a:solidFill>
-                  <a:srgbClr val="7030A0"/>
-                </a:solidFill>
-              </a:rPr>
-              <a:t>(p)</a:t>
-            </a:r>
-            <a:endParaRPr lang="en-US" dirty="0">
-              <a:solidFill>
-                <a:srgbClr val="7030A0"/>
-              </a:solidFill>
-            </a:endParaRPr>
+              <a:t>deleteTask(t)</a:t>
+            </a:r>
           </a:p>
         </p:txBody>
       </p:sp>
@@ -4744,13 +4688,8 @@
           <a:p>
             <a:r>
               <a:rPr lang="en-US" sz="1200" dirty="0"/>
-              <a:t>p</a:t>
-            </a:r>
-            <a:r>
-              <a:rPr lang="en-US" sz="1200" dirty="0" smtClean="0"/>
-              <a:t>arse(“1”)</a:t>
-            </a:r>
-            <a:endParaRPr lang="en-US" sz="1200" dirty="0"/>
+              <a:t>parse(“1”)</a:t>
+            </a:r>
           </a:p>
         </p:txBody>
       </p:sp>
@@ -4788,10 +4727,9 @@
           </a:lstStyle>
           <a:p>
             <a:r>
-              <a:rPr lang="en-US" dirty="0" smtClean="0"/>
+              <a:rPr lang="en-US" dirty="0"/>
               <a:t>parse(“delete 1”)</a:t>
             </a:r>
-            <a:endParaRPr lang="en-US" dirty="0"/>
           </a:p>
         </p:txBody>
       </p:sp>
@@ -4829,10 +4767,9 @@
           </a:lstStyle>
           <a:p>
             <a:r>
-              <a:rPr lang="en-US" dirty="0" smtClean="0"/>
+              <a:rPr lang="en-US" dirty="0"/>
               <a:t>result</a:t>
             </a:r>
-            <a:endParaRPr lang="en-US" dirty="0"/>
           </a:p>
         </p:txBody>
       </p:sp>
@@ -4870,10 +4807,9 @@
           </a:lstStyle>
           <a:p>
             <a:r>
-              <a:rPr lang="en-US" dirty="0" smtClean="0"/>
+              <a:rPr lang="en-US" dirty="0"/>
               <a:t>result</a:t>
             </a:r>
-            <a:endParaRPr lang="en-US" dirty="0"/>
           </a:p>
         </p:txBody>
       </p:sp>
@@ -4921,20 +4857,12 @@
           <a:p>
             <a:pPr algn="ctr"/>
             <a:r>
-              <a:rPr lang="en-US" sz="1600" dirty="0" err="1" smtClean="0">
+              <a:rPr lang="en-US" sz="1600" dirty="0">
                 <a:solidFill>
                   <a:schemeClr val="bg1"/>
                 </a:solidFill>
               </a:rPr>
-              <a:t>result:Command</a:t>
-            </a:r>
-            <a:r>
-              <a:rPr lang="en-US" sz="1600" dirty="0" smtClean="0">
-                <a:solidFill>
-                  <a:schemeClr val="bg1"/>
-                </a:solidFill>
-              </a:rPr>
-              <a:t> Result</a:t>
+              <a:t>result:Command Result</a:t>
             </a:r>
             <a:endParaRPr lang="en-SG" sz="1600" dirty="0">
               <a:solidFill>
@@ -4987,7 +4915,7 @@
           <a:lstStyle/>
           <a:p>
             <a:pPr algn="ctr"/>
-            <a:endParaRPr lang="en-SG" sz="1400"/>
+            <a:endParaRPr lang="en-SG" sz="1400" dirty="0"/>
           </a:p>
         </p:txBody>
       </p:sp>
@@ -5063,10 +4991,9 @@
           </a:lstStyle>
           <a:p>
             <a:r>
-              <a:rPr lang="en-US" dirty="0" smtClean="0"/>
+              <a:rPr lang="en-US" dirty="0"/>
               <a:t>d</a:t>
             </a:r>
-            <a:endParaRPr lang="en-US" dirty="0"/>
           </a:p>
         </p:txBody>
       </p:sp>
@@ -5114,31 +5041,18 @@
           <a:p>
             <a:pPr algn="ctr"/>
             <a:r>
-              <a:rPr lang="en-US" sz="1600" dirty="0" smtClean="0">
+              <a:rPr lang="en-US" sz="1600" dirty="0">
                 <a:solidFill>
                   <a:schemeClr val="bg1"/>
                 </a:solidFill>
               </a:rPr>
-              <a:t>:</a:t>
-            </a:r>
-            <a:r>
-              <a:rPr lang="en-US" sz="1600" dirty="0" err="1" smtClean="0">
-                <a:solidFill>
-                  <a:schemeClr val="bg1"/>
-                </a:solidFill>
-              </a:rPr>
-              <a:t>DeleteCommand</a:t>
-            </a:r>
-            <a:endParaRPr lang="en-US" sz="1600" dirty="0" smtClean="0">
-              <a:solidFill>
-                <a:schemeClr val="bg1"/>
-              </a:solidFill>
-            </a:endParaRPr>
+              <a:t>:DeleteCommand</a:t>
+            </a:r>
           </a:p>
           <a:p>
             <a:pPr algn="ctr"/>
             <a:r>
-              <a:rPr lang="en-US" sz="1600" dirty="0" smtClean="0">
+              <a:rPr lang="en-US" sz="1600" dirty="0">
                 <a:solidFill>
                   <a:schemeClr val="bg1"/>
                 </a:solidFill>
@@ -5230,7 +5144,7 @@
           <a:lstStyle/>
           <a:p>
             <a:pPr algn="ctr"/>
-            <a:endParaRPr lang="en-SG" sz="1400"/>
+            <a:endParaRPr lang="en-SG" sz="1400" dirty="0"/>
           </a:p>
         </p:txBody>
       </p:sp>
@@ -5316,7 +5230,7 @@
           <a:lstStyle/>
           <a:p>
             <a:pPr algn="ctr"/>
-            <a:endParaRPr lang="en-SG" sz="1400"/>
+            <a:endParaRPr lang="en-SG" sz="1400" dirty="0"/>
           </a:p>
         </p:txBody>
       </p:sp>
@@ -5489,18 +5403,13 @@
           <a:lstStyle/>
           <a:p>
             <a:r>
-              <a:rPr lang="en-SG" sz="1100" dirty="0" smtClean="0">
+              <a:rPr lang="en-SG" sz="1100" dirty="0">
                 <a:solidFill>
                   <a:srgbClr val="002060"/>
                 </a:solidFill>
               </a:rPr>
               <a:t>X</a:t>
             </a:r>
-            <a:endParaRPr lang="en-SG" sz="1100" dirty="0">
-              <a:solidFill>
-                <a:srgbClr val="002060"/>
-              </a:solidFill>
-            </a:endParaRPr>
           </a:p>
         </p:txBody>
       </p:sp>

--- a/docs/diagrams/LogicComponentSequenceDiagram.pptx
+++ b/docs/diagrams/LogicComponentSequenceDiagram.pptx
@@ -208,7 +208,7 @@
           <a:p>
             <a:fld id="{F5CC4B3F-88C1-4FFA-B1B6-F41C21DC6924}" type="datetimeFigureOut">
               <a:rPr lang="en-US" smtClean="0"/>
-              <a:t>3/24/17</a:t>
+              <a:t>3/26/17</a:t>
             </a:fld>
             <a:endParaRPr lang="en-US"/>
           </a:p>
@@ -657,7 +657,7 @@
           <a:p>
             <a:fld id="{78C97017-6FC3-485B-9764-EAC9E56C1D49}" type="datetimeFigureOut">
               <a:rPr lang="en-US" smtClean="0"/>
-              <a:t>3/24/17</a:t>
+              <a:t>3/26/17</a:t>
             </a:fld>
             <a:endParaRPr lang="en-US"/>
           </a:p>
@@ -827,7 +827,7 @@
           <a:p>
             <a:fld id="{78C97017-6FC3-485B-9764-EAC9E56C1D49}" type="datetimeFigureOut">
               <a:rPr lang="en-US" smtClean="0"/>
-              <a:t>3/24/17</a:t>
+              <a:t>3/26/17</a:t>
             </a:fld>
             <a:endParaRPr lang="en-US"/>
           </a:p>
@@ -1007,7 +1007,7 @@
           <a:p>
             <a:fld id="{78C97017-6FC3-485B-9764-EAC9E56C1D49}" type="datetimeFigureOut">
               <a:rPr lang="en-US" smtClean="0"/>
-              <a:t>3/24/17</a:t>
+              <a:t>3/26/17</a:t>
             </a:fld>
             <a:endParaRPr lang="en-US"/>
           </a:p>
@@ -1177,7 +1177,7 @@
           <a:p>
             <a:fld id="{78C97017-6FC3-485B-9764-EAC9E56C1D49}" type="datetimeFigureOut">
               <a:rPr lang="en-US" smtClean="0"/>
-              <a:t>3/24/17</a:t>
+              <a:t>3/26/17</a:t>
             </a:fld>
             <a:endParaRPr lang="en-US"/>
           </a:p>
@@ -1423,7 +1423,7 @@
           <a:p>
             <a:fld id="{78C97017-6FC3-485B-9764-EAC9E56C1D49}" type="datetimeFigureOut">
               <a:rPr lang="en-US" smtClean="0"/>
-              <a:t>3/24/17</a:t>
+              <a:t>3/26/17</a:t>
             </a:fld>
             <a:endParaRPr lang="en-US"/>
           </a:p>
@@ -1711,7 +1711,7 @@
           <a:p>
             <a:fld id="{78C97017-6FC3-485B-9764-EAC9E56C1D49}" type="datetimeFigureOut">
               <a:rPr lang="en-US" smtClean="0"/>
-              <a:t>3/24/17</a:t>
+              <a:t>3/26/17</a:t>
             </a:fld>
             <a:endParaRPr lang="en-US"/>
           </a:p>
@@ -2133,7 +2133,7 @@
           <a:p>
             <a:fld id="{78C97017-6FC3-485B-9764-EAC9E56C1D49}" type="datetimeFigureOut">
               <a:rPr lang="en-US" smtClean="0"/>
-              <a:t>3/24/17</a:t>
+              <a:t>3/26/17</a:t>
             </a:fld>
             <a:endParaRPr lang="en-US"/>
           </a:p>
@@ -2251,7 +2251,7 @@
           <a:p>
             <a:fld id="{78C97017-6FC3-485B-9764-EAC9E56C1D49}" type="datetimeFigureOut">
               <a:rPr lang="en-US" smtClean="0"/>
-              <a:t>3/24/17</a:t>
+              <a:t>3/26/17</a:t>
             </a:fld>
             <a:endParaRPr lang="en-US"/>
           </a:p>
@@ -2346,7 +2346,7 @@
           <a:p>
             <a:fld id="{78C97017-6FC3-485B-9764-EAC9E56C1D49}" type="datetimeFigureOut">
               <a:rPr lang="en-US" smtClean="0"/>
-              <a:t>3/24/17</a:t>
+              <a:t>3/26/17</a:t>
             </a:fld>
             <a:endParaRPr lang="en-US"/>
           </a:p>
@@ -2623,7 +2623,7 @@
           <a:p>
             <a:fld id="{78C97017-6FC3-485B-9764-EAC9E56C1D49}" type="datetimeFigureOut">
               <a:rPr lang="en-US" smtClean="0"/>
-              <a:t>3/24/17</a:t>
+              <a:t>3/26/17</a:t>
             </a:fld>
             <a:endParaRPr lang="en-US"/>
           </a:p>
@@ -2876,7 +2876,7 @@
           <a:p>
             <a:fld id="{78C97017-6FC3-485B-9764-EAC9E56C1D49}" type="datetimeFigureOut">
               <a:rPr lang="en-US" smtClean="0"/>
-              <a:t>3/24/17</a:t>
+              <a:t>3/26/17</a:t>
             </a:fld>
             <a:endParaRPr lang="en-US"/>
           </a:p>
@@ -3089,7 +3089,7 @@
           <a:p>
             <a:fld id="{78C97017-6FC3-485B-9764-EAC9E56C1D49}" type="datetimeFigureOut">
               <a:rPr lang="en-US" smtClean="0"/>
-              <a:t>3/24/17</a:t>
+              <a:t>3/26/17</a:t>
             </a:fld>
             <a:endParaRPr lang="en-US"/>
           </a:p>

--- a/docs/diagrams/LogicComponentSequenceDiagram.pptx
+++ b/docs/diagrams/LogicComponentSequenceDiagram.pptx
@@ -5,10 +5,11 @@
     <p:sldMasterId id="2147483648" r:id="rId1"/>
   </p:sldMasterIdLst>
   <p:notesMasterIdLst>
-    <p:notesMasterId r:id="rId3"/>
+    <p:notesMasterId r:id="rId4"/>
   </p:notesMasterIdLst>
   <p:sldIdLst>
     <p:sldId id="267" r:id="rId2"/>
+    <p:sldId id="269" r:id="rId3"/>
   </p:sldIdLst>
   <p:sldSz cx="9144000" cy="6858000" type="screen4x3"/>
   <p:notesSz cx="6858000" cy="9144000"/>
@@ -208,7 +209,7 @@
           <a:p>
             <a:fld id="{F5CC4B3F-88C1-4FFA-B1B6-F41C21DC6924}" type="datetimeFigureOut">
               <a:rPr lang="en-US" smtClean="0"/>
-              <a:t>3/16/17</a:t>
+              <a:t>4/7/2017</a:t>
             </a:fld>
             <a:endParaRPr lang="en-US"/>
           </a:p>
@@ -272,38 +273,37 @@
           <a:p>
             <a:pPr lvl="0"/>
             <a:r>
-              <a:rPr lang="en-US" smtClean="0"/>
+              <a:rPr lang="en-US"/>
               <a:t>Click to edit Master text styles</a:t>
             </a:r>
           </a:p>
           <a:p>
             <a:pPr lvl="1"/>
             <a:r>
-              <a:rPr lang="en-US" smtClean="0"/>
+              <a:rPr lang="en-US"/>
               <a:t>Second level</a:t>
             </a:r>
           </a:p>
           <a:p>
             <a:pPr lvl="2"/>
             <a:r>
-              <a:rPr lang="en-US" smtClean="0"/>
+              <a:rPr lang="en-US"/>
               <a:t>Third level</a:t>
             </a:r>
           </a:p>
           <a:p>
             <a:pPr lvl="3"/>
             <a:r>
-              <a:rPr lang="en-US" smtClean="0"/>
+              <a:rPr lang="en-US"/>
               <a:t>Fourth level</a:t>
             </a:r>
           </a:p>
           <a:p>
             <a:pPr lvl="4"/>
             <a:r>
-              <a:rPr lang="en-US" smtClean="0"/>
+              <a:rPr lang="en-US"/>
               <a:t>Fifth level</a:t>
             </a:r>
-            <a:endParaRPr lang="en-US"/>
           </a:p>
         </p:txBody>
       </p:sp>
@@ -514,10 +514,9 @@
           <a:lstStyle/>
           <a:p>
             <a:r>
-              <a:rPr lang="en-US" smtClean="0"/>
+              <a:rPr lang="en-US"/>
               <a:t>Click to edit Master title style</a:t>
             </a:r>
-            <a:endParaRPr lang="en-US"/>
           </a:p>
         </p:txBody>
       </p:sp>
@@ -633,10 +632,9 @@
           </a:lstStyle>
           <a:p>
             <a:r>
-              <a:rPr lang="en-US" smtClean="0"/>
+              <a:rPr lang="en-US"/>
               <a:t>Click to edit Master subtitle style</a:t>
             </a:r>
-            <a:endParaRPr lang="en-US"/>
           </a:p>
         </p:txBody>
       </p:sp>
@@ -657,7 +655,7 @@
           <a:p>
             <a:fld id="{78C97017-6FC3-485B-9764-EAC9E56C1D49}" type="datetimeFigureOut">
               <a:rPr lang="en-US" smtClean="0"/>
-              <a:t>3/16/17</a:t>
+              <a:t>4/7/2017</a:t>
             </a:fld>
             <a:endParaRPr lang="en-US"/>
           </a:p>
@@ -751,10 +749,9 @@
           <a:lstStyle/>
           <a:p>
             <a:r>
-              <a:rPr lang="en-US" smtClean="0"/>
+              <a:rPr lang="en-US"/>
               <a:t>Click to edit Master title style</a:t>
             </a:r>
-            <a:endParaRPr lang="en-US"/>
           </a:p>
         </p:txBody>
       </p:sp>
@@ -775,38 +772,37 @@
           <a:p>
             <a:pPr lvl="0"/>
             <a:r>
-              <a:rPr lang="en-US" smtClean="0"/>
+              <a:rPr lang="en-US"/>
               <a:t>Click to edit Master text styles</a:t>
             </a:r>
           </a:p>
           <a:p>
             <a:pPr lvl="1"/>
             <a:r>
-              <a:rPr lang="en-US" smtClean="0"/>
+              <a:rPr lang="en-US"/>
               <a:t>Second level</a:t>
             </a:r>
           </a:p>
           <a:p>
             <a:pPr lvl="2"/>
             <a:r>
-              <a:rPr lang="en-US" smtClean="0"/>
+              <a:rPr lang="en-US"/>
               <a:t>Third level</a:t>
             </a:r>
           </a:p>
           <a:p>
             <a:pPr lvl="3"/>
             <a:r>
-              <a:rPr lang="en-US" smtClean="0"/>
+              <a:rPr lang="en-US"/>
               <a:t>Fourth level</a:t>
             </a:r>
           </a:p>
           <a:p>
             <a:pPr lvl="4"/>
             <a:r>
-              <a:rPr lang="en-US" smtClean="0"/>
+              <a:rPr lang="en-US"/>
               <a:t>Fifth level</a:t>
             </a:r>
-            <a:endParaRPr lang="en-US"/>
           </a:p>
         </p:txBody>
       </p:sp>
@@ -827,7 +823,7 @@
           <a:p>
             <a:fld id="{78C97017-6FC3-485B-9764-EAC9E56C1D49}" type="datetimeFigureOut">
               <a:rPr lang="en-US" smtClean="0"/>
-              <a:t>3/16/17</a:t>
+              <a:t>4/7/2017</a:t>
             </a:fld>
             <a:endParaRPr lang="en-US"/>
           </a:p>
@@ -926,10 +922,9 @@
           <a:lstStyle/>
           <a:p>
             <a:r>
-              <a:rPr lang="en-US" smtClean="0"/>
+              <a:rPr lang="en-US"/>
               <a:t>Click to edit Master title style</a:t>
             </a:r>
-            <a:endParaRPr lang="en-US"/>
           </a:p>
         </p:txBody>
       </p:sp>
@@ -955,38 +950,37 @@
           <a:p>
             <a:pPr lvl="0"/>
             <a:r>
-              <a:rPr lang="en-US" smtClean="0"/>
+              <a:rPr lang="en-US"/>
               <a:t>Click to edit Master text styles</a:t>
             </a:r>
           </a:p>
           <a:p>
             <a:pPr lvl="1"/>
             <a:r>
-              <a:rPr lang="en-US" smtClean="0"/>
+              <a:rPr lang="en-US"/>
               <a:t>Second level</a:t>
             </a:r>
           </a:p>
           <a:p>
             <a:pPr lvl="2"/>
             <a:r>
-              <a:rPr lang="en-US" smtClean="0"/>
+              <a:rPr lang="en-US"/>
               <a:t>Third level</a:t>
             </a:r>
           </a:p>
           <a:p>
             <a:pPr lvl="3"/>
             <a:r>
-              <a:rPr lang="en-US" smtClean="0"/>
+              <a:rPr lang="en-US"/>
               <a:t>Fourth level</a:t>
             </a:r>
           </a:p>
           <a:p>
             <a:pPr lvl="4"/>
             <a:r>
-              <a:rPr lang="en-US" smtClean="0"/>
+              <a:rPr lang="en-US"/>
               <a:t>Fifth level</a:t>
             </a:r>
-            <a:endParaRPr lang="en-US"/>
           </a:p>
         </p:txBody>
       </p:sp>
@@ -1007,7 +1001,7 @@
           <a:p>
             <a:fld id="{78C97017-6FC3-485B-9764-EAC9E56C1D49}" type="datetimeFigureOut">
               <a:rPr lang="en-US" smtClean="0"/>
-              <a:t>3/16/17</a:t>
+              <a:t>4/7/2017</a:t>
             </a:fld>
             <a:endParaRPr lang="en-US"/>
           </a:p>
@@ -1101,10 +1095,9 @@
           <a:lstStyle/>
           <a:p>
             <a:r>
-              <a:rPr lang="en-US" smtClean="0"/>
+              <a:rPr lang="en-US"/>
               <a:t>Click to edit Master title style</a:t>
             </a:r>
-            <a:endParaRPr lang="en-US"/>
           </a:p>
         </p:txBody>
       </p:sp>
@@ -1125,38 +1118,37 @@
           <a:p>
             <a:pPr lvl="0"/>
             <a:r>
-              <a:rPr lang="en-US" smtClean="0"/>
+              <a:rPr lang="en-US"/>
               <a:t>Click to edit Master text styles</a:t>
             </a:r>
           </a:p>
           <a:p>
             <a:pPr lvl="1"/>
             <a:r>
-              <a:rPr lang="en-US" smtClean="0"/>
+              <a:rPr lang="en-US"/>
               <a:t>Second level</a:t>
             </a:r>
           </a:p>
           <a:p>
             <a:pPr lvl="2"/>
             <a:r>
-              <a:rPr lang="en-US" smtClean="0"/>
+              <a:rPr lang="en-US"/>
               <a:t>Third level</a:t>
             </a:r>
           </a:p>
           <a:p>
             <a:pPr lvl="3"/>
             <a:r>
-              <a:rPr lang="en-US" smtClean="0"/>
+              <a:rPr lang="en-US"/>
               <a:t>Fourth level</a:t>
             </a:r>
           </a:p>
           <a:p>
             <a:pPr lvl="4"/>
             <a:r>
-              <a:rPr lang="en-US" smtClean="0"/>
+              <a:rPr lang="en-US"/>
               <a:t>Fifth level</a:t>
             </a:r>
-            <a:endParaRPr lang="en-US"/>
           </a:p>
         </p:txBody>
       </p:sp>
@@ -1177,7 +1169,7 @@
           <a:p>
             <a:fld id="{78C97017-6FC3-485B-9764-EAC9E56C1D49}" type="datetimeFigureOut">
               <a:rPr lang="en-US" smtClean="0"/>
-              <a:t>3/16/17</a:t>
+              <a:t>4/7/2017</a:t>
             </a:fld>
             <a:endParaRPr lang="en-US"/>
           </a:p>
@@ -1280,10 +1272,9 @@
           </a:lstStyle>
           <a:p>
             <a:r>
-              <a:rPr lang="en-US" smtClean="0"/>
+              <a:rPr lang="en-US"/>
               <a:t>Click to edit Master title style</a:t>
             </a:r>
-            <a:endParaRPr lang="en-US"/>
           </a:p>
         </p:txBody>
       </p:sp>
@@ -1400,7 +1391,7 @@
           <a:p>
             <a:pPr lvl="0"/>
             <a:r>
-              <a:rPr lang="en-US" smtClean="0"/>
+              <a:rPr lang="en-US"/>
               <a:t>Click to edit Master text styles</a:t>
             </a:r>
           </a:p>
@@ -1423,7 +1414,7 @@
           <a:p>
             <a:fld id="{78C97017-6FC3-485B-9764-EAC9E56C1D49}" type="datetimeFigureOut">
               <a:rPr lang="en-US" smtClean="0"/>
-              <a:t>3/16/17</a:t>
+              <a:t>4/7/2017</a:t>
             </a:fld>
             <a:endParaRPr lang="en-US"/>
           </a:p>
@@ -1517,10 +1508,9 @@
           <a:lstStyle/>
           <a:p>
             <a:r>
-              <a:rPr lang="en-US" smtClean="0"/>
+              <a:rPr lang="en-US"/>
               <a:t>Click to edit Master title style</a:t>
             </a:r>
-            <a:endParaRPr lang="en-US"/>
           </a:p>
         </p:txBody>
       </p:sp>
@@ -1574,38 +1564,37 @@
           <a:p>
             <a:pPr lvl="0"/>
             <a:r>
-              <a:rPr lang="en-US" smtClean="0"/>
+              <a:rPr lang="en-US"/>
               <a:t>Click to edit Master text styles</a:t>
             </a:r>
           </a:p>
           <a:p>
             <a:pPr lvl="1"/>
             <a:r>
-              <a:rPr lang="en-US" smtClean="0"/>
+              <a:rPr lang="en-US"/>
               <a:t>Second level</a:t>
             </a:r>
           </a:p>
           <a:p>
             <a:pPr lvl="2"/>
             <a:r>
-              <a:rPr lang="en-US" smtClean="0"/>
+              <a:rPr lang="en-US"/>
               <a:t>Third level</a:t>
             </a:r>
           </a:p>
           <a:p>
             <a:pPr lvl="3"/>
             <a:r>
-              <a:rPr lang="en-US" smtClean="0"/>
+              <a:rPr lang="en-US"/>
               <a:t>Fourth level</a:t>
             </a:r>
           </a:p>
           <a:p>
             <a:pPr lvl="4"/>
             <a:r>
-              <a:rPr lang="en-US" smtClean="0"/>
+              <a:rPr lang="en-US"/>
               <a:t>Fifth level</a:t>
             </a:r>
-            <a:endParaRPr lang="en-US"/>
           </a:p>
         </p:txBody>
       </p:sp>
@@ -1659,38 +1648,37 @@
           <a:p>
             <a:pPr lvl="0"/>
             <a:r>
-              <a:rPr lang="en-US" smtClean="0"/>
+              <a:rPr lang="en-US"/>
               <a:t>Click to edit Master text styles</a:t>
             </a:r>
           </a:p>
           <a:p>
             <a:pPr lvl="1"/>
             <a:r>
-              <a:rPr lang="en-US" smtClean="0"/>
+              <a:rPr lang="en-US"/>
               <a:t>Second level</a:t>
             </a:r>
           </a:p>
           <a:p>
             <a:pPr lvl="2"/>
             <a:r>
-              <a:rPr lang="en-US" smtClean="0"/>
+              <a:rPr lang="en-US"/>
               <a:t>Third level</a:t>
             </a:r>
           </a:p>
           <a:p>
             <a:pPr lvl="3"/>
             <a:r>
-              <a:rPr lang="en-US" smtClean="0"/>
+              <a:rPr lang="en-US"/>
               <a:t>Fourth level</a:t>
             </a:r>
           </a:p>
           <a:p>
             <a:pPr lvl="4"/>
             <a:r>
-              <a:rPr lang="en-US" smtClean="0"/>
+              <a:rPr lang="en-US"/>
               <a:t>Fifth level</a:t>
             </a:r>
-            <a:endParaRPr lang="en-US"/>
           </a:p>
         </p:txBody>
       </p:sp>
@@ -1711,7 +1699,7 @@
           <a:p>
             <a:fld id="{78C97017-6FC3-485B-9764-EAC9E56C1D49}" type="datetimeFigureOut">
               <a:rPr lang="en-US" smtClean="0"/>
-              <a:t>3/16/17</a:t>
+              <a:t>4/7/2017</a:t>
             </a:fld>
             <a:endParaRPr lang="en-US"/>
           </a:p>
@@ -1809,10 +1797,9 @@
           </a:lstStyle>
           <a:p>
             <a:r>
-              <a:rPr lang="en-US" smtClean="0"/>
+              <a:rPr lang="en-US"/>
               <a:t>Click to edit Master title style</a:t>
             </a:r>
-            <a:endParaRPr lang="en-US"/>
           </a:p>
         </p:txBody>
       </p:sp>
@@ -1875,7 +1862,7 @@
           <a:p>
             <a:pPr lvl="0"/>
             <a:r>
-              <a:rPr lang="en-US" smtClean="0"/>
+              <a:rPr lang="en-US"/>
               <a:t>Click to edit Master text styles</a:t>
             </a:r>
           </a:p>
@@ -1931,38 +1918,37 @@
           <a:p>
             <a:pPr lvl="0"/>
             <a:r>
-              <a:rPr lang="en-US" smtClean="0"/>
+              <a:rPr lang="en-US"/>
               <a:t>Click to edit Master text styles</a:t>
             </a:r>
           </a:p>
           <a:p>
             <a:pPr lvl="1"/>
             <a:r>
-              <a:rPr lang="en-US" smtClean="0"/>
+              <a:rPr lang="en-US"/>
               <a:t>Second level</a:t>
             </a:r>
           </a:p>
           <a:p>
             <a:pPr lvl="2"/>
             <a:r>
-              <a:rPr lang="en-US" smtClean="0"/>
+              <a:rPr lang="en-US"/>
               <a:t>Third level</a:t>
             </a:r>
           </a:p>
           <a:p>
             <a:pPr lvl="3"/>
             <a:r>
-              <a:rPr lang="en-US" smtClean="0"/>
+              <a:rPr lang="en-US"/>
               <a:t>Fourth level</a:t>
             </a:r>
           </a:p>
           <a:p>
             <a:pPr lvl="4"/>
             <a:r>
-              <a:rPr lang="en-US" smtClean="0"/>
+              <a:rPr lang="en-US"/>
               <a:t>Fifth level</a:t>
             </a:r>
-            <a:endParaRPr lang="en-US"/>
           </a:p>
         </p:txBody>
       </p:sp>
@@ -2025,7 +2011,7 @@
           <a:p>
             <a:pPr lvl="0"/>
             <a:r>
-              <a:rPr lang="en-US" smtClean="0"/>
+              <a:rPr lang="en-US"/>
               <a:t>Click to edit Master text styles</a:t>
             </a:r>
           </a:p>
@@ -2081,38 +2067,37 @@
           <a:p>
             <a:pPr lvl="0"/>
             <a:r>
-              <a:rPr lang="en-US" smtClean="0"/>
+              <a:rPr lang="en-US"/>
               <a:t>Click to edit Master text styles</a:t>
             </a:r>
           </a:p>
           <a:p>
             <a:pPr lvl="1"/>
             <a:r>
-              <a:rPr lang="en-US" smtClean="0"/>
+              <a:rPr lang="en-US"/>
               <a:t>Second level</a:t>
             </a:r>
           </a:p>
           <a:p>
             <a:pPr lvl="2"/>
             <a:r>
-              <a:rPr lang="en-US" smtClean="0"/>
+              <a:rPr lang="en-US"/>
               <a:t>Third level</a:t>
             </a:r>
           </a:p>
           <a:p>
             <a:pPr lvl="3"/>
             <a:r>
-              <a:rPr lang="en-US" smtClean="0"/>
+              <a:rPr lang="en-US"/>
               <a:t>Fourth level</a:t>
             </a:r>
           </a:p>
           <a:p>
             <a:pPr lvl="4"/>
             <a:r>
-              <a:rPr lang="en-US" smtClean="0"/>
+              <a:rPr lang="en-US"/>
               <a:t>Fifth level</a:t>
             </a:r>
-            <a:endParaRPr lang="en-US"/>
           </a:p>
         </p:txBody>
       </p:sp>
@@ -2133,7 +2118,7 @@
           <a:p>
             <a:fld id="{78C97017-6FC3-485B-9764-EAC9E56C1D49}" type="datetimeFigureOut">
               <a:rPr lang="en-US" smtClean="0"/>
-              <a:t>3/16/17</a:t>
+              <a:t>4/7/2017</a:t>
             </a:fld>
             <a:endParaRPr lang="en-US"/>
           </a:p>
@@ -2227,10 +2212,9 @@
           <a:lstStyle/>
           <a:p>
             <a:r>
-              <a:rPr lang="en-US" smtClean="0"/>
+              <a:rPr lang="en-US"/>
               <a:t>Click to edit Master title style</a:t>
             </a:r>
-            <a:endParaRPr lang="en-US"/>
           </a:p>
         </p:txBody>
       </p:sp>
@@ -2251,7 +2235,7 @@
           <a:p>
             <a:fld id="{78C97017-6FC3-485B-9764-EAC9E56C1D49}" type="datetimeFigureOut">
               <a:rPr lang="en-US" smtClean="0"/>
-              <a:t>3/16/17</a:t>
+              <a:t>4/7/2017</a:t>
             </a:fld>
             <a:endParaRPr lang="en-US"/>
           </a:p>
@@ -2346,7 +2330,7 @@
           <a:p>
             <a:fld id="{78C97017-6FC3-485B-9764-EAC9E56C1D49}" type="datetimeFigureOut">
               <a:rPr lang="en-US" smtClean="0"/>
-              <a:t>3/16/17</a:t>
+              <a:t>4/7/2017</a:t>
             </a:fld>
             <a:endParaRPr lang="en-US"/>
           </a:p>
@@ -2449,10 +2433,9 @@
           </a:lstStyle>
           <a:p>
             <a:r>
-              <a:rPr lang="en-US" smtClean="0"/>
+              <a:rPr lang="en-US"/>
               <a:t>Click to edit Master title style</a:t>
             </a:r>
-            <a:endParaRPr lang="en-US"/>
           </a:p>
         </p:txBody>
       </p:sp>
@@ -2506,38 +2489,37 @@
           <a:p>
             <a:pPr lvl="0"/>
             <a:r>
-              <a:rPr lang="en-US" smtClean="0"/>
+              <a:rPr lang="en-US"/>
               <a:t>Click to edit Master text styles</a:t>
             </a:r>
           </a:p>
           <a:p>
             <a:pPr lvl="1"/>
             <a:r>
-              <a:rPr lang="en-US" smtClean="0"/>
+              <a:rPr lang="en-US"/>
               <a:t>Second level</a:t>
             </a:r>
           </a:p>
           <a:p>
             <a:pPr lvl="2"/>
             <a:r>
-              <a:rPr lang="en-US" smtClean="0"/>
+              <a:rPr lang="en-US"/>
               <a:t>Third level</a:t>
             </a:r>
           </a:p>
           <a:p>
             <a:pPr lvl="3"/>
             <a:r>
-              <a:rPr lang="en-US" smtClean="0"/>
+              <a:rPr lang="en-US"/>
               <a:t>Fourth level</a:t>
             </a:r>
           </a:p>
           <a:p>
             <a:pPr lvl="4"/>
             <a:r>
-              <a:rPr lang="en-US" smtClean="0"/>
+              <a:rPr lang="en-US"/>
               <a:t>Fifth level</a:t>
             </a:r>
-            <a:endParaRPr lang="en-US"/>
           </a:p>
         </p:txBody>
       </p:sp>
@@ -2600,7 +2582,7 @@
           <a:p>
             <a:pPr lvl="0"/>
             <a:r>
-              <a:rPr lang="en-US" smtClean="0"/>
+              <a:rPr lang="en-US"/>
               <a:t>Click to edit Master text styles</a:t>
             </a:r>
           </a:p>
@@ -2623,7 +2605,7 @@
           <a:p>
             <a:fld id="{78C97017-6FC3-485B-9764-EAC9E56C1D49}" type="datetimeFigureOut">
               <a:rPr lang="en-US" smtClean="0"/>
-              <a:t>3/16/17</a:t>
+              <a:t>4/7/2017</a:t>
             </a:fld>
             <a:endParaRPr lang="en-US"/>
           </a:p>
@@ -2726,10 +2708,9 @@
           </a:lstStyle>
           <a:p>
             <a:r>
-              <a:rPr lang="en-US" smtClean="0"/>
+              <a:rPr lang="en-US"/>
               <a:t>Click to edit Master title style</a:t>
             </a:r>
-            <a:endParaRPr lang="en-US"/>
           </a:p>
         </p:txBody>
       </p:sp>
@@ -2853,7 +2834,7 @@
           <a:p>
             <a:pPr lvl="0"/>
             <a:r>
-              <a:rPr lang="en-US" smtClean="0"/>
+              <a:rPr lang="en-US"/>
               <a:t>Click to edit Master text styles</a:t>
             </a:r>
           </a:p>
@@ -2876,7 +2857,7 @@
           <a:p>
             <a:fld id="{78C97017-6FC3-485B-9764-EAC9E56C1D49}" type="datetimeFigureOut">
               <a:rPr lang="en-US" smtClean="0"/>
-              <a:t>3/16/17</a:t>
+              <a:t>4/7/2017</a:t>
             </a:fld>
             <a:endParaRPr lang="en-US"/>
           </a:p>
@@ -2985,10 +2966,9 @@
           <a:lstStyle/>
           <a:p>
             <a:r>
-              <a:rPr lang="en-US" smtClean="0"/>
+              <a:rPr lang="en-US"/>
               <a:t>Click to edit Master title style</a:t>
             </a:r>
-            <a:endParaRPr lang="en-US"/>
           </a:p>
         </p:txBody>
       </p:sp>
@@ -3019,38 +2999,37 @@
           <a:p>
             <a:pPr lvl="0"/>
             <a:r>
-              <a:rPr lang="en-US" smtClean="0"/>
+              <a:rPr lang="en-US"/>
               <a:t>Click to edit Master text styles</a:t>
             </a:r>
           </a:p>
           <a:p>
             <a:pPr lvl="1"/>
             <a:r>
-              <a:rPr lang="en-US" smtClean="0"/>
+              <a:rPr lang="en-US"/>
               <a:t>Second level</a:t>
             </a:r>
           </a:p>
           <a:p>
             <a:pPr lvl="2"/>
             <a:r>
-              <a:rPr lang="en-US" smtClean="0"/>
+              <a:rPr lang="en-US"/>
               <a:t>Third level</a:t>
             </a:r>
           </a:p>
           <a:p>
             <a:pPr lvl="3"/>
             <a:r>
-              <a:rPr lang="en-US" smtClean="0"/>
+              <a:rPr lang="en-US"/>
               <a:t>Fourth level</a:t>
             </a:r>
           </a:p>
           <a:p>
             <a:pPr lvl="4"/>
             <a:r>
-              <a:rPr lang="en-US" smtClean="0"/>
+              <a:rPr lang="en-US"/>
               <a:t>Fifth level</a:t>
             </a:r>
-            <a:endParaRPr lang="en-US"/>
           </a:p>
         </p:txBody>
       </p:sp>
@@ -3089,7 +3068,7 @@
           <a:p>
             <a:fld id="{78C97017-6FC3-485B-9764-EAC9E56C1D49}" type="datetimeFigureOut">
               <a:rPr lang="en-US" smtClean="0"/>
-              <a:t>3/16/17</a:t>
+              <a:t>4/7/2017</a:t>
             </a:fld>
             <a:endParaRPr lang="en-US"/>
           </a:p>
@@ -3510,7 +3489,7 @@
           <a:lstStyle/>
           <a:p>
             <a:r>
-              <a:rPr lang="en-US" sz="1200" b="1" dirty="0" smtClean="0">
+              <a:rPr lang="en-US" sz="1200" b="1" dirty="0">
                 <a:solidFill>
                   <a:srgbClr val="0070C0"/>
                 </a:solidFill>
@@ -3720,7 +3699,7 @@
           <a:p>
             <a:pPr algn="ctr"/>
             <a:r>
-              <a:rPr lang="en-US" sz="1600" dirty="0" smtClean="0">
+              <a:rPr lang="en-US" sz="1600" dirty="0">
                 <a:solidFill>
                   <a:schemeClr val="bg1"/>
                 </a:solidFill>
@@ -3867,20 +3846,12 @@
           <a:p>
             <a:pPr algn="ctr"/>
             <a:r>
-              <a:rPr lang="en-US" sz="1600" dirty="0" smtClean="0">
+              <a:rPr lang="en-US" sz="1600" dirty="0">
                 <a:solidFill>
                   <a:schemeClr val="bg1"/>
                 </a:solidFill>
               </a:rPr>
               <a:t>d:Delete</a:t>
-            </a:r>
-            <a:r>
-              <a:rPr lang="en-US" sz="1600" dirty="0">
-                <a:solidFill>
-                  <a:schemeClr val="bg1"/>
-                </a:solidFill>
-              </a:rPr>
-              <a:t/>
             </a:r>
             <a:br>
               <a:rPr lang="en-US" sz="1600" dirty="0">
@@ -4087,18 +4058,13 @@
           <a:p>
             <a:pPr algn="r"/>
             <a:r>
-              <a:rPr lang="en-US" sz="1400" dirty="0" smtClean="0">
+              <a:rPr lang="en-US" sz="1400" dirty="0">
                 <a:solidFill>
                   <a:srgbClr val="0070C0"/>
                 </a:solidFill>
               </a:rPr>
               <a:t>execute(“delete 1”)</a:t>
             </a:r>
-            <a:endParaRPr lang="en-US" sz="1400" dirty="0">
-              <a:solidFill>
-                <a:srgbClr val="0070C0"/>
-              </a:solidFill>
-            </a:endParaRPr>
           </a:p>
         </p:txBody>
       </p:sp>
@@ -4686,7 +4652,7 @@
           </a:lstStyle>
           <a:p>
             <a:r>
-              <a:rPr lang="en-US" dirty="0" err="1" smtClean="0">
+              <a:rPr lang="en-US" dirty="0" err="1">
                 <a:solidFill>
                   <a:srgbClr val="7030A0"/>
                 </a:solidFill>
@@ -4694,18 +4660,13 @@
               <a:t>deleteTask</a:t>
             </a:r>
             <a:r>
-              <a:rPr lang="en-US" dirty="0" smtClean="0">
+              <a:rPr lang="en-US" dirty="0">
                 <a:solidFill>
                   <a:srgbClr val="7030A0"/>
                 </a:solidFill>
               </a:rPr>
               <a:t>(t)</a:t>
             </a:r>
-            <a:endParaRPr lang="en-US" dirty="0">
-              <a:solidFill>
-                <a:srgbClr val="7030A0"/>
-              </a:solidFill>
-            </a:endParaRPr>
           </a:p>
         </p:txBody>
       </p:sp>
@@ -4744,13 +4705,8 @@
           <a:p>
             <a:r>
               <a:rPr lang="en-US" sz="1200" dirty="0"/>
-              <a:t>p</a:t>
-            </a:r>
-            <a:r>
-              <a:rPr lang="en-US" sz="1200" dirty="0" smtClean="0"/>
-              <a:t>arse(“1”)</a:t>
-            </a:r>
-            <a:endParaRPr lang="en-US" sz="1200" dirty="0"/>
+              <a:t>parse(“1”)</a:t>
+            </a:r>
           </a:p>
         </p:txBody>
       </p:sp>
@@ -4788,10 +4744,9 @@
           </a:lstStyle>
           <a:p>
             <a:r>
-              <a:rPr lang="en-US" dirty="0" smtClean="0"/>
+              <a:rPr lang="en-US" dirty="0"/>
               <a:t>parse(“delete 1”)</a:t>
             </a:r>
-            <a:endParaRPr lang="en-US" dirty="0"/>
           </a:p>
         </p:txBody>
       </p:sp>
@@ -4829,10 +4784,9 @@
           </a:lstStyle>
           <a:p>
             <a:r>
-              <a:rPr lang="en-US" dirty="0" smtClean="0"/>
+              <a:rPr lang="en-US" dirty="0"/>
               <a:t>result</a:t>
             </a:r>
-            <a:endParaRPr lang="en-US" dirty="0"/>
           </a:p>
         </p:txBody>
       </p:sp>
@@ -4870,10 +4824,9 @@
           </a:lstStyle>
           <a:p>
             <a:r>
-              <a:rPr lang="en-US" dirty="0" smtClean="0"/>
+              <a:rPr lang="en-US" dirty="0"/>
               <a:t>result</a:t>
             </a:r>
-            <a:endParaRPr lang="en-US" dirty="0"/>
           </a:p>
         </p:txBody>
       </p:sp>
@@ -4921,7 +4874,7 @@
           <a:p>
             <a:pPr algn="ctr"/>
             <a:r>
-              <a:rPr lang="en-US" sz="1600" dirty="0" err="1" smtClean="0">
+              <a:rPr lang="en-US" sz="1600" dirty="0" err="1">
                 <a:solidFill>
                   <a:schemeClr val="bg1"/>
                 </a:solidFill>
@@ -4929,7 +4882,7 @@
               <a:t>result:Command</a:t>
             </a:r>
             <a:r>
-              <a:rPr lang="en-US" sz="1600" dirty="0" smtClean="0">
+              <a:rPr lang="en-US" sz="1600" dirty="0">
                 <a:solidFill>
                   <a:schemeClr val="bg1"/>
                 </a:solidFill>
@@ -5063,10 +5016,9 @@
           </a:lstStyle>
           <a:p>
             <a:r>
-              <a:rPr lang="en-US" dirty="0" smtClean="0"/>
+              <a:rPr lang="en-US" dirty="0"/>
               <a:t>d</a:t>
             </a:r>
-            <a:endParaRPr lang="en-US" dirty="0"/>
           </a:p>
         </p:txBody>
       </p:sp>
@@ -5114,7 +5066,7 @@
           <a:p>
             <a:pPr algn="ctr"/>
             <a:r>
-              <a:rPr lang="en-US" sz="1600" dirty="0" smtClean="0">
+              <a:rPr lang="en-US" sz="1600" dirty="0">
                 <a:solidFill>
                   <a:schemeClr val="bg1"/>
                 </a:solidFill>
@@ -5122,14 +5074,14 @@
               <a:t>:</a:t>
             </a:r>
             <a:r>
-              <a:rPr lang="en-US" sz="1600" dirty="0" err="1" smtClean="0">
+              <a:rPr lang="en-US" sz="1600" dirty="0" err="1">
                 <a:solidFill>
                   <a:schemeClr val="bg1"/>
                 </a:solidFill>
               </a:rPr>
               <a:t>DeleteCommand</a:t>
             </a:r>
-            <a:endParaRPr lang="en-US" sz="1600" dirty="0" smtClean="0">
+            <a:endParaRPr lang="en-US" sz="1600" dirty="0">
               <a:solidFill>
                 <a:schemeClr val="bg1"/>
               </a:solidFill>
@@ -5138,7 +5090,7 @@
           <a:p>
             <a:pPr algn="ctr"/>
             <a:r>
-              <a:rPr lang="en-US" sz="1600" dirty="0" smtClean="0">
+              <a:rPr lang="en-US" sz="1600" dirty="0">
                 <a:solidFill>
                   <a:schemeClr val="bg1"/>
                 </a:solidFill>
@@ -5489,18 +5441,13 @@
           <a:lstStyle/>
           <a:p>
             <a:r>
-              <a:rPr lang="en-SG" sz="1100" dirty="0" smtClean="0">
+              <a:rPr lang="en-SG" sz="1100" dirty="0">
                 <a:solidFill>
                   <a:srgbClr val="002060"/>
                 </a:solidFill>
               </a:rPr>
               <a:t>X</a:t>
             </a:r>
-            <a:endParaRPr lang="en-SG" sz="1100" dirty="0">
-              <a:solidFill>
-                <a:srgbClr val="002060"/>
-              </a:solidFill>
-            </a:endParaRPr>
           </a:p>
         </p:txBody>
       </p:sp>
@@ -5508,6 +5455,2044 @@
     <p:extLst>
       <p:ext uri="{BB962C8B-B14F-4D97-AF65-F5344CB8AC3E}">
         <p14:creationId xmlns:p14="http://schemas.microsoft.com/office/powerpoint/2010/main" val="3945898909"/>
+      </p:ext>
+    </p:extLst>
+  </p:cSld>
+  <p:clrMapOvr>
+    <a:masterClrMapping/>
+  </p:clrMapOvr>
+</p:sld>
+</file>
+
+<file path=ppt/slides/slide2.xml><?xml version="1.0" encoding="utf-8"?>
+<p:sld xmlns:a="http://schemas.openxmlformats.org/drawingml/2006/main" xmlns:r="http://schemas.openxmlformats.org/officeDocument/2006/relationships" xmlns:p="http://schemas.openxmlformats.org/presentationml/2006/main">
+  <p:cSld>
+    <p:spTree>
+      <p:nvGrpSpPr>
+        <p:cNvPr id="1" name=""/>
+        <p:cNvGrpSpPr/>
+        <p:nvPr/>
+      </p:nvGrpSpPr>
+      <p:grpSpPr>
+        <a:xfrm>
+          <a:off x="0" y="0"/>
+          <a:ext cx="0" cy="0"/>
+          <a:chOff x="0" y="0"/>
+          <a:chExt cx="0" cy="0"/>
+        </a:xfrm>
+      </p:grpSpPr>
+      <p:sp>
+        <p:nvSpPr>
+          <p:cNvPr id="81" name="Rectangle 65"/>
+          <p:cNvSpPr/>
+          <p:nvPr/>
+        </p:nvSpPr>
+        <p:spPr>
+          <a:xfrm>
+            <a:off x="685800" y="1981200"/>
+            <a:ext cx="7252956" cy="4000286"/>
+          </a:xfrm>
+          <a:prstGeom prst="roundRect">
+            <a:avLst>
+              <a:gd name="adj" fmla="val 3484"/>
+            </a:avLst>
+          </a:prstGeom>
+          <a:solidFill>
+            <a:schemeClr val="accent1">
+              <a:lumMod val="20000"/>
+              <a:lumOff val="80000"/>
+            </a:schemeClr>
+          </a:solidFill>
+          <a:ln w="19050">
+            <a:noFill/>
+          </a:ln>
+          <a:effectLst/>
+        </p:spPr>
+        <p:style>
+          <a:lnRef idx="1">
+            <a:schemeClr val="accent2"/>
+          </a:lnRef>
+          <a:fillRef idx="2">
+            <a:schemeClr val="accent2"/>
+          </a:fillRef>
+          <a:effectRef idx="1">
+            <a:schemeClr val="accent2"/>
+          </a:effectRef>
+          <a:fontRef idx="minor">
+            <a:schemeClr val="dk1"/>
+          </a:fontRef>
+        </p:style>
+        <p:txBody>
+          <a:bodyPr rtlCol="0" anchor="t"/>
+          <a:lstStyle/>
+          <a:p>
+            <a:r>
+              <a:rPr lang="en-US" sz="1200" b="1" dirty="0">
+                <a:solidFill>
+                  <a:srgbClr val="0070C0"/>
+                </a:solidFill>
+              </a:rPr>
+              <a:t>Logic</a:t>
+            </a:r>
+            <a:endParaRPr lang="en-SG" sz="1200" b="1" dirty="0">
+              <a:solidFill>
+                <a:srgbClr val="0070C0"/>
+              </a:solidFill>
+            </a:endParaRPr>
+          </a:p>
+        </p:txBody>
+      </p:sp>
+      <p:sp>
+        <p:nvSpPr>
+          <p:cNvPr id="2" name="Rectangle 62"/>
+          <p:cNvSpPr/>
+          <p:nvPr/>
+        </p:nvSpPr>
+        <p:spPr>
+          <a:xfrm>
+            <a:off x="845045" y="2296546"/>
+            <a:ext cx="1455629" cy="346760"/>
+          </a:xfrm>
+          <a:prstGeom prst="rect">
+            <a:avLst/>
+          </a:prstGeom>
+          <a:solidFill>
+            <a:srgbClr val="0070C0"/>
+          </a:solidFill>
+          <a:ln w="19050">
+            <a:solidFill>
+              <a:srgbClr val="0070C0"/>
+            </a:solidFill>
+          </a:ln>
+          <a:effectLst/>
+        </p:spPr>
+        <p:style>
+          <a:lnRef idx="1">
+            <a:schemeClr val="accent2"/>
+          </a:lnRef>
+          <a:fillRef idx="2">
+            <a:schemeClr val="accent2"/>
+          </a:fillRef>
+          <a:effectRef idx="1">
+            <a:schemeClr val="accent2"/>
+          </a:effectRef>
+          <a:fontRef idx="minor">
+            <a:schemeClr val="dk1"/>
+          </a:fontRef>
+        </p:style>
+        <p:txBody>
+          <a:bodyPr rtlCol="0" anchor="ctr"/>
+          <a:lstStyle/>
+          <a:p>
+            <a:pPr algn="ctr"/>
+            <a:r>
+              <a:rPr lang="en-US" sz="1600" dirty="0">
+                <a:solidFill>
+                  <a:schemeClr val="bg1"/>
+                </a:solidFill>
+              </a:rPr>
+              <a:t>:</a:t>
+            </a:r>
+            <a:r>
+              <a:rPr lang="en-US" sz="1600" dirty="0" err="1">
+                <a:solidFill>
+                  <a:schemeClr val="bg1"/>
+                </a:solidFill>
+              </a:rPr>
+              <a:t>LogicManager</a:t>
+            </a:r>
+            <a:endParaRPr lang="en-SG" sz="1600" dirty="0">
+              <a:solidFill>
+                <a:schemeClr val="bg1"/>
+              </a:solidFill>
+            </a:endParaRPr>
+          </a:p>
+        </p:txBody>
+      </p:sp>
+      <p:cxnSp>
+        <p:nvCxnSpPr>
+          <p:cNvPr id="5" name="Straight Connector 4"/>
+          <p:cNvCxnSpPr/>
+          <p:nvPr/>
+        </p:nvCxnSpPr>
+        <p:spPr>
+          <a:xfrm>
+            <a:off x="1572859" y="2660217"/>
+            <a:ext cx="0" cy="2597583"/>
+          </a:xfrm>
+          <a:prstGeom prst="line">
+            <a:avLst/>
+          </a:prstGeom>
+          <a:ln w="19050">
+            <a:solidFill>
+              <a:srgbClr val="0070C0"/>
+            </a:solidFill>
+            <a:prstDash val="sysDash"/>
+          </a:ln>
+          <a:effectLst/>
+        </p:spPr>
+        <p:style>
+          <a:lnRef idx="1">
+            <a:schemeClr val="accent1"/>
+          </a:lnRef>
+          <a:fillRef idx="2">
+            <a:schemeClr val="accent1"/>
+          </a:fillRef>
+          <a:effectRef idx="1">
+            <a:schemeClr val="accent1"/>
+          </a:effectRef>
+          <a:fontRef idx="minor">
+            <a:schemeClr val="dk1"/>
+          </a:fontRef>
+        </p:style>
+      </p:cxnSp>
+      <p:sp>
+        <p:nvSpPr>
+          <p:cNvPr id="6" name="Rectangle 5"/>
+          <p:cNvSpPr/>
+          <p:nvPr/>
+        </p:nvSpPr>
+        <p:spPr>
+          <a:xfrm>
+            <a:off x="1500851" y="3010911"/>
+            <a:ext cx="152400" cy="2780287"/>
+          </a:xfrm>
+          <a:prstGeom prst="rect">
+            <a:avLst/>
+          </a:prstGeom>
+          <a:solidFill>
+            <a:srgbClr val="0070C0"/>
+          </a:solidFill>
+          <a:ln>
+            <a:solidFill>
+              <a:srgbClr val="0070C0"/>
+            </a:solidFill>
+          </a:ln>
+          <a:effectLst/>
+        </p:spPr>
+        <p:style>
+          <a:lnRef idx="1">
+            <a:schemeClr val="accent3"/>
+          </a:lnRef>
+          <a:fillRef idx="2">
+            <a:schemeClr val="accent3"/>
+          </a:fillRef>
+          <a:effectRef idx="1">
+            <a:schemeClr val="accent3"/>
+          </a:effectRef>
+          <a:fontRef idx="minor">
+            <a:schemeClr val="dk1"/>
+          </a:fontRef>
+        </p:style>
+        <p:txBody>
+          <a:bodyPr rtlCol="0" anchor="ctr"/>
+          <a:lstStyle/>
+          <a:p>
+            <a:pPr algn="ctr"/>
+            <a:endParaRPr lang="en-SG" sz="1400"/>
+          </a:p>
+        </p:txBody>
+      </p:sp>
+      <p:sp>
+        <p:nvSpPr>
+          <p:cNvPr id="16" name="Rectangle 62"/>
+          <p:cNvSpPr/>
+          <p:nvPr/>
+        </p:nvSpPr>
+        <p:spPr>
+          <a:xfrm>
+            <a:off x="2809782" y="2300233"/>
+            <a:ext cx="1093635" cy="346760"/>
+          </a:xfrm>
+          <a:prstGeom prst="rect">
+            <a:avLst/>
+          </a:prstGeom>
+          <a:solidFill>
+            <a:srgbClr val="0070C0"/>
+          </a:solidFill>
+          <a:ln w="19050">
+            <a:solidFill>
+              <a:srgbClr val="0070C0"/>
+            </a:solidFill>
+          </a:ln>
+          <a:effectLst/>
+        </p:spPr>
+        <p:style>
+          <a:lnRef idx="1">
+            <a:schemeClr val="accent2"/>
+          </a:lnRef>
+          <a:fillRef idx="2">
+            <a:schemeClr val="accent2"/>
+          </a:fillRef>
+          <a:effectRef idx="1">
+            <a:schemeClr val="accent2"/>
+          </a:effectRef>
+          <a:fontRef idx="minor">
+            <a:schemeClr val="dk1"/>
+          </a:fontRef>
+        </p:style>
+        <p:txBody>
+          <a:bodyPr rtlCol="0" anchor="ctr"/>
+          <a:lstStyle/>
+          <a:p>
+            <a:pPr algn="ctr"/>
+            <a:r>
+              <a:rPr lang="en-US" sz="1600" dirty="0">
+                <a:solidFill>
+                  <a:schemeClr val="bg1"/>
+                </a:solidFill>
+              </a:rPr>
+              <a:t>:Parser</a:t>
+            </a:r>
+            <a:endParaRPr lang="en-SG" sz="1600" dirty="0">
+              <a:solidFill>
+                <a:schemeClr val="bg1"/>
+              </a:solidFill>
+            </a:endParaRPr>
+          </a:p>
+        </p:txBody>
+      </p:sp>
+      <p:cxnSp>
+        <p:nvCxnSpPr>
+          <p:cNvPr id="17" name="Straight Connector 16"/>
+          <p:cNvCxnSpPr/>
+          <p:nvPr/>
+        </p:nvCxnSpPr>
+        <p:spPr>
+          <a:xfrm>
+            <a:off x="3356599" y="2663904"/>
+            <a:ext cx="0" cy="1695374"/>
+          </a:xfrm>
+          <a:prstGeom prst="line">
+            <a:avLst/>
+          </a:prstGeom>
+          <a:ln w="19050">
+            <a:solidFill>
+              <a:srgbClr val="0070C0"/>
+            </a:solidFill>
+            <a:prstDash val="sysDash"/>
+          </a:ln>
+          <a:effectLst/>
+        </p:spPr>
+        <p:style>
+          <a:lnRef idx="1">
+            <a:schemeClr val="accent1"/>
+          </a:lnRef>
+          <a:fillRef idx="2">
+            <a:schemeClr val="accent1"/>
+          </a:fillRef>
+          <a:effectRef idx="1">
+            <a:schemeClr val="accent1"/>
+          </a:effectRef>
+          <a:fontRef idx="minor">
+            <a:schemeClr val="dk1"/>
+          </a:fontRef>
+        </p:style>
+      </p:cxnSp>
+      <p:sp>
+        <p:nvSpPr>
+          <p:cNvPr id="18" name="Rectangle 17"/>
+          <p:cNvSpPr/>
+          <p:nvPr/>
+        </p:nvSpPr>
+        <p:spPr>
+          <a:xfrm>
+            <a:off x="3284590" y="3122096"/>
+            <a:ext cx="174929" cy="1129459"/>
+          </a:xfrm>
+          <a:prstGeom prst="rect">
+            <a:avLst/>
+          </a:prstGeom>
+          <a:solidFill>
+            <a:srgbClr val="0070C0"/>
+          </a:solidFill>
+          <a:ln>
+            <a:solidFill>
+              <a:srgbClr val="0070C0"/>
+            </a:solidFill>
+          </a:ln>
+          <a:effectLst/>
+        </p:spPr>
+        <p:style>
+          <a:lnRef idx="1">
+            <a:schemeClr val="accent3"/>
+          </a:lnRef>
+          <a:fillRef idx="2">
+            <a:schemeClr val="accent3"/>
+          </a:fillRef>
+          <a:effectRef idx="1">
+            <a:schemeClr val="accent3"/>
+          </a:effectRef>
+          <a:fontRef idx="minor">
+            <a:schemeClr val="dk1"/>
+          </a:fontRef>
+        </p:style>
+        <p:txBody>
+          <a:bodyPr rtlCol="0" anchor="ctr"/>
+          <a:lstStyle/>
+          <a:p>
+            <a:pPr algn="ctr"/>
+            <a:endParaRPr lang="en-SG" sz="1400">
+              <a:solidFill>
+                <a:schemeClr val="dk1"/>
+              </a:solidFill>
+            </a:endParaRPr>
+          </a:p>
+        </p:txBody>
+      </p:sp>
+      <p:sp>
+        <p:nvSpPr>
+          <p:cNvPr id="19" name="Rectangle 62"/>
+          <p:cNvSpPr/>
+          <p:nvPr/>
+        </p:nvSpPr>
+        <p:spPr>
+          <a:xfrm>
+            <a:off x="6221565" y="3312740"/>
+            <a:ext cx="1093635" cy="461538"/>
+          </a:xfrm>
+          <a:prstGeom prst="rect">
+            <a:avLst/>
+          </a:prstGeom>
+          <a:solidFill>
+            <a:srgbClr val="0070C0"/>
+          </a:solidFill>
+          <a:ln w="19050">
+            <a:solidFill>
+              <a:srgbClr val="0070C0"/>
+            </a:solidFill>
+          </a:ln>
+          <a:effectLst/>
+        </p:spPr>
+        <p:style>
+          <a:lnRef idx="1">
+            <a:schemeClr val="accent2"/>
+          </a:lnRef>
+          <a:fillRef idx="2">
+            <a:schemeClr val="accent2"/>
+          </a:fillRef>
+          <a:effectRef idx="1">
+            <a:schemeClr val="accent2"/>
+          </a:effectRef>
+          <a:fontRef idx="minor">
+            <a:schemeClr val="dk1"/>
+          </a:fontRef>
+        </p:style>
+        <p:txBody>
+          <a:bodyPr rtlCol="0" anchor="ctr"/>
+          <a:lstStyle/>
+          <a:p>
+            <a:pPr algn="ctr"/>
+            <a:r>
+              <a:rPr lang="en-US" sz="1600" dirty="0">
+                <a:solidFill>
+                  <a:schemeClr val="bg1"/>
+                </a:solidFill>
+              </a:rPr>
+              <a:t>d:Sort</a:t>
+            </a:r>
+            <a:br>
+              <a:rPr lang="en-US" sz="1600" dirty="0">
+                <a:solidFill>
+                  <a:schemeClr val="bg1"/>
+                </a:solidFill>
+              </a:rPr>
+            </a:br>
+            <a:r>
+              <a:rPr lang="en-US" sz="1600" dirty="0">
+                <a:solidFill>
+                  <a:schemeClr val="bg1"/>
+                </a:solidFill>
+              </a:rPr>
+              <a:t>Command</a:t>
+            </a:r>
+            <a:endParaRPr lang="en-SG" sz="1600" dirty="0">
+              <a:solidFill>
+                <a:schemeClr val="bg1"/>
+              </a:solidFill>
+            </a:endParaRPr>
+          </a:p>
+        </p:txBody>
+      </p:sp>
+      <p:cxnSp>
+        <p:nvCxnSpPr>
+          <p:cNvPr id="20" name="Straight Connector 19"/>
+          <p:cNvCxnSpPr>
+            <a:stCxn id="21" idx="0"/>
+          </p:cNvCxnSpPr>
+          <p:nvPr/>
+        </p:nvCxnSpPr>
+        <p:spPr>
+          <a:xfrm>
+            <a:off x="6772574" y="3774278"/>
+            <a:ext cx="0" cy="1940722"/>
+          </a:xfrm>
+          <a:prstGeom prst="line">
+            <a:avLst/>
+          </a:prstGeom>
+          <a:ln w="19050">
+            <a:solidFill>
+              <a:srgbClr val="0070C0"/>
+            </a:solidFill>
+            <a:prstDash val="sysDash"/>
+          </a:ln>
+          <a:effectLst/>
+        </p:spPr>
+        <p:style>
+          <a:lnRef idx="1">
+            <a:schemeClr val="accent1"/>
+          </a:lnRef>
+          <a:fillRef idx="2">
+            <a:schemeClr val="accent1"/>
+          </a:fillRef>
+          <a:effectRef idx="1">
+            <a:schemeClr val="accent1"/>
+          </a:effectRef>
+          <a:fontRef idx="minor">
+            <a:schemeClr val="dk1"/>
+          </a:fontRef>
+        </p:style>
+      </p:cxnSp>
+      <p:sp>
+        <p:nvSpPr>
+          <p:cNvPr id="21" name="Rectangle 20"/>
+          <p:cNvSpPr/>
+          <p:nvPr/>
+        </p:nvSpPr>
+        <p:spPr>
+          <a:xfrm>
+            <a:off x="6696374" y="3774278"/>
+            <a:ext cx="152400" cy="276003"/>
+          </a:xfrm>
+          <a:prstGeom prst="rect">
+            <a:avLst/>
+          </a:prstGeom>
+          <a:solidFill>
+            <a:srgbClr val="0070C0"/>
+          </a:solidFill>
+          <a:ln>
+            <a:solidFill>
+              <a:srgbClr val="0070C0"/>
+            </a:solidFill>
+          </a:ln>
+          <a:effectLst/>
+        </p:spPr>
+        <p:style>
+          <a:lnRef idx="1">
+            <a:schemeClr val="accent3"/>
+          </a:lnRef>
+          <a:fillRef idx="2">
+            <a:schemeClr val="accent3"/>
+          </a:fillRef>
+          <a:effectRef idx="1">
+            <a:schemeClr val="accent3"/>
+          </a:effectRef>
+          <a:fontRef idx="minor">
+            <a:schemeClr val="dk1"/>
+          </a:fontRef>
+        </p:style>
+        <p:txBody>
+          <a:bodyPr rtlCol="0" anchor="ctr"/>
+          <a:lstStyle/>
+          <a:p>
+            <a:pPr algn="ctr"/>
+            <a:endParaRPr lang="en-SG" sz="1400"/>
+          </a:p>
+        </p:txBody>
+      </p:sp>
+      <p:cxnSp>
+        <p:nvCxnSpPr>
+          <p:cNvPr id="23" name="Straight Arrow Connector 22"/>
+          <p:cNvCxnSpPr/>
+          <p:nvPr/>
+        </p:nvCxnSpPr>
+        <p:spPr>
+          <a:xfrm>
+            <a:off x="381000" y="3014599"/>
+            <a:ext cx="1119851" cy="0"/>
+          </a:xfrm>
+          <a:prstGeom prst="straightConnector1">
+            <a:avLst/>
+          </a:prstGeom>
+          <a:ln w="19050">
+            <a:solidFill>
+              <a:srgbClr val="00B050"/>
+            </a:solidFill>
+            <a:tailEnd type="arrow"/>
+          </a:ln>
+        </p:spPr>
+        <p:style>
+          <a:lnRef idx="1">
+            <a:schemeClr val="accent1"/>
+          </a:lnRef>
+          <a:fillRef idx="0">
+            <a:schemeClr val="accent1"/>
+          </a:fillRef>
+          <a:effectRef idx="0">
+            <a:schemeClr val="accent1"/>
+          </a:effectRef>
+          <a:fontRef idx="minor">
+            <a:schemeClr val="tx1"/>
+          </a:fontRef>
+        </p:style>
+      </p:cxnSp>
+      <p:cxnSp>
+        <p:nvCxnSpPr>
+          <p:cNvPr id="25" name="Straight Arrow Connector 24"/>
+          <p:cNvCxnSpPr/>
+          <p:nvPr/>
+        </p:nvCxnSpPr>
+        <p:spPr>
+          <a:xfrm flipV="1">
+            <a:off x="1653251" y="3122097"/>
+            <a:ext cx="1596514" cy="1"/>
+          </a:xfrm>
+          <a:prstGeom prst="straightConnector1">
+            <a:avLst/>
+          </a:prstGeom>
+          <a:ln w="19050">
+            <a:solidFill>
+              <a:srgbClr val="0070C0"/>
+            </a:solidFill>
+            <a:tailEnd type="arrow"/>
+          </a:ln>
+        </p:spPr>
+        <p:style>
+          <a:lnRef idx="1">
+            <a:schemeClr val="accent1"/>
+          </a:lnRef>
+          <a:fillRef idx="0">
+            <a:schemeClr val="accent1"/>
+          </a:fillRef>
+          <a:effectRef idx="0">
+            <a:schemeClr val="accent1"/>
+          </a:effectRef>
+          <a:fontRef idx="minor">
+            <a:schemeClr val="tx1"/>
+          </a:fontRef>
+        </p:style>
+      </p:cxnSp>
+      <p:sp>
+        <p:nvSpPr>
+          <p:cNvPr id="26" name="TextBox 25"/>
+          <p:cNvSpPr txBox="1"/>
+          <p:nvPr/>
+        </p:nvSpPr>
+        <p:spPr>
+          <a:xfrm>
+            <a:off x="0" y="2743200"/>
+            <a:ext cx="1424846" cy="215444"/>
+          </a:xfrm>
+          <a:prstGeom prst="rect">
+            <a:avLst/>
+          </a:prstGeom>
+          <a:noFill/>
+        </p:spPr>
+        <p:txBody>
+          <a:bodyPr wrap="square" lIns="0" tIns="0" rIns="0" bIns="0" rtlCol="0">
+            <a:spAutoFit/>
+          </a:bodyPr>
+          <a:lstStyle/>
+          <a:p>
+            <a:pPr algn="r"/>
+            <a:r>
+              <a:rPr lang="en-US" sz="1400" dirty="0">
+                <a:solidFill>
+                  <a:srgbClr val="0070C0"/>
+                </a:solidFill>
+              </a:rPr>
+              <a:t>execute(“sort all”)</a:t>
+            </a:r>
+          </a:p>
+        </p:txBody>
+      </p:sp>
+      <p:cxnSp>
+        <p:nvCxnSpPr>
+          <p:cNvPr id="28" name="Straight Arrow Connector 27"/>
+          <p:cNvCxnSpPr/>
+          <p:nvPr/>
+        </p:nvCxnSpPr>
+        <p:spPr>
+          <a:xfrm flipV="1">
+            <a:off x="5257218" y="3703214"/>
+            <a:ext cx="922392" cy="1"/>
+          </a:xfrm>
+          <a:prstGeom prst="straightConnector1">
+            <a:avLst/>
+          </a:prstGeom>
+          <a:ln w="19050">
+            <a:solidFill>
+              <a:srgbClr val="0070C0"/>
+            </a:solidFill>
+            <a:tailEnd type="arrow"/>
+          </a:ln>
+        </p:spPr>
+        <p:style>
+          <a:lnRef idx="1">
+            <a:schemeClr val="accent1"/>
+          </a:lnRef>
+          <a:fillRef idx="0">
+            <a:schemeClr val="accent1"/>
+          </a:fillRef>
+          <a:effectRef idx="0">
+            <a:schemeClr val="accent1"/>
+          </a:effectRef>
+          <a:fontRef idx="minor">
+            <a:schemeClr val="tx1"/>
+          </a:fontRef>
+        </p:style>
+      </p:cxnSp>
+      <p:sp>
+        <p:nvSpPr>
+          <p:cNvPr id="29" name="TextBox 28"/>
+          <p:cNvSpPr txBox="1"/>
+          <p:nvPr/>
+        </p:nvSpPr>
+        <p:spPr>
+          <a:xfrm>
+            <a:off x="4257582" y="4251556"/>
+            <a:ext cx="855809" cy="215444"/>
+          </a:xfrm>
+          <a:prstGeom prst="rect">
+            <a:avLst/>
+          </a:prstGeom>
+          <a:noFill/>
+        </p:spPr>
+        <p:txBody>
+          <a:bodyPr wrap="square" lIns="0" tIns="0" rIns="0" bIns="0" rtlCol="0">
+            <a:spAutoFit/>
+          </a:bodyPr>
+          <a:lstStyle>
+            <a:defPPr>
+              <a:defRPr lang="en-US"/>
+            </a:defPPr>
+            <a:lvl1pPr algn="r">
+              <a:defRPr sz="1400">
+                <a:solidFill>
+                  <a:srgbClr val="0070C0"/>
+                </a:solidFill>
+              </a:defRPr>
+            </a:lvl1pPr>
+          </a:lstStyle>
+          <a:p>
+            <a:r>
+              <a:rPr lang="en-US" dirty="0"/>
+              <a:t>execute()</a:t>
+            </a:r>
+          </a:p>
+        </p:txBody>
+      </p:sp>
+      <p:cxnSp>
+        <p:nvCxnSpPr>
+          <p:cNvPr id="34" name="Straight Arrow Connector 33"/>
+          <p:cNvCxnSpPr/>
+          <p:nvPr/>
+        </p:nvCxnSpPr>
+        <p:spPr>
+          <a:xfrm>
+            <a:off x="5257800" y="4050281"/>
+            <a:ext cx="1492974" cy="0"/>
+          </a:xfrm>
+          <a:prstGeom prst="straightConnector1">
+            <a:avLst/>
+          </a:prstGeom>
+          <a:ln w="19050">
+            <a:solidFill>
+              <a:srgbClr val="0070C0"/>
+            </a:solidFill>
+            <a:prstDash val="sysDash"/>
+            <a:headEnd type="arrow" w="med" len="med"/>
+            <a:tailEnd type="none" w="med" len="med"/>
+          </a:ln>
+        </p:spPr>
+        <p:style>
+          <a:lnRef idx="1">
+            <a:schemeClr val="accent1"/>
+          </a:lnRef>
+          <a:fillRef idx="0">
+            <a:schemeClr val="accent1"/>
+          </a:fillRef>
+          <a:effectRef idx="0">
+            <a:schemeClr val="accent1"/>
+          </a:effectRef>
+          <a:fontRef idx="minor">
+            <a:schemeClr val="tx1"/>
+          </a:fontRef>
+        </p:style>
+      </p:cxnSp>
+      <p:cxnSp>
+        <p:nvCxnSpPr>
+          <p:cNvPr id="35" name="Straight Arrow Connector 34"/>
+          <p:cNvCxnSpPr/>
+          <p:nvPr/>
+        </p:nvCxnSpPr>
+        <p:spPr>
+          <a:xfrm flipV="1">
+            <a:off x="1670186" y="4243231"/>
+            <a:ext cx="1596514" cy="5378"/>
+          </a:xfrm>
+          <a:prstGeom prst="straightConnector1">
+            <a:avLst/>
+          </a:prstGeom>
+          <a:ln w="19050">
+            <a:solidFill>
+              <a:srgbClr val="0070C0"/>
+            </a:solidFill>
+            <a:prstDash val="sysDash"/>
+            <a:headEnd type="arrow" w="med" len="med"/>
+            <a:tailEnd type="none" w="med" len="med"/>
+          </a:ln>
+        </p:spPr>
+        <p:style>
+          <a:lnRef idx="1">
+            <a:schemeClr val="accent1"/>
+          </a:lnRef>
+          <a:fillRef idx="0">
+            <a:schemeClr val="accent1"/>
+          </a:fillRef>
+          <a:effectRef idx="0">
+            <a:schemeClr val="accent1"/>
+          </a:effectRef>
+          <a:fontRef idx="minor">
+            <a:schemeClr val="tx1"/>
+          </a:fontRef>
+        </p:style>
+      </p:cxnSp>
+      <p:cxnSp>
+        <p:nvCxnSpPr>
+          <p:cNvPr id="37" name="Straight Arrow Connector 36"/>
+          <p:cNvCxnSpPr/>
+          <p:nvPr/>
+        </p:nvCxnSpPr>
+        <p:spPr>
+          <a:xfrm>
+            <a:off x="304800" y="5791200"/>
+            <a:ext cx="1196051" cy="0"/>
+          </a:xfrm>
+          <a:prstGeom prst="straightConnector1">
+            <a:avLst/>
+          </a:prstGeom>
+          <a:ln w="19050">
+            <a:solidFill>
+              <a:schemeClr val="accent1"/>
+            </a:solidFill>
+            <a:prstDash val="sysDash"/>
+            <a:headEnd type="arrow" w="med" len="med"/>
+            <a:tailEnd type="none" w="med" len="med"/>
+          </a:ln>
+        </p:spPr>
+        <p:style>
+          <a:lnRef idx="1">
+            <a:schemeClr val="accent1"/>
+          </a:lnRef>
+          <a:fillRef idx="0">
+            <a:schemeClr val="accent1"/>
+          </a:fillRef>
+          <a:effectRef idx="0">
+            <a:schemeClr val="accent1"/>
+          </a:effectRef>
+          <a:fontRef idx="minor">
+            <a:schemeClr val="tx1"/>
+          </a:fontRef>
+        </p:style>
+      </p:cxnSp>
+      <p:sp>
+        <p:nvSpPr>
+          <p:cNvPr id="39" name="Rectangle 62"/>
+          <p:cNvSpPr/>
+          <p:nvPr/>
+        </p:nvSpPr>
+        <p:spPr>
+          <a:xfrm>
+            <a:off x="8265896" y="2362200"/>
+            <a:ext cx="1030504" cy="346760"/>
+          </a:xfrm>
+          <a:prstGeom prst="rect">
+            <a:avLst/>
+          </a:prstGeom>
+          <a:solidFill>
+            <a:schemeClr val="accent4">
+              <a:lumMod val="60000"/>
+              <a:lumOff val="40000"/>
+            </a:schemeClr>
+          </a:solidFill>
+          <a:ln w="19050">
+            <a:solidFill>
+              <a:schemeClr val="accent4">
+                <a:lumMod val="60000"/>
+                <a:lumOff val="40000"/>
+              </a:schemeClr>
+            </a:solidFill>
+          </a:ln>
+          <a:effectLst/>
+        </p:spPr>
+        <p:style>
+          <a:lnRef idx="1">
+            <a:schemeClr val="accent2"/>
+          </a:lnRef>
+          <a:fillRef idx="2">
+            <a:schemeClr val="accent2"/>
+          </a:fillRef>
+          <a:effectRef idx="1">
+            <a:schemeClr val="accent2"/>
+          </a:effectRef>
+          <a:fontRef idx="minor">
+            <a:schemeClr val="dk1"/>
+          </a:fontRef>
+        </p:style>
+        <p:txBody>
+          <a:bodyPr rtlCol="0" anchor="ctr"/>
+          <a:lstStyle/>
+          <a:p>
+            <a:pPr algn="ctr"/>
+            <a:r>
+              <a:rPr lang="en-US" sz="1600" dirty="0">
+                <a:solidFill>
+                  <a:schemeClr val="bg1"/>
+                </a:solidFill>
+              </a:rPr>
+              <a:t>:Model</a:t>
+            </a:r>
+            <a:endParaRPr lang="en-SG" sz="1600" dirty="0">
+              <a:solidFill>
+                <a:schemeClr val="bg1"/>
+              </a:solidFill>
+            </a:endParaRPr>
+          </a:p>
+        </p:txBody>
+      </p:sp>
+      <p:cxnSp>
+        <p:nvCxnSpPr>
+          <p:cNvPr id="64" name="Straight Arrow Connector 63"/>
+          <p:cNvCxnSpPr/>
+          <p:nvPr/>
+        </p:nvCxnSpPr>
+        <p:spPr>
+          <a:xfrm>
+            <a:off x="1653251" y="4495317"/>
+            <a:ext cx="5043123" cy="0"/>
+          </a:xfrm>
+          <a:prstGeom prst="straightConnector1">
+            <a:avLst/>
+          </a:prstGeom>
+          <a:ln w="19050">
+            <a:solidFill>
+              <a:srgbClr val="0070C0"/>
+            </a:solidFill>
+            <a:tailEnd type="arrow"/>
+          </a:ln>
+        </p:spPr>
+        <p:style>
+          <a:lnRef idx="1">
+            <a:schemeClr val="accent1"/>
+          </a:lnRef>
+          <a:fillRef idx="0">
+            <a:schemeClr val="accent1"/>
+          </a:fillRef>
+          <a:effectRef idx="0">
+            <a:schemeClr val="accent1"/>
+          </a:effectRef>
+          <a:fontRef idx="minor">
+            <a:schemeClr val="tx1"/>
+          </a:fontRef>
+        </p:style>
+      </p:cxnSp>
+      <p:sp>
+        <p:nvSpPr>
+          <p:cNvPr id="65" name="Rectangle 64"/>
+          <p:cNvSpPr/>
+          <p:nvPr/>
+        </p:nvSpPr>
+        <p:spPr>
+          <a:xfrm>
+            <a:off x="6687452" y="4467000"/>
+            <a:ext cx="161322" cy="1019400"/>
+          </a:xfrm>
+          <a:prstGeom prst="rect">
+            <a:avLst/>
+          </a:prstGeom>
+          <a:solidFill>
+            <a:srgbClr val="0070C0"/>
+          </a:solidFill>
+          <a:ln>
+            <a:solidFill>
+              <a:srgbClr val="0070C0"/>
+            </a:solidFill>
+          </a:ln>
+          <a:effectLst/>
+        </p:spPr>
+        <p:style>
+          <a:lnRef idx="1">
+            <a:schemeClr val="accent3"/>
+          </a:lnRef>
+          <a:fillRef idx="2">
+            <a:schemeClr val="accent3"/>
+          </a:fillRef>
+          <a:effectRef idx="1">
+            <a:schemeClr val="accent3"/>
+          </a:effectRef>
+          <a:fontRef idx="minor">
+            <a:schemeClr val="dk1"/>
+          </a:fontRef>
+        </p:style>
+        <p:txBody>
+          <a:bodyPr rtlCol="0" anchor="ctr"/>
+          <a:lstStyle/>
+          <a:p>
+            <a:pPr algn="ctr"/>
+            <a:endParaRPr lang="en-SG" sz="1400"/>
+          </a:p>
+        </p:txBody>
+      </p:sp>
+      <p:cxnSp>
+        <p:nvCxnSpPr>
+          <p:cNvPr id="71" name="Straight Connector 70"/>
+          <p:cNvCxnSpPr/>
+          <p:nvPr/>
+        </p:nvCxnSpPr>
+        <p:spPr>
+          <a:xfrm>
+            <a:off x="8781148" y="2700858"/>
+            <a:ext cx="0" cy="2830598"/>
+          </a:xfrm>
+          <a:prstGeom prst="line">
+            <a:avLst/>
+          </a:prstGeom>
+          <a:ln w="19050">
+            <a:solidFill>
+              <a:schemeClr val="accent4">
+                <a:lumMod val="60000"/>
+                <a:lumOff val="40000"/>
+              </a:schemeClr>
+            </a:solidFill>
+            <a:prstDash val="sysDash"/>
+          </a:ln>
+          <a:effectLst/>
+        </p:spPr>
+        <p:style>
+          <a:lnRef idx="1">
+            <a:schemeClr val="accent1"/>
+          </a:lnRef>
+          <a:fillRef idx="2">
+            <a:schemeClr val="accent1"/>
+          </a:fillRef>
+          <a:effectRef idx="1">
+            <a:schemeClr val="accent1"/>
+          </a:effectRef>
+          <a:fontRef idx="minor">
+            <a:schemeClr val="dk1"/>
+          </a:fontRef>
+        </p:style>
+      </p:cxnSp>
+      <p:sp>
+        <p:nvSpPr>
+          <p:cNvPr id="73" name="Rectangle 72"/>
+          <p:cNvSpPr/>
+          <p:nvPr/>
+        </p:nvSpPr>
+        <p:spPr>
+          <a:xfrm>
+            <a:off x="8686800" y="4524597"/>
+            <a:ext cx="152400" cy="199803"/>
+          </a:xfrm>
+          <a:prstGeom prst="rect">
+            <a:avLst/>
+          </a:prstGeom>
+          <a:solidFill>
+            <a:schemeClr val="accent4">
+              <a:lumMod val="60000"/>
+              <a:lumOff val="40000"/>
+            </a:schemeClr>
+          </a:solidFill>
+          <a:ln>
+            <a:solidFill>
+              <a:schemeClr val="accent4">
+                <a:lumMod val="60000"/>
+                <a:lumOff val="40000"/>
+              </a:schemeClr>
+            </a:solidFill>
+          </a:ln>
+          <a:effectLst/>
+        </p:spPr>
+        <p:style>
+          <a:lnRef idx="1">
+            <a:schemeClr val="accent3"/>
+          </a:lnRef>
+          <a:fillRef idx="2">
+            <a:schemeClr val="accent3"/>
+          </a:fillRef>
+          <a:effectRef idx="1">
+            <a:schemeClr val="accent3"/>
+          </a:effectRef>
+          <a:fontRef idx="minor">
+            <a:schemeClr val="dk1"/>
+          </a:fontRef>
+        </p:style>
+        <p:txBody>
+          <a:bodyPr rtlCol="0" anchor="ctr"/>
+          <a:lstStyle/>
+          <a:p>
+            <a:pPr algn="ctr"/>
+            <a:endParaRPr lang="en-SG" sz="1400">
+              <a:solidFill>
+                <a:schemeClr val="dk1"/>
+              </a:solidFill>
+            </a:endParaRPr>
+          </a:p>
+        </p:txBody>
+      </p:sp>
+      <p:cxnSp>
+        <p:nvCxnSpPr>
+          <p:cNvPr id="75" name="Straight Arrow Connector 74"/>
+          <p:cNvCxnSpPr/>
+          <p:nvPr/>
+        </p:nvCxnSpPr>
+        <p:spPr>
+          <a:xfrm>
+            <a:off x="6850663" y="4524597"/>
+            <a:ext cx="1836137" cy="0"/>
+          </a:xfrm>
+          <a:prstGeom prst="straightConnector1">
+            <a:avLst/>
+          </a:prstGeom>
+          <a:ln w="19050">
+            <a:solidFill>
+              <a:srgbClr val="0070C0"/>
+            </a:solidFill>
+            <a:tailEnd type="arrow"/>
+          </a:ln>
+        </p:spPr>
+        <p:style>
+          <a:lnRef idx="1">
+            <a:schemeClr val="accent1"/>
+          </a:lnRef>
+          <a:fillRef idx="0">
+            <a:schemeClr val="accent1"/>
+          </a:fillRef>
+          <a:effectRef idx="0">
+            <a:schemeClr val="accent1"/>
+          </a:effectRef>
+          <a:fontRef idx="minor">
+            <a:schemeClr val="tx1"/>
+          </a:fontRef>
+        </p:style>
+      </p:cxnSp>
+      <p:cxnSp>
+        <p:nvCxnSpPr>
+          <p:cNvPr id="76" name="Straight Arrow Connector 75"/>
+          <p:cNvCxnSpPr/>
+          <p:nvPr/>
+        </p:nvCxnSpPr>
+        <p:spPr>
+          <a:xfrm flipV="1">
+            <a:off x="6848774" y="4714650"/>
+            <a:ext cx="1838026" cy="9750"/>
+          </a:xfrm>
+          <a:prstGeom prst="straightConnector1">
+            <a:avLst/>
+          </a:prstGeom>
+          <a:ln w="19050">
+            <a:solidFill>
+              <a:schemeClr val="accent4">
+                <a:lumMod val="60000"/>
+                <a:lumOff val="40000"/>
+              </a:schemeClr>
+            </a:solidFill>
+            <a:prstDash val="sysDash"/>
+            <a:headEnd type="arrow" w="med" len="med"/>
+            <a:tailEnd type="none" w="med" len="med"/>
+          </a:ln>
+        </p:spPr>
+        <p:style>
+          <a:lnRef idx="1">
+            <a:schemeClr val="accent1"/>
+          </a:lnRef>
+          <a:fillRef idx="0">
+            <a:schemeClr val="accent1"/>
+          </a:fillRef>
+          <a:effectRef idx="0">
+            <a:schemeClr val="accent1"/>
+          </a:effectRef>
+          <a:fontRef idx="minor">
+            <a:schemeClr val="tx1"/>
+          </a:fontRef>
+        </p:style>
+      </p:cxnSp>
+      <p:cxnSp>
+        <p:nvCxnSpPr>
+          <p:cNvPr id="77" name="Straight Arrow Connector 76"/>
+          <p:cNvCxnSpPr/>
+          <p:nvPr/>
+        </p:nvCxnSpPr>
+        <p:spPr>
+          <a:xfrm>
+            <a:off x="1653251" y="5486400"/>
+            <a:ext cx="5052349" cy="0"/>
+          </a:xfrm>
+          <a:prstGeom prst="straightConnector1">
+            <a:avLst/>
+          </a:prstGeom>
+          <a:ln w="19050">
+            <a:solidFill>
+              <a:srgbClr val="0070C0"/>
+            </a:solidFill>
+            <a:prstDash val="sysDash"/>
+            <a:headEnd type="arrow" w="med" len="med"/>
+            <a:tailEnd type="none" w="med" len="med"/>
+          </a:ln>
+        </p:spPr>
+        <p:style>
+          <a:lnRef idx="1">
+            <a:schemeClr val="accent1"/>
+          </a:lnRef>
+          <a:fillRef idx="0">
+            <a:schemeClr val="accent1"/>
+          </a:fillRef>
+          <a:effectRef idx="0">
+            <a:schemeClr val="accent1"/>
+          </a:effectRef>
+          <a:fontRef idx="minor">
+            <a:schemeClr val="tx1"/>
+          </a:fontRef>
+        </p:style>
+      </p:cxnSp>
+      <p:sp>
+        <p:nvSpPr>
+          <p:cNvPr id="78" name="TextBox 77"/>
+          <p:cNvSpPr txBox="1"/>
+          <p:nvPr/>
+        </p:nvSpPr>
+        <p:spPr>
+          <a:xfrm>
+            <a:off x="6984957" y="4267200"/>
+            <a:ext cx="1424846" cy="215444"/>
+          </a:xfrm>
+          <a:prstGeom prst="rect">
+            <a:avLst/>
+          </a:prstGeom>
+          <a:noFill/>
+        </p:spPr>
+        <p:txBody>
+          <a:bodyPr wrap="square" lIns="0" tIns="0" rIns="0" bIns="0" rtlCol="0">
+            <a:spAutoFit/>
+          </a:bodyPr>
+          <a:lstStyle>
+            <a:defPPr>
+              <a:defRPr lang="en-US"/>
+            </a:defPPr>
+            <a:lvl1pPr algn="r">
+              <a:defRPr sz="1400">
+                <a:solidFill>
+                  <a:srgbClr val="0070C0"/>
+                </a:solidFill>
+              </a:defRPr>
+            </a:lvl1pPr>
+          </a:lstStyle>
+          <a:p>
+            <a:r>
+              <a:rPr lang="en-US" dirty="0" err="1">
+                <a:solidFill>
+                  <a:srgbClr val="7030A0"/>
+                </a:solidFill>
+              </a:rPr>
+              <a:t>sortList</a:t>
+            </a:r>
+            <a:r>
+              <a:rPr lang="en-US" dirty="0">
+                <a:solidFill>
+                  <a:srgbClr val="7030A0"/>
+                </a:solidFill>
+              </a:rPr>
+              <a:t>(t)</a:t>
+            </a:r>
+          </a:p>
+        </p:txBody>
+      </p:sp>
+      <p:sp>
+        <p:nvSpPr>
+          <p:cNvPr id="79" name="TextBox 78"/>
+          <p:cNvSpPr txBox="1"/>
+          <p:nvPr/>
+        </p:nvSpPr>
+        <p:spPr>
+          <a:xfrm>
+            <a:off x="3847551" y="3657600"/>
+            <a:ext cx="767033" cy="184666"/>
+          </a:xfrm>
+          <a:prstGeom prst="rect">
+            <a:avLst/>
+          </a:prstGeom>
+          <a:noFill/>
+        </p:spPr>
+        <p:txBody>
+          <a:bodyPr wrap="square" lIns="0" tIns="0" rIns="0" bIns="0" rtlCol="0">
+            <a:spAutoFit/>
+          </a:bodyPr>
+          <a:lstStyle>
+            <a:defPPr>
+              <a:defRPr lang="en-US"/>
+            </a:defPPr>
+            <a:lvl1pPr algn="r">
+              <a:defRPr sz="1400">
+                <a:solidFill>
+                  <a:srgbClr val="0070C0"/>
+                </a:solidFill>
+              </a:defRPr>
+            </a:lvl1pPr>
+          </a:lstStyle>
+          <a:p>
+            <a:r>
+              <a:rPr lang="en-US" sz="1200" dirty="0"/>
+              <a:t>parse(“all”)</a:t>
+            </a:r>
+          </a:p>
+        </p:txBody>
+      </p:sp>
+      <p:sp>
+        <p:nvSpPr>
+          <p:cNvPr id="80" name="TextBox 79"/>
+          <p:cNvSpPr txBox="1"/>
+          <p:nvPr/>
+        </p:nvSpPr>
+        <p:spPr>
+          <a:xfrm>
+            <a:off x="1742982" y="2850922"/>
+            <a:ext cx="1424846" cy="215444"/>
+          </a:xfrm>
+          <a:prstGeom prst="rect">
+            <a:avLst/>
+          </a:prstGeom>
+          <a:noFill/>
+        </p:spPr>
+        <p:txBody>
+          <a:bodyPr wrap="square" lIns="0" tIns="0" rIns="0" bIns="0" rtlCol="0">
+            <a:spAutoFit/>
+          </a:bodyPr>
+          <a:lstStyle>
+            <a:defPPr>
+              <a:defRPr lang="en-US"/>
+            </a:defPPr>
+            <a:lvl1pPr algn="r">
+              <a:defRPr sz="1400">
+                <a:solidFill>
+                  <a:srgbClr val="0070C0"/>
+                </a:solidFill>
+              </a:defRPr>
+            </a:lvl1pPr>
+          </a:lstStyle>
+          <a:p>
+            <a:r>
+              <a:rPr lang="en-US" dirty="0"/>
+              <a:t>parse(“sort all”)</a:t>
+            </a:r>
+          </a:p>
+        </p:txBody>
+      </p:sp>
+      <p:sp>
+        <p:nvSpPr>
+          <p:cNvPr id="82" name="TextBox 81"/>
+          <p:cNvSpPr txBox="1"/>
+          <p:nvPr/>
+        </p:nvSpPr>
+        <p:spPr>
+          <a:xfrm>
+            <a:off x="4340137" y="5255323"/>
+            <a:ext cx="621216" cy="215444"/>
+          </a:xfrm>
+          <a:prstGeom prst="rect">
+            <a:avLst/>
+          </a:prstGeom>
+          <a:noFill/>
+        </p:spPr>
+        <p:txBody>
+          <a:bodyPr wrap="square" lIns="0" tIns="0" rIns="0" bIns="0" rtlCol="0">
+            <a:spAutoFit/>
+          </a:bodyPr>
+          <a:lstStyle>
+            <a:defPPr>
+              <a:defRPr lang="en-US"/>
+            </a:defPPr>
+            <a:lvl1pPr algn="r">
+              <a:defRPr sz="1400">
+                <a:solidFill>
+                  <a:srgbClr val="0070C0"/>
+                </a:solidFill>
+              </a:defRPr>
+            </a:lvl1pPr>
+          </a:lstStyle>
+          <a:p>
+            <a:r>
+              <a:rPr lang="en-US" dirty="0"/>
+              <a:t>result</a:t>
+            </a:r>
+          </a:p>
+        </p:txBody>
+      </p:sp>
+      <p:sp>
+        <p:nvSpPr>
+          <p:cNvPr id="83" name="TextBox 82"/>
+          <p:cNvSpPr txBox="1"/>
+          <p:nvPr/>
+        </p:nvSpPr>
+        <p:spPr>
+          <a:xfrm>
+            <a:off x="599983" y="5538488"/>
+            <a:ext cx="762000" cy="215444"/>
+          </a:xfrm>
+          <a:prstGeom prst="rect">
+            <a:avLst/>
+          </a:prstGeom>
+          <a:noFill/>
+        </p:spPr>
+        <p:txBody>
+          <a:bodyPr wrap="square" lIns="0" tIns="0" rIns="0" bIns="0" rtlCol="0">
+            <a:spAutoFit/>
+          </a:bodyPr>
+          <a:lstStyle>
+            <a:defPPr>
+              <a:defRPr lang="en-US"/>
+            </a:defPPr>
+            <a:lvl1pPr algn="r">
+              <a:defRPr sz="1400">
+                <a:solidFill>
+                  <a:srgbClr val="0070C0"/>
+                </a:solidFill>
+              </a:defRPr>
+            </a:lvl1pPr>
+          </a:lstStyle>
+          <a:p>
+            <a:r>
+              <a:rPr lang="en-US" dirty="0"/>
+              <a:t>result</a:t>
+            </a:r>
+          </a:p>
+        </p:txBody>
+      </p:sp>
+      <p:sp>
+        <p:nvSpPr>
+          <p:cNvPr id="84" name="Rectangle 62"/>
+          <p:cNvSpPr/>
+          <p:nvPr/>
+        </p:nvSpPr>
+        <p:spPr>
+          <a:xfrm>
+            <a:off x="7020246" y="4777286"/>
+            <a:ext cx="1590354" cy="461538"/>
+          </a:xfrm>
+          <a:prstGeom prst="rect">
+            <a:avLst/>
+          </a:prstGeom>
+          <a:solidFill>
+            <a:srgbClr val="0070C0"/>
+          </a:solidFill>
+          <a:ln w="19050">
+            <a:solidFill>
+              <a:srgbClr val="0070C0"/>
+            </a:solidFill>
+          </a:ln>
+          <a:effectLst/>
+        </p:spPr>
+        <p:style>
+          <a:lnRef idx="1">
+            <a:schemeClr val="accent2"/>
+          </a:lnRef>
+          <a:fillRef idx="2">
+            <a:schemeClr val="accent2"/>
+          </a:fillRef>
+          <a:effectRef idx="1">
+            <a:schemeClr val="accent2"/>
+          </a:effectRef>
+          <a:fontRef idx="minor">
+            <a:schemeClr val="dk1"/>
+          </a:fontRef>
+        </p:style>
+        <p:txBody>
+          <a:bodyPr rtlCol="0" anchor="ctr"/>
+          <a:lstStyle/>
+          <a:p>
+            <a:pPr algn="ctr"/>
+            <a:r>
+              <a:rPr lang="en-US" sz="1600" dirty="0" err="1">
+                <a:solidFill>
+                  <a:schemeClr val="bg1"/>
+                </a:solidFill>
+              </a:rPr>
+              <a:t>result:Command</a:t>
+            </a:r>
+            <a:r>
+              <a:rPr lang="en-US" sz="1600" dirty="0">
+                <a:solidFill>
+                  <a:schemeClr val="bg1"/>
+                </a:solidFill>
+              </a:rPr>
+              <a:t> Result</a:t>
+            </a:r>
+            <a:endParaRPr lang="en-SG" sz="1600" dirty="0">
+              <a:solidFill>
+                <a:schemeClr val="bg1"/>
+              </a:solidFill>
+            </a:endParaRPr>
+          </a:p>
+        </p:txBody>
+      </p:sp>
+      <p:sp>
+        <p:nvSpPr>
+          <p:cNvPr id="86" name="Rectangle 85"/>
+          <p:cNvSpPr/>
+          <p:nvPr/>
+        </p:nvSpPr>
+        <p:spPr>
+          <a:xfrm>
+            <a:off x="7777323" y="5238824"/>
+            <a:ext cx="152400" cy="171376"/>
+          </a:xfrm>
+          <a:prstGeom prst="rect">
+            <a:avLst/>
+          </a:prstGeom>
+          <a:solidFill>
+            <a:srgbClr val="0070C0"/>
+          </a:solidFill>
+          <a:ln>
+            <a:solidFill>
+              <a:srgbClr val="0070C0"/>
+            </a:solidFill>
+          </a:ln>
+          <a:effectLst/>
+        </p:spPr>
+        <p:style>
+          <a:lnRef idx="1">
+            <a:schemeClr val="accent3"/>
+          </a:lnRef>
+          <a:fillRef idx="2">
+            <a:schemeClr val="accent3"/>
+          </a:fillRef>
+          <a:effectRef idx="1">
+            <a:schemeClr val="accent3"/>
+          </a:effectRef>
+          <a:fontRef idx="minor">
+            <a:schemeClr val="dk1"/>
+          </a:fontRef>
+        </p:style>
+        <p:txBody>
+          <a:bodyPr rtlCol="0" anchor="ctr"/>
+          <a:lstStyle/>
+          <a:p>
+            <a:pPr algn="ctr"/>
+            <a:endParaRPr lang="en-SG" sz="1400"/>
+          </a:p>
+        </p:txBody>
+      </p:sp>
+      <p:cxnSp>
+        <p:nvCxnSpPr>
+          <p:cNvPr id="90" name="Straight Arrow Connector 89"/>
+          <p:cNvCxnSpPr/>
+          <p:nvPr/>
+        </p:nvCxnSpPr>
+        <p:spPr>
+          <a:xfrm>
+            <a:off x="6858000" y="5410200"/>
+            <a:ext cx="966624" cy="0"/>
+          </a:xfrm>
+          <a:prstGeom prst="straightConnector1">
+            <a:avLst/>
+          </a:prstGeom>
+          <a:ln w="19050">
+            <a:solidFill>
+              <a:srgbClr val="0070C0"/>
+            </a:solidFill>
+            <a:prstDash val="sysDash"/>
+            <a:headEnd type="arrow" w="med" len="med"/>
+            <a:tailEnd type="none" w="med" len="med"/>
+          </a:ln>
+        </p:spPr>
+        <p:style>
+          <a:lnRef idx="1">
+            <a:schemeClr val="accent1"/>
+          </a:lnRef>
+          <a:fillRef idx="0">
+            <a:schemeClr val="accent1"/>
+          </a:fillRef>
+          <a:effectRef idx="0">
+            <a:schemeClr val="accent1"/>
+          </a:effectRef>
+          <a:fontRef idx="minor">
+            <a:schemeClr val="tx1"/>
+          </a:fontRef>
+        </p:style>
+      </p:cxnSp>
+      <p:sp>
+        <p:nvSpPr>
+          <p:cNvPr id="93" name="TextBox 92"/>
+          <p:cNvSpPr txBox="1"/>
+          <p:nvPr/>
+        </p:nvSpPr>
+        <p:spPr>
+          <a:xfrm>
+            <a:off x="2673845" y="4027787"/>
+            <a:ext cx="220343" cy="215444"/>
+          </a:xfrm>
+          <a:prstGeom prst="rect">
+            <a:avLst/>
+          </a:prstGeom>
+          <a:noFill/>
+        </p:spPr>
+        <p:txBody>
+          <a:bodyPr wrap="square" lIns="0" tIns="0" rIns="0" bIns="0" rtlCol="0">
+            <a:spAutoFit/>
+          </a:bodyPr>
+          <a:lstStyle>
+            <a:defPPr>
+              <a:defRPr lang="en-US"/>
+            </a:defPPr>
+            <a:lvl1pPr algn="r">
+              <a:defRPr sz="1400">
+                <a:solidFill>
+                  <a:srgbClr val="0070C0"/>
+                </a:solidFill>
+              </a:defRPr>
+            </a:lvl1pPr>
+          </a:lstStyle>
+          <a:p>
+            <a:r>
+              <a:rPr lang="en-US" dirty="0"/>
+              <a:t>d</a:t>
+            </a:r>
+          </a:p>
+        </p:txBody>
+      </p:sp>
+      <p:sp>
+        <p:nvSpPr>
+          <p:cNvPr id="40" name="Rectangle 62"/>
+          <p:cNvSpPr/>
+          <p:nvPr/>
+        </p:nvSpPr>
+        <p:spPr>
+          <a:xfrm>
+            <a:off x="4231981" y="2929839"/>
+            <a:ext cx="1778201" cy="432035"/>
+          </a:xfrm>
+          <a:prstGeom prst="rect">
+            <a:avLst/>
+          </a:prstGeom>
+          <a:solidFill>
+            <a:srgbClr val="0070C0"/>
+          </a:solidFill>
+          <a:ln w="19050">
+            <a:solidFill>
+              <a:srgbClr val="0070C0"/>
+            </a:solidFill>
+          </a:ln>
+          <a:effectLst/>
+        </p:spPr>
+        <p:style>
+          <a:lnRef idx="1">
+            <a:schemeClr val="accent2"/>
+          </a:lnRef>
+          <a:fillRef idx="2">
+            <a:schemeClr val="accent2"/>
+          </a:fillRef>
+          <a:effectRef idx="1">
+            <a:schemeClr val="accent2"/>
+          </a:effectRef>
+          <a:fontRef idx="minor">
+            <a:schemeClr val="dk1"/>
+          </a:fontRef>
+        </p:style>
+        <p:txBody>
+          <a:bodyPr rtlCol="0" anchor="ctr"/>
+          <a:lstStyle/>
+          <a:p>
+            <a:pPr algn="ctr"/>
+            <a:r>
+              <a:rPr lang="en-US" sz="1600" dirty="0">
+                <a:solidFill>
+                  <a:schemeClr val="bg1"/>
+                </a:solidFill>
+              </a:rPr>
+              <a:t>:</a:t>
+            </a:r>
+            <a:r>
+              <a:rPr lang="en-US" sz="1600" dirty="0" err="1">
+                <a:solidFill>
+                  <a:schemeClr val="bg1"/>
+                </a:solidFill>
+              </a:rPr>
+              <a:t>SortCommand</a:t>
+            </a:r>
+            <a:endParaRPr lang="en-US" sz="1600" dirty="0">
+              <a:solidFill>
+                <a:schemeClr val="bg1"/>
+              </a:solidFill>
+            </a:endParaRPr>
+          </a:p>
+          <a:p>
+            <a:pPr algn="ctr"/>
+            <a:r>
+              <a:rPr lang="en-US" sz="1600" dirty="0">
+                <a:solidFill>
+                  <a:schemeClr val="bg1"/>
+                </a:solidFill>
+              </a:rPr>
+              <a:t>Parser</a:t>
+            </a:r>
+            <a:endParaRPr lang="en-SG" sz="1600" dirty="0">
+              <a:solidFill>
+                <a:schemeClr val="bg1"/>
+              </a:solidFill>
+            </a:endParaRPr>
+          </a:p>
+        </p:txBody>
+      </p:sp>
+      <p:cxnSp>
+        <p:nvCxnSpPr>
+          <p:cNvPr id="8" name="Straight Arrow Connector 7"/>
+          <p:cNvCxnSpPr/>
+          <p:nvPr/>
+        </p:nvCxnSpPr>
+        <p:spPr>
+          <a:xfrm>
+            <a:off x="3462591" y="3657600"/>
+            <a:ext cx="1597356" cy="1"/>
+          </a:xfrm>
+          <a:prstGeom prst="straightConnector1">
+            <a:avLst/>
+          </a:prstGeom>
+          <a:ln w="19050">
+            <a:headEnd type="none" w="med" len="med"/>
+            <a:tailEnd type="arrow" w="med" len="med"/>
+          </a:ln>
+        </p:spPr>
+        <p:style>
+          <a:lnRef idx="1">
+            <a:schemeClr val="accent1"/>
+          </a:lnRef>
+          <a:fillRef idx="0">
+            <a:schemeClr val="accent1"/>
+          </a:fillRef>
+          <a:effectRef idx="0">
+            <a:schemeClr val="accent1"/>
+          </a:effectRef>
+          <a:fontRef idx="minor">
+            <a:schemeClr val="tx1"/>
+          </a:fontRef>
+        </p:style>
+      </p:cxnSp>
+      <p:sp>
+        <p:nvSpPr>
+          <p:cNvPr id="45" name="Rectangle 44"/>
+          <p:cNvSpPr/>
+          <p:nvPr/>
+        </p:nvSpPr>
+        <p:spPr>
+          <a:xfrm>
+            <a:off x="5059947" y="3352800"/>
+            <a:ext cx="205843" cy="123165"/>
+          </a:xfrm>
+          <a:prstGeom prst="rect">
+            <a:avLst/>
+          </a:prstGeom>
+          <a:solidFill>
+            <a:srgbClr val="0070C0"/>
+          </a:solidFill>
+          <a:ln>
+            <a:solidFill>
+              <a:srgbClr val="0070C0"/>
+            </a:solidFill>
+          </a:ln>
+          <a:effectLst/>
+        </p:spPr>
+        <p:style>
+          <a:lnRef idx="1">
+            <a:schemeClr val="accent3"/>
+          </a:lnRef>
+          <a:fillRef idx="2">
+            <a:schemeClr val="accent3"/>
+          </a:fillRef>
+          <a:effectRef idx="1">
+            <a:schemeClr val="accent3"/>
+          </a:effectRef>
+          <a:fontRef idx="minor">
+            <a:schemeClr val="dk1"/>
+          </a:fontRef>
+        </p:style>
+        <p:txBody>
+          <a:bodyPr rtlCol="0" anchor="ctr"/>
+          <a:lstStyle/>
+          <a:p>
+            <a:pPr algn="ctr"/>
+            <a:endParaRPr lang="en-SG" sz="1400"/>
+          </a:p>
+        </p:txBody>
+      </p:sp>
+      <p:cxnSp>
+        <p:nvCxnSpPr>
+          <p:cNvPr id="46" name="Straight Connector 45"/>
+          <p:cNvCxnSpPr>
+            <a:stCxn id="45" idx="0"/>
+          </p:cNvCxnSpPr>
+          <p:nvPr/>
+        </p:nvCxnSpPr>
+        <p:spPr>
+          <a:xfrm>
+            <a:off x="5162869" y="3352800"/>
+            <a:ext cx="0" cy="990600"/>
+          </a:xfrm>
+          <a:prstGeom prst="line">
+            <a:avLst/>
+          </a:prstGeom>
+          <a:ln w="19050">
+            <a:solidFill>
+              <a:srgbClr val="0070C0"/>
+            </a:solidFill>
+            <a:prstDash val="sysDash"/>
+          </a:ln>
+          <a:effectLst/>
+        </p:spPr>
+        <p:style>
+          <a:lnRef idx="1">
+            <a:schemeClr val="accent1"/>
+          </a:lnRef>
+          <a:fillRef idx="2">
+            <a:schemeClr val="accent1"/>
+          </a:fillRef>
+          <a:effectRef idx="1">
+            <a:schemeClr val="accent1"/>
+          </a:effectRef>
+          <a:fontRef idx="minor">
+            <a:schemeClr val="dk1"/>
+          </a:fontRef>
+        </p:style>
+      </p:cxnSp>
+      <p:sp>
+        <p:nvSpPr>
+          <p:cNvPr id="49" name="Rectangle 48"/>
+          <p:cNvSpPr/>
+          <p:nvPr/>
+        </p:nvSpPr>
+        <p:spPr>
+          <a:xfrm>
+            <a:off x="5059947" y="3657601"/>
+            <a:ext cx="205843" cy="533400"/>
+          </a:xfrm>
+          <a:prstGeom prst="rect">
+            <a:avLst/>
+          </a:prstGeom>
+          <a:solidFill>
+            <a:srgbClr val="0070C0"/>
+          </a:solidFill>
+          <a:ln>
+            <a:solidFill>
+              <a:srgbClr val="0070C0"/>
+            </a:solidFill>
+          </a:ln>
+          <a:effectLst/>
+        </p:spPr>
+        <p:style>
+          <a:lnRef idx="1">
+            <a:schemeClr val="accent3"/>
+          </a:lnRef>
+          <a:fillRef idx="2">
+            <a:schemeClr val="accent3"/>
+          </a:fillRef>
+          <a:effectRef idx="1">
+            <a:schemeClr val="accent3"/>
+          </a:effectRef>
+          <a:fontRef idx="minor">
+            <a:schemeClr val="dk1"/>
+          </a:fontRef>
+        </p:style>
+        <p:txBody>
+          <a:bodyPr rtlCol="0" anchor="ctr"/>
+          <a:lstStyle/>
+          <a:p>
+            <a:pPr algn="ctr"/>
+            <a:endParaRPr lang="en-SG" sz="1400"/>
+          </a:p>
+        </p:txBody>
+      </p:sp>
+      <p:cxnSp>
+        <p:nvCxnSpPr>
+          <p:cNvPr id="51" name="Straight Arrow Connector 50"/>
+          <p:cNvCxnSpPr/>
+          <p:nvPr/>
+        </p:nvCxnSpPr>
+        <p:spPr>
+          <a:xfrm>
+            <a:off x="3499382" y="4185073"/>
+            <a:ext cx="1667219" cy="0"/>
+          </a:xfrm>
+          <a:prstGeom prst="straightConnector1">
+            <a:avLst/>
+          </a:prstGeom>
+          <a:ln w="19050">
+            <a:solidFill>
+              <a:srgbClr val="0070C0"/>
+            </a:solidFill>
+            <a:prstDash val="sysDash"/>
+            <a:headEnd type="arrow" w="med" len="med"/>
+            <a:tailEnd type="none" w="med" len="med"/>
+          </a:ln>
+        </p:spPr>
+        <p:style>
+          <a:lnRef idx="1">
+            <a:schemeClr val="accent1"/>
+          </a:lnRef>
+          <a:fillRef idx="0">
+            <a:schemeClr val="accent1"/>
+          </a:fillRef>
+          <a:effectRef idx="0">
+            <a:schemeClr val="accent1"/>
+          </a:effectRef>
+          <a:fontRef idx="minor">
+            <a:schemeClr val="tx1"/>
+          </a:fontRef>
+        </p:style>
+      </p:cxnSp>
+      <p:cxnSp>
+        <p:nvCxnSpPr>
+          <p:cNvPr id="13" name="Straight Arrow Connector 12"/>
+          <p:cNvCxnSpPr/>
+          <p:nvPr/>
+        </p:nvCxnSpPr>
+        <p:spPr>
+          <a:xfrm>
+            <a:off x="6858000" y="5029200"/>
+            <a:ext cx="162246" cy="0"/>
+          </a:xfrm>
+          <a:prstGeom prst="straightConnector1">
+            <a:avLst/>
+          </a:prstGeom>
+          <a:ln w="19050">
+            <a:headEnd type="none" w="med" len="med"/>
+            <a:tailEnd type="arrow" w="med" len="med"/>
+          </a:ln>
+        </p:spPr>
+        <p:style>
+          <a:lnRef idx="1">
+            <a:schemeClr val="accent1"/>
+          </a:lnRef>
+          <a:fillRef idx="0">
+            <a:schemeClr val="accent1"/>
+          </a:fillRef>
+          <a:effectRef idx="0">
+            <a:schemeClr val="accent1"/>
+          </a:effectRef>
+          <a:fontRef idx="minor">
+            <a:schemeClr val="tx1"/>
+          </a:fontRef>
+        </p:style>
+      </p:cxnSp>
+      <p:cxnSp>
+        <p:nvCxnSpPr>
+          <p:cNvPr id="50" name="Straight Arrow Connector 49"/>
+          <p:cNvCxnSpPr/>
+          <p:nvPr/>
+        </p:nvCxnSpPr>
+        <p:spPr>
+          <a:xfrm>
+            <a:off x="3412425" y="3173004"/>
+            <a:ext cx="819556" cy="1"/>
+          </a:xfrm>
+          <a:prstGeom prst="straightConnector1">
+            <a:avLst/>
+          </a:prstGeom>
+          <a:ln w="19050">
+            <a:solidFill>
+              <a:srgbClr val="0070C0"/>
+            </a:solidFill>
+            <a:tailEnd type="arrow"/>
+          </a:ln>
+        </p:spPr>
+        <p:style>
+          <a:lnRef idx="1">
+            <a:schemeClr val="accent1"/>
+          </a:lnRef>
+          <a:fillRef idx="0">
+            <a:schemeClr val="accent1"/>
+          </a:fillRef>
+          <a:effectRef idx="0">
+            <a:schemeClr val="accent1"/>
+          </a:effectRef>
+          <a:fontRef idx="minor">
+            <a:schemeClr val="tx1"/>
+          </a:fontRef>
+        </p:style>
+      </p:cxnSp>
+      <p:cxnSp>
+        <p:nvCxnSpPr>
+          <p:cNvPr id="52" name="Straight Arrow Connector 51"/>
+          <p:cNvCxnSpPr/>
+          <p:nvPr/>
+        </p:nvCxnSpPr>
+        <p:spPr>
+          <a:xfrm>
+            <a:off x="3459519" y="3475965"/>
+            <a:ext cx="1600428" cy="0"/>
+          </a:xfrm>
+          <a:prstGeom prst="straightConnector1">
+            <a:avLst/>
+          </a:prstGeom>
+          <a:ln w="19050">
+            <a:solidFill>
+              <a:srgbClr val="0070C0"/>
+            </a:solidFill>
+            <a:prstDash val="sysDash"/>
+            <a:headEnd type="arrow" w="med" len="med"/>
+            <a:tailEnd type="none" w="med" len="med"/>
+          </a:ln>
+        </p:spPr>
+        <p:style>
+          <a:lnRef idx="1">
+            <a:schemeClr val="accent1"/>
+          </a:lnRef>
+          <a:fillRef idx="0">
+            <a:schemeClr val="accent1"/>
+          </a:fillRef>
+          <a:effectRef idx="0">
+            <a:schemeClr val="accent1"/>
+          </a:effectRef>
+          <a:fontRef idx="minor">
+            <a:schemeClr val="tx1"/>
+          </a:fontRef>
+        </p:style>
+      </p:cxnSp>
+      <p:sp>
+        <p:nvSpPr>
+          <p:cNvPr id="4" name="TextBox 3"/>
+          <p:cNvSpPr txBox="1"/>
+          <p:nvPr/>
+        </p:nvSpPr>
+        <p:spPr>
+          <a:xfrm>
+            <a:off x="5033665" y="4199590"/>
+            <a:ext cx="258404" cy="261610"/>
+          </a:xfrm>
+          <a:prstGeom prst="rect">
+            <a:avLst/>
+          </a:prstGeom>
+          <a:noFill/>
+        </p:spPr>
+        <p:txBody>
+          <a:bodyPr wrap="none" rtlCol="0">
+            <a:spAutoFit/>
+          </a:bodyPr>
+          <a:lstStyle/>
+          <a:p>
+            <a:r>
+              <a:rPr lang="en-SG" sz="1100" dirty="0">
+                <a:solidFill>
+                  <a:srgbClr val="002060"/>
+                </a:solidFill>
+              </a:rPr>
+              <a:t>X</a:t>
+            </a:r>
+          </a:p>
+        </p:txBody>
+      </p:sp>
+    </p:spTree>
+    <p:extLst>
+      <p:ext uri="{BB962C8B-B14F-4D97-AF65-F5344CB8AC3E}">
+        <p14:creationId xmlns:p14="http://schemas.microsoft.com/office/powerpoint/2010/main" val="4275376446"/>
       </p:ext>
     </p:extLst>
   </p:cSld>

--- a/docs/diagrams/LogicComponentSequenceDiagram.pptx
+++ b/docs/diagrams/LogicComponentSequenceDiagram.pptx
@@ -208,7 +208,7 @@
           <a:p>
             <a:fld id="{F5CC4B3F-88C1-4FFA-B1B6-F41C21DC6924}" type="datetimeFigureOut">
               <a:rPr lang="en-US" smtClean="0"/>
-              <a:t>2/6/2017</a:t>
+              <a:t>4/8/2017</a:t>
             </a:fld>
             <a:endParaRPr lang="en-US"/>
           </a:p>
@@ -272,38 +272,37 @@
           <a:p>
             <a:pPr lvl="0"/>
             <a:r>
-              <a:rPr lang="en-US" smtClean="0"/>
+              <a:rPr lang="en-US"/>
               <a:t>Click to edit Master text styles</a:t>
             </a:r>
           </a:p>
           <a:p>
             <a:pPr lvl="1"/>
             <a:r>
-              <a:rPr lang="en-US" smtClean="0"/>
+              <a:rPr lang="en-US"/>
               <a:t>Second level</a:t>
             </a:r>
           </a:p>
           <a:p>
             <a:pPr lvl="2"/>
             <a:r>
-              <a:rPr lang="en-US" smtClean="0"/>
+              <a:rPr lang="en-US"/>
               <a:t>Third level</a:t>
             </a:r>
           </a:p>
           <a:p>
             <a:pPr lvl="3"/>
             <a:r>
-              <a:rPr lang="en-US" smtClean="0"/>
+              <a:rPr lang="en-US"/>
               <a:t>Fourth level</a:t>
             </a:r>
           </a:p>
           <a:p>
             <a:pPr lvl="4"/>
             <a:r>
-              <a:rPr lang="en-US" smtClean="0"/>
+              <a:rPr lang="en-US"/>
               <a:t>Fifth level</a:t>
             </a:r>
-            <a:endParaRPr lang="en-US"/>
           </a:p>
         </p:txBody>
       </p:sp>
@@ -514,10 +513,9 @@
           <a:lstStyle/>
           <a:p>
             <a:r>
-              <a:rPr lang="en-US" smtClean="0"/>
+              <a:rPr lang="en-US"/>
               <a:t>Click to edit Master title style</a:t>
             </a:r>
-            <a:endParaRPr lang="en-US"/>
           </a:p>
         </p:txBody>
       </p:sp>
@@ -633,10 +631,9 @@
           </a:lstStyle>
           <a:p>
             <a:r>
-              <a:rPr lang="en-US" smtClean="0"/>
+              <a:rPr lang="en-US"/>
               <a:t>Click to edit Master subtitle style</a:t>
             </a:r>
-            <a:endParaRPr lang="en-US"/>
           </a:p>
         </p:txBody>
       </p:sp>
@@ -657,7 +654,7 @@
           <a:p>
             <a:fld id="{78C97017-6FC3-485B-9764-EAC9E56C1D49}" type="datetimeFigureOut">
               <a:rPr lang="en-US" smtClean="0"/>
-              <a:t>2/6/2017</a:t>
+              <a:t>4/8/2017</a:t>
             </a:fld>
             <a:endParaRPr lang="en-US"/>
           </a:p>
@@ -751,10 +748,9 @@
           <a:lstStyle/>
           <a:p>
             <a:r>
-              <a:rPr lang="en-US" smtClean="0"/>
+              <a:rPr lang="en-US"/>
               <a:t>Click to edit Master title style</a:t>
             </a:r>
-            <a:endParaRPr lang="en-US"/>
           </a:p>
         </p:txBody>
       </p:sp>
@@ -775,38 +771,37 @@
           <a:p>
             <a:pPr lvl="0"/>
             <a:r>
-              <a:rPr lang="en-US" smtClean="0"/>
+              <a:rPr lang="en-US"/>
               <a:t>Click to edit Master text styles</a:t>
             </a:r>
           </a:p>
           <a:p>
             <a:pPr lvl="1"/>
             <a:r>
-              <a:rPr lang="en-US" smtClean="0"/>
+              <a:rPr lang="en-US"/>
               <a:t>Second level</a:t>
             </a:r>
           </a:p>
           <a:p>
             <a:pPr lvl="2"/>
             <a:r>
-              <a:rPr lang="en-US" smtClean="0"/>
+              <a:rPr lang="en-US"/>
               <a:t>Third level</a:t>
             </a:r>
           </a:p>
           <a:p>
             <a:pPr lvl="3"/>
             <a:r>
-              <a:rPr lang="en-US" smtClean="0"/>
+              <a:rPr lang="en-US"/>
               <a:t>Fourth level</a:t>
             </a:r>
           </a:p>
           <a:p>
             <a:pPr lvl="4"/>
             <a:r>
-              <a:rPr lang="en-US" smtClean="0"/>
+              <a:rPr lang="en-US"/>
               <a:t>Fifth level</a:t>
             </a:r>
-            <a:endParaRPr lang="en-US"/>
           </a:p>
         </p:txBody>
       </p:sp>
@@ -827,7 +822,7 @@
           <a:p>
             <a:fld id="{78C97017-6FC3-485B-9764-EAC9E56C1D49}" type="datetimeFigureOut">
               <a:rPr lang="en-US" smtClean="0"/>
-              <a:t>2/6/2017</a:t>
+              <a:t>4/8/2017</a:t>
             </a:fld>
             <a:endParaRPr lang="en-US"/>
           </a:p>
@@ -926,10 +921,9 @@
           <a:lstStyle/>
           <a:p>
             <a:r>
-              <a:rPr lang="en-US" smtClean="0"/>
+              <a:rPr lang="en-US"/>
               <a:t>Click to edit Master title style</a:t>
             </a:r>
-            <a:endParaRPr lang="en-US"/>
           </a:p>
         </p:txBody>
       </p:sp>
@@ -955,38 +949,37 @@
           <a:p>
             <a:pPr lvl="0"/>
             <a:r>
-              <a:rPr lang="en-US" smtClean="0"/>
+              <a:rPr lang="en-US"/>
               <a:t>Click to edit Master text styles</a:t>
             </a:r>
           </a:p>
           <a:p>
             <a:pPr lvl="1"/>
             <a:r>
-              <a:rPr lang="en-US" smtClean="0"/>
+              <a:rPr lang="en-US"/>
               <a:t>Second level</a:t>
             </a:r>
           </a:p>
           <a:p>
             <a:pPr lvl="2"/>
             <a:r>
-              <a:rPr lang="en-US" smtClean="0"/>
+              <a:rPr lang="en-US"/>
               <a:t>Third level</a:t>
             </a:r>
           </a:p>
           <a:p>
             <a:pPr lvl="3"/>
             <a:r>
-              <a:rPr lang="en-US" smtClean="0"/>
+              <a:rPr lang="en-US"/>
               <a:t>Fourth level</a:t>
             </a:r>
           </a:p>
           <a:p>
             <a:pPr lvl="4"/>
             <a:r>
-              <a:rPr lang="en-US" smtClean="0"/>
+              <a:rPr lang="en-US"/>
               <a:t>Fifth level</a:t>
             </a:r>
-            <a:endParaRPr lang="en-US"/>
           </a:p>
         </p:txBody>
       </p:sp>
@@ -1007,7 +1000,7 @@
           <a:p>
             <a:fld id="{78C97017-6FC3-485B-9764-EAC9E56C1D49}" type="datetimeFigureOut">
               <a:rPr lang="en-US" smtClean="0"/>
-              <a:t>2/6/2017</a:t>
+              <a:t>4/8/2017</a:t>
             </a:fld>
             <a:endParaRPr lang="en-US"/>
           </a:p>
@@ -1101,10 +1094,9 @@
           <a:lstStyle/>
           <a:p>
             <a:r>
-              <a:rPr lang="en-US" smtClean="0"/>
+              <a:rPr lang="en-US"/>
               <a:t>Click to edit Master title style</a:t>
             </a:r>
-            <a:endParaRPr lang="en-US"/>
           </a:p>
         </p:txBody>
       </p:sp>
@@ -1125,38 +1117,37 @@
           <a:p>
             <a:pPr lvl="0"/>
             <a:r>
-              <a:rPr lang="en-US" smtClean="0"/>
+              <a:rPr lang="en-US"/>
               <a:t>Click to edit Master text styles</a:t>
             </a:r>
           </a:p>
           <a:p>
             <a:pPr lvl="1"/>
             <a:r>
-              <a:rPr lang="en-US" smtClean="0"/>
+              <a:rPr lang="en-US"/>
               <a:t>Second level</a:t>
             </a:r>
           </a:p>
           <a:p>
             <a:pPr lvl="2"/>
             <a:r>
-              <a:rPr lang="en-US" smtClean="0"/>
+              <a:rPr lang="en-US"/>
               <a:t>Third level</a:t>
             </a:r>
           </a:p>
           <a:p>
             <a:pPr lvl="3"/>
             <a:r>
-              <a:rPr lang="en-US" smtClean="0"/>
+              <a:rPr lang="en-US"/>
               <a:t>Fourth level</a:t>
             </a:r>
           </a:p>
           <a:p>
             <a:pPr lvl="4"/>
             <a:r>
-              <a:rPr lang="en-US" smtClean="0"/>
+              <a:rPr lang="en-US"/>
               <a:t>Fifth level</a:t>
             </a:r>
-            <a:endParaRPr lang="en-US"/>
           </a:p>
         </p:txBody>
       </p:sp>
@@ -1177,7 +1168,7 @@
           <a:p>
             <a:fld id="{78C97017-6FC3-485B-9764-EAC9E56C1D49}" type="datetimeFigureOut">
               <a:rPr lang="en-US" smtClean="0"/>
-              <a:t>2/6/2017</a:t>
+              <a:t>4/8/2017</a:t>
             </a:fld>
             <a:endParaRPr lang="en-US"/>
           </a:p>
@@ -1280,10 +1271,9 @@
           </a:lstStyle>
           <a:p>
             <a:r>
-              <a:rPr lang="en-US" smtClean="0"/>
+              <a:rPr lang="en-US"/>
               <a:t>Click to edit Master title style</a:t>
             </a:r>
-            <a:endParaRPr lang="en-US"/>
           </a:p>
         </p:txBody>
       </p:sp>
@@ -1400,7 +1390,7 @@
           <a:p>
             <a:pPr lvl="0"/>
             <a:r>
-              <a:rPr lang="en-US" smtClean="0"/>
+              <a:rPr lang="en-US"/>
               <a:t>Click to edit Master text styles</a:t>
             </a:r>
           </a:p>
@@ -1423,7 +1413,7 @@
           <a:p>
             <a:fld id="{78C97017-6FC3-485B-9764-EAC9E56C1D49}" type="datetimeFigureOut">
               <a:rPr lang="en-US" smtClean="0"/>
-              <a:t>2/6/2017</a:t>
+              <a:t>4/8/2017</a:t>
             </a:fld>
             <a:endParaRPr lang="en-US"/>
           </a:p>
@@ -1517,10 +1507,9 @@
           <a:lstStyle/>
           <a:p>
             <a:r>
-              <a:rPr lang="en-US" smtClean="0"/>
+              <a:rPr lang="en-US"/>
               <a:t>Click to edit Master title style</a:t>
             </a:r>
-            <a:endParaRPr lang="en-US"/>
           </a:p>
         </p:txBody>
       </p:sp>
@@ -1574,38 +1563,37 @@
           <a:p>
             <a:pPr lvl="0"/>
             <a:r>
-              <a:rPr lang="en-US" smtClean="0"/>
+              <a:rPr lang="en-US"/>
               <a:t>Click to edit Master text styles</a:t>
             </a:r>
           </a:p>
           <a:p>
             <a:pPr lvl="1"/>
             <a:r>
-              <a:rPr lang="en-US" smtClean="0"/>
+              <a:rPr lang="en-US"/>
               <a:t>Second level</a:t>
             </a:r>
           </a:p>
           <a:p>
             <a:pPr lvl="2"/>
             <a:r>
-              <a:rPr lang="en-US" smtClean="0"/>
+              <a:rPr lang="en-US"/>
               <a:t>Third level</a:t>
             </a:r>
           </a:p>
           <a:p>
             <a:pPr lvl="3"/>
             <a:r>
-              <a:rPr lang="en-US" smtClean="0"/>
+              <a:rPr lang="en-US"/>
               <a:t>Fourth level</a:t>
             </a:r>
           </a:p>
           <a:p>
             <a:pPr lvl="4"/>
             <a:r>
-              <a:rPr lang="en-US" smtClean="0"/>
+              <a:rPr lang="en-US"/>
               <a:t>Fifth level</a:t>
             </a:r>
-            <a:endParaRPr lang="en-US"/>
           </a:p>
         </p:txBody>
       </p:sp>
@@ -1659,38 +1647,37 @@
           <a:p>
             <a:pPr lvl="0"/>
             <a:r>
-              <a:rPr lang="en-US" smtClean="0"/>
+              <a:rPr lang="en-US"/>
               <a:t>Click to edit Master text styles</a:t>
             </a:r>
           </a:p>
           <a:p>
             <a:pPr lvl="1"/>
             <a:r>
-              <a:rPr lang="en-US" smtClean="0"/>
+              <a:rPr lang="en-US"/>
               <a:t>Second level</a:t>
             </a:r>
           </a:p>
           <a:p>
             <a:pPr lvl="2"/>
             <a:r>
-              <a:rPr lang="en-US" smtClean="0"/>
+              <a:rPr lang="en-US"/>
               <a:t>Third level</a:t>
             </a:r>
           </a:p>
           <a:p>
             <a:pPr lvl="3"/>
             <a:r>
-              <a:rPr lang="en-US" smtClean="0"/>
+              <a:rPr lang="en-US"/>
               <a:t>Fourth level</a:t>
             </a:r>
           </a:p>
           <a:p>
             <a:pPr lvl="4"/>
             <a:r>
-              <a:rPr lang="en-US" smtClean="0"/>
+              <a:rPr lang="en-US"/>
               <a:t>Fifth level</a:t>
             </a:r>
-            <a:endParaRPr lang="en-US"/>
           </a:p>
         </p:txBody>
       </p:sp>
@@ -1711,7 +1698,7 @@
           <a:p>
             <a:fld id="{78C97017-6FC3-485B-9764-EAC9E56C1D49}" type="datetimeFigureOut">
               <a:rPr lang="en-US" smtClean="0"/>
-              <a:t>2/6/2017</a:t>
+              <a:t>4/8/2017</a:t>
             </a:fld>
             <a:endParaRPr lang="en-US"/>
           </a:p>
@@ -1809,10 +1796,9 @@
           </a:lstStyle>
           <a:p>
             <a:r>
-              <a:rPr lang="en-US" smtClean="0"/>
+              <a:rPr lang="en-US"/>
               <a:t>Click to edit Master title style</a:t>
             </a:r>
-            <a:endParaRPr lang="en-US"/>
           </a:p>
         </p:txBody>
       </p:sp>
@@ -1875,7 +1861,7 @@
           <a:p>
             <a:pPr lvl="0"/>
             <a:r>
-              <a:rPr lang="en-US" smtClean="0"/>
+              <a:rPr lang="en-US"/>
               <a:t>Click to edit Master text styles</a:t>
             </a:r>
           </a:p>
@@ -1931,38 +1917,37 @@
           <a:p>
             <a:pPr lvl="0"/>
             <a:r>
-              <a:rPr lang="en-US" smtClean="0"/>
+              <a:rPr lang="en-US"/>
               <a:t>Click to edit Master text styles</a:t>
             </a:r>
           </a:p>
           <a:p>
             <a:pPr lvl="1"/>
             <a:r>
-              <a:rPr lang="en-US" smtClean="0"/>
+              <a:rPr lang="en-US"/>
               <a:t>Second level</a:t>
             </a:r>
           </a:p>
           <a:p>
             <a:pPr lvl="2"/>
             <a:r>
-              <a:rPr lang="en-US" smtClean="0"/>
+              <a:rPr lang="en-US"/>
               <a:t>Third level</a:t>
             </a:r>
           </a:p>
           <a:p>
             <a:pPr lvl="3"/>
             <a:r>
-              <a:rPr lang="en-US" smtClean="0"/>
+              <a:rPr lang="en-US"/>
               <a:t>Fourth level</a:t>
             </a:r>
           </a:p>
           <a:p>
             <a:pPr lvl="4"/>
             <a:r>
-              <a:rPr lang="en-US" smtClean="0"/>
+              <a:rPr lang="en-US"/>
               <a:t>Fifth level</a:t>
             </a:r>
-            <a:endParaRPr lang="en-US"/>
           </a:p>
         </p:txBody>
       </p:sp>
@@ -2025,7 +2010,7 @@
           <a:p>
             <a:pPr lvl="0"/>
             <a:r>
-              <a:rPr lang="en-US" smtClean="0"/>
+              <a:rPr lang="en-US"/>
               <a:t>Click to edit Master text styles</a:t>
             </a:r>
           </a:p>
@@ -2081,38 +2066,37 @@
           <a:p>
             <a:pPr lvl="0"/>
             <a:r>
-              <a:rPr lang="en-US" smtClean="0"/>
+              <a:rPr lang="en-US"/>
               <a:t>Click to edit Master text styles</a:t>
             </a:r>
           </a:p>
           <a:p>
             <a:pPr lvl="1"/>
             <a:r>
-              <a:rPr lang="en-US" smtClean="0"/>
+              <a:rPr lang="en-US"/>
               <a:t>Second level</a:t>
             </a:r>
           </a:p>
           <a:p>
             <a:pPr lvl="2"/>
             <a:r>
-              <a:rPr lang="en-US" smtClean="0"/>
+              <a:rPr lang="en-US"/>
               <a:t>Third level</a:t>
             </a:r>
           </a:p>
           <a:p>
             <a:pPr lvl="3"/>
             <a:r>
-              <a:rPr lang="en-US" smtClean="0"/>
+              <a:rPr lang="en-US"/>
               <a:t>Fourth level</a:t>
             </a:r>
           </a:p>
           <a:p>
             <a:pPr lvl="4"/>
             <a:r>
-              <a:rPr lang="en-US" smtClean="0"/>
+              <a:rPr lang="en-US"/>
               <a:t>Fifth level</a:t>
             </a:r>
-            <a:endParaRPr lang="en-US"/>
           </a:p>
         </p:txBody>
       </p:sp>
@@ -2133,7 +2117,7 @@
           <a:p>
             <a:fld id="{78C97017-6FC3-485B-9764-EAC9E56C1D49}" type="datetimeFigureOut">
               <a:rPr lang="en-US" smtClean="0"/>
-              <a:t>2/6/2017</a:t>
+              <a:t>4/8/2017</a:t>
             </a:fld>
             <a:endParaRPr lang="en-US"/>
           </a:p>
@@ -2227,10 +2211,9 @@
           <a:lstStyle/>
           <a:p>
             <a:r>
-              <a:rPr lang="en-US" smtClean="0"/>
+              <a:rPr lang="en-US"/>
               <a:t>Click to edit Master title style</a:t>
             </a:r>
-            <a:endParaRPr lang="en-US"/>
           </a:p>
         </p:txBody>
       </p:sp>
@@ -2251,7 +2234,7 @@
           <a:p>
             <a:fld id="{78C97017-6FC3-485B-9764-EAC9E56C1D49}" type="datetimeFigureOut">
               <a:rPr lang="en-US" smtClean="0"/>
-              <a:t>2/6/2017</a:t>
+              <a:t>4/8/2017</a:t>
             </a:fld>
             <a:endParaRPr lang="en-US"/>
           </a:p>
@@ -2346,7 +2329,7 @@
           <a:p>
             <a:fld id="{78C97017-6FC3-485B-9764-EAC9E56C1D49}" type="datetimeFigureOut">
               <a:rPr lang="en-US" smtClean="0"/>
-              <a:t>2/6/2017</a:t>
+              <a:t>4/8/2017</a:t>
             </a:fld>
             <a:endParaRPr lang="en-US"/>
           </a:p>
@@ -2449,10 +2432,9 @@
           </a:lstStyle>
           <a:p>
             <a:r>
-              <a:rPr lang="en-US" smtClean="0"/>
+              <a:rPr lang="en-US"/>
               <a:t>Click to edit Master title style</a:t>
             </a:r>
-            <a:endParaRPr lang="en-US"/>
           </a:p>
         </p:txBody>
       </p:sp>
@@ -2506,38 +2488,37 @@
           <a:p>
             <a:pPr lvl="0"/>
             <a:r>
-              <a:rPr lang="en-US" smtClean="0"/>
+              <a:rPr lang="en-US"/>
               <a:t>Click to edit Master text styles</a:t>
             </a:r>
           </a:p>
           <a:p>
             <a:pPr lvl="1"/>
             <a:r>
-              <a:rPr lang="en-US" smtClean="0"/>
+              <a:rPr lang="en-US"/>
               <a:t>Second level</a:t>
             </a:r>
           </a:p>
           <a:p>
             <a:pPr lvl="2"/>
             <a:r>
-              <a:rPr lang="en-US" smtClean="0"/>
+              <a:rPr lang="en-US"/>
               <a:t>Third level</a:t>
             </a:r>
           </a:p>
           <a:p>
             <a:pPr lvl="3"/>
             <a:r>
-              <a:rPr lang="en-US" smtClean="0"/>
+              <a:rPr lang="en-US"/>
               <a:t>Fourth level</a:t>
             </a:r>
           </a:p>
           <a:p>
             <a:pPr lvl="4"/>
             <a:r>
-              <a:rPr lang="en-US" smtClean="0"/>
+              <a:rPr lang="en-US"/>
               <a:t>Fifth level</a:t>
             </a:r>
-            <a:endParaRPr lang="en-US"/>
           </a:p>
         </p:txBody>
       </p:sp>
@@ -2600,7 +2581,7 @@
           <a:p>
             <a:pPr lvl="0"/>
             <a:r>
-              <a:rPr lang="en-US" smtClean="0"/>
+              <a:rPr lang="en-US"/>
               <a:t>Click to edit Master text styles</a:t>
             </a:r>
           </a:p>
@@ -2623,7 +2604,7 @@
           <a:p>
             <a:fld id="{78C97017-6FC3-485B-9764-EAC9E56C1D49}" type="datetimeFigureOut">
               <a:rPr lang="en-US" smtClean="0"/>
-              <a:t>2/6/2017</a:t>
+              <a:t>4/8/2017</a:t>
             </a:fld>
             <a:endParaRPr lang="en-US"/>
           </a:p>
@@ -2726,10 +2707,9 @@
           </a:lstStyle>
           <a:p>
             <a:r>
-              <a:rPr lang="en-US" smtClean="0"/>
+              <a:rPr lang="en-US"/>
               <a:t>Click to edit Master title style</a:t>
             </a:r>
-            <a:endParaRPr lang="en-US"/>
           </a:p>
         </p:txBody>
       </p:sp>
@@ -2853,7 +2833,7 @@
           <a:p>
             <a:pPr lvl="0"/>
             <a:r>
-              <a:rPr lang="en-US" smtClean="0"/>
+              <a:rPr lang="en-US"/>
               <a:t>Click to edit Master text styles</a:t>
             </a:r>
           </a:p>
@@ -2876,7 +2856,7 @@
           <a:p>
             <a:fld id="{78C97017-6FC3-485B-9764-EAC9E56C1D49}" type="datetimeFigureOut">
               <a:rPr lang="en-US" smtClean="0"/>
-              <a:t>2/6/2017</a:t>
+              <a:t>4/8/2017</a:t>
             </a:fld>
             <a:endParaRPr lang="en-US"/>
           </a:p>
@@ -2985,10 +2965,9 @@
           <a:lstStyle/>
           <a:p>
             <a:r>
-              <a:rPr lang="en-US" smtClean="0"/>
+              <a:rPr lang="en-US"/>
               <a:t>Click to edit Master title style</a:t>
             </a:r>
-            <a:endParaRPr lang="en-US"/>
           </a:p>
         </p:txBody>
       </p:sp>
@@ -3019,38 +2998,37 @@
           <a:p>
             <a:pPr lvl="0"/>
             <a:r>
-              <a:rPr lang="en-US" smtClean="0"/>
+              <a:rPr lang="en-US"/>
               <a:t>Click to edit Master text styles</a:t>
             </a:r>
           </a:p>
           <a:p>
             <a:pPr lvl="1"/>
             <a:r>
-              <a:rPr lang="en-US" smtClean="0"/>
+              <a:rPr lang="en-US"/>
               <a:t>Second level</a:t>
             </a:r>
           </a:p>
           <a:p>
             <a:pPr lvl="2"/>
             <a:r>
-              <a:rPr lang="en-US" smtClean="0"/>
+              <a:rPr lang="en-US"/>
               <a:t>Third level</a:t>
             </a:r>
           </a:p>
           <a:p>
             <a:pPr lvl="3"/>
             <a:r>
-              <a:rPr lang="en-US" smtClean="0"/>
+              <a:rPr lang="en-US"/>
               <a:t>Fourth level</a:t>
             </a:r>
           </a:p>
           <a:p>
             <a:pPr lvl="4"/>
             <a:r>
-              <a:rPr lang="en-US" smtClean="0"/>
+              <a:rPr lang="en-US"/>
               <a:t>Fifth level</a:t>
             </a:r>
-            <a:endParaRPr lang="en-US"/>
           </a:p>
         </p:txBody>
       </p:sp>
@@ -3089,7 +3067,7 @@
           <a:p>
             <a:fld id="{78C97017-6FC3-485B-9764-EAC9E56C1D49}" type="datetimeFigureOut">
               <a:rPr lang="en-US" smtClean="0"/>
-              <a:t>2/6/2017</a:t>
+              <a:t>4/8/2017</a:t>
             </a:fld>
             <a:endParaRPr lang="en-US"/>
           </a:p>
@@ -3510,7 +3488,7 @@
           <a:lstStyle/>
           <a:p>
             <a:r>
-              <a:rPr lang="en-US" sz="1200" b="1" dirty="0" smtClean="0">
+              <a:rPr lang="en-US" sz="1200" b="1" dirty="0">
                 <a:solidFill>
                   <a:srgbClr val="0070C0"/>
                 </a:solidFill>
@@ -3720,7 +3698,7 @@
           <a:p>
             <a:pPr algn="ctr"/>
             <a:r>
-              <a:rPr lang="en-US" sz="1600" dirty="0" smtClean="0">
+              <a:rPr lang="en-US" sz="1600" dirty="0">
                 <a:solidFill>
                   <a:schemeClr val="bg1"/>
                 </a:solidFill>
@@ -3867,20 +3845,12 @@
           <a:p>
             <a:pPr algn="ctr"/>
             <a:r>
-              <a:rPr lang="en-US" sz="1600" dirty="0" smtClean="0">
+              <a:rPr lang="en-US" sz="1600" dirty="0">
                 <a:solidFill>
                   <a:schemeClr val="bg1"/>
                 </a:solidFill>
               </a:rPr>
               <a:t>d:Delete</a:t>
-            </a:r>
-            <a:r>
-              <a:rPr lang="en-US" sz="1600" dirty="0">
-                <a:solidFill>
-                  <a:schemeClr val="bg1"/>
-                </a:solidFill>
-              </a:rPr>
-              <a:t/>
             </a:r>
             <a:br>
               <a:rPr lang="en-US" sz="1600" dirty="0">
@@ -4087,18 +4057,13 @@
           <a:p>
             <a:pPr algn="r"/>
             <a:r>
-              <a:rPr lang="en-US" sz="1400" dirty="0" smtClean="0">
+              <a:rPr lang="en-US" sz="1400" dirty="0">
                 <a:solidFill>
                   <a:srgbClr val="0070C0"/>
                 </a:solidFill>
               </a:rPr>
               <a:t>execute(“delete 1”)</a:t>
             </a:r>
-            <a:endParaRPr lang="en-US" sz="1400" dirty="0">
-              <a:solidFill>
-                <a:srgbClr val="0070C0"/>
-              </a:solidFill>
-            </a:endParaRPr>
           </a:p>
         </p:txBody>
       </p:sp>
@@ -4686,26 +4651,21 @@
           </a:lstStyle>
           <a:p>
             <a:r>
-              <a:rPr lang="en-US" dirty="0" err="1" smtClean="0">
+              <a:rPr lang="en-US" dirty="0" err="1">
                 <a:solidFill>
                   <a:srgbClr val="7030A0"/>
                 </a:solidFill>
               </a:rPr>
-              <a:t>deletePerson</a:t>
-            </a:r>
-            <a:r>
-              <a:rPr lang="en-US" dirty="0" smtClean="0">
+              <a:t>deleteTask</a:t>
+            </a:r>
+            <a:r>
+              <a:rPr lang="en-US" dirty="0">
                 <a:solidFill>
                   <a:srgbClr val="7030A0"/>
                 </a:solidFill>
               </a:rPr>
               <a:t>(p)</a:t>
             </a:r>
-            <a:endParaRPr lang="en-US" dirty="0">
-              <a:solidFill>
-                <a:srgbClr val="7030A0"/>
-              </a:solidFill>
-            </a:endParaRPr>
           </a:p>
         </p:txBody>
       </p:sp>
@@ -4744,13 +4704,8 @@
           <a:p>
             <a:r>
               <a:rPr lang="en-US" sz="1200" dirty="0"/>
-              <a:t>p</a:t>
-            </a:r>
-            <a:r>
-              <a:rPr lang="en-US" sz="1200" dirty="0" smtClean="0"/>
-              <a:t>arse(“1”)</a:t>
-            </a:r>
-            <a:endParaRPr lang="en-US" sz="1200" dirty="0"/>
+              <a:t>parse(“1”)</a:t>
+            </a:r>
           </a:p>
         </p:txBody>
       </p:sp>
@@ -4788,10 +4743,9 @@
           </a:lstStyle>
           <a:p>
             <a:r>
-              <a:rPr lang="en-US" dirty="0" smtClean="0"/>
+              <a:rPr lang="en-US" dirty="0"/>
               <a:t>parse(“delete 1”)</a:t>
             </a:r>
-            <a:endParaRPr lang="en-US" dirty="0"/>
           </a:p>
         </p:txBody>
       </p:sp>
@@ -4829,10 +4783,9 @@
           </a:lstStyle>
           <a:p>
             <a:r>
-              <a:rPr lang="en-US" dirty="0" smtClean="0"/>
+              <a:rPr lang="en-US" dirty="0"/>
               <a:t>result</a:t>
             </a:r>
-            <a:endParaRPr lang="en-US" dirty="0"/>
           </a:p>
         </p:txBody>
       </p:sp>
@@ -4870,10 +4823,9 @@
           </a:lstStyle>
           <a:p>
             <a:r>
-              <a:rPr lang="en-US" dirty="0" smtClean="0"/>
+              <a:rPr lang="en-US" dirty="0"/>
               <a:t>result</a:t>
             </a:r>
-            <a:endParaRPr lang="en-US" dirty="0"/>
           </a:p>
         </p:txBody>
       </p:sp>
@@ -4921,7 +4873,7 @@
           <a:p>
             <a:pPr algn="ctr"/>
             <a:r>
-              <a:rPr lang="en-US" sz="1600" dirty="0" err="1" smtClean="0">
+              <a:rPr lang="en-US" sz="1600" dirty="0" err="1">
                 <a:solidFill>
                   <a:schemeClr val="bg1"/>
                 </a:solidFill>
@@ -4929,7 +4881,7 @@
               <a:t>result:Command</a:t>
             </a:r>
             <a:r>
-              <a:rPr lang="en-US" sz="1600" dirty="0" smtClean="0">
+              <a:rPr lang="en-US" sz="1600" dirty="0">
                 <a:solidFill>
                   <a:schemeClr val="bg1"/>
                 </a:solidFill>
@@ -5063,10 +5015,9 @@
           </a:lstStyle>
           <a:p>
             <a:r>
-              <a:rPr lang="en-US" dirty="0" smtClean="0"/>
+              <a:rPr lang="en-US" dirty="0"/>
               <a:t>d</a:t>
             </a:r>
-            <a:endParaRPr lang="en-US" dirty="0"/>
           </a:p>
         </p:txBody>
       </p:sp>
@@ -5114,7 +5065,7 @@
           <a:p>
             <a:pPr algn="ctr"/>
             <a:r>
-              <a:rPr lang="en-US" sz="1600" dirty="0" smtClean="0">
+              <a:rPr lang="en-US" sz="1600" dirty="0">
                 <a:solidFill>
                   <a:schemeClr val="bg1"/>
                 </a:solidFill>
@@ -5122,14 +5073,14 @@
               <a:t>:</a:t>
             </a:r>
             <a:r>
-              <a:rPr lang="en-US" sz="1600" dirty="0" err="1" smtClean="0">
+              <a:rPr lang="en-US" sz="1600" dirty="0" err="1">
                 <a:solidFill>
                   <a:schemeClr val="bg1"/>
                 </a:solidFill>
               </a:rPr>
               <a:t>DeleteCommand</a:t>
             </a:r>
-            <a:endParaRPr lang="en-US" sz="1600" dirty="0" smtClean="0">
+            <a:endParaRPr lang="en-US" sz="1600" dirty="0">
               <a:solidFill>
                 <a:schemeClr val="bg1"/>
               </a:solidFill>
@@ -5138,7 +5089,7 @@
           <a:p>
             <a:pPr algn="ctr"/>
             <a:r>
-              <a:rPr lang="en-US" sz="1600" dirty="0" smtClean="0">
+              <a:rPr lang="en-US" sz="1600" dirty="0">
                 <a:solidFill>
                   <a:schemeClr val="bg1"/>
                 </a:solidFill>
@@ -5489,18 +5440,13 @@
           <a:lstStyle/>
           <a:p>
             <a:r>
-              <a:rPr lang="en-SG" sz="1100" dirty="0" smtClean="0">
+              <a:rPr lang="en-SG" sz="1100" dirty="0">
                 <a:solidFill>
                   <a:srgbClr val="002060"/>
                 </a:solidFill>
               </a:rPr>
               <a:t>X</a:t>
             </a:r>
-            <a:endParaRPr lang="en-SG" sz="1100" dirty="0">
-              <a:solidFill>
-                <a:srgbClr val="002060"/>
-              </a:solidFill>
-            </a:endParaRPr>
           </a:p>
         </p:txBody>
       </p:sp>

--- a/docs/diagrams/LogicComponentSequenceDiagram.pptx
+++ b/docs/diagrams/LogicComponentSequenceDiagram.pptx
@@ -208,7 +208,7 @@
           <a:p>
             <a:fld id="{F5CC4B3F-88C1-4FFA-B1B6-F41C21DC6924}" type="datetimeFigureOut">
               <a:rPr lang="en-US" smtClean="0"/>
-              <a:t>2/6/2017</a:t>
+              <a:t>08-Apr-17</a:t>
             </a:fld>
             <a:endParaRPr lang="en-US"/>
           </a:p>
@@ -657,7 +657,7 @@
           <a:p>
             <a:fld id="{78C97017-6FC3-485B-9764-EAC9E56C1D49}" type="datetimeFigureOut">
               <a:rPr lang="en-US" smtClean="0"/>
-              <a:t>2/6/2017</a:t>
+              <a:t>08-Apr-17</a:t>
             </a:fld>
             <a:endParaRPr lang="en-US"/>
           </a:p>
@@ -827,7 +827,7 @@
           <a:p>
             <a:fld id="{78C97017-6FC3-485B-9764-EAC9E56C1D49}" type="datetimeFigureOut">
               <a:rPr lang="en-US" smtClean="0"/>
-              <a:t>2/6/2017</a:t>
+              <a:t>08-Apr-17</a:t>
             </a:fld>
             <a:endParaRPr lang="en-US"/>
           </a:p>
@@ -1007,7 +1007,7 @@
           <a:p>
             <a:fld id="{78C97017-6FC3-485B-9764-EAC9E56C1D49}" type="datetimeFigureOut">
               <a:rPr lang="en-US" smtClean="0"/>
-              <a:t>2/6/2017</a:t>
+              <a:t>08-Apr-17</a:t>
             </a:fld>
             <a:endParaRPr lang="en-US"/>
           </a:p>
@@ -1177,7 +1177,7 @@
           <a:p>
             <a:fld id="{78C97017-6FC3-485B-9764-EAC9E56C1D49}" type="datetimeFigureOut">
               <a:rPr lang="en-US" smtClean="0"/>
-              <a:t>2/6/2017</a:t>
+              <a:t>08-Apr-17</a:t>
             </a:fld>
             <a:endParaRPr lang="en-US"/>
           </a:p>
@@ -1423,7 +1423,7 @@
           <a:p>
             <a:fld id="{78C97017-6FC3-485B-9764-EAC9E56C1D49}" type="datetimeFigureOut">
               <a:rPr lang="en-US" smtClean="0"/>
-              <a:t>2/6/2017</a:t>
+              <a:t>08-Apr-17</a:t>
             </a:fld>
             <a:endParaRPr lang="en-US"/>
           </a:p>
@@ -1711,7 +1711,7 @@
           <a:p>
             <a:fld id="{78C97017-6FC3-485B-9764-EAC9E56C1D49}" type="datetimeFigureOut">
               <a:rPr lang="en-US" smtClean="0"/>
-              <a:t>2/6/2017</a:t>
+              <a:t>08-Apr-17</a:t>
             </a:fld>
             <a:endParaRPr lang="en-US"/>
           </a:p>
@@ -2133,7 +2133,7 @@
           <a:p>
             <a:fld id="{78C97017-6FC3-485B-9764-EAC9E56C1D49}" type="datetimeFigureOut">
               <a:rPr lang="en-US" smtClean="0"/>
-              <a:t>2/6/2017</a:t>
+              <a:t>08-Apr-17</a:t>
             </a:fld>
             <a:endParaRPr lang="en-US"/>
           </a:p>
@@ -2251,7 +2251,7 @@
           <a:p>
             <a:fld id="{78C97017-6FC3-485B-9764-EAC9E56C1D49}" type="datetimeFigureOut">
               <a:rPr lang="en-US" smtClean="0"/>
-              <a:t>2/6/2017</a:t>
+              <a:t>08-Apr-17</a:t>
             </a:fld>
             <a:endParaRPr lang="en-US"/>
           </a:p>
@@ -2346,7 +2346,7 @@
           <a:p>
             <a:fld id="{78C97017-6FC3-485B-9764-EAC9E56C1D49}" type="datetimeFigureOut">
               <a:rPr lang="en-US" smtClean="0"/>
-              <a:t>2/6/2017</a:t>
+              <a:t>08-Apr-17</a:t>
             </a:fld>
             <a:endParaRPr lang="en-US"/>
           </a:p>
@@ -2623,7 +2623,7 @@
           <a:p>
             <a:fld id="{78C97017-6FC3-485B-9764-EAC9E56C1D49}" type="datetimeFigureOut">
               <a:rPr lang="en-US" smtClean="0"/>
-              <a:t>2/6/2017</a:t>
+              <a:t>08-Apr-17</a:t>
             </a:fld>
             <a:endParaRPr lang="en-US"/>
           </a:p>
@@ -2876,7 +2876,7 @@
           <a:p>
             <a:fld id="{78C97017-6FC3-485B-9764-EAC9E56C1D49}" type="datetimeFigureOut">
               <a:rPr lang="en-US" smtClean="0"/>
-              <a:t>2/6/2017</a:t>
+              <a:t>08-Apr-17</a:t>
             </a:fld>
             <a:endParaRPr lang="en-US"/>
           </a:p>
@@ -3089,7 +3089,7 @@
           <a:p>
             <a:fld id="{78C97017-6FC3-485B-9764-EAC9E56C1D49}" type="datetimeFigureOut">
               <a:rPr lang="en-US" smtClean="0"/>
-              <a:t>2/6/2017</a:t>
+              <a:t>08-Apr-17</a:t>
             </a:fld>
             <a:endParaRPr lang="en-US"/>
           </a:p>
@@ -4071,8 +4071,8 @@
         </p:nvSpPr>
         <p:spPr>
           <a:xfrm>
-            <a:off x="0" y="2743200"/>
-            <a:ext cx="1424846" cy="215444"/>
+            <a:off x="108201" y="2786577"/>
+            <a:ext cx="1361740" cy="430887"/>
           </a:xfrm>
           <a:prstGeom prst="rect">
             <a:avLst/>
@@ -4085,14 +4085,38 @@
           </a:bodyPr>
           <a:lstStyle/>
           <a:p>
-            <a:pPr algn="r"/>
+            <a:pPr algn="ctr"/>
             <a:r>
               <a:rPr lang="en-US" sz="1400" dirty="0" smtClean="0">
                 <a:solidFill>
                   <a:srgbClr val="0070C0"/>
                 </a:solidFill>
               </a:rPr>
-              <a:t>execute(“delete 1”)</a:t>
+              <a:t>execute(“delete </a:t>
+            </a:r>
+            <a:r>
+              <a:rPr lang="en-US" sz="1400" dirty="0" err="1" smtClean="0">
+                <a:solidFill>
+                  <a:srgbClr val="0070C0"/>
+                </a:solidFill>
+              </a:rPr>
+              <a:t>ev</a:t>
+            </a:r>
+            <a:r>
+              <a:rPr lang="en-US" sz="1400" dirty="0" smtClean="0">
+                <a:solidFill>
+                  <a:srgbClr val="0070C0"/>
+                </a:solidFill>
+              </a:rPr>
+              <a:t> 1</a:t>
+            </a:r>
+            <a:r>
+              <a:rPr lang="en-US" sz="1400" dirty="0" smtClean="0">
+                <a:solidFill>
+                  <a:srgbClr val="0070C0"/>
+                </a:solidFill>
+              </a:rPr>
+              <a:t>”)</a:t>
             </a:r>
             <a:endParaRPr lang="en-US" sz="1400" dirty="0">
               <a:solidFill>
@@ -4691,7 +4715,7 @@
                   <a:srgbClr val="7030A0"/>
                 </a:solidFill>
               </a:rPr>
-              <a:t>deletePerson</a:t>
+              <a:t>deleteEvent</a:t>
             </a:r>
             <a:r>
               <a:rPr lang="en-US" dirty="0" smtClean="0">
@@ -4699,7 +4723,15 @@
                   <a:srgbClr val="7030A0"/>
                 </a:solidFill>
               </a:rPr>
-              <a:t>(p)</a:t>
+              <a:t>(p</a:t>
+            </a:r>
+            <a:r>
+              <a:rPr lang="en-US" dirty="0" smtClean="0">
+                <a:solidFill>
+                  <a:srgbClr val="7030A0"/>
+                </a:solidFill>
+              </a:rPr>
+              <a:t>)</a:t>
             </a:r>
             <a:endParaRPr lang="en-US" dirty="0">
               <a:solidFill>
@@ -4718,7 +4750,7 @@
         <p:spPr>
           <a:xfrm>
             <a:off x="3847551" y="3657600"/>
-            <a:ext cx="767033" cy="184666"/>
+            <a:ext cx="844271" cy="184666"/>
           </a:xfrm>
           <a:prstGeom prst="rect">
             <a:avLst/>
@@ -4748,7 +4780,23 @@
             </a:r>
             <a:r>
               <a:rPr lang="en-US" sz="1200" dirty="0" smtClean="0"/>
-              <a:t>arse(“1”)</a:t>
+              <a:t>arse</a:t>
+            </a:r>
+            <a:r>
+              <a:rPr lang="en-US" sz="1200" dirty="0" smtClean="0"/>
+              <a:t>(“</a:t>
+            </a:r>
+            <a:r>
+              <a:rPr lang="en-US" sz="1200" dirty="0" err="1" smtClean="0"/>
+              <a:t>ev</a:t>
+            </a:r>
+            <a:r>
+              <a:rPr lang="en-US" sz="1200" dirty="0" smtClean="0"/>
+              <a:t> 1</a:t>
+            </a:r>
+            <a:r>
+              <a:rPr lang="en-US" sz="1200" dirty="0" smtClean="0"/>
+              <a:t>”)</a:t>
             </a:r>
             <a:endParaRPr lang="en-US" sz="1200" dirty="0"/>
           </a:p>
@@ -4762,8 +4810,8 @@
         </p:nvSpPr>
         <p:spPr>
           <a:xfrm>
-            <a:off x="1742982" y="2850922"/>
-            <a:ext cx="1424846" cy="215444"/>
+            <a:off x="1814795" y="2910291"/>
+            <a:ext cx="1424846" cy="430887"/>
           </a:xfrm>
           <a:prstGeom prst="rect">
             <a:avLst/>
@@ -4787,9 +4835,26 @@
             </a:lvl1pPr>
           </a:lstStyle>
           <a:p>
+            <a:pPr algn="ctr"/>
             <a:r>
               <a:rPr lang="en-US" dirty="0" smtClean="0"/>
-              <a:t>parse(“delete 1”)</a:t>
+              <a:t>parse(“</a:t>
+            </a:r>
+            <a:r>
+              <a:rPr lang="en-US" dirty="0" smtClean="0"/>
+              <a:t>delete </a:t>
+            </a:r>
+            <a:r>
+              <a:rPr lang="en-US" dirty="0" err="1" smtClean="0"/>
+              <a:t>ev</a:t>
+            </a:r>
+            <a:r>
+              <a:rPr lang="en-US" dirty="0" smtClean="0"/>
+              <a:t> </a:t>
+            </a:r>
+            <a:r>
+              <a:rPr lang="en-US" dirty="0" smtClean="0"/>
+              <a:t>1”)</a:t>
             </a:r>
             <a:endParaRPr lang="en-US" dirty="0"/>
           </a:p>

--- a/docs/diagrams/LogicComponentSequenceDiagram.pptx
+++ b/docs/diagrams/LogicComponentSequenceDiagram.pptx
@@ -109,7 +109,7 @@
   </p:defaultTextStyle>
   <p:extLst>
     <p:ext uri="{EFAFB233-063F-42B5-8137-9DF3F51BA10A}">
-      <p15:sldGuideLst xmlns:p15="http://schemas.microsoft.com/office/powerpoint/2012/main" xmlns="">
+      <p15:sldGuideLst xmlns="" xmlns:p15="http://schemas.microsoft.com/office/powerpoint/2012/main">
         <p15:guide id="1" orient="horz" pos="1488">
           <p15:clr>
             <a:srgbClr val="A4A3A4"/>
@@ -208,7 +208,7 @@
           <a:p>
             <a:fld id="{F5CC4B3F-88C1-4FFA-B1B6-F41C21DC6924}" type="datetimeFigureOut">
               <a:rPr lang="en-US" smtClean="0"/>
-              <a:t>17-03-29</a:t>
+              <a:t>17-04-09</a:t>
             </a:fld>
             <a:endParaRPr lang="en-US"/>
           </a:p>
@@ -657,7 +657,7 @@
           <a:p>
             <a:fld id="{78C97017-6FC3-485B-9764-EAC9E56C1D49}" type="datetimeFigureOut">
               <a:rPr lang="en-US" smtClean="0"/>
-              <a:t>17-03-29</a:t>
+              <a:t>17-04-09</a:t>
             </a:fld>
             <a:endParaRPr lang="en-US"/>
           </a:p>
@@ -827,7 +827,7 @@
           <a:p>
             <a:fld id="{78C97017-6FC3-485B-9764-EAC9E56C1D49}" type="datetimeFigureOut">
               <a:rPr lang="en-US" smtClean="0"/>
-              <a:t>17-03-29</a:t>
+              <a:t>17-04-09</a:t>
             </a:fld>
             <a:endParaRPr lang="en-US"/>
           </a:p>
@@ -1007,7 +1007,7 @@
           <a:p>
             <a:fld id="{78C97017-6FC3-485B-9764-EAC9E56C1D49}" type="datetimeFigureOut">
               <a:rPr lang="en-US" smtClean="0"/>
-              <a:t>17-03-29</a:t>
+              <a:t>17-04-09</a:t>
             </a:fld>
             <a:endParaRPr lang="en-US"/>
           </a:p>
@@ -1177,7 +1177,7 @@
           <a:p>
             <a:fld id="{78C97017-6FC3-485B-9764-EAC9E56C1D49}" type="datetimeFigureOut">
               <a:rPr lang="en-US" smtClean="0"/>
-              <a:t>17-03-29</a:t>
+              <a:t>17-04-09</a:t>
             </a:fld>
             <a:endParaRPr lang="en-US"/>
           </a:p>
@@ -1423,7 +1423,7 @@
           <a:p>
             <a:fld id="{78C97017-6FC3-485B-9764-EAC9E56C1D49}" type="datetimeFigureOut">
               <a:rPr lang="en-US" smtClean="0"/>
-              <a:t>17-03-29</a:t>
+              <a:t>17-04-09</a:t>
             </a:fld>
             <a:endParaRPr lang="en-US"/>
           </a:p>
@@ -1711,7 +1711,7 @@
           <a:p>
             <a:fld id="{78C97017-6FC3-485B-9764-EAC9E56C1D49}" type="datetimeFigureOut">
               <a:rPr lang="en-US" smtClean="0"/>
-              <a:t>17-03-29</a:t>
+              <a:t>17-04-09</a:t>
             </a:fld>
             <a:endParaRPr lang="en-US"/>
           </a:p>
@@ -2133,7 +2133,7 @@
           <a:p>
             <a:fld id="{78C97017-6FC3-485B-9764-EAC9E56C1D49}" type="datetimeFigureOut">
               <a:rPr lang="en-US" smtClean="0"/>
-              <a:t>17-03-29</a:t>
+              <a:t>17-04-09</a:t>
             </a:fld>
             <a:endParaRPr lang="en-US"/>
           </a:p>
@@ -2251,7 +2251,7 @@
           <a:p>
             <a:fld id="{78C97017-6FC3-485B-9764-EAC9E56C1D49}" type="datetimeFigureOut">
               <a:rPr lang="en-US" smtClean="0"/>
-              <a:t>17-03-29</a:t>
+              <a:t>17-04-09</a:t>
             </a:fld>
             <a:endParaRPr lang="en-US"/>
           </a:p>
@@ -2346,7 +2346,7 @@
           <a:p>
             <a:fld id="{78C97017-6FC3-485B-9764-EAC9E56C1D49}" type="datetimeFigureOut">
               <a:rPr lang="en-US" smtClean="0"/>
-              <a:t>17-03-29</a:t>
+              <a:t>17-04-09</a:t>
             </a:fld>
             <a:endParaRPr lang="en-US"/>
           </a:p>
@@ -2623,7 +2623,7 @@
           <a:p>
             <a:fld id="{78C97017-6FC3-485B-9764-EAC9E56C1D49}" type="datetimeFigureOut">
               <a:rPr lang="en-US" smtClean="0"/>
-              <a:t>17-03-29</a:t>
+              <a:t>17-04-09</a:t>
             </a:fld>
             <a:endParaRPr lang="en-US"/>
           </a:p>
@@ -2876,7 +2876,7 @@
           <a:p>
             <a:fld id="{78C97017-6FC3-485B-9764-EAC9E56C1D49}" type="datetimeFigureOut">
               <a:rPr lang="en-US" smtClean="0"/>
-              <a:t>17-03-29</a:t>
+              <a:t>17-04-09</a:t>
             </a:fld>
             <a:endParaRPr lang="en-US"/>
           </a:p>
@@ -3089,7 +3089,7 @@
           <a:p>
             <a:fld id="{78C97017-6FC3-485B-9764-EAC9E56C1D49}" type="datetimeFigureOut">
               <a:rPr lang="en-US" smtClean="0"/>
-              <a:t>17-03-29</a:t>
+              <a:t>17-04-09</a:t>
             </a:fld>
             <a:endParaRPr lang="en-US"/>
           </a:p>
@@ -4608,7 +4608,7 @@
                   <a:srgbClr val="7030A0"/>
                 </a:solidFill>
               </a:rPr>
-              <a:t>deletePerson</a:t>
+              <a:t>deleteTask</a:t>
             </a:r>
             <a:r>
               <a:rPr lang="en-US" dirty="0" smtClean="0">
@@ -4616,7 +4616,15 @@
                   <a:srgbClr val="7030A0"/>
                 </a:solidFill>
               </a:rPr>
-              <a:t>(p)</a:t>
+              <a:t>(</a:t>
+            </a:r>
+            <a:r>
+              <a:rPr lang="en-US" dirty="0" smtClean="0">
+                <a:solidFill>
+                  <a:srgbClr val="7030A0"/>
+                </a:solidFill>
+              </a:rPr>
+              <a:t>p)</a:t>
             </a:r>
             <a:endParaRPr lang="en-US" dirty="0">
               <a:solidFill>

--- a/docs/diagrams/LogicComponentSequenceDiagram.pptx
+++ b/docs/diagrams/LogicComponentSequenceDiagram.pptx
@@ -5,10 +5,11 @@
     <p:sldMasterId id="2147483648" r:id="rId1"/>
   </p:sldMasterIdLst>
   <p:notesMasterIdLst>
-    <p:notesMasterId r:id="rId3"/>
+    <p:notesMasterId r:id="rId4"/>
   </p:notesMasterIdLst>
   <p:sldIdLst>
     <p:sldId id="267" r:id="rId2"/>
+    <p:sldId id="268" r:id="rId3"/>
   </p:sldIdLst>
   <p:sldSz cx="9144000" cy="6858000" type="screen4x3"/>
   <p:notesSz cx="6858000" cy="9144000"/>
@@ -208,7 +209,7 @@
           <a:p>
             <a:fld id="{F5CC4B3F-88C1-4FFA-B1B6-F41C21DC6924}" type="datetimeFigureOut">
               <a:rPr lang="en-US" smtClean="0"/>
-              <a:t>3/3/17</a:t>
+              <a:t>4/10/17</a:t>
             </a:fld>
             <a:endParaRPr lang="en-US"/>
           </a:p>
@@ -657,7 +658,7 @@
           <a:p>
             <a:fld id="{78C97017-6FC3-485B-9764-EAC9E56C1D49}" type="datetimeFigureOut">
               <a:rPr lang="en-US" smtClean="0"/>
-              <a:t>3/3/17</a:t>
+              <a:t>4/10/17</a:t>
             </a:fld>
             <a:endParaRPr lang="en-US"/>
           </a:p>
@@ -827,7 +828,7 @@
           <a:p>
             <a:fld id="{78C97017-6FC3-485B-9764-EAC9E56C1D49}" type="datetimeFigureOut">
               <a:rPr lang="en-US" smtClean="0"/>
-              <a:t>3/3/17</a:t>
+              <a:t>4/10/17</a:t>
             </a:fld>
             <a:endParaRPr lang="en-US"/>
           </a:p>
@@ -1007,7 +1008,7 @@
           <a:p>
             <a:fld id="{78C97017-6FC3-485B-9764-EAC9E56C1D49}" type="datetimeFigureOut">
               <a:rPr lang="en-US" smtClean="0"/>
-              <a:t>3/3/17</a:t>
+              <a:t>4/10/17</a:t>
             </a:fld>
             <a:endParaRPr lang="en-US"/>
           </a:p>
@@ -1177,7 +1178,7 @@
           <a:p>
             <a:fld id="{78C97017-6FC3-485B-9764-EAC9E56C1D49}" type="datetimeFigureOut">
               <a:rPr lang="en-US" smtClean="0"/>
-              <a:t>3/3/17</a:t>
+              <a:t>4/10/17</a:t>
             </a:fld>
             <a:endParaRPr lang="en-US"/>
           </a:p>
@@ -1423,7 +1424,7 @@
           <a:p>
             <a:fld id="{78C97017-6FC3-485B-9764-EAC9E56C1D49}" type="datetimeFigureOut">
               <a:rPr lang="en-US" smtClean="0"/>
-              <a:t>3/3/17</a:t>
+              <a:t>4/10/17</a:t>
             </a:fld>
             <a:endParaRPr lang="en-US"/>
           </a:p>
@@ -1711,7 +1712,7 @@
           <a:p>
             <a:fld id="{78C97017-6FC3-485B-9764-EAC9E56C1D49}" type="datetimeFigureOut">
               <a:rPr lang="en-US" smtClean="0"/>
-              <a:t>3/3/17</a:t>
+              <a:t>4/10/17</a:t>
             </a:fld>
             <a:endParaRPr lang="en-US"/>
           </a:p>
@@ -2133,7 +2134,7 @@
           <a:p>
             <a:fld id="{78C97017-6FC3-485B-9764-EAC9E56C1D49}" type="datetimeFigureOut">
               <a:rPr lang="en-US" smtClean="0"/>
-              <a:t>3/3/17</a:t>
+              <a:t>4/10/17</a:t>
             </a:fld>
             <a:endParaRPr lang="en-US"/>
           </a:p>
@@ -2251,7 +2252,7 @@
           <a:p>
             <a:fld id="{78C97017-6FC3-485B-9764-EAC9E56C1D49}" type="datetimeFigureOut">
               <a:rPr lang="en-US" smtClean="0"/>
-              <a:t>3/3/17</a:t>
+              <a:t>4/10/17</a:t>
             </a:fld>
             <a:endParaRPr lang="en-US"/>
           </a:p>
@@ -2346,7 +2347,7 @@
           <a:p>
             <a:fld id="{78C97017-6FC3-485B-9764-EAC9E56C1D49}" type="datetimeFigureOut">
               <a:rPr lang="en-US" smtClean="0"/>
-              <a:t>3/3/17</a:t>
+              <a:t>4/10/17</a:t>
             </a:fld>
             <a:endParaRPr lang="en-US"/>
           </a:p>
@@ -2623,7 +2624,7 @@
           <a:p>
             <a:fld id="{78C97017-6FC3-485B-9764-EAC9E56C1D49}" type="datetimeFigureOut">
               <a:rPr lang="en-US" smtClean="0"/>
-              <a:t>3/3/17</a:t>
+              <a:t>4/10/17</a:t>
             </a:fld>
             <a:endParaRPr lang="en-US"/>
           </a:p>
@@ -2876,7 +2877,7 @@
           <a:p>
             <a:fld id="{78C97017-6FC3-485B-9764-EAC9E56C1D49}" type="datetimeFigureOut">
               <a:rPr lang="en-US" smtClean="0"/>
-              <a:t>3/3/17</a:t>
+              <a:t>4/10/17</a:t>
             </a:fld>
             <a:endParaRPr lang="en-US"/>
           </a:p>
@@ -3089,7 +3090,7 @@
           <a:p>
             <a:fld id="{78C97017-6FC3-485B-9764-EAC9E56C1D49}" type="datetimeFigureOut">
               <a:rPr lang="en-US" smtClean="0"/>
-              <a:t>3/3/17</a:t>
+              <a:t>4/10/17</a:t>
             </a:fld>
             <a:endParaRPr lang="en-US"/>
           </a:p>
@@ -4699,15 +4700,7 @@
                   <a:srgbClr val="7030A0"/>
                 </a:solidFill>
               </a:rPr>
-              <a:t>(p</a:t>
-            </a:r>
-            <a:r>
-              <a:rPr lang="en-US" dirty="0" smtClean="0">
-                <a:solidFill>
-                  <a:srgbClr val="7030A0"/>
-                </a:solidFill>
-              </a:rPr>
-              <a:t>)</a:t>
+              <a:t>(p)</a:t>
             </a:r>
             <a:endParaRPr lang="en-US" dirty="0">
               <a:solidFill>
@@ -5516,6 +5509,2125 @@
     <p:extLst>
       <p:ext uri="{BB962C8B-B14F-4D97-AF65-F5344CB8AC3E}">
         <p14:creationId xmlns:p14="http://schemas.microsoft.com/office/powerpoint/2010/main" val="3945898909"/>
+      </p:ext>
+    </p:extLst>
+  </p:cSld>
+  <p:clrMapOvr>
+    <a:masterClrMapping/>
+  </p:clrMapOvr>
+</p:sld>
+</file>
+
+<file path=ppt/slides/slide2.xml><?xml version="1.0" encoding="utf-8"?>
+<p:sld xmlns:a="http://schemas.openxmlformats.org/drawingml/2006/main" xmlns:r="http://schemas.openxmlformats.org/officeDocument/2006/relationships" xmlns:p="http://schemas.openxmlformats.org/presentationml/2006/main">
+  <p:cSld>
+    <p:spTree>
+      <p:nvGrpSpPr>
+        <p:cNvPr id="1" name=""/>
+        <p:cNvGrpSpPr/>
+        <p:nvPr/>
+      </p:nvGrpSpPr>
+      <p:grpSpPr>
+        <a:xfrm>
+          <a:off x="0" y="0"/>
+          <a:ext cx="0" cy="0"/>
+          <a:chOff x="0" y="0"/>
+          <a:chExt cx="0" cy="0"/>
+        </a:xfrm>
+      </p:grpSpPr>
+      <p:sp>
+        <p:nvSpPr>
+          <p:cNvPr id="81" name="Rectangle 65"/>
+          <p:cNvSpPr/>
+          <p:nvPr/>
+        </p:nvSpPr>
+        <p:spPr>
+          <a:xfrm>
+            <a:off x="685800" y="1981200"/>
+            <a:ext cx="7252956" cy="4000286"/>
+          </a:xfrm>
+          <a:prstGeom prst="roundRect">
+            <a:avLst>
+              <a:gd name="adj" fmla="val 3484"/>
+            </a:avLst>
+          </a:prstGeom>
+          <a:solidFill>
+            <a:schemeClr val="accent1">
+              <a:lumMod val="20000"/>
+              <a:lumOff val="80000"/>
+            </a:schemeClr>
+          </a:solidFill>
+          <a:ln w="19050">
+            <a:noFill/>
+          </a:ln>
+          <a:effectLst/>
+        </p:spPr>
+        <p:style>
+          <a:lnRef idx="1">
+            <a:schemeClr val="accent2"/>
+          </a:lnRef>
+          <a:fillRef idx="2">
+            <a:schemeClr val="accent2"/>
+          </a:fillRef>
+          <a:effectRef idx="1">
+            <a:schemeClr val="accent2"/>
+          </a:effectRef>
+          <a:fontRef idx="minor">
+            <a:schemeClr val="dk1"/>
+          </a:fontRef>
+        </p:style>
+        <p:txBody>
+          <a:bodyPr rtlCol="0" anchor="t"/>
+          <a:lstStyle/>
+          <a:p>
+            <a:r>
+              <a:rPr lang="en-US" sz="1200" b="1" dirty="0" smtClean="0">
+                <a:solidFill>
+                  <a:srgbClr val="0070C0"/>
+                </a:solidFill>
+              </a:rPr>
+              <a:t>Logic</a:t>
+            </a:r>
+            <a:endParaRPr lang="en-SG" sz="1200" b="1" dirty="0">
+              <a:solidFill>
+                <a:srgbClr val="0070C0"/>
+              </a:solidFill>
+            </a:endParaRPr>
+          </a:p>
+        </p:txBody>
+      </p:sp>
+      <p:sp>
+        <p:nvSpPr>
+          <p:cNvPr id="2" name="Rectangle 62"/>
+          <p:cNvSpPr/>
+          <p:nvPr/>
+        </p:nvSpPr>
+        <p:spPr>
+          <a:xfrm>
+            <a:off x="845045" y="2296546"/>
+            <a:ext cx="1455629" cy="346760"/>
+          </a:xfrm>
+          <a:prstGeom prst="rect">
+            <a:avLst/>
+          </a:prstGeom>
+          <a:solidFill>
+            <a:srgbClr val="0070C0"/>
+          </a:solidFill>
+          <a:ln w="19050">
+            <a:solidFill>
+              <a:srgbClr val="0070C0"/>
+            </a:solidFill>
+          </a:ln>
+          <a:effectLst/>
+        </p:spPr>
+        <p:style>
+          <a:lnRef idx="1">
+            <a:schemeClr val="accent2"/>
+          </a:lnRef>
+          <a:fillRef idx="2">
+            <a:schemeClr val="accent2"/>
+          </a:fillRef>
+          <a:effectRef idx="1">
+            <a:schemeClr val="accent2"/>
+          </a:effectRef>
+          <a:fontRef idx="minor">
+            <a:schemeClr val="dk1"/>
+          </a:fontRef>
+        </p:style>
+        <p:txBody>
+          <a:bodyPr rtlCol="0" anchor="ctr"/>
+          <a:lstStyle/>
+          <a:p>
+            <a:pPr algn="ctr"/>
+            <a:r>
+              <a:rPr lang="en-US" sz="1600" dirty="0">
+                <a:solidFill>
+                  <a:schemeClr val="bg1"/>
+                </a:solidFill>
+              </a:rPr>
+              <a:t>:</a:t>
+            </a:r>
+            <a:r>
+              <a:rPr lang="en-US" sz="1600" dirty="0" err="1">
+                <a:solidFill>
+                  <a:schemeClr val="bg1"/>
+                </a:solidFill>
+              </a:rPr>
+              <a:t>LogicManager</a:t>
+            </a:r>
+            <a:endParaRPr lang="en-SG" sz="1600" dirty="0">
+              <a:solidFill>
+                <a:schemeClr val="bg1"/>
+              </a:solidFill>
+            </a:endParaRPr>
+          </a:p>
+        </p:txBody>
+      </p:sp>
+      <p:cxnSp>
+        <p:nvCxnSpPr>
+          <p:cNvPr id="5" name="Straight Connector 4"/>
+          <p:cNvCxnSpPr/>
+          <p:nvPr/>
+        </p:nvCxnSpPr>
+        <p:spPr>
+          <a:xfrm>
+            <a:off x="1572859" y="2660217"/>
+            <a:ext cx="0" cy="2597583"/>
+          </a:xfrm>
+          <a:prstGeom prst="line">
+            <a:avLst/>
+          </a:prstGeom>
+          <a:ln w="19050">
+            <a:solidFill>
+              <a:srgbClr val="0070C0"/>
+            </a:solidFill>
+            <a:prstDash val="sysDash"/>
+          </a:ln>
+          <a:effectLst/>
+        </p:spPr>
+        <p:style>
+          <a:lnRef idx="1">
+            <a:schemeClr val="accent1"/>
+          </a:lnRef>
+          <a:fillRef idx="2">
+            <a:schemeClr val="accent1"/>
+          </a:fillRef>
+          <a:effectRef idx="1">
+            <a:schemeClr val="accent1"/>
+          </a:effectRef>
+          <a:fontRef idx="minor">
+            <a:schemeClr val="dk1"/>
+          </a:fontRef>
+        </p:style>
+      </p:cxnSp>
+      <p:sp>
+        <p:nvSpPr>
+          <p:cNvPr id="6" name="Rectangle 5"/>
+          <p:cNvSpPr/>
+          <p:nvPr/>
+        </p:nvSpPr>
+        <p:spPr>
+          <a:xfrm>
+            <a:off x="1500851" y="3010911"/>
+            <a:ext cx="152400" cy="2780287"/>
+          </a:xfrm>
+          <a:prstGeom prst="rect">
+            <a:avLst/>
+          </a:prstGeom>
+          <a:solidFill>
+            <a:srgbClr val="0070C0"/>
+          </a:solidFill>
+          <a:ln>
+            <a:solidFill>
+              <a:srgbClr val="0070C0"/>
+            </a:solidFill>
+          </a:ln>
+          <a:effectLst/>
+        </p:spPr>
+        <p:style>
+          <a:lnRef idx="1">
+            <a:schemeClr val="accent3"/>
+          </a:lnRef>
+          <a:fillRef idx="2">
+            <a:schemeClr val="accent3"/>
+          </a:fillRef>
+          <a:effectRef idx="1">
+            <a:schemeClr val="accent3"/>
+          </a:effectRef>
+          <a:fontRef idx="minor">
+            <a:schemeClr val="dk1"/>
+          </a:fontRef>
+        </p:style>
+        <p:txBody>
+          <a:bodyPr rtlCol="0" anchor="ctr"/>
+          <a:lstStyle/>
+          <a:p>
+            <a:pPr algn="ctr"/>
+            <a:endParaRPr lang="en-SG" sz="1400"/>
+          </a:p>
+        </p:txBody>
+      </p:sp>
+      <p:sp>
+        <p:nvSpPr>
+          <p:cNvPr id="16" name="Rectangle 62"/>
+          <p:cNvSpPr/>
+          <p:nvPr/>
+        </p:nvSpPr>
+        <p:spPr>
+          <a:xfrm>
+            <a:off x="2809782" y="2300233"/>
+            <a:ext cx="1093635" cy="346760"/>
+          </a:xfrm>
+          <a:prstGeom prst="rect">
+            <a:avLst/>
+          </a:prstGeom>
+          <a:solidFill>
+            <a:srgbClr val="0070C0"/>
+          </a:solidFill>
+          <a:ln w="19050">
+            <a:solidFill>
+              <a:srgbClr val="0070C0"/>
+            </a:solidFill>
+          </a:ln>
+          <a:effectLst/>
+        </p:spPr>
+        <p:style>
+          <a:lnRef idx="1">
+            <a:schemeClr val="accent2"/>
+          </a:lnRef>
+          <a:fillRef idx="2">
+            <a:schemeClr val="accent2"/>
+          </a:fillRef>
+          <a:effectRef idx="1">
+            <a:schemeClr val="accent2"/>
+          </a:effectRef>
+          <a:fontRef idx="minor">
+            <a:schemeClr val="dk1"/>
+          </a:fontRef>
+        </p:style>
+        <p:txBody>
+          <a:bodyPr rtlCol="0" anchor="ctr"/>
+          <a:lstStyle/>
+          <a:p>
+            <a:pPr algn="ctr"/>
+            <a:r>
+              <a:rPr lang="en-US" sz="1600" dirty="0" smtClean="0">
+                <a:solidFill>
+                  <a:schemeClr val="bg1"/>
+                </a:solidFill>
+              </a:rPr>
+              <a:t>:Parser</a:t>
+            </a:r>
+            <a:endParaRPr lang="en-SG" sz="1600" dirty="0">
+              <a:solidFill>
+                <a:schemeClr val="bg1"/>
+              </a:solidFill>
+            </a:endParaRPr>
+          </a:p>
+        </p:txBody>
+      </p:sp>
+      <p:cxnSp>
+        <p:nvCxnSpPr>
+          <p:cNvPr id="17" name="Straight Connector 16"/>
+          <p:cNvCxnSpPr/>
+          <p:nvPr/>
+        </p:nvCxnSpPr>
+        <p:spPr>
+          <a:xfrm>
+            <a:off x="3356599" y="2663904"/>
+            <a:ext cx="0" cy="1695374"/>
+          </a:xfrm>
+          <a:prstGeom prst="line">
+            <a:avLst/>
+          </a:prstGeom>
+          <a:ln w="19050">
+            <a:solidFill>
+              <a:srgbClr val="0070C0"/>
+            </a:solidFill>
+            <a:prstDash val="sysDash"/>
+          </a:ln>
+          <a:effectLst/>
+        </p:spPr>
+        <p:style>
+          <a:lnRef idx="1">
+            <a:schemeClr val="accent1"/>
+          </a:lnRef>
+          <a:fillRef idx="2">
+            <a:schemeClr val="accent1"/>
+          </a:fillRef>
+          <a:effectRef idx="1">
+            <a:schemeClr val="accent1"/>
+          </a:effectRef>
+          <a:fontRef idx="minor">
+            <a:schemeClr val="dk1"/>
+          </a:fontRef>
+        </p:style>
+      </p:cxnSp>
+      <p:sp>
+        <p:nvSpPr>
+          <p:cNvPr id="18" name="Rectangle 17"/>
+          <p:cNvSpPr/>
+          <p:nvPr/>
+        </p:nvSpPr>
+        <p:spPr>
+          <a:xfrm>
+            <a:off x="3284590" y="3122096"/>
+            <a:ext cx="174929" cy="1129459"/>
+          </a:xfrm>
+          <a:prstGeom prst="rect">
+            <a:avLst/>
+          </a:prstGeom>
+          <a:solidFill>
+            <a:srgbClr val="0070C0"/>
+          </a:solidFill>
+          <a:ln>
+            <a:solidFill>
+              <a:srgbClr val="0070C0"/>
+            </a:solidFill>
+          </a:ln>
+          <a:effectLst/>
+        </p:spPr>
+        <p:style>
+          <a:lnRef idx="1">
+            <a:schemeClr val="accent3"/>
+          </a:lnRef>
+          <a:fillRef idx="2">
+            <a:schemeClr val="accent3"/>
+          </a:fillRef>
+          <a:effectRef idx="1">
+            <a:schemeClr val="accent3"/>
+          </a:effectRef>
+          <a:fontRef idx="minor">
+            <a:schemeClr val="dk1"/>
+          </a:fontRef>
+        </p:style>
+        <p:txBody>
+          <a:bodyPr rtlCol="0" anchor="ctr"/>
+          <a:lstStyle/>
+          <a:p>
+            <a:pPr algn="ctr"/>
+            <a:endParaRPr lang="en-SG" sz="1400">
+              <a:solidFill>
+                <a:schemeClr val="dk1"/>
+              </a:solidFill>
+            </a:endParaRPr>
+          </a:p>
+        </p:txBody>
+      </p:sp>
+      <p:sp>
+        <p:nvSpPr>
+          <p:cNvPr id="19" name="Rectangle 62"/>
+          <p:cNvSpPr/>
+          <p:nvPr/>
+        </p:nvSpPr>
+        <p:spPr>
+          <a:xfrm>
+            <a:off x="6221565" y="3312740"/>
+            <a:ext cx="1093635" cy="461538"/>
+          </a:xfrm>
+          <a:prstGeom prst="rect">
+            <a:avLst/>
+          </a:prstGeom>
+          <a:solidFill>
+            <a:srgbClr val="0070C0"/>
+          </a:solidFill>
+          <a:ln w="19050">
+            <a:solidFill>
+              <a:srgbClr val="0070C0"/>
+            </a:solidFill>
+          </a:ln>
+          <a:effectLst/>
+        </p:spPr>
+        <p:style>
+          <a:lnRef idx="1">
+            <a:schemeClr val="accent2"/>
+          </a:lnRef>
+          <a:fillRef idx="2">
+            <a:schemeClr val="accent2"/>
+          </a:fillRef>
+          <a:effectRef idx="1">
+            <a:schemeClr val="accent2"/>
+          </a:effectRef>
+          <a:fontRef idx="minor">
+            <a:schemeClr val="dk1"/>
+          </a:fontRef>
+        </p:style>
+        <p:txBody>
+          <a:bodyPr rtlCol="0" anchor="ctr"/>
+          <a:lstStyle/>
+          <a:p>
+            <a:pPr algn="ctr"/>
+            <a:r>
+              <a:rPr lang="en-US" sz="1600" dirty="0" smtClean="0">
+                <a:solidFill>
+                  <a:schemeClr val="bg1"/>
+                </a:solidFill>
+              </a:rPr>
+              <a:t>:</a:t>
+            </a:r>
+            <a:r>
+              <a:rPr lang="en-US" sz="1600" dirty="0" err="1" smtClean="0">
+                <a:solidFill>
+                  <a:schemeClr val="bg1"/>
+                </a:solidFill>
+              </a:rPr>
+              <a:t>FindDate</a:t>
+            </a:r>
+            <a:r>
+              <a:rPr lang="en-US" sz="1600" dirty="0" smtClean="0">
+                <a:solidFill>
+                  <a:schemeClr val="bg1"/>
+                </a:solidFill>
+              </a:rPr>
+              <a:t> Command</a:t>
+            </a:r>
+            <a:endParaRPr lang="en-SG" sz="1600" dirty="0">
+              <a:solidFill>
+                <a:schemeClr val="bg1"/>
+              </a:solidFill>
+            </a:endParaRPr>
+          </a:p>
+        </p:txBody>
+      </p:sp>
+      <p:cxnSp>
+        <p:nvCxnSpPr>
+          <p:cNvPr id="20" name="Straight Connector 19"/>
+          <p:cNvCxnSpPr>
+            <a:stCxn id="21" idx="0"/>
+          </p:cNvCxnSpPr>
+          <p:nvPr/>
+        </p:nvCxnSpPr>
+        <p:spPr>
+          <a:xfrm>
+            <a:off x="6772574" y="3774278"/>
+            <a:ext cx="0" cy="1940722"/>
+          </a:xfrm>
+          <a:prstGeom prst="line">
+            <a:avLst/>
+          </a:prstGeom>
+          <a:ln w="19050">
+            <a:solidFill>
+              <a:srgbClr val="0070C0"/>
+            </a:solidFill>
+            <a:prstDash val="sysDash"/>
+          </a:ln>
+          <a:effectLst/>
+        </p:spPr>
+        <p:style>
+          <a:lnRef idx="1">
+            <a:schemeClr val="accent1"/>
+          </a:lnRef>
+          <a:fillRef idx="2">
+            <a:schemeClr val="accent1"/>
+          </a:fillRef>
+          <a:effectRef idx="1">
+            <a:schemeClr val="accent1"/>
+          </a:effectRef>
+          <a:fontRef idx="minor">
+            <a:schemeClr val="dk1"/>
+          </a:fontRef>
+        </p:style>
+      </p:cxnSp>
+      <p:sp>
+        <p:nvSpPr>
+          <p:cNvPr id="21" name="Rectangle 20"/>
+          <p:cNvSpPr/>
+          <p:nvPr/>
+        </p:nvSpPr>
+        <p:spPr>
+          <a:xfrm>
+            <a:off x="6696374" y="3774278"/>
+            <a:ext cx="152400" cy="276003"/>
+          </a:xfrm>
+          <a:prstGeom prst="rect">
+            <a:avLst/>
+          </a:prstGeom>
+          <a:solidFill>
+            <a:srgbClr val="0070C0"/>
+          </a:solidFill>
+          <a:ln>
+            <a:solidFill>
+              <a:srgbClr val="0070C0"/>
+            </a:solidFill>
+          </a:ln>
+          <a:effectLst/>
+        </p:spPr>
+        <p:style>
+          <a:lnRef idx="1">
+            <a:schemeClr val="accent3"/>
+          </a:lnRef>
+          <a:fillRef idx="2">
+            <a:schemeClr val="accent3"/>
+          </a:fillRef>
+          <a:effectRef idx="1">
+            <a:schemeClr val="accent3"/>
+          </a:effectRef>
+          <a:fontRef idx="minor">
+            <a:schemeClr val="dk1"/>
+          </a:fontRef>
+        </p:style>
+        <p:txBody>
+          <a:bodyPr rtlCol="0" anchor="ctr"/>
+          <a:lstStyle/>
+          <a:p>
+            <a:pPr algn="ctr"/>
+            <a:endParaRPr lang="en-SG" sz="1400"/>
+          </a:p>
+        </p:txBody>
+      </p:sp>
+      <p:cxnSp>
+        <p:nvCxnSpPr>
+          <p:cNvPr id="23" name="Straight Arrow Connector 22"/>
+          <p:cNvCxnSpPr/>
+          <p:nvPr/>
+        </p:nvCxnSpPr>
+        <p:spPr>
+          <a:xfrm>
+            <a:off x="381000" y="3014599"/>
+            <a:ext cx="1119851" cy="0"/>
+          </a:xfrm>
+          <a:prstGeom prst="straightConnector1">
+            <a:avLst/>
+          </a:prstGeom>
+          <a:ln w="19050">
+            <a:solidFill>
+              <a:srgbClr val="00B050"/>
+            </a:solidFill>
+            <a:tailEnd type="arrow"/>
+          </a:ln>
+        </p:spPr>
+        <p:style>
+          <a:lnRef idx="1">
+            <a:schemeClr val="accent1"/>
+          </a:lnRef>
+          <a:fillRef idx="0">
+            <a:schemeClr val="accent1"/>
+          </a:fillRef>
+          <a:effectRef idx="0">
+            <a:schemeClr val="accent1"/>
+          </a:effectRef>
+          <a:fontRef idx="minor">
+            <a:schemeClr val="tx1"/>
+          </a:fontRef>
+        </p:style>
+      </p:cxnSp>
+      <p:cxnSp>
+        <p:nvCxnSpPr>
+          <p:cNvPr id="25" name="Straight Arrow Connector 24"/>
+          <p:cNvCxnSpPr/>
+          <p:nvPr/>
+        </p:nvCxnSpPr>
+        <p:spPr>
+          <a:xfrm flipV="1">
+            <a:off x="1653251" y="3122097"/>
+            <a:ext cx="1596514" cy="1"/>
+          </a:xfrm>
+          <a:prstGeom prst="straightConnector1">
+            <a:avLst/>
+          </a:prstGeom>
+          <a:ln w="19050">
+            <a:solidFill>
+              <a:srgbClr val="0070C0"/>
+            </a:solidFill>
+            <a:tailEnd type="arrow"/>
+          </a:ln>
+        </p:spPr>
+        <p:style>
+          <a:lnRef idx="1">
+            <a:schemeClr val="accent1"/>
+          </a:lnRef>
+          <a:fillRef idx="0">
+            <a:schemeClr val="accent1"/>
+          </a:fillRef>
+          <a:effectRef idx="0">
+            <a:schemeClr val="accent1"/>
+          </a:effectRef>
+          <a:fontRef idx="minor">
+            <a:schemeClr val="tx1"/>
+          </a:fontRef>
+        </p:style>
+      </p:cxnSp>
+      <p:sp>
+        <p:nvSpPr>
+          <p:cNvPr id="26" name="TextBox 25"/>
+          <p:cNvSpPr txBox="1"/>
+          <p:nvPr/>
+        </p:nvSpPr>
+        <p:spPr>
+          <a:xfrm>
+            <a:off x="-275323" y="2743200"/>
+            <a:ext cx="1700169" cy="430887"/>
+          </a:xfrm>
+          <a:prstGeom prst="rect">
+            <a:avLst/>
+          </a:prstGeom>
+          <a:noFill/>
+        </p:spPr>
+        <p:txBody>
+          <a:bodyPr wrap="square" lIns="0" tIns="0" rIns="0" bIns="0" rtlCol="0">
+            <a:spAutoFit/>
+          </a:bodyPr>
+          <a:lstStyle/>
+          <a:p>
+            <a:pPr algn="r"/>
+            <a:r>
+              <a:rPr lang="en-US" sz="1400" dirty="0" smtClean="0">
+                <a:solidFill>
+                  <a:srgbClr val="0070C0"/>
+                </a:solidFill>
+              </a:rPr>
+              <a:t>execute</a:t>
+            </a:r>
+            <a:r>
+              <a:rPr lang="en-US" sz="1400" dirty="0" smtClean="0">
+                <a:solidFill>
+                  <a:srgbClr val="0070C0"/>
+                </a:solidFill>
+              </a:rPr>
+              <a:t>(“</a:t>
+            </a:r>
+            <a:r>
+              <a:rPr lang="en-US" sz="1400" dirty="0" err="1" smtClean="0">
+                <a:solidFill>
+                  <a:srgbClr val="0070C0"/>
+                </a:solidFill>
+              </a:rPr>
+              <a:t>findbydate</a:t>
+            </a:r>
+            <a:r>
+              <a:rPr lang="en-US" sz="1400" dirty="0" smtClean="0">
+                <a:solidFill>
+                  <a:srgbClr val="0070C0"/>
+                </a:solidFill>
+              </a:rPr>
+              <a:t> today”)</a:t>
+            </a:r>
+            <a:endParaRPr lang="en-US" sz="1400" dirty="0">
+              <a:solidFill>
+                <a:srgbClr val="0070C0"/>
+              </a:solidFill>
+            </a:endParaRPr>
+          </a:p>
+        </p:txBody>
+      </p:sp>
+      <p:cxnSp>
+        <p:nvCxnSpPr>
+          <p:cNvPr id="28" name="Straight Arrow Connector 27"/>
+          <p:cNvCxnSpPr/>
+          <p:nvPr/>
+        </p:nvCxnSpPr>
+        <p:spPr>
+          <a:xfrm flipV="1">
+            <a:off x="5257218" y="3703214"/>
+            <a:ext cx="922392" cy="1"/>
+          </a:xfrm>
+          <a:prstGeom prst="straightConnector1">
+            <a:avLst/>
+          </a:prstGeom>
+          <a:ln w="19050">
+            <a:solidFill>
+              <a:srgbClr val="0070C0"/>
+            </a:solidFill>
+            <a:tailEnd type="arrow"/>
+          </a:ln>
+        </p:spPr>
+        <p:style>
+          <a:lnRef idx="1">
+            <a:schemeClr val="accent1"/>
+          </a:lnRef>
+          <a:fillRef idx="0">
+            <a:schemeClr val="accent1"/>
+          </a:fillRef>
+          <a:effectRef idx="0">
+            <a:schemeClr val="accent1"/>
+          </a:effectRef>
+          <a:fontRef idx="minor">
+            <a:schemeClr val="tx1"/>
+          </a:fontRef>
+        </p:style>
+      </p:cxnSp>
+      <p:sp>
+        <p:nvSpPr>
+          <p:cNvPr id="29" name="TextBox 28"/>
+          <p:cNvSpPr txBox="1"/>
+          <p:nvPr/>
+        </p:nvSpPr>
+        <p:spPr>
+          <a:xfrm>
+            <a:off x="4257582" y="4251556"/>
+            <a:ext cx="855809" cy="215444"/>
+          </a:xfrm>
+          <a:prstGeom prst="rect">
+            <a:avLst/>
+          </a:prstGeom>
+          <a:noFill/>
+        </p:spPr>
+        <p:txBody>
+          <a:bodyPr wrap="square" lIns="0" tIns="0" rIns="0" bIns="0" rtlCol="0">
+            <a:spAutoFit/>
+          </a:bodyPr>
+          <a:lstStyle>
+            <a:defPPr>
+              <a:defRPr lang="en-US"/>
+            </a:defPPr>
+            <a:lvl1pPr algn="r">
+              <a:defRPr sz="1400">
+                <a:solidFill>
+                  <a:srgbClr val="0070C0"/>
+                </a:solidFill>
+              </a:defRPr>
+            </a:lvl1pPr>
+          </a:lstStyle>
+          <a:p>
+            <a:r>
+              <a:rPr lang="en-US" dirty="0"/>
+              <a:t>execute()</a:t>
+            </a:r>
+          </a:p>
+        </p:txBody>
+      </p:sp>
+      <p:cxnSp>
+        <p:nvCxnSpPr>
+          <p:cNvPr id="34" name="Straight Arrow Connector 33"/>
+          <p:cNvCxnSpPr/>
+          <p:nvPr/>
+        </p:nvCxnSpPr>
+        <p:spPr>
+          <a:xfrm>
+            <a:off x="5257800" y="4050281"/>
+            <a:ext cx="1492974" cy="0"/>
+          </a:xfrm>
+          <a:prstGeom prst="straightConnector1">
+            <a:avLst/>
+          </a:prstGeom>
+          <a:ln w="19050">
+            <a:solidFill>
+              <a:srgbClr val="0070C0"/>
+            </a:solidFill>
+            <a:prstDash val="sysDash"/>
+            <a:headEnd type="arrow" w="med" len="med"/>
+            <a:tailEnd type="none" w="med" len="med"/>
+          </a:ln>
+        </p:spPr>
+        <p:style>
+          <a:lnRef idx="1">
+            <a:schemeClr val="accent1"/>
+          </a:lnRef>
+          <a:fillRef idx="0">
+            <a:schemeClr val="accent1"/>
+          </a:fillRef>
+          <a:effectRef idx="0">
+            <a:schemeClr val="accent1"/>
+          </a:effectRef>
+          <a:fontRef idx="minor">
+            <a:schemeClr val="tx1"/>
+          </a:fontRef>
+        </p:style>
+      </p:cxnSp>
+      <p:cxnSp>
+        <p:nvCxnSpPr>
+          <p:cNvPr id="35" name="Straight Arrow Connector 34"/>
+          <p:cNvCxnSpPr/>
+          <p:nvPr/>
+        </p:nvCxnSpPr>
+        <p:spPr>
+          <a:xfrm flipV="1">
+            <a:off x="1670186" y="4243231"/>
+            <a:ext cx="1596514" cy="5378"/>
+          </a:xfrm>
+          <a:prstGeom prst="straightConnector1">
+            <a:avLst/>
+          </a:prstGeom>
+          <a:ln w="19050">
+            <a:solidFill>
+              <a:srgbClr val="0070C0"/>
+            </a:solidFill>
+            <a:prstDash val="sysDash"/>
+            <a:headEnd type="arrow" w="med" len="med"/>
+            <a:tailEnd type="none" w="med" len="med"/>
+          </a:ln>
+        </p:spPr>
+        <p:style>
+          <a:lnRef idx="1">
+            <a:schemeClr val="accent1"/>
+          </a:lnRef>
+          <a:fillRef idx="0">
+            <a:schemeClr val="accent1"/>
+          </a:fillRef>
+          <a:effectRef idx="0">
+            <a:schemeClr val="accent1"/>
+          </a:effectRef>
+          <a:fontRef idx="minor">
+            <a:schemeClr val="tx1"/>
+          </a:fontRef>
+        </p:style>
+      </p:cxnSp>
+      <p:cxnSp>
+        <p:nvCxnSpPr>
+          <p:cNvPr id="37" name="Straight Arrow Connector 36"/>
+          <p:cNvCxnSpPr/>
+          <p:nvPr/>
+        </p:nvCxnSpPr>
+        <p:spPr>
+          <a:xfrm>
+            <a:off x="304800" y="5791200"/>
+            <a:ext cx="1196051" cy="0"/>
+          </a:xfrm>
+          <a:prstGeom prst="straightConnector1">
+            <a:avLst/>
+          </a:prstGeom>
+          <a:ln w="19050">
+            <a:solidFill>
+              <a:schemeClr val="accent1"/>
+            </a:solidFill>
+            <a:prstDash val="sysDash"/>
+            <a:headEnd type="arrow" w="med" len="med"/>
+            <a:tailEnd type="none" w="med" len="med"/>
+          </a:ln>
+        </p:spPr>
+        <p:style>
+          <a:lnRef idx="1">
+            <a:schemeClr val="accent1"/>
+          </a:lnRef>
+          <a:fillRef idx="0">
+            <a:schemeClr val="accent1"/>
+          </a:fillRef>
+          <a:effectRef idx="0">
+            <a:schemeClr val="accent1"/>
+          </a:effectRef>
+          <a:fontRef idx="minor">
+            <a:schemeClr val="tx1"/>
+          </a:fontRef>
+        </p:style>
+      </p:cxnSp>
+      <p:sp>
+        <p:nvSpPr>
+          <p:cNvPr id="39" name="Rectangle 62"/>
+          <p:cNvSpPr/>
+          <p:nvPr/>
+        </p:nvSpPr>
+        <p:spPr>
+          <a:xfrm>
+            <a:off x="8265896" y="2362200"/>
+            <a:ext cx="1030504" cy="346760"/>
+          </a:xfrm>
+          <a:prstGeom prst="rect">
+            <a:avLst/>
+          </a:prstGeom>
+          <a:solidFill>
+            <a:schemeClr val="accent4">
+              <a:lumMod val="60000"/>
+              <a:lumOff val="40000"/>
+            </a:schemeClr>
+          </a:solidFill>
+          <a:ln w="19050">
+            <a:solidFill>
+              <a:schemeClr val="accent4">
+                <a:lumMod val="60000"/>
+                <a:lumOff val="40000"/>
+              </a:schemeClr>
+            </a:solidFill>
+          </a:ln>
+          <a:effectLst/>
+        </p:spPr>
+        <p:style>
+          <a:lnRef idx="1">
+            <a:schemeClr val="accent2"/>
+          </a:lnRef>
+          <a:fillRef idx="2">
+            <a:schemeClr val="accent2"/>
+          </a:fillRef>
+          <a:effectRef idx="1">
+            <a:schemeClr val="accent2"/>
+          </a:effectRef>
+          <a:fontRef idx="minor">
+            <a:schemeClr val="dk1"/>
+          </a:fontRef>
+        </p:style>
+        <p:txBody>
+          <a:bodyPr rtlCol="0" anchor="ctr"/>
+          <a:lstStyle/>
+          <a:p>
+            <a:pPr algn="ctr"/>
+            <a:r>
+              <a:rPr lang="en-US" sz="1600" dirty="0">
+                <a:solidFill>
+                  <a:schemeClr val="bg1"/>
+                </a:solidFill>
+              </a:rPr>
+              <a:t>:Model</a:t>
+            </a:r>
+            <a:endParaRPr lang="en-SG" sz="1600" dirty="0">
+              <a:solidFill>
+                <a:schemeClr val="bg1"/>
+              </a:solidFill>
+            </a:endParaRPr>
+          </a:p>
+        </p:txBody>
+      </p:sp>
+      <p:cxnSp>
+        <p:nvCxnSpPr>
+          <p:cNvPr id="64" name="Straight Arrow Connector 63"/>
+          <p:cNvCxnSpPr/>
+          <p:nvPr/>
+        </p:nvCxnSpPr>
+        <p:spPr>
+          <a:xfrm>
+            <a:off x="1653251" y="4495317"/>
+            <a:ext cx="5043123" cy="0"/>
+          </a:xfrm>
+          <a:prstGeom prst="straightConnector1">
+            <a:avLst/>
+          </a:prstGeom>
+          <a:ln w="19050">
+            <a:solidFill>
+              <a:srgbClr val="0070C0"/>
+            </a:solidFill>
+            <a:tailEnd type="arrow"/>
+          </a:ln>
+        </p:spPr>
+        <p:style>
+          <a:lnRef idx="1">
+            <a:schemeClr val="accent1"/>
+          </a:lnRef>
+          <a:fillRef idx="0">
+            <a:schemeClr val="accent1"/>
+          </a:fillRef>
+          <a:effectRef idx="0">
+            <a:schemeClr val="accent1"/>
+          </a:effectRef>
+          <a:fontRef idx="minor">
+            <a:schemeClr val="tx1"/>
+          </a:fontRef>
+        </p:style>
+      </p:cxnSp>
+      <p:sp>
+        <p:nvSpPr>
+          <p:cNvPr id="65" name="Rectangle 64"/>
+          <p:cNvSpPr/>
+          <p:nvPr/>
+        </p:nvSpPr>
+        <p:spPr>
+          <a:xfrm>
+            <a:off x="6687452" y="4467000"/>
+            <a:ext cx="161322" cy="1019400"/>
+          </a:xfrm>
+          <a:prstGeom prst="rect">
+            <a:avLst/>
+          </a:prstGeom>
+          <a:solidFill>
+            <a:srgbClr val="0070C0"/>
+          </a:solidFill>
+          <a:ln>
+            <a:solidFill>
+              <a:srgbClr val="0070C0"/>
+            </a:solidFill>
+          </a:ln>
+          <a:effectLst/>
+        </p:spPr>
+        <p:style>
+          <a:lnRef idx="1">
+            <a:schemeClr val="accent3"/>
+          </a:lnRef>
+          <a:fillRef idx="2">
+            <a:schemeClr val="accent3"/>
+          </a:fillRef>
+          <a:effectRef idx="1">
+            <a:schemeClr val="accent3"/>
+          </a:effectRef>
+          <a:fontRef idx="minor">
+            <a:schemeClr val="dk1"/>
+          </a:fontRef>
+        </p:style>
+        <p:txBody>
+          <a:bodyPr rtlCol="0" anchor="ctr"/>
+          <a:lstStyle/>
+          <a:p>
+            <a:pPr algn="ctr"/>
+            <a:endParaRPr lang="en-SG" sz="1400"/>
+          </a:p>
+        </p:txBody>
+      </p:sp>
+      <p:cxnSp>
+        <p:nvCxnSpPr>
+          <p:cNvPr id="71" name="Straight Connector 70"/>
+          <p:cNvCxnSpPr/>
+          <p:nvPr/>
+        </p:nvCxnSpPr>
+        <p:spPr>
+          <a:xfrm>
+            <a:off x="8781148" y="2700858"/>
+            <a:ext cx="0" cy="2830598"/>
+          </a:xfrm>
+          <a:prstGeom prst="line">
+            <a:avLst/>
+          </a:prstGeom>
+          <a:ln w="19050">
+            <a:solidFill>
+              <a:schemeClr val="accent4">
+                <a:lumMod val="60000"/>
+                <a:lumOff val="40000"/>
+              </a:schemeClr>
+            </a:solidFill>
+            <a:prstDash val="sysDash"/>
+          </a:ln>
+          <a:effectLst/>
+        </p:spPr>
+        <p:style>
+          <a:lnRef idx="1">
+            <a:schemeClr val="accent1"/>
+          </a:lnRef>
+          <a:fillRef idx="2">
+            <a:schemeClr val="accent1"/>
+          </a:fillRef>
+          <a:effectRef idx="1">
+            <a:schemeClr val="accent1"/>
+          </a:effectRef>
+          <a:fontRef idx="minor">
+            <a:schemeClr val="dk1"/>
+          </a:fontRef>
+        </p:style>
+      </p:cxnSp>
+      <p:sp>
+        <p:nvSpPr>
+          <p:cNvPr id="73" name="Rectangle 72"/>
+          <p:cNvSpPr/>
+          <p:nvPr/>
+        </p:nvSpPr>
+        <p:spPr>
+          <a:xfrm>
+            <a:off x="8686800" y="4524597"/>
+            <a:ext cx="152400" cy="199803"/>
+          </a:xfrm>
+          <a:prstGeom prst="rect">
+            <a:avLst/>
+          </a:prstGeom>
+          <a:solidFill>
+            <a:schemeClr val="accent4">
+              <a:lumMod val="60000"/>
+              <a:lumOff val="40000"/>
+            </a:schemeClr>
+          </a:solidFill>
+          <a:ln>
+            <a:solidFill>
+              <a:schemeClr val="accent4">
+                <a:lumMod val="60000"/>
+                <a:lumOff val="40000"/>
+              </a:schemeClr>
+            </a:solidFill>
+          </a:ln>
+          <a:effectLst/>
+        </p:spPr>
+        <p:style>
+          <a:lnRef idx="1">
+            <a:schemeClr val="accent3"/>
+          </a:lnRef>
+          <a:fillRef idx="2">
+            <a:schemeClr val="accent3"/>
+          </a:fillRef>
+          <a:effectRef idx="1">
+            <a:schemeClr val="accent3"/>
+          </a:effectRef>
+          <a:fontRef idx="minor">
+            <a:schemeClr val="dk1"/>
+          </a:fontRef>
+        </p:style>
+        <p:txBody>
+          <a:bodyPr rtlCol="0" anchor="ctr"/>
+          <a:lstStyle/>
+          <a:p>
+            <a:pPr algn="ctr"/>
+            <a:endParaRPr lang="en-SG" sz="1400">
+              <a:solidFill>
+                <a:schemeClr val="dk1"/>
+              </a:solidFill>
+            </a:endParaRPr>
+          </a:p>
+        </p:txBody>
+      </p:sp>
+      <p:cxnSp>
+        <p:nvCxnSpPr>
+          <p:cNvPr id="75" name="Straight Arrow Connector 74"/>
+          <p:cNvCxnSpPr/>
+          <p:nvPr/>
+        </p:nvCxnSpPr>
+        <p:spPr>
+          <a:xfrm>
+            <a:off x="6850663" y="4524597"/>
+            <a:ext cx="1836137" cy="0"/>
+          </a:xfrm>
+          <a:prstGeom prst="straightConnector1">
+            <a:avLst/>
+          </a:prstGeom>
+          <a:ln w="19050">
+            <a:solidFill>
+              <a:srgbClr val="0070C0"/>
+            </a:solidFill>
+            <a:tailEnd type="arrow"/>
+          </a:ln>
+        </p:spPr>
+        <p:style>
+          <a:lnRef idx="1">
+            <a:schemeClr val="accent1"/>
+          </a:lnRef>
+          <a:fillRef idx="0">
+            <a:schemeClr val="accent1"/>
+          </a:fillRef>
+          <a:effectRef idx="0">
+            <a:schemeClr val="accent1"/>
+          </a:effectRef>
+          <a:fontRef idx="minor">
+            <a:schemeClr val="tx1"/>
+          </a:fontRef>
+        </p:style>
+      </p:cxnSp>
+      <p:cxnSp>
+        <p:nvCxnSpPr>
+          <p:cNvPr id="76" name="Straight Arrow Connector 75"/>
+          <p:cNvCxnSpPr/>
+          <p:nvPr/>
+        </p:nvCxnSpPr>
+        <p:spPr>
+          <a:xfrm flipV="1">
+            <a:off x="6848774" y="4714650"/>
+            <a:ext cx="1838026" cy="9750"/>
+          </a:xfrm>
+          <a:prstGeom prst="straightConnector1">
+            <a:avLst/>
+          </a:prstGeom>
+          <a:ln w="19050">
+            <a:solidFill>
+              <a:schemeClr val="accent4">
+                <a:lumMod val="60000"/>
+                <a:lumOff val="40000"/>
+              </a:schemeClr>
+            </a:solidFill>
+            <a:prstDash val="sysDash"/>
+            <a:headEnd type="arrow" w="med" len="med"/>
+            <a:tailEnd type="none" w="med" len="med"/>
+          </a:ln>
+        </p:spPr>
+        <p:style>
+          <a:lnRef idx="1">
+            <a:schemeClr val="accent1"/>
+          </a:lnRef>
+          <a:fillRef idx="0">
+            <a:schemeClr val="accent1"/>
+          </a:fillRef>
+          <a:effectRef idx="0">
+            <a:schemeClr val="accent1"/>
+          </a:effectRef>
+          <a:fontRef idx="minor">
+            <a:schemeClr val="tx1"/>
+          </a:fontRef>
+        </p:style>
+      </p:cxnSp>
+      <p:cxnSp>
+        <p:nvCxnSpPr>
+          <p:cNvPr id="77" name="Straight Arrow Connector 76"/>
+          <p:cNvCxnSpPr/>
+          <p:nvPr/>
+        </p:nvCxnSpPr>
+        <p:spPr>
+          <a:xfrm>
+            <a:off x="1653251" y="5486400"/>
+            <a:ext cx="5052349" cy="0"/>
+          </a:xfrm>
+          <a:prstGeom prst="straightConnector1">
+            <a:avLst/>
+          </a:prstGeom>
+          <a:ln w="19050">
+            <a:solidFill>
+              <a:srgbClr val="0070C0"/>
+            </a:solidFill>
+            <a:prstDash val="sysDash"/>
+            <a:headEnd type="arrow" w="med" len="med"/>
+            <a:tailEnd type="none" w="med" len="med"/>
+          </a:ln>
+        </p:spPr>
+        <p:style>
+          <a:lnRef idx="1">
+            <a:schemeClr val="accent1"/>
+          </a:lnRef>
+          <a:fillRef idx="0">
+            <a:schemeClr val="accent1"/>
+          </a:fillRef>
+          <a:effectRef idx="0">
+            <a:schemeClr val="accent1"/>
+          </a:effectRef>
+          <a:fontRef idx="minor">
+            <a:schemeClr val="tx1"/>
+          </a:fontRef>
+        </p:style>
+      </p:cxnSp>
+      <p:sp>
+        <p:nvSpPr>
+          <p:cNvPr id="78" name="TextBox 77"/>
+          <p:cNvSpPr txBox="1"/>
+          <p:nvPr/>
+        </p:nvSpPr>
+        <p:spPr>
+          <a:xfrm>
+            <a:off x="6876528" y="4226376"/>
+            <a:ext cx="1810272" cy="430887"/>
+          </a:xfrm>
+          <a:prstGeom prst="rect">
+            <a:avLst/>
+          </a:prstGeom>
+          <a:noFill/>
+        </p:spPr>
+        <p:txBody>
+          <a:bodyPr wrap="square" lIns="0" tIns="0" rIns="0" bIns="0" rtlCol="0">
+            <a:spAutoFit/>
+          </a:bodyPr>
+          <a:lstStyle>
+            <a:defPPr>
+              <a:defRPr lang="en-US"/>
+            </a:defPPr>
+            <a:lvl1pPr algn="r">
+              <a:defRPr sz="1400">
+                <a:solidFill>
+                  <a:srgbClr val="0070C0"/>
+                </a:solidFill>
+              </a:defRPr>
+            </a:lvl1pPr>
+          </a:lstStyle>
+          <a:p>
+            <a:r>
+              <a:rPr lang="en-US" dirty="0" err="1" smtClean="0">
+                <a:solidFill>
+                  <a:srgbClr val="7030A0"/>
+                </a:solidFill>
+              </a:rPr>
+              <a:t>updateFilteredTaskList</a:t>
+            </a:r>
+            <a:r>
+              <a:rPr lang="en-US" dirty="0" smtClean="0">
+                <a:solidFill>
+                  <a:srgbClr val="7030A0"/>
+                </a:solidFill>
+              </a:rPr>
+              <a:t> </a:t>
+            </a:r>
+            <a:r>
+              <a:rPr lang="en-US" dirty="0" smtClean="0">
+                <a:solidFill>
+                  <a:srgbClr val="7030A0"/>
+                </a:solidFill>
+              </a:rPr>
+              <a:t>(Date)</a:t>
+            </a:r>
+            <a:r>
+              <a:rPr lang="en-US" dirty="0" smtClean="0">
+                <a:solidFill>
+                  <a:srgbClr val="7030A0"/>
+                </a:solidFill>
+              </a:rPr>
+              <a:t>)</a:t>
+            </a:r>
+            <a:endParaRPr lang="en-US" dirty="0">
+              <a:solidFill>
+                <a:srgbClr val="7030A0"/>
+              </a:solidFill>
+            </a:endParaRPr>
+          </a:p>
+        </p:txBody>
+      </p:sp>
+      <p:sp>
+        <p:nvSpPr>
+          <p:cNvPr id="79" name="TextBox 78"/>
+          <p:cNvSpPr txBox="1"/>
+          <p:nvPr/>
+        </p:nvSpPr>
+        <p:spPr>
+          <a:xfrm>
+            <a:off x="3629364" y="3735312"/>
+            <a:ext cx="1234020" cy="184666"/>
+          </a:xfrm>
+          <a:prstGeom prst="rect">
+            <a:avLst/>
+          </a:prstGeom>
+          <a:noFill/>
+        </p:spPr>
+        <p:txBody>
+          <a:bodyPr wrap="square" lIns="0" tIns="0" rIns="0" bIns="0" rtlCol="0">
+            <a:spAutoFit/>
+          </a:bodyPr>
+          <a:lstStyle>
+            <a:defPPr>
+              <a:defRPr lang="en-US"/>
+            </a:defPPr>
+            <a:lvl1pPr algn="r">
+              <a:defRPr sz="1400">
+                <a:solidFill>
+                  <a:srgbClr val="0070C0"/>
+                </a:solidFill>
+              </a:defRPr>
+            </a:lvl1pPr>
+          </a:lstStyle>
+          <a:p>
+            <a:r>
+              <a:rPr lang="en-US" sz="1200" dirty="0"/>
+              <a:t>p</a:t>
+            </a:r>
+            <a:r>
+              <a:rPr lang="en-US" sz="1200" dirty="0" smtClean="0"/>
+              <a:t>arse</a:t>
+            </a:r>
+            <a:r>
+              <a:rPr lang="en-US" sz="1200" dirty="0" smtClean="0"/>
+              <a:t>(“today”)</a:t>
+            </a:r>
+            <a:endParaRPr lang="en-US" sz="1200" dirty="0"/>
+          </a:p>
+        </p:txBody>
+      </p:sp>
+      <p:sp>
+        <p:nvSpPr>
+          <p:cNvPr id="80" name="TextBox 79"/>
+          <p:cNvSpPr txBox="1"/>
+          <p:nvPr/>
+        </p:nvSpPr>
+        <p:spPr>
+          <a:xfrm>
+            <a:off x="1742982" y="2850922"/>
+            <a:ext cx="1424846" cy="430887"/>
+          </a:xfrm>
+          <a:prstGeom prst="rect">
+            <a:avLst/>
+          </a:prstGeom>
+          <a:noFill/>
+        </p:spPr>
+        <p:txBody>
+          <a:bodyPr wrap="square" lIns="0" tIns="0" rIns="0" bIns="0" rtlCol="0">
+            <a:spAutoFit/>
+          </a:bodyPr>
+          <a:lstStyle>
+            <a:defPPr>
+              <a:defRPr lang="en-US"/>
+            </a:defPPr>
+            <a:lvl1pPr algn="r">
+              <a:defRPr sz="1400">
+                <a:solidFill>
+                  <a:srgbClr val="0070C0"/>
+                </a:solidFill>
+              </a:defRPr>
+            </a:lvl1pPr>
+          </a:lstStyle>
+          <a:p>
+            <a:r>
+              <a:rPr lang="en-US" dirty="0" smtClean="0"/>
+              <a:t>parse</a:t>
+            </a:r>
+            <a:r>
+              <a:rPr lang="en-US" dirty="0" smtClean="0"/>
+              <a:t>(“</a:t>
+            </a:r>
+            <a:r>
+              <a:rPr lang="en-US" dirty="0" err="1" smtClean="0"/>
+              <a:t>findbydate</a:t>
+            </a:r>
+            <a:r>
+              <a:rPr lang="en-US" dirty="0" smtClean="0"/>
+              <a:t> today”)</a:t>
+            </a:r>
+            <a:endParaRPr lang="en-US" dirty="0"/>
+          </a:p>
+        </p:txBody>
+      </p:sp>
+      <p:sp>
+        <p:nvSpPr>
+          <p:cNvPr id="82" name="TextBox 81"/>
+          <p:cNvSpPr txBox="1"/>
+          <p:nvPr/>
+        </p:nvSpPr>
+        <p:spPr>
+          <a:xfrm>
+            <a:off x="4340137" y="5255323"/>
+            <a:ext cx="621216" cy="215444"/>
+          </a:xfrm>
+          <a:prstGeom prst="rect">
+            <a:avLst/>
+          </a:prstGeom>
+          <a:noFill/>
+        </p:spPr>
+        <p:txBody>
+          <a:bodyPr wrap="square" lIns="0" tIns="0" rIns="0" bIns="0" rtlCol="0">
+            <a:spAutoFit/>
+          </a:bodyPr>
+          <a:lstStyle>
+            <a:defPPr>
+              <a:defRPr lang="en-US"/>
+            </a:defPPr>
+            <a:lvl1pPr algn="r">
+              <a:defRPr sz="1400">
+                <a:solidFill>
+                  <a:srgbClr val="0070C0"/>
+                </a:solidFill>
+              </a:defRPr>
+            </a:lvl1pPr>
+          </a:lstStyle>
+          <a:p>
+            <a:r>
+              <a:rPr lang="en-US" dirty="0" smtClean="0"/>
+              <a:t>result</a:t>
+            </a:r>
+            <a:endParaRPr lang="en-US" dirty="0"/>
+          </a:p>
+        </p:txBody>
+      </p:sp>
+      <p:sp>
+        <p:nvSpPr>
+          <p:cNvPr id="83" name="TextBox 82"/>
+          <p:cNvSpPr txBox="1"/>
+          <p:nvPr/>
+        </p:nvSpPr>
+        <p:spPr>
+          <a:xfrm>
+            <a:off x="599983" y="5538488"/>
+            <a:ext cx="762000" cy="215444"/>
+          </a:xfrm>
+          <a:prstGeom prst="rect">
+            <a:avLst/>
+          </a:prstGeom>
+          <a:noFill/>
+        </p:spPr>
+        <p:txBody>
+          <a:bodyPr wrap="square" lIns="0" tIns="0" rIns="0" bIns="0" rtlCol="0">
+            <a:spAutoFit/>
+          </a:bodyPr>
+          <a:lstStyle>
+            <a:defPPr>
+              <a:defRPr lang="en-US"/>
+            </a:defPPr>
+            <a:lvl1pPr algn="r">
+              <a:defRPr sz="1400">
+                <a:solidFill>
+                  <a:srgbClr val="0070C0"/>
+                </a:solidFill>
+              </a:defRPr>
+            </a:lvl1pPr>
+          </a:lstStyle>
+          <a:p>
+            <a:r>
+              <a:rPr lang="en-US" dirty="0" smtClean="0"/>
+              <a:t>result</a:t>
+            </a:r>
+            <a:endParaRPr lang="en-US" dirty="0"/>
+          </a:p>
+        </p:txBody>
+      </p:sp>
+      <p:sp>
+        <p:nvSpPr>
+          <p:cNvPr id="84" name="Rectangle 62"/>
+          <p:cNvSpPr/>
+          <p:nvPr/>
+        </p:nvSpPr>
+        <p:spPr>
+          <a:xfrm>
+            <a:off x="7020246" y="4777286"/>
+            <a:ext cx="1590354" cy="461538"/>
+          </a:xfrm>
+          <a:prstGeom prst="rect">
+            <a:avLst/>
+          </a:prstGeom>
+          <a:solidFill>
+            <a:srgbClr val="0070C0"/>
+          </a:solidFill>
+          <a:ln w="19050">
+            <a:solidFill>
+              <a:srgbClr val="0070C0"/>
+            </a:solidFill>
+          </a:ln>
+          <a:effectLst/>
+        </p:spPr>
+        <p:style>
+          <a:lnRef idx="1">
+            <a:schemeClr val="accent2"/>
+          </a:lnRef>
+          <a:fillRef idx="2">
+            <a:schemeClr val="accent2"/>
+          </a:fillRef>
+          <a:effectRef idx="1">
+            <a:schemeClr val="accent2"/>
+          </a:effectRef>
+          <a:fontRef idx="minor">
+            <a:schemeClr val="dk1"/>
+          </a:fontRef>
+        </p:style>
+        <p:txBody>
+          <a:bodyPr rtlCol="0" anchor="ctr"/>
+          <a:lstStyle/>
+          <a:p>
+            <a:pPr algn="ctr"/>
+            <a:r>
+              <a:rPr lang="en-US" sz="1600" dirty="0" err="1" smtClean="0">
+                <a:solidFill>
+                  <a:schemeClr val="bg1"/>
+                </a:solidFill>
+              </a:rPr>
+              <a:t>result:Command</a:t>
+            </a:r>
+            <a:r>
+              <a:rPr lang="en-US" sz="1600" dirty="0" smtClean="0">
+                <a:solidFill>
+                  <a:schemeClr val="bg1"/>
+                </a:solidFill>
+              </a:rPr>
+              <a:t> Result</a:t>
+            </a:r>
+            <a:endParaRPr lang="en-SG" sz="1600" dirty="0">
+              <a:solidFill>
+                <a:schemeClr val="bg1"/>
+              </a:solidFill>
+            </a:endParaRPr>
+          </a:p>
+        </p:txBody>
+      </p:sp>
+      <p:sp>
+        <p:nvSpPr>
+          <p:cNvPr id="86" name="Rectangle 85"/>
+          <p:cNvSpPr/>
+          <p:nvPr/>
+        </p:nvSpPr>
+        <p:spPr>
+          <a:xfrm>
+            <a:off x="7777323" y="5238824"/>
+            <a:ext cx="152400" cy="171376"/>
+          </a:xfrm>
+          <a:prstGeom prst="rect">
+            <a:avLst/>
+          </a:prstGeom>
+          <a:solidFill>
+            <a:srgbClr val="0070C0"/>
+          </a:solidFill>
+          <a:ln>
+            <a:solidFill>
+              <a:srgbClr val="0070C0"/>
+            </a:solidFill>
+          </a:ln>
+          <a:effectLst/>
+        </p:spPr>
+        <p:style>
+          <a:lnRef idx="1">
+            <a:schemeClr val="accent3"/>
+          </a:lnRef>
+          <a:fillRef idx="2">
+            <a:schemeClr val="accent3"/>
+          </a:fillRef>
+          <a:effectRef idx="1">
+            <a:schemeClr val="accent3"/>
+          </a:effectRef>
+          <a:fontRef idx="minor">
+            <a:schemeClr val="dk1"/>
+          </a:fontRef>
+        </p:style>
+        <p:txBody>
+          <a:bodyPr rtlCol="0" anchor="ctr"/>
+          <a:lstStyle/>
+          <a:p>
+            <a:pPr algn="ctr"/>
+            <a:endParaRPr lang="en-SG" sz="1400"/>
+          </a:p>
+        </p:txBody>
+      </p:sp>
+      <p:cxnSp>
+        <p:nvCxnSpPr>
+          <p:cNvPr id="90" name="Straight Arrow Connector 89"/>
+          <p:cNvCxnSpPr/>
+          <p:nvPr/>
+        </p:nvCxnSpPr>
+        <p:spPr>
+          <a:xfrm>
+            <a:off x="6858000" y="5410200"/>
+            <a:ext cx="966624" cy="0"/>
+          </a:xfrm>
+          <a:prstGeom prst="straightConnector1">
+            <a:avLst/>
+          </a:prstGeom>
+          <a:ln w="19050">
+            <a:solidFill>
+              <a:srgbClr val="0070C0"/>
+            </a:solidFill>
+            <a:prstDash val="sysDash"/>
+            <a:headEnd type="arrow" w="med" len="med"/>
+            <a:tailEnd type="none" w="med" len="med"/>
+          </a:ln>
+        </p:spPr>
+        <p:style>
+          <a:lnRef idx="1">
+            <a:schemeClr val="accent1"/>
+          </a:lnRef>
+          <a:fillRef idx="0">
+            <a:schemeClr val="accent1"/>
+          </a:fillRef>
+          <a:effectRef idx="0">
+            <a:schemeClr val="accent1"/>
+          </a:effectRef>
+          <a:fontRef idx="minor">
+            <a:schemeClr val="tx1"/>
+          </a:fontRef>
+        </p:style>
+      </p:cxnSp>
+      <p:sp>
+        <p:nvSpPr>
+          <p:cNvPr id="93" name="TextBox 92"/>
+          <p:cNvSpPr txBox="1"/>
+          <p:nvPr/>
+        </p:nvSpPr>
+        <p:spPr>
+          <a:xfrm>
+            <a:off x="2673845" y="4027787"/>
+            <a:ext cx="220343" cy="215444"/>
+          </a:xfrm>
+          <a:prstGeom prst="rect">
+            <a:avLst/>
+          </a:prstGeom>
+          <a:noFill/>
+        </p:spPr>
+        <p:txBody>
+          <a:bodyPr wrap="square" lIns="0" tIns="0" rIns="0" bIns="0" rtlCol="0">
+            <a:spAutoFit/>
+          </a:bodyPr>
+          <a:lstStyle>
+            <a:defPPr>
+              <a:defRPr lang="en-US"/>
+            </a:defPPr>
+            <a:lvl1pPr algn="r">
+              <a:defRPr sz="1400">
+                <a:solidFill>
+                  <a:srgbClr val="0070C0"/>
+                </a:solidFill>
+              </a:defRPr>
+            </a:lvl1pPr>
+          </a:lstStyle>
+          <a:p>
+            <a:r>
+              <a:rPr lang="en-US" dirty="0" smtClean="0"/>
+              <a:t>d</a:t>
+            </a:r>
+            <a:endParaRPr lang="en-US" dirty="0"/>
+          </a:p>
+        </p:txBody>
+      </p:sp>
+      <p:sp>
+        <p:nvSpPr>
+          <p:cNvPr id="40" name="Rectangle 62"/>
+          <p:cNvSpPr/>
+          <p:nvPr/>
+        </p:nvSpPr>
+        <p:spPr>
+          <a:xfrm>
+            <a:off x="4231981" y="2929839"/>
+            <a:ext cx="1947629" cy="432035"/>
+          </a:xfrm>
+          <a:prstGeom prst="rect">
+            <a:avLst/>
+          </a:prstGeom>
+          <a:solidFill>
+            <a:srgbClr val="0070C0"/>
+          </a:solidFill>
+          <a:ln w="19050">
+            <a:solidFill>
+              <a:srgbClr val="0070C0"/>
+            </a:solidFill>
+          </a:ln>
+          <a:effectLst/>
+        </p:spPr>
+        <p:style>
+          <a:lnRef idx="1">
+            <a:schemeClr val="accent2"/>
+          </a:lnRef>
+          <a:fillRef idx="2">
+            <a:schemeClr val="accent2"/>
+          </a:fillRef>
+          <a:effectRef idx="1">
+            <a:schemeClr val="accent2"/>
+          </a:effectRef>
+          <a:fontRef idx="minor">
+            <a:schemeClr val="dk1"/>
+          </a:fontRef>
+        </p:style>
+        <p:txBody>
+          <a:bodyPr rtlCol="0" anchor="ctr"/>
+          <a:lstStyle/>
+          <a:p>
+            <a:pPr algn="ctr"/>
+            <a:r>
+              <a:rPr lang="en-US" sz="1600" dirty="0" smtClean="0">
+                <a:solidFill>
+                  <a:schemeClr val="bg1"/>
+                </a:solidFill>
+              </a:rPr>
+              <a:t>:</a:t>
+            </a:r>
+            <a:r>
+              <a:rPr lang="en-US" sz="1600" dirty="0" err="1" smtClean="0">
+                <a:solidFill>
+                  <a:schemeClr val="bg1"/>
+                </a:solidFill>
+              </a:rPr>
+              <a:t>FindDateCommand</a:t>
+            </a:r>
+            <a:endParaRPr lang="en-US" sz="1600" dirty="0" smtClean="0">
+              <a:solidFill>
+                <a:schemeClr val="bg1"/>
+              </a:solidFill>
+            </a:endParaRPr>
+          </a:p>
+          <a:p>
+            <a:pPr algn="ctr"/>
+            <a:r>
+              <a:rPr lang="en-US" sz="1600" dirty="0" smtClean="0">
+                <a:solidFill>
+                  <a:schemeClr val="bg1"/>
+                </a:solidFill>
+              </a:rPr>
+              <a:t>Parser</a:t>
+            </a:r>
+            <a:endParaRPr lang="en-SG" sz="1600" dirty="0">
+              <a:solidFill>
+                <a:schemeClr val="bg1"/>
+              </a:solidFill>
+            </a:endParaRPr>
+          </a:p>
+        </p:txBody>
+      </p:sp>
+      <p:cxnSp>
+        <p:nvCxnSpPr>
+          <p:cNvPr id="8" name="Straight Arrow Connector 7"/>
+          <p:cNvCxnSpPr/>
+          <p:nvPr/>
+        </p:nvCxnSpPr>
+        <p:spPr>
+          <a:xfrm>
+            <a:off x="3462591" y="3657600"/>
+            <a:ext cx="1597356" cy="1"/>
+          </a:xfrm>
+          <a:prstGeom prst="straightConnector1">
+            <a:avLst/>
+          </a:prstGeom>
+          <a:ln w="19050">
+            <a:headEnd type="none" w="med" len="med"/>
+            <a:tailEnd type="arrow" w="med" len="med"/>
+          </a:ln>
+        </p:spPr>
+        <p:style>
+          <a:lnRef idx="1">
+            <a:schemeClr val="accent1"/>
+          </a:lnRef>
+          <a:fillRef idx="0">
+            <a:schemeClr val="accent1"/>
+          </a:fillRef>
+          <a:effectRef idx="0">
+            <a:schemeClr val="accent1"/>
+          </a:effectRef>
+          <a:fontRef idx="minor">
+            <a:schemeClr val="tx1"/>
+          </a:fontRef>
+        </p:style>
+      </p:cxnSp>
+      <p:sp>
+        <p:nvSpPr>
+          <p:cNvPr id="45" name="Rectangle 44"/>
+          <p:cNvSpPr/>
+          <p:nvPr/>
+        </p:nvSpPr>
+        <p:spPr>
+          <a:xfrm>
+            <a:off x="5059947" y="3352800"/>
+            <a:ext cx="205843" cy="123165"/>
+          </a:xfrm>
+          <a:prstGeom prst="rect">
+            <a:avLst/>
+          </a:prstGeom>
+          <a:solidFill>
+            <a:srgbClr val="0070C0"/>
+          </a:solidFill>
+          <a:ln>
+            <a:solidFill>
+              <a:srgbClr val="0070C0"/>
+            </a:solidFill>
+          </a:ln>
+          <a:effectLst/>
+        </p:spPr>
+        <p:style>
+          <a:lnRef idx="1">
+            <a:schemeClr val="accent3"/>
+          </a:lnRef>
+          <a:fillRef idx="2">
+            <a:schemeClr val="accent3"/>
+          </a:fillRef>
+          <a:effectRef idx="1">
+            <a:schemeClr val="accent3"/>
+          </a:effectRef>
+          <a:fontRef idx="minor">
+            <a:schemeClr val="dk1"/>
+          </a:fontRef>
+        </p:style>
+        <p:txBody>
+          <a:bodyPr rtlCol="0" anchor="ctr"/>
+          <a:lstStyle/>
+          <a:p>
+            <a:pPr algn="ctr"/>
+            <a:endParaRPr lang="en-SG" sz="1400"/>
+          </a:p>
+        </p:txBody>
+      </p:sp>
+      <p:cxnSp>
+        <p:nvCxnSpPr>
+          <p:cNvPr id="46" name="Straight Connector 45"/>
+          <p:cNvCxnSpPr>
+            <a:stCxn id="45" idx="0"/>
+          </p:cNvCxnSpPr>
+          <p:nvPr/>
+        </p:nvCxnSpPr>
+        <p:spPr>
+          <a:xfrm>
+            <a:off x="5162869" y="3352800"/>
+            <a:ext cx="0" cy="990600"/>
+          </a:xfrm>
+          <a:prstGeom prst="line">
+            <a:avLst/>
+          </a:prstGeom>
+          <a:ln w="19050">
+            <a:solidFill>
+              <a:srgbClr val="0070C0"/>
+            </a:solidFill>
+            <a:prstDash val="sysDash"/>
+          </a:ln>
+          <a:effectLst/>
+        </p:spPr>
+        <p:style>
+          <a:lnRef idx="1">
+            <a:schemeClr val="accent1"/>
+          </a:lnRef>
+          <a:fillRef idx="2">
+            <a:schemeClr val="accent1"/>
+          </a:fillRef>
+          <a:effectRef idx="1">
+            <a:schemeClr val="accent1"/>
+          </a:effectRef>
+          <a:fontRef idx="minor">
+            <a:schemeClr val="dk1"/>
+          </a:fontRef>
+        </p:style>
+      </p:cxnSp>
+      <p:sp>
+        <p:nvSpPr>
+          <p:cNvPr id="49" name="Rectangle 48"/>
+          <p:cNvSpPr/>
+          <p:nvPr/>
+        </p:nvSpPr>
+        <p:spPr>
+          <a:xfrm>
+            <a:off x="5059947" y="3657601"/>
+            <a:ext cx="205843" cy="533400"/>
+          </a:xfrm>
+          <a:prstGeom prst="rect">
+            <a:avLst/>
+          </a:prstGeom>
+          <a:solidFill>
+            <a:srgbClr val="0070C0"/>
+          </a:solidFill>
+          <a:ln>
+            <a:solidFill>
+              <a:srgbClr val="0070C0"/>
+            </a:solidFill>
+          </a:ln>
+          <a:effectLst/>
+        </p:spPr>
+        <p:style>
+          <a:lnRef idx="1">
+            <a:schemeClr val="accent3"/>
+          </a:lnRef>
+          <a:fillRef idx="2">
+            <a:schemeClr val="accent3"/>
+          </a:fillRef>
+          <a:effectRef idx="1">
+            <a:schemeClr val="accent3"/>
+          </a:effectRef>
+          <a:fontRef idx="minor">
+            <a:schemeClr val="dk1"/>
+          </a:fontRef>
+        </p:style>
+        <p:txBody>
+          <a:bodyPr rtlCol="0" anchor="ctr"/>
+          <a:lstStyle/>
+          <a:p>
+            <a:pPr algn="ctr"/>
+            <a:endParaRPr lang="en-SG" sz="1400"/>
+          </a:p>
+        </p:txBody>
+      </p:sp>
+      <p:cxnSp>
+        <p:nvCxnSpPr>
+          <p:cNvPr id="51" name="Straight Arrow Connector 50"/>
+          <p:cNvCxnSpPr/>
+          <p:nvPr/>
+        </p:nvCxnSpPr>
+        <p:spPr>
+          <a:xfrm>
+            <a:off x="3499382" y="4185073"/>
+            <a:ext cx="1667219" cy="0"/>
+          </a:xfrm>
+          <a:prstGeom prst="straightConnector1">
+            <a:avLst/>
+          </a:prstGeom>
+          <a:ln w="19050">
+            <a:solidFill>
+              <a:srgbClr val="0070C0"/>
+            </a:solidFill>
+            <a:prstDash val="sysDash"/>
+            <a:headEnd type="arrow" w="med" len="med"/>
+            <a:tailEnd type="none" w="med" len="med"/>
+          </a:ln>
+        </p:spPr>
+        <p:style>
+          <a:lnRef idx="1">
+            <a:schemeClr val="accent1"/>
+          </a:lnRef>
+          <a:fillRef idx="0">
+            <a:schemeClr val="accent1"/>
+          </a:fillRef>
+          <a:effectRef idx="0">
+            <a:schemeClr val="accent1"/>
+          </a:effectRef>
+          <a:fontRef idx="minor">
+            <a:schemeClr val="tx1"/>
+          </a:fontRef>
+        </p:style>
+      </p:cxnSp>
+      <p:cxnSp>
+        <p:nvCxnSpPr>
+          <p:cNvPr id="13" name="Straight Arrow Connector 12"/>
+          <p:cNvCxnSpPr/>
+          <p:nvPr/>
+        </p:nvCxnSpPr>
+        <p:spPr>
+          <a:xfrm>
+            <a:off x="6858000" y="5029200"/>
+            <a:ext cx="162246" cy="0"/>
+          </a:xfrm>
+          <a:prstGeom prst="straightConnector1">
+            <a:avLst/>
+          </a:prstGeom>
+          <a:ln w="19050">
+            <a:headEnd type="none" w="med" len="med"/>
+            <a:tailEnd type="arrow" w="med" len="med"/>
+          </a:ln>
+        </p:spPr>
+        <p:style>
+          <a:lnRef idx="1">
+            <a:schemeClr val="accent1"/>
+          </a:lnRef>
+          <a:fillRef idx="0">
+            <a:schemeClr val="accent1"/>
+          </a:fillRef>
+          <a:effectRef idx="0">
+            <a:schemeClr val="accent1"/>
+          </a:effectRef>
+          <a:fontRef idx="minor">
+            <a:schemeClr val="tx1"/>
+          </a:fontRef>
+        </p:style>
+      </p:cxnSp>
+      <p:cxnSp>
+        <p:nvCxnSpPr>
+          <p:cNvPr id="50" name="Straight Arrow Connector 49"/>
+          <p:cNvCxnSpPr/>
+          <p:nvPr/>
+        </p:nvCxnSpPr>
+        <p:spPr>
+          <a:xfrm>
+            <a:off x="3412425" y="3173004"/>
+            <a:ext cx="819556" cy="1"/>
+          </a:xfrm>
+          <a:prstGeom prst="straightConnector1">
+            <a:avLst/>
+          </a:prstGeom>
+          <a:ln w="19050">
+            <a:solidFill>
+              <a:srgbClr val="0070C0"/>
+            </a:solidFill>
+            <a:tailEnd type="arrow"/>
+          </a:ln>
+        </p:spPr>
+        <p:style>
+          <a:lnRef idx="1">
+            <a:schemeClr val="accent1"/>
+          </a:lnRef>
+          <a:fillRef idx="0">
+            <a:schemeClr val="accent1"/>
+          </a:fillRef>
+          <a:effectRef idx="0">
+            <a:schemeClr val="accent1"/>
+          </a:effectRef>
+          <a:fontRef idx="minor">
+            <a:schemeClr val="tx1"/>
+          </a:fontRef>
+        </p:style>
+      </p:cxnSp>
+      <p:cxnSp>
+        <p:nvCxnSpPr>
+          <p:cNvPr id="52" name="Straight Arrow Connector 51"/>
+          <p:cNvCxnSpPr/>
+          <p:nvPr/>
+        </p:nvCxnSpPr>
+        <p:spPr>
+          <a:xfrm>
+            <a:off x="3459519" y="3475965"/>
+            <a:ext cx="1600428" cy="0"/>
+          </a:xfrm>
+          <a:prstGeom prst="straightConnector1">
+            <a:avLst/>
+          </a:prstGeom>
+          <a:ln w="19050">
+            <a:solidFill>
+              <a:srgbClr val="0070C0"/>
+            </a:solidFill>
+            <a:prstDash val="sysDash"/>
+            <a:headEnd type="arrow" w="med" len="med"/>
+            <a:tailEnd type="none" w="med" len="med"/>
+          </a:ln>
+        </p:spPr>
+        <p:style>
+          <a:lnRef idx="1">
+            <a:schemeClr val="accent1"/>
+          </a:lnRef>
+          <a:fillRef idx="0">
+            <a:schemeClr val="accent1"/>
+          </a:fillRef>
+          <a:effectRef idx="0">
+            <a:schemeClr val="accent1"/>
+          </a:effectRef>
+          <a:fontRef idx="minor">
+            <a:schemeClr val="tx1"/>
+          </a:fontRef>
+        </p:style>
+      </p:cxnSp>
+      <p:sp>
+        <p:nvSpPr>
+          <p:cNvPr id="4" name="TextBox 3"/>
+          <p:cNvSpPr txBox="1"/>
+          <p:nvPr/>
+        </p:nvSpPr>
+        <p:spPr>
+          <a:xfrm>
+            <a:off x="5033665" y="4199590"/>
+            <a:ext cx="258404" cy="261610"/>
+          </a:xfrm>
+          <a:prstGeom prst="rect">
+            <a:avLst/>
+          </a:prstGeom>
+          <a:noFill/>
+        </p:spPr>
+        <p:txBody>
+          <a:bodyPr wrap="none" rtlCol="0">
+            <a:spAutoFit/>
+          </a:bodyPr>
+          <a:lstStyle/>
+          <a:p>
+            <a:r>
+              <a:rPr lang="en-SG" sz="1100" dirty="0" smtClean="0">
+                <a:solidFill>
+                  <a:srgbClr val="002060"/>
+                </a:solidFill>
+              </a:rPr>
+              <a:t>X</a:t>
+            </a:r>
+            <a:endParaRPr lang="en-SG" sz="1100" dirty="0">
+              <a:solidFill>
+                <a:srgbClr val="002060"/>
+              </a:solidFill>
+            </a:endParaRPr>
+          </a:p>
+        </p:txBody>
+      </p:sp>
+    </p:spTree>
+    <p:extLst>
+      <p:ext uri="{BB962C8B-B14F-4D97-AF65-F5344CB8AC3E}">
+        <p14:creationId xmlns:p14="http://schemas.microsoft.com/office/powerpoint/2010/main" val="306626423"/>
       </p:ext>
     </p:extLst>
   </p:cSld>

--- a/docs/diagrams/LogicComponentSequenceDiagram.pptx
+++ b/docs/diagrams/LogicComponentSequenceDiagram.pptx
@@ -208,7 +208,7 @@
           <a:p>
             <a:fld id="{F5CC4B3F-88C1-4FFA-B1B6-F41C21DC6924}" type="datetimeFigureOut">
               <a:rPr lang="en-US" smtClean="0"/>
-              <a:t>2/6/2017</a:t>
+              <a:t>4/10/2017</a:t>
             </a:fld>
             <a:endParaRPr lang="en-US"/>
           </a:p>
@@ -272,38 +272,37 @@
           <a:p>
             <a:pPr lvl="0"/>
             <a:r>
-              <a:rPr lang="en-US" smtClean="0"/>
+              <a:rPr lang="en-US"/>
               <a:t>Click to edit Master text styles</a:t>
             </a:r>
           </a:p>
           <a:p>
             <a:pPr lvl="1"/>
             <a:r>
-              <a:rPr lang="en-US" smtClean="0"/>
+              <a:rPr lang="en-US"/>
               <a:t>Second level</a:t>
             </a:r>
           </a:p>
           <a:p>
             <a:pPr lvl="2"/>
             <a:r>
-              <a:rPr lang="en-US" smtClean="0"/>
+              <a:rPr lang="en-US"/>
               <a:t>Third level</a:t>
             </a:r>
           </a:p>
           <a:p>
             <a:pPr lvl="3"/>
             <a:r>
-              <a:rPr lang="en-US" smtClean="0"/>
+              <a:rPr lang="en-US"/>
               <a:t>Fourth level</a:t>
             </a:r>
           </a:p>
           <a:p>
             <a:pPr lvl="4"/>
             <a:r>
-              <a:rPr lang="en-US" smtClean="0"/>
+              <a:rPr lang="en-US"/>
               <a:t>Fifth level</a:t>
             </a:r>
-            <a:endParaRPr lang="en-US"/>
           </a:p>
         </p:txBody>
       </p:sp>
@@ -514,10 +513,9 @@
           <a:lstStyle/>
           <a:p>
             <a:r>
-              <a:rPr lang="en-US" smtClean="0"/>
+              <a:rPr lang="en-US"/>
               <a:t>Click to edit Master title style</a:t>
             </a:r>
-            <a:endParaRPr lang="en-US"/>
           </a:p>
         </p:txBody>
       </p:sp>
@@ -633,10 +631,9 @@
           </a:lstStyle>
           <a:p>
             <a:r>
-              <a:rPr lang="en-US" smtClean="0"/>
+              <a:rPr lang="en-US"/>
               <a:t>Click to edit Master subtitle style</a:t>
             </a:r>
-            <a:endParaRPr lang="en-US"/>
           </a:p>
         </p:txBody>
       </p:sp>
@@ -657,7 +654,7 @@
           <a:p>
             <a:fld id="{78C97017-6FC3-485B-9764-EAC9E56C1D49}" type="datetimeFigureOut">
               <a:rPr lang="en-US" smtClean="0"/>
-              <a:t>2/6/2017</a:t>
+              <a:t>4/10/2017</a:t>
             </a:fld>
             <a:endParaRPr lang="en-US"/>
           </a:p>
@@ -751,10 +748,9 @@
           <a:lstStyle/>
           <a:p>
             <a:r>
-              <a:rPr lang="en-US" smtClean="0"/>
+              <a:rPr lang="en-US"/>
               <a:t>Click to edit Master title style</a:t>
             </a:r>
-            <a:endParaRPr lang="en-US"/>
           </a:p>
         </p:txBody>
       </p:sp>
@@ -775,38 +771,37 @@
           <a:p>
             <a:pPr lvl="0"/>
             <a:r>
-              <a:rPr lang="en-US" smtClean="0"/>
+              <a:rPr lang="en-US"/>
               <a:t>Click to edit Master text styles</a:t>
             </a:r>
           </a:p>
           <a:p>
             <a:pPr lvl="1"/>
             <a:r>
-              <a:rPr lang="en-US" smtClean="0"/>
+              <a:rPr lang="en-US"/>
               <a:t>Second level</a:t>
             </a:r>
           </a:p>
           <a:p>
             <a:pPr lvl="2"/>
             <a:r>
-              <a:rPr lang="en-US" smtClean="0"/>
+              <a:rPr lang="en-US"/>
               <a:t>Third level</a:t>
             </a:r>
           </a:p>
           <a:p>
             <a:pPr lvl="3"/>
             <a:r>
-              <a:rPr lang="en-US" smtClean="0"/>
+              <a:rPr lang="en-US"/>
               <a:t>Fourth level</a:t>
             </a:r>
           </a:p>
           <a:p>
             <a:pPr lvl="4"/>
             <a:r>
-              <a:rPr lang="en-US" smtClean="0"/>
+              <a:rPr lang="en-US"/>
               <a:t>Fifth level</a:t>
             </a:r>
-            <a:endParaRPr lang="en-US"/>
           </a:p>
         </p:txBody>
       </p:sp>
@@ -827,7 +822,7 @@
           <a:p>
             <a:fld id="{78C97017-6FC3-485B-9764-EAC9E56C1D49}" type="datetimeFigureOut">
               <a:rPr lang="en-US" smtClean="0"/>
-              <a:t>2/6/2017</a:t>
+              <a:t>4/10/2017</a:t>
             </a:fld>
             <a:endParaRPr lang="en-US"/>
           </a:p>
@@ -926,10 +921,9 @@
           <a:lstStyle/>
           <a:p>
             <a:r>
-              <a:rPr lang="en-US" smtClean="0"/>
+              <a:rPr lang="en-US"/>
               <a:t>Click to edit Master title style</a:t>
             </a:r>
-            <a:endParaRPr lang="en-US"/>
           </a:p>
         </p:txBody>
       </p:sp>
@@ -955,38 +949,37 @@
           <a:p>
             <a:pPr lvl="0"/>
             <a:r>
-              <a:rPr lang="en-US" smtClean="0"/>
+              <a:rPr lang="en-US"/>
               <a:t>Click to edit Master text styles</a:t>
             </a:r>
           </a:p>
           <a:p>
             <a:pPr lvl="1"/>
             <a:r>
-              <a:rPr lang="en-US" smtClean="0"/>
+              <a:rPr lang="en-US"/>
               <a:t>Second level</a:t>
             </a:r>
           </a:p>
           <a:p>
             <a:pPr lvl="2"/>
             <a:r>
-              <a:rPr lang="en-US" smtClean="0"/>
+              <a:rPr lang="en-US"/>
               <a:t>Third level</a:t>
             </a:r>
           </a:p>
           <a:p>
             <a:pPr lvl="3"/>
             <a:r>
-              <a:rPr lang="en-US" smtClean="0"/>
+              <a:rPr lang="en-US"/>
               <a:t>Fourth level</a:t>
             </a:r>
           </a:p>
           <a:p>
             <a:pPr lvl="4"/>
             <a:r>
-              <a:rPr lang="en-US" smtClean="0"/>
+              <a:rPr lang="en-US"/>
               <a:t>Fifth level</a:t>
             </a:r>
-            <a:endParaRPr lang="en-US"/>
           </a:p>
         </p:txBody>
       </p:sp>
@@ -1007,7 +1000,7 @@
           <a:p>
             <a:fld id="{78C97017-6FC3-485B-9764-EAC9E56C1D49}" type="datetimeFigureOut">
               <a:rPr lang="en-US" smtClean="0"/>
-              <a:t>2/6/2017</a:t>
+              <a:t>4/10/2017</a:t>
             </a:fld>
             <a:endParaRPr lang="en-US"/>
           </a:p>
@@ -1101,10 +1094,9 @@
           <a:lstStyle/>
           <a:p>
             <a:r>
-              <a:rPr lang="en-US" smtClean="0"/>
+              <a:rPr lang="en-US"/>
               <a:t>Click to edit Master title style</a:t>
             </a:r>
-            <a:endParaRPr lang="en-US"/>
           </a:p>
         </p:txBody>
       </p:sp>
@@ -1125,38 +1117,37 @@
           <a:p>
             <a:pPr lvl="0"/>
             <a:r>
-              <a:rPr lang="en-US" smtClean="0"/>
+              <a:rPr lang="en-US"/>
               <a:t>Click to edit Master text styles</a:t>
             </a:r>
           </a:p>
           <a:p>
             <a:pPr lvl="1"/>
             <a:r>
-              <a:rPr lang="en-US" smtClean="0"/>
+              <a:rPr lang="en-US"/>
               <a:t>Second level</a:t>
             </a:r>
           </a:p>
           <a:p>
             <a:pPr lvl="2"/>
             <a:r>
-              <a:rPr lang="en-US" smtClean="0"/>
+              <a:rPr lang="en-US"/>
               <a:t>Third level</a:t>
             </a:r>
           </a:p>
           <a:p>
             <a:pPr lvl="3"/>
             <a:r>
-              <a:rPr lang="en-US" smtClean="0"/>
+              <a:rPr lang="en-US"/>
               <a:t>Fourth level</a:t>
             </a:r>
           </a:p>
           <a:p>
             <a:pPr lvl="4"/>
             <a:r>
-              <a:rPr lang="en-US" smtClean="0"/>
+              <a:rPr lang="en-US"/>
               <a:t>Fifth level</a:t>
             </a:r>
-            <a:endParaRPr lang="en-US"/>
           </a:p>
         </p:txBody>
       </p:sp>
@@ -1177,7 +1168,7 @@
           <a:p>
             <a:fld id="{78C97017-6FC3-485B-9764-EAC9E56C1D49}" type="datetimeFigureOut">
               <a:rPr lang="en-US" smtClean="0"/>
-              <a:t>2/6/2017</a:t>
+              <a:t>4/10/2017</a:t>
             </a:fld>
             <a:endParaRPr lang="en-US"/>
           </a:p>
@@ -1280,10 +1271,9 @@
           </a:lstStyle>
           <a:p>
             <a:r>
-              <a:rPr lang="en-US" smtClean="0"/>
+              <a:rPr lang="en-US"/>
               <a:t>Click to edit Master title style</a:t>
             </a:r>
-            <a:endParaRPr lang="en-US"/>
           </a:p>
         </p:txBody>
       </p:sp>
@@ -1400,7 +1390,7 @@
           <a:p>
             <a:pPr lvl="0"/>
             <a:r>
-              <a:rPr lang="en-US" smtClean="0"/>
+              <a:rPr lang="en-US"/>
               <a:t>Click to edit Master text styles</a:t>
             </a:r>
           </a:p>
@@ -1423,7 +1413,7 @@
           <a:p>
             <a:fld id="{78C97017-6FC3-485B-9764-EAC9E56C1D49}" type="datetimeFigureOut">
               <a:rPr lang="en-US" smtClean="0"/>
-              <a:t>2/6/2017</a:t>
+              <a:t>4/10/2017</a:t>
             </a:fld>
             <a:endParaRPr lang="en-US"/>
           </a:p>
@@ -1517,10 +1507,9 @@
           <a:lstStyle/>
           <a:p>
             <a:r>
-              <a:rPr lang="en-US" smtClean="0"/>
+              <a:rPr lang="en-US"/>
               <a:t>Click to edit Master title style</a:t>
             </a:r>
-            <a:endParaRPr lang="en-US"/>
           </a:p>
         </p:txBody>
       </p:sp>
@@ -1574,38 +1563,37 @@
           <a:p>
             <a:pPr lvl="0"/>
             <a:r>
-              <a:rPr lang="en-US" smtClean="0"/>
+              <a:rPr lang="en-US"/>
               <a:t>Click to edit Master text styles</a:t>
             </a:r>
           </a:p>
           <a:p>
             <a:pPr lvl="1"/>
             <a:r>
-              <a:rPr lang="en-US" smtClean="0"/>
+              <a:rPr lang="en-US"/>
               <a:t>Second level</a:t>
             </a:r>
           </a:p>
           <a:p>
             <a:pPr lvl="2"/>
             <a:r>
-              <a:rPr lang="en-US" smtClean="0"/>
+              <a:rPr lang="en-US"/>
               <a:t>Third level</a:t>
             </a:r>
           </a:p>
           <a:p>
             <a:pPr lvl="3"/>
             <a:r>
-              <a:rPr lang="en-US" smtClean="0"/>
+              <a:rPr lang="en-US"/>
               <a:t>Fourth level</a:t>
             </a:r>
           </a:p>
           <a:p>
             <a:pPr lvl="4"/>
             <a:r>
-              <a:rPr lang="en-US" smtClean="0"/>
+              <a:rPr lang="en-US"/>
               <a:t>Fifth level</a:t>
             </a:r>
-            <a:endParaRPr lang="en-US"/>
           </a:p>
         </p:txBody>
       </p:sp>
@@ -1659,38 +1647,37 @@
           <a:p>
             <a:pPr lvl="0"/>
             <a:r>
-              <a:rPr lang="en-US" smtClean="0"/>
+              <a:rPr lang="en-US"/>
               <a:t>Click to edit Master text styles</a:t>
             </a:r>
           </a:p>
           <a:p>
             <a:pPr lvl="1"/>
             <a:r>
-              <a:rPr lang="en-US" smtClean="0"/>
+              <a:rPr lang="en-US"/>
               <a:t>Second level</a:t>
             </a:r>
           </a:p>
           <a:p>
             <a:pPr lvl="2"/>
             <a:r>
-              <a:rPr lang="en-US" smtClean="0"/>
+              <a:rPr lang="en-US"/>
               <a:t>Third level</a:t>
             </a:r>
           </a:p>
           <a:p>
             <a:pPr lvl="3"/>
             <a:r>
-              <a:rPr lang="en-US" smtClean="0"/>
+              <a:rPr lang="en-US"/>
               <a:t>Fourth level</a:t>
             </a:r>
           </a:p>
           <a:p>
             <a:pPr lvl="4"/>
             <a:r>
-              <a:rPr lang="en-US" smtClean="0"/>
+              <a:rPr lang="en-US"/>
               <a:t>Fifth level</a:t>
             </a:r>
-            <a:endParaRPr lang="en-US"/>
           </a:p>
         </p:txBody>
       </p:sp>
@@ -1711,7 +1698,7 @@
           <a:p>
             <a:fld id="{78C97017-6FC3-485B-9764-EAC9E56C1D49}" type="datetimeFigureOut">
               <a:rPr lang="en-US" smtClean="0"/>
-              <a:t>2/6/2017</a:t>
+              <a:t>4/10/2017</a:t>
             </a:fld>
             <a:endParaRPr lang="en-US"/>
           </a:p>
@@ -1809,10 +1796,9 @@
           </a:lstStyle>
           <a:p>
             <a:r>
-              <a:rPr lang="en-US" smtClean="0"/>
+              <a:rPr lang="en-US"/>
               <a:t>Click to edit Master title style</a:t>
             </a:r>
-            <a:endParaRPr lang="en-US"/>
           </a:p>
         </p:txBody>
       </p:sp>
@@ -1875,7 +1861,7 @@
           <a:p>
             <a:pPr lvl="0"/>
             <a:r>
-              <a:rPr lang="en-US" smtClean="0"/>
+              <a:rPr lang="en-US"/>
               <a:t>Click to edit Master text styles</a:t>
             </a:r>
           </a:p>
@@ -1931,38 +1917,37 @@
           <a:p>
             <a:pPr lvl="0"/>
             <a:r>
-              <a:rPr lang="en-US" smtClean="0"/>
+              <a:rPr lang="en-US"/>
               <a:t>Click to edit Master text styles</a:t>
             </a:r>
           </a:p>
           <a:p>
             <a:pPr lvl="1"/>
             <a:r>
-              <a:rPr lang="en-US" smtClean="0"/>
+              <a:rPr lang="en-US"/>
               <a:t>Second level</a:t>
             </a:r>
           </a:p>
           <a:p>
             <a:pPr lvl="2"/>
             <a:r>
-              <a:rPr lang="en-US" smtClean="0"/>
+              <a:rPr lang="en-US"/>
               <a:t>Third level</a:t>
             </a:r>
           </a:p>
           <a:p>
             <a:pPr lvl="3"/>
             <a:r>
-              <a:rPr lang="en-US" smtClean="0"/>
+              <a:rPr lang="en-US"/>
               <a:t>Fourth level</a:t>
             </a:r>
           </a:p>
           <a:p>
             <a:pPr lvl="4"/>
             <a:r>
-              <a:rPr lang="en-US" smtClean="0"/>
+              <a:rPr lang="en-US"/>
               <a:t>Fifth level</a:t>
             </a:r>
-            <a:endParaRPr lang="en-US"/>
           </a:p>
         </p:txBody>
       </p:sp>
@@ -2025,7 +2010,7 @@
           <a:p>
             <a:pPr lvl="0"/>
             <a:r>
-              <a:rPr lang="en-US" smtClean="0"/>
+              <a:rPr lang="en-US"/>
               <a:t>Click to edit Master text styles</a:t>
             </a:r>
           </a:p>
@@ -2081,38 +2066,37 @@
           <a:p>
             <a:pPr lvl="0"/>
             <a:r>
-              <a:rPr lang="en-US" smtClean="0"/>
+              <a:rPr lang="en-US"/>
               <a:t>Click to edit Master text styles</a:t>
             </a:r>
           </a:p>
           <a:p>
             <a:pPr lvl="1"/>
             <a:r>
-              <a:rPr lang="en-US" smtClean="0"/>
+              <a:rPr lang="en-US"/>
               <a:t>Second level</a:t>
             </a:r>
           </a:p>
           <a:p>
             <a:pPr lvl="2"/>
             <a:r>
-              <a:rPr lang="en-US" smtClean="0"/>
+              <a:rPr lang="en-US"/>
               <a:t>Third level</a:t>
             </a:r>
           </a:p>
           <a:p>
             <a:pPr lvl="3"/>
             <a:r>
-              <a:rPr lang="en-US" smtClean="0"/>
+              <a:rPr lang="en-US"/>
               <a:t>Fourth level</a:t>
             </a:r>
           </a:p>
           <a:p>
             <a:pPr lvl="4"/>
             <a:r>
-              <a:rPr lang="en-US" smtClean="0"/>
+              <a:rPr lang="en-US"/>
               <a:t>Fifth level</a:t>
             </a:r>
-            <a:endParaRPr lang="en-US"/>
           </a:p>
         </p:txBody>
       </p:sp>
@@ -2133,7 +2117,7 @@
           <a:p>
             <a:fld id="{78C97017-6FC3-485B-9764-EAC9E56C1D49}" type="datetimeFigureOut">
               <a:rPr lang="en-US" smtClean="0"/>
-              <a:t>2/6/2017</a:t>
+              <a:t>4/10/2017</a:t>
             </a:fld>
             <a:endParaRPr lang="en-US"/>
           </a:p>
@@ -2227,10 +2211,9 @@
           <a:lstStyle/>
           <a:p>
             <a:r>
-              <a:rPr lang="en-US" smtClean="0"/>
+              <a:rPr lang="en-US"/>
               <a:t>Click to edit Master title style</a:t>
             </a:r>
-            <a:endParaRPr lang="en-US"/>
           </a:p>
         </p:txBody>
       </p:sp>
@@ -2251,7 +2234,7 @@
           <a:p>
             <a:fld id="{78C97017-6FC3-485B-9764-EAC9E56C1D49}" type="datetimeFigureOut">
               <a:rPr lang="en-US" smtClean="0"/>
-              <a:t>2/6/2017</a:t>
+              <a:t>4/10/2017</a:t>
             </a:fld>
             <a:endParaRPr lang="en-US"/>
           </a:p>
@@ -2346,7 +2329,7 @@
           <a:p>
             <a:fld id="{78C97017-6FC3-485B-9764-EAC9E56C1D49}" type="datetimeFigureOut">
               <a:rPr lang="en-US" smtClean="0"/>
-              <a:t>2/6/2017</a:t>
+              <a:t>4/10/2017</a:t>
             </a:fld>
             <a:endParaRPr lang="en-US"/>
           </a:p>
@@ -2449,10 +2432,9 @@
           </a:lstStyle>
           <a:p>
             <a:r>
-              <a:rPr lang="en-US" smtClean="0"/>
+              <a:rPr lang="en-US"/>
               <a:t>Click to edit Master title style</a:t>
             </a:r>
-            <a:endParaRPr lang="en-US"/>
           </a:p>
         </p:txBody>
       </p:sp>
@@ -2506,38 +2488,37 @@
           <a:p>
             <a:pPr lvl="0"/>
             <a:r>
-              <a:rPr lang="en-US" smtClean="0"/>
+              <a:rPr lang="en-US"/>
               <a:t>Click to edit Master text styles</a:t>
             </a:r>
           </a:p>
           <a:p>
             <a:pPr lvl="1"/>
             <a:r>
-              <a:rPr lang="en-US" smtClean="0"/>
+              <a:rPr lang="en-US"/>
               <a:t>Second level</a:t>
             </a:r>
           </a:p>
           <a:p>
             <a:pPr lvl="2"/>
             <a:r>
-              <a:rPr lang="en-US" smtClean="0"/>
+              <a:rPr lang="en-US"/>
               <a:t>Third level</a:t>
             </a:r>
           </a:p>
           <a:p>
             <a:pPr lvl="3"/>
             <a:r>
-              <a:rPr lang="en-US" smtClean="0"/>
+              <a:rPr lang="en-US"/>
               <a:t>Fourth level</a:t>
             </a:r>
           </a:p>
           <a:p>
             <a:pPr lvl="4"/>
             <a:r>
-              <a:rPr lang="en-US" smtClean="0"/>
+              <a:rPr lang="en-US"/>
               <a:t>Fifth level</a:t>
             </a:r>
-            <a:endParaRPr lang="en-US"/>
           </a:p>
         </p:txBody>
       </p:sp>
@@ -2600,7 +2581,7 @@
           <a:p>
             <a:pPr lvl="0"/>
             <a:r>
-              <a:rPr lang="en-US" smtClean="0"/>
+              <a:rPr lang="en-US"/>
               <a:t>Click to edit Master text styles</a:t>
             </a:r>
           </a:p>
@@ -2623,7 +2604,7 @@
           <a:p>
             <a:fld id="{78C97017-6FC3-485B-9764-EAC9E56C1D49}" type="datetimeFigureOut">
               <a:rPr lang="en-US" smtClean="0"/>
-              <a:t>2/6/2017</a:t>
+              <a:t>4/10/2017</a:t>
             </a:fld>
             <a:endParaRPr lang="en-US"/>
           </a:p>
@@ -2726,10 +2707,9 @@
           </a:lstStyle>
           <a:p>
             <a:r>
-              <a:rPr lang="en-US" smtClean="0"/>
+              <a:rPr lang="en-US"/>
               <a:t>Click to edit Master title style</a:t>
             </a:r>
-            <a:endParaRPr lang="en-US"/>
           </a:p>
         </p:txBody>
       </p:sp>
@@ -2853,7 +2833,7 @@
           <a:p>
             <a:pPr lvl="0"/>
             <a:r>
-              <a:rPr lang="en-US" smtClean="0"/>
+              <a:rPr lang="en-US"/>
               <a:t>Click to edit Master text styles</a:t>
             </a:r>
           </a:p>
@@ -2876,7 +2856,7 @@
           <a:p>
             <a:fld id="{78C97017-6FC3-485B-9764-EAC9E56C1D49}" type="datetimeFigureOut">
               <a:rPr lang="en-US" smtClean="0"/>
-              <a:t>2/6/2017</a:t>
+              <a:t>4/10/2017</a:t>
             </a:fld>
             <a:endParaRPr lang="en-US"/>
           </a:p>
@@ -2985,10 +2965,9 @@
           <a:lstStyle/>
           <a:p>
             <a:r>
-              <a:rPr lang="en-US" smtClean="0"/>
+              <a:rPr lang="en-US"/>
               <a:t>Click to edit Master title style</a:t>
             </a:r>
-            <a:endParaRPr lang="en-US"/>
           </a:p>
         </p:txBody>
       </p:sp>
@@ -3019,38 +2998,37 @@
           <a:p>
             <a:pPr lvl="0"/>
             <a:r>
-              <a:rPr lang="en-US" smtClean="0"/>
+              <a:rPr lang="en-US"/>
               <a:t>Click to edit Master text styles</a:t>
             </a:r>
           </a:p>
           <a:p>
             <a:pPr lvl="1"/>
             <a:r>
-              <a:rPr lang="en-US" smtClean="0"/>
+              <a:rPr lang="en-US"/>
               <a:t>Second level</a:t>
             </a:r>
           </a:p>
           <a:p>
             <a:pPr lvl="2"/>
             <a:r>
-              <a:rPr lang="en-US" smtClean="0"/>
+              <a:rPr lang="en-US"/>
               <a:t>Third level</a:t>
             </a:r>
           </a:p>
           <a:p>
             <a:pPr lvl="3"/>
             <a:r>
-              <a:rPr lang="en-US" smtClean="0"/>
+              <a:rPr lang="en-US"/>
               <a:t>Fourth level</a:t>
             </a:r>
           </a:p>
           <a:p>
             <a:pPr lvl="4"/>
             <a:r>
-              <a:rPr lang="en-US" smtClean="0"/>
+              <a:rPr lang="en-US"/>
               <a:t>Fifth level</a:t>
             </a:r>
-            <a:endParaRPr lang="en-US"/>
           </a:p>
         </p:txBody>
       </p:sp>
@@ -3089,7 +3067,7 @@
           <a:p>
             <a:fld id="{78C97017-6FC3-485B-9764-EAC9E56C1D49}" type="datetimeFigureOut">
               <a:rPr lang="en-US" smtClean="0"/>
-              <a:t>2/6/2017</a:t>
+              <a:t>4/10/2017</a:t>
             </a:fld>
             <a:endParaRPr lang="en-US"/>
           </a:p>
@@ -3510,7 +3488,7 @@
           <a:lstStyle/>
           <a:p>
             <a:r>
-              <a:rPr lang="en-US" sz="1200" b="1" dirty="0" smtClean="0">
+              <a:rPr lang="en-US" sz="1200" b="1" dirty="0">
                 <a:solidFill>
                   <a:srgbClr val="0070C0"/>
                 </a:solidFill>
@@ -3720,7 +3698,7 @@
           <a:p>
             <a:pPr algn="ctr"/>
             <a:r>
-              <a:rPr lang="en-US" sz="1600" dirty="0" smtClean="0">
+              <a:rPr lang="en-US" sz="1600" dirty="0">
                 <a:solidFill>
                   <a:schemeClr val="bg1"/>
                 </a:solidFill>
@@ -3867,20 +3845,12 @@
           <a:p>
             <a:pPr algn="ctr"/>
             <a:r>
-              <a:rPr lang="en-US" sz="1600" dirty="0" smtClean="0">
+              <a:rPr lang="en-US" sz="1600" dirty="0">
                 <a:solidFill>
                   <a:schemeClr val="bg1"/>
                 </a:solidFill>
               </a:rPr>
               <a:t>d:Delete</a:t>
-            </a:r>
-            <a:r>
-              <a:rPr lang="en-US" sz="1600" dirty="0">
-                <a:solidFill>
-                  <a:schemeClr val="bg1"/>
-                </a:solidFill>
-              </a:rPr>
-              <a:t/>
             </a:r>
             <a:br>
               <a:rPr lang="en-US" sz="1600" dirty="0">
@@ -4087,18 +4057,13 @@
           <a:p>
             <a:pPr algn="r"/>
             <a:r>
-              <a:rPr lang="en-US" sz="1400" dirty="0" smtClean="0">
+              <a:rPr lang="en-US" sz="1400" dirty="0">
                 <a:solidFill>
                   <a:srgbClr val="0070C0"/>
                 </a:solidFill>
               </a:rPr>
               <a:t>execute(“delete 1”)</a:t>
             </a:r>
-            <a:endParaRPr lang="en-US" sz="1400" dirty="0">
-              <a:solidFill>
-                <a:srgbClr val="0070C0"/>
-              </a:solidFill>
-            </a:endParaRPr>
           </a:p>
         </p:txBody>
       </p:sp>
@@ -4660,7 +4625,7 @@
         </p:nvSpPr>
         <p:spPr>
           <a:xfrm>
-            <a:off x="6984957" y="4267200"/>
+            <a:off x="6880954" y="4267200"/>
             <a:ext cx="1424846" cy="215444"/>
           </a:xfrm>
           <a:prstGeom prst="rect">
@@ -4686,26 +4651,21 @@
           </a:lstStyle>
           <a:p>
             <a:r>
-              <a:rPr lang="en-US" dirty="0" err="1" smtClean="0">
+              <a:rPr lang="en-US" dirty="0" err="1">
                 <a:solidFill>
                   <a:srgbClr val="7030A0"/>
                 </a:solidFill>
               </a:rPr>
-              <a:t>deletePerson</a:t>
-            </a:r>
-            <a:r>
-              <a:rPr lang="en-US" dirty="0" smtClean="0">
+              <a:t>deleteTask</a:t>
+            </a:r>
+            <a:r>
+              <a:rPr lang="en-US" dirty="0">
                 <a:solidFill>
                   <a:srgbClr val="7030A0"/>
                 </a:solidFill>
               </a:rPr>
-              <a:t>(p)</a:t>
-            </a:r>
-            <a:endParaRPr lang="en-US" dirty="0">
-              <a:solidFill>
-                <a:srgbClr val="7030A0"/>
-              </a:solidFill>
-            </a:endParaRPr>
+              <a:t>(t)</a:t>
+            </a:r>
           </a:p>
         </p:txBody>
       </p:sp>
@@ -4744,13 +4704,8 @@
           <a:p>
             <a:r>
               <a:rPr lang="en-US" sz="1200" dirty="0"/>
-              <a:t>p</a:t>
-            </a:r>
-            <a:r>
-              <a:rPr lang="en-US" sz="1200" dirty="0" smtClean="0"/>
-              <a:t>arse(“1”)</a:t>
-            </a:r>
-            <a:endParaRPr lang="en-US" sz="1200" dirty="0"/>
+              <a:t>parse(“1”)</a:t>
+            </a:r>
           </a:p>
         </p:txBody>
       </p:sp>
@@ -4788,10 +4743,9 @@
           </a:lstStyle>
           <a:p>
             <a:r>
-              <a:rPr lang="en-US" dirty="0" smtClean="0"/>
+              <a:rPr lang="en-US" dirty="0"/>
               <a:t>parse(“delete 1”)</a:t>
             </a:r>
-            <a:endParaRPr lang="en-US" dirty="0"/>
           </a:p>
         </p:txBody>
       </p:sp>
@@ -4829,10 +4783,9 @@
           </a:lstStyle>
           <a:p>
             <a:r>
-              <a:rPr lang="en-US" dirty="0" smtClean="0"/>
+              <a:rPr lang="en-US" dirty="0"/>
               <a:t>result</a:t>
             </a:r>
-            <a:endParaRPr lang="en-US" dirty="0"/>
           </a:p>
         </p:txBody>
       </p:sp>
@@ -4870,10 +4823,9 @@
           </a:lstStyle>
           <a:p>
             <a:r>
-              <a:rPr lang="en-US" dirty="0" smtClean="0"/>
+              <a:rPr lang="en-US" dirty="0"/>
               <a:t>result</a:t>
             </a:r>
-            <a:endParaRPr lang="en-US" dirty="0"/>
           </a:p>
         </p:txBody>
       </p:sp>
@@ -4921,7 +4873,7 @@
           <a:p>
             <a:pPr algn="ctr"/>
             <a:r>
-              <a:rPr lang="en-US" sz="1600" dirty="0" err="1" smtClean="0">
+              <a:rPr lang="en-US" sz="1600" dirty="0" err="1">
                 <a:solidFill>
                   <a:schemeClr val="bg1"/>
                 </a:solidFill>
@@ -4929,7 +4881,7 @@
               <a:t>result:Command</a:t>
             </a:r>
             <a:r>
-              <a:rPr lang="en-US" sz="1600" dirty="0" smtClean="0">
+              <a:rPr lang="en-US" sz="1600" dirty="0">
                 <a:solidFill>
                   <a:schemeClr val="bg1"/>
                 </a:solidFill>
@@ -5063,10 +5015,9 @@
           </a:lstStyle>
           <a:p>
             <a:r>
-              <a:rPr lang="en-US" dirty="0" smtClean="0"/>
+              <a:rPr lang="en-US" dirty="0"/>
               <a:t>d</a:t>
             </a:r>
-            <a:endParaRPr lang="en-US" dirty="0"/>
           </a:p>
         </p:txBody>
       </p:sp>
@@ -5114,7 +5065,7 @@
           <a:p>
             <a:pPr algn="ctr"/>
             <a:r>
-              <a:rPr lang="en-US" sz="1600" dirty="0" smtClean="0">
+              <a:rPr lang="en-US" sz="1600" dirty="0">
                 <a:solidFill>
                   <a:schemeClr val="bg1"/>
                 </a:solidFill>
@@ -5122,14 +5073,14 @@
               <a:t>:</a:t>
             </a:r>
             <a:r>
-              <a:rPr lang="en-US" sz="1600" dirty="0" err="1" smtClean="0">
+              <a:rPr lang="en-US" sz="1600" dirty="0" err="1">
                 <a:solidFill>
                   <a:schemeClr val="bg1"/>
                 </a:solidFill>
               </a:rPr>
               <a:t>DeleteCommand</a:t>
             </a:r>
-            <a:endParaRPr lang="en-US" sz="1600" dirty="0" smtClean="0">
+            <a:endParaRPr lang="en-US" sz="1600" dirty="0">
               <a:solidFill>
                 <a:schemeClr val="bg1"/>
               </a:solidFill>
@@ -5138,7 +5089,7 @@
           <a:p>
             <a:pPr algn="ctr"/>
             <a:r>
-              <a:rPr lang="en-US" sz="1600" dirty="0" smtClean="0">
+              <a:rPr lang="en-US" sz="1600" dirty="0">
                 <a:solidFill>
                   <a:schemeClr val="bg1"/>
                 </a:solidFill>
@@ -5489,18 +5440,13 @@
           <a:lstStyle/>
           <a:p>
             <a:r>
-              <a:rPr lang="en-SG" sz="1100" dirty="0" smtClean="0">
+              <a:rPr lang="en-SG" sz="1100" dirty="0">
                 <a:solidFill>
                   <a:srgbClr val="002060"/>
                 </a:solidFill>
               </a:rPr>
               <a:t>X</a:t>
             </a:r>
-            <a:endParaRPr lang="en-SG" sz="1100" dirty="0">
-              <a:solidFill>
-                <a:srgbClr val="002060"/>
-              </a:solidFill>
-            </a:endParaRPr>
           </a:p>
         </p:txBody>
       </p:sp>
